--- a/presentation.pptx
+++ b/presentation.pptx
@@ -11,7 +11,7 @@
     <p:sldId id="256" r:id="rId2"/>
     <p:sldId id="257" r:id="rId3"/>
     <p:sldId id="259" r:id="rId4"/>
-    <p:sldId id="261" r:id="rId5"/>
+    <p:sldId id="266" r:id="rId5"/>
     <p:sldId id="260" r:id="rId6"/>
     <p:sldId id="262" r:id="rId7"/>
     <p:sldId id="264" r:id="rId8"/>
@@ -123,421 +123,6 @@
 </file>
 
 <file path=ppt/charts/chart1.xml><?xml version="1.0" encoding="utf-8"?>
-<c:chartSpace xmlns:c="http://schemas.openxmlformats.org/drawingml/2006/chart" xmlns:a="http://schemas.openxmlformats.org/drawingml/2006/main" xmlns:r="http://schemas.openxmlformats.org/officeDocument/2006/relationships" xmlns:c16r2="http://schemas.microsoft.com/office/drawing/2015/06/chart">
-  <c:date1904 val="0"/>
-  <c:lang val="en-US"/>
-  <c:roundedCorners val="0"/>
-  <mc:AlternateContent xmlns:mc="http://schemas.openxmlformats.org/markup-compatibility/2006">
-    <mc:Choice xmlns:c14="http://schemas.microsoft.com/office/drawing/2007/8/2/chart" Requires="c14">
-      <c14:style val="102"/>
-    </mc:Choice>
-    <mc:Fallback>
-      <c:style val="2"/>
-    </mc:Fallback>
-  </mc:AlternateContent>
-  <c:chart>
-    <c:autoTitleDeleted val="1"/>
-    <c:plotArea>
-      <c:layout/>
-      <c:barChart>
-        <c:barDir val="bar"/>
-        <c:grouping val="clustered"/>
-        <c:varyColors val="0"/>
-        <c:ser>
-          <c:idx val="1"/>
-          <c:order val="0"/>
-          <c:tx>
-            <c:strRef>
-              <c:f>Sheet1!$C$1</c:f>
-              <c:strCache>
-                <c:ptCount val="1"/>
-                <c:pt idx="0">
-                  <c:v>Proportion of Identity Comments that are Toxic</c:v>
-                </c:pt>
-              </c:strCache>
-            </c:strRef>
-          </c:tx>
-          <c:spPr>
-            <a:solidFill>
-              <a:schemeClr val="accent2"/>
-            </a:solidFill>
-            <a:ln>
-              <a:noFill/>
-            </a:ln>
-            <a:effectLst/>
-          </c:spPr>
-          <c:invertIfNegative val="0"/>
-          <c:cat>
-            <c:strRef>
-              <c:f>Sheet1!$A$2:$A$10</c:f>
-              <c:strCache>
-                <c:ptCount val="9"/>
-                <c:pt idx="0">
-                  <c:v>male</c:v>
-                </c:pt>
-                <c:pt idx="1">
-                  <c:v>female</c:v>
-                </c:pt>
-                <c:pt idx="2">
-                  <c:v>homosexual_gay_or_lesbian</c:v>
-                </c:pt>
-                <c:pt idx="3">
-                  <c:v>christian</c:v>
-                </c:pt>
-                <c:pt idx="4">
-                  <c:v>jewish</c:v>
-                </c:pt>
-                <c:pt idx="5">
-                  <c:v>muslim</c:v>
-                </c:pt>
-                <c:pt idx="6">
-                  <c:v>black</c:v>
-                </c:pt>
-                <c:pt idx="7">
-                  <c:v>white</c:v>
-                </c:pt>
-                <c:pt idx="8">
-                  <c:v>psychiatric_or_mental_illness</c:v>
-                </c:pt>
-              </c:strCache>
-            </c:strRef>
-          </c:cat>
-          <c:val>
-            <c:numRef>
-              <c:f>Sheet1!$C$2:$C$10</c:f>
-              <c:numCache>
-                <c:formatCode>0%</c:formatCode>
-                <c:ptCount val="9"/>
-                <c:pt idx="0">
-                  <c:v>0.103737</c:v>
-                </c:pt>
-                <c:pt idx="1">
-                  <c:v>9.0408000000000002E-2</c:v>
-                </c:pt>
-                <c:pt idx="2">
-                  <c:v>0.204819</c:v>
-                </c:pt>
-                <c:pt idx="3">
-                  <c:v>5.5274999999999998E-2</c:v>
-                </c:pt>
-                <c:pt idx="4">
-                  <c:v>9.0234999999999996E-2</c:v>
-                </c:pt>
-                <c:pt idx="5">
-                  <c:v>0.13674800000000001</c:v>
-                </c:pt>
-                <c:pt idx="6">
-                  <c:v>0.22294700000000001</c:v>
-                </c:pt>
-                <c:pt idx="7">
-                  <c:v>0.186857</c:v>
-                </c:pt>
-                <c:pt idx="8">
-                  <c:v>0.124736</c:v>
-                </c:pt>
-              </c:numCache>
-            </c:numRef>
-          </c:val>
-          <c:extLst>
-            <c:ext xmlns:c16="http://schemas.microsoft.com/office/drawing/2014/chart" uri="{C3380CC4-5D6E-409C-BE32-E72D297353CC}">
-              <c16:uniqueId val="{00000000-890F-49F2-8A5E-1D7E9103921D}"/>
-            </c:ext>
-          </c:extLst>
-        </c:ser>
-        <c:ser>
-          <c:idx val="0"/>
-          <c:order val="1"/>
-          <c:tx>
-            <c:strRef>
-              <c:f>Sheet1!$B$1</c:f>
-              <c:strCache>
-                <c:ptCount val="1"/>
-                <c:pt idx="0">
-                  <c:v>Proportion of All Comments that Mention Identity</c:v>
-                </c:pt>
-              </c:strCache>
-            </c:strRef>
-          </c:tx>
-          <c:spPr>
-            <a:solidFill>
-              <a:srgbClr val="7030A0"/>
-            </a:solidFill>
-            <a:ln>
-              <a:noFill/>
-            </a:ln>
-            <a:effectLst/>
-          </c:spPr>
-          <c:invertIfNegative val="0"/>
-          <c:cat>
-            <c:strRef>
-              <c:f>Sheet1!$A$2:$A$10</c:f>
-              <c:strCache>
-                <c:ptCount val="9"/>
-                <c:pt idx="0">
-                  <c:v>male</c:v>
-                </c:pt>
-                <c:pt idx="1">
-                  <c:v>female</c:v>
-                </c:pt>
-                <c:pt idx="2">
-                  <c:v>homosexual_gay_or_lesbian</c:v>
-                </c:pt>
-                <c:pt idx="3">
-                  <c:v>christian</c:v>
-                </c:pt>
-                <c:pt idx="4">
-                  <c:v>jewish</c:v>
-                </c:pt>
-                <c:pt idx="5">
-                  <c:v>muslim</c:v>
-                </c:pt>
-                <c:pt idx="6">
-                  <c:v>black</c:v>
-                </c:pt>
-                <c:pt idx="7">
-                  <c:v>white</c:v>
-                </c:pt>
-                <c:pt idx="8">
-                  <c:v>psychiatric_or_mental_illness</c:v>
-                </c:pt>
-              </c:strCache>
-            </c:strRef>
-          </c:cat>
-          <c:val>
-            <c:numRef>
-              <c:f>Sheet1!$B$2:$B$10</c:f>
-              <c:numCache>
-                <c:formatCode>0%</c:formatCode>
-                <c:ptCount val="9"/>
-                <c:pt idx="0">
-                  <c:v>0.107505</c:v>
-                </c:pt>
-                <c:pt idx="1">
-                  <c:v>0.12898899999999999</c:v>
-                </c:pt>
-                <c:pt idx="2">
-                  <c:v>2.5013000000000001E-2</c:v>
-                </c:pt>
-                <c:pt idx="3">
-                  <c:v>9.4330999999999998E-2</c:v>
-                </c:pt>
-                <c:pt idx="4">
-                  <c:v>1.8731000000000001E-2</c:v>
-                </c:pt>
-                <c:pt idx="5">
-                  <c:v>5.0115E-2</c:v>
-                </c:pt>
-                <c:pt idx="6">
-                  <c:v>3.5395000000000003E-2</c:v>
-                </c:pt>
-                <c:pt idx="7">
-                  <c:v>5.7116E-2</c:v>
-                </c:pt>
-                <c:pt idx="8">
-                  <c:v>1.1779E-2</c:v>
-                </c:pt>
-              </c:numCache>
-            </c:numRef>
-          </c:val>
-          <c:extLst>
-            <c:ext xmlns:c16="http://schemas.microsoft.com/office/drawing/2014/chart" uri="{C3380CC4-5D6E-409C-BE32-E72D297353CC}">
-              <c16:uniqueId val="{00000001-890F-49F2-8A5E-1D7E9103921D}"/>
-            </c:ext>
-          </c:extLst>
-        </c:ser>
-        <c:dLbls>
-          <c:showLegendKey val="0"/>
-          <c:showVal val="0"/>
-          <c:showCatName val="0"/>
-          <c:showSerName val="0"/>
-          <c:showPercent val="0"/>
-          <c:showBubbleSize val="0"/>
-        </c:dLbls>
-        <c:gapWidth val="182"/>
-        <c:axId val="476826864"/>
-        <c:axId val="476822600"/>
-      </c:barChart>
-      <c:catAx>
-        <c:axId val="476826864"/>
-        <c:scaling>
-          <c:orientation val="minMax"/>
-        </c:scaling>
-        <c:delete val="0"/>
-        <c:axPos val="l"/>
-        <c:numFmt formatCode="General" sourceLinked="1"/>
-        <c:majorTickMark val="none"/>
-        <c:minorTickMark val="none"/>
-        <c:tickLblPos val="nextTo"/>
-        <c:spPr>
-          <a:noFill/>
-          <a:ln w="9525" cap="flat" cmpd="sng" algn="ctr">
-            <a:solidFill>
-              <a:schemeClr val="tx1">
-                <a:lumMod val="15000"/>
-                <a:lumOff val="85000"/>
-              </a:schemeClr>
-            </a:solidFill>
-            <a:round/>
-          </a:ln>
-          <a:effectLst/>
-        </c:spPr>
-        <c:txPr>
-          <a:bodyPr rot="-60000000" spcFirstLastPara="1" vertOverflow="ellipsis" vert="horz" wrap="square" anchor="ctr" anchorCtr="1"/>
-          <a:lstStyle/>
-          <a:p>
-            <a:pPr>
-              <a:defRPr sz="1600" b="0" i="0" u="none" strike="noStrike" kern="1200" baseline="0">
-                <a:solidFill>
-                  <a:schemeClr val="tx1">
-                    <a:lumMod val="65000"/>
-                    <a:lumOff val="35000"/>
-                  </a:schemeClr>
-                </a:solidFill>
-                <a:latin typeface="+mn-lt"/>
-                <a:ea typeface="+mn-ea"/>
-                <a:cs typeface="+mn-cs"/>
-              </a:defRPr>
-            </a:pPr>
-            <a:endParaRPr lang="en-US"/>
-          </a:p>
-        </c:txPr>
-        <c:crossAx val="476822600"/>
-        <c:crosses val="autoZero"/>
-        <c:auto val="1"/>
-        <c:lblAlgn val="ctr"/>
-        <c:lblOffset val="100"/>
-        <c:noMultiLvlLbl val="0"/>
-      </c:catAx>
-      <c:valAx>
-        <c:axId val="476822600"/>
-        <c:scaling>
-          <c:orientation val="minMax"/>
-        </c:scaling>
-        <c:delete val="0"/>
-        <c:axPos val="b"/>
-        <c:majorGridlines>
-          <c:spPr>
-            <a:ln w="9525" cap="flat" cmpd="sng" algn="ctr">
-              <a:solidFill>
-                <a:schemeClr val="tx1">
-                  <a:lumMod val="15000"/>
-                  <a:lumOff val="85000"/>
-                </a:schemeClr>
-              </a:solidFill>
-              <a:round/>
-            </a:ln>
-            <a:effectLst/>
-          </c:spPr>
-        </c:majorGridlines>
-        <c:numFmt formatCode="0%" sourceLinked="1"/>
-        <c:majorTickMark val="none"/>
-        <c:minorTickMark val="none"/>
-        <c:tickLblPos val="nextTo"/>
-        <c:spPr>
-          <a:noFill/>
-          <a:ln>
-            <a:noFill/>
-          </a:ln>
-          <a:effectLst/>
-        </c:spPr>
-        <c:txPr>
-          <a:bodyPr rot="-60000000" spcFirstLastPara="1" vertOverflow="ellipsis" vert="horz" wrap="square" anchor="ctr" anchorCtr="1"/>
-          <a:lstStyle/>
-          <a:p>
-            <a:pPr>
-              <a:defRPr sz="1600" b="0" i="0" u="none" strike="noStrike" kern="1200" baseline="0">
-                <a:solidFill>
-                  <a:schemeClr val="tx1">
-                    <a:lumMod val="65000"/>
-                    <a:lumOff val="35000"/>
-                  </a:schemeClr>
-                </a:solidFill>
-                <a:latin typeface="+mn-lt"/>
-                <a:ea typeface="+mn-ea"/>
-                <a:cs typeface="+mn-cs"/>
-              </a:defRPr>
-            </a:pPr>
-            <a:endParaRPr lang="en-US"/>
-          </a:p>
-        </c:txPr>
-        <c:crossAx val="476826864"/>
-        <c:crosses val="autoZero"/>
-        <c:crossBetween val="between"/>
-      </c:valAx>
-      <c:spPr>
-        <a:noFill/>
-        <a:ln>
-          <a:noFill/>
-        </a:ln>
-        <a:effectLst/>
-      </c:spPr>
-    </c:plotArea>
-    <c:legend>
-      <c:legendPos val="b"/>
-      <c:overlay val="0"/>
-      <c:spPr>
-        <a:noFill/>
-        <a:ln>
-          <a:noFill/>
-        </a:ln>
-        <a:effectLst/>
-      </c:spPr>
-      <c:txPr>
-        <a:bodyPr rot="0" spcFirstLastPara="1" vertOverflow="ellipsis" vert="horz" wrap="square" anchor="ctr" anchorCtr="1"/>
-        <a:lstStyle/>
-        <a:p>
-          <a:pPr>
-            <a:defRPr sz="1600" b="0" i="0" u="none" strike="noStrike" kern="1200" baseline="0">
-              <a:solidFill>
-                <a:schemeClr val="tx1">
-                  <a:lumMod val="65000"/>
-                  <a:lumOff val="35000"/>
-                </a:schemeClr>
-              </a:solidFill>
-              <a:latin typeface="+mn-lt"/>
-              <a:ea typeface="+mn-ea"/>
-              <a:cs typeface="+mn-cs"/>
-            </a:defRPr>
-          </a:pPr>
-          <a:endParaRPr lang="en-US"/>
-        </a:p>
-      </c:txPr>
-    </c:legend>
-    <c:plotVisOnly val="1"/>
-    <c:dispBlanksAs val="gap"/>
-    <c:extLst>
-      <c:ext xmlns:c16r3="http://schemas.microsoft.com/office/drawing/2017/03/chart" uri="{56B9EC1D-385E-4148-901F-78D8002777C0}">
-        <c16r3:dataDisplayOptions16>
-          <c16r3:dispNaAsBlank val="1"/>
-        </c16r3:dataDisplayOptions16>
-      </c:ext>
-    </c:extLst>
-    <c:showDLblsOverMax val="0"/>
-  </c:chart>
-  <c:spPr>
-    <a:noFill/>
-    <a:ln>
-      <a:noFill/>
-    </a:ln>
-    <a:effectLst/>
-  </c:spPr>
-  <c:txPr>
-    <a:bodyPr/>
-    <a:lstStyle/>
-    <a:p>
-      <a:pPr>
-        <a:defRPr sz="1600"/>
-      </a:pPr>
-      <a:endParaRPr lang="en-US"/>
-    </a:p>
-  </c:txPr>
-  <c:externalData r:id="rId3">
-    <c:autoUpdate val="0"/>
-  </c:externalData>
-</c:chartSpace>
-</file>
-
-<file path=ppt/charts/chart2.xml><?xml version="1.0" encoding="utf-8"?>
 <c:chartSpace xmlns:c="http://schemas.openxmlformats.org/drawingml/2006/chart" xmlns:a="http://schemas.openxmlformats.org/drawingml/2006/main" xmlns:r="http://schemas.openxmlformats.org/officeDocument/2006/relationships" xmlns:c16r2="http://schemas.microsoft.com/office/drawing/2015/06/chart">
   <c:date1904 val="0"/>
   <c:lang val="en-US"/>
@@ -1008,552 +593,7 @@
 </cs:colorStyle>
 </file>
 
-<file path=ppt/charts/colors2.xml><?xml version="1.0" encoding="utf-8"?>
-<cs:colorStyle xmlns:cs="http://schemas.microsoft.com/office/drawing/2012/chartStyle" xmlns:a="http://schemas.openxmlformats.org/drawingml/2006/main" meth="cycle" id="10">
-  <a:schemeClr val="accent1"/>
-  <a:schemeClr val="accent2"/>
-  <a:schemeClr val="accent3"/>
-  <a:schemeClr val="accent4"/>
-  <a:schemeClr val="accent5"/>
-  <a:schemeClr val="accent6"/>
-  <cs:variation/>
-  <cs:variation>
-    <a:lumMod val="60000"/>
-  </cs:variation>
-  <cs:variation>
-    <a:lumMod val="80000"/>
-    <a:lumOff val="20000"/>
-  </cs:variation>
-  <cs:variation>
-    <a:lumMod val="80000"/>
-  </cs:variation>
-  <cs:variation>
-    <a:lumMod val="60000"/>
-    <a:lumOff val="40000"/>
-  </cs:variation>
-  <cs:variation>
-    <a:lumMod val="50000"/>
-  </cs:variation>
-  <cs:variation>
-    <a:lumMod val="70000"/>
-    <a:lumOff val="30000"/>
-  </cs:variation>
-  <cs:variation>
-    <a:lumMod val="70000"/>
-  </cs:variation>
-  <cs:variation>
-    <a:lumMod val="50000"/>
-    <a:lumOff val="50000"/>
-  </cs:variation>
-</cs:colorStyle>
-</file>
-
 <file path=ppt/charts/style1.xml><?xml version="1.0" encoding="utf-8"?>
-<cs:chartStyle xmlns:cs="http://schemas.microsoft.com/office/drawing/2012/chartStyle" xmlns:a="http://schemas.openxmlformats.org/drawingml/2006/main" id="216">
-  <cs:axisTitle>
-    <cs:lnRef idx="0"/>
-    <cs:fillRef idx="0"/>
-    <cs:effectRef idx="0"/>
-    <cs:fontRef idx="minor">
-      <a:schemeClr val="tx1">
-        <a:lumMod val="65000"/>
-        <a:lumOff val="35000"/>
-      </a:schemeClr>
-    </cs:fontRef>
-    <cs:defRPr sz="1000" kern="1200"/>
-  </cs:axisTitle>
-  <cs:categoryAxis>
-    <cs:lnRef idx="0"/>
-    <cs:fillRef idx="0"/>
-    <cs:effectRef idx="0"/>
-    <cs:fontRef idx="minor">
-      <a:schemeClr val="tx1">
-        <a:lumMod val="65000"/>
-        <a:lumOff val="35000"/>
-      </a:schemeClr>
-    </cs:fontRef>
-    <cs:spPr>
-      <a:ln w="9525" cap="flat" cmpd="sng" algn="ctr">
-        <a:solidFill>
-          <a:schemeClr val="tx1">
-            <a:lumMod val="15000"/>
-            <a:lumOff val="85000"/>
-          </a:schemeClr>
-        </a:solidFill>
-        <a:round/>
-      </a:ln>
-    </cs:spPr>
-    <cs:defRPr sz="900" kern="1200"/>
-  </cs:categoryAxis>
-  <cs:chartArea mods="allowNoFillOverride allowNoLineOverride">
-    <cs:lnRef idx="0"/>
-    <cs:fillRef idx="0"/>
-    <cs:effectRef idx="0"/>
-    <cs:fontRef idx="minor">
-      <a:schemeClr val="tx1"/>
-    </cs:fontRef>
-    <cs:spPr>
-      <a:solidFill>
-        <a:schemeClr val="bg1"/>
-      </a:solidFill>
-      <a:ln w="9525" cap="flat" cmpd="sng" algn="ctr">
-        <a:solidFill>
-          <a:schemeClr val="tx1">
-            <a:lumMod val="15000"/>
-            <a:lumOff val="85000"/>
-          </a:schemeClr>
-        </a:solidFill>
-        <a:round/>
-      </a:ln>
-    </cs:spPr>
-    <cs:defRPr sz="1000" kern="1200"/>
-  </cs:chartArea>
-  <cs:dataLabel>
-    <cs:lnRef idx="0"/>
-    <cs:fillRef idx="0"/>
-    <cs:effectRef idx="0"/>
-    <cs:fontRef idx="minor">
-      <a:schemeClr val="tx1">
-        <a:lumMod val="75000"/>
-        <a:lumOff val="25000"/>
-      </a:schemeClr>
-    </cs:fontRef>
-    <cs:defRPr sz="900" kern="1200"/>
-  </cs:dataLabel>
-  <cs:dataLabelCallout>
-    <cs:lnRef idx="0"/>
-    <cs:fillRef idx="0"/>
-    <cs:effectRef idx="0"/>
-    <cs:fontRef idx="minor">
-      <a:schemeClr val="dk1">
-        <a:lumMod val="65000"/>
-        <a:lumOff val="35000"/>
-      </a:schemeClr>
-    </cs:fontRef>
-    <cs:spPr>
-      <a:solidFill>
-        <a:schemeClr val="lt1"/>
-      </a:solidFill>
-      <a:ln>
-        <a:solidFill>
-          <a:schemeClr val="dk1">
-            <a:lumMod val="25000"/>
-            <a:lumOff val="75000"/>
-          </a:schemeClr>
-        </a:solidFill>
-      </a:ln>
-    </cs:spPr>
-    <cs:defRPr sz="900" kern="1200"/>
-    <cs:bodyPr rot="0" spcFirstLastPara="1" vertOverflow="clip" horzOverflow="clip" vert="horz" wrap="square" lIns="36576" tIns="18288" rIns="36576" bIns="18288" anchor="ctr" anchorCtr="1">
-      <a:spAutoFit/>
-    </cs:bodyPr>
-  </cs:dataLabelCallout>
-  <cs:dataPoint>
-    <cs:lnRef idx="0"/>
-    <cs:fillRef idx="1">
-      <cs:styleClr val="auto"/>
-    </cs:fillRef>
-    <cs:effectRef idx="0"/>
-    <cs:fontRef idx="minor">
-      <a:schemeClr val="tx1"/>
-    </cs:fontRef>
-  </cs:dataPoint>
-  <cs:dataPoint3D>
-    <cs:lnRef idx="0"/>
-    <cs:fillRef idx="1">
-      <cs:styleClr val="auto"/>
-    </cs:fillRef>
-    <cs:effectRef idx="0"/>
-    <cs:fontRef idx="minor">
-      <a:schemeClr val="tx1"/>
-    </cs:fontRef>
-  </cs:dataPoint3D>
-  <cs:dataPointLine>
-    <cs:lnRef idx="0">
-      <cs:styleClr val="auto"/>
-    </cs:lnRef>
-    <cs:fillRef idx="1"/>
-    <cs:effectRef idx="0"/>
-    <cs:fontRef idx="minor">
-      <a:schemeClr val="tx1"/>
-    </cs:fontRef>
-    <cs:spPr>
-      <a:ln w="28575" cap="rnd">
-        <a:solidFill>
-          <a:schemeClr val="phClr"/>
-        </a:solidFill>
-        <a:round/>
-      </a:ln>
-    </cs:spPr>
-  </cs:dataPointLine>
-  <cs:dataPointMarker>
-    <cs:lnRef idx="0">
-      <cs:styleClr val="auto"/>
-    </cs:lnRef>
-    <cs:fillRef idx="1">
-      <cs:styleClr val="auto"/>
-    </cs:fillRef>
-    <cs:effectRef idx="0"/>
-    <cs:fontRef idx="minor">
-      <a:schemeClr val="tx1"/>
-    </cs:fontRef>
-    <cs:spPr>
-      <a:ln w="9525">
-        <a:solidFill>
-          <a:schemeClr val="phClr"/>
-        </a:solidFill>
-      </a:ln>
-    </cs:spPr>
-  </cs:dataPointMarker>
-  <cs:dataPointMarkerLayout symbol="circle" size="5"/>
-  <cs:dataPointWireframe>
-    <cs:lnRef idx="0">
-      <cs:styleClr val="auto"/>
-    </cs:lnRef>
-    <cs:fillRef idx="1"/>
-    <cs:effectRef idx="0"/>
-    <cs:fontRef idx="minor">
-      <a:schemeClr val="tx1"/>
-    </cs:fontRef>
-    <cs:spPr>
-      <a:ln w="9525" cap="rnd">
-        <a:solidFill>
-          <a:schemeClr val="phClr"/>
-        </a:solidFill>
-        <a:round/>
-      </a:ln>
-    </cs:spPr>
-  </cs:dataPointWireframe>
-  <cs:dataTable>
-    <cs:lnRef idx="0"/>
-    <cs:fillRef idx="0"/>
-    <cs:effectRef idx="0"/>
-    <cs:fontRef idx="minor">
-      <a:schemeClr val="tx1">
-        <a:lumMod val="65000"/>
-        <a:lumOff val="35000"/>
-      </a:schemeClr>
-    </cs:fontRef>
-    <cs:spPr>
-      <a:noFill/>
-      <a:ln w="9525" cap="flat" cmpd="sng" algn="ctr">
-        <a:solidFill>
-          <a:schemeClr val="tx1">
-            <a:lumMod val="15000"/>
-            <a:lumOff val="85000"/>
-          </a:schemeClr>
-        </a:solidFill>
-        <a:round/>
-      </a:ln>
-    </cs:spPr>
-    <cs:defRPr sz="900" kern="1200"/>
-  </cs:dataTable>
-  <cs:downBar>
-    <cs:lnRef idx="0"/>
-    <cs:fillRef idx="0"/>
-    <cs:effectRef idx="0"/>
-    <cs:fontRef idx="minor">
-      <a:schemeClr val="tx1"/>
-    </cs:fontRef>
-    <cs:spPr>
-      <a:solidFill>
-        <a:schemeClr val="dk1">
-          <a:lumMod val="75000"/>
-          <a:lumOff val="25000"/>
-        </a:schemeClr>
-      </a:solidFill>
-      <a:ln w="9525" cap="flat" cmpd="sng" algn="ctr">
-        <a:solidFill>
-          <a:schemeClr val="tx1">
-            <a:lumMod val="65000"/>
-            <a:lumOff val="35000"/>
-          </a:schemeClr>
-        </a:solidFill>
-        <a:round/>
-      </a:ln>
-    </cs:spPr>
-  </cs:downBar>
-  <cs:dropLine>
-    <cs:lnRef idx="0"/>
-    <cs:fillRef idx="0"/>
-    <cs:effectRef idx="0"/>
-    <cs:fontRef idx="minor">
-      <a:schemeClr val="tx1"/>
-    </cs:fontRef>
-    <cs:spPr>
-      <a:ln w="9525" cap="flat" cmpd="sng" algn="ctr">
-        <a:solidFill>
-          <a:schemeClr val="tx1">
-            <a:lumMod val="35000"/>
-            <a:lumOff val="65000"/>
-          </a:schemeClr>
-        </a:solidFill>
-        <a:round/>
-      </a:ln>
-    </cs:spPr>
-  </cs:dropLine>
-  <cs:errorBar>
-    <cs:lnRef idx="0"/>
-    <cs:fillRef idx="0"/>
-    <cs:effectRef idx="0"/>
-    <cs:fontRef idx="minor">
-      <a:schemeClr val="tx1"/>
-    </cs:fontRef>
-    <cs:spPr>
-      <a:ln w="9525" cap="flat" cmpd="sng" algn="ctr">
-        <a:solidFill>
-          <a:schemeClr val="tx1">
-            <a:lumMod val="65000"/>
-            <a:lumOff val="35000"/>
-          </a:schemeClr>
-        </a:solidFill>
-        <a:round/>
-      </a:ln>
-    </cs:spPr>
-  </cs:errorBar>
-  <cs:floor>
-    <cs:lnRef idx="0"/>
-    <cs:fillRef idx="0"/>
-    <cs:effectRef idx="0"/>
-    <cs:fontRef idx="minor">
-      <a:schemeClr val="tx1"/>
-    </cs:fontRef>
-    <cs:spPr>
-      <a:noFill/>
-      <a:ln>
-        <a:noFill/>
-      </a:ln>
-    </cs:spPr>
-  </cs:floor>
-  <cs:gridlineMajor>
-    <cs:lnRef idx="0"/>
-    <cs:fillRef idx="0"/>
-    <cs:effectRef idx="0"/>
-    <cs:fontRef idx="minor">
-      <a:schemeClr val="tx1"/>
-    </cs:fontRef>
-    <cs:spPr>
-      <a:ln w="9525" cap="flat" cmpd="sng" algn="ctr">
-        <a:solidFill>
-          <a:schemeClr val="tx1">
-            <a:lumMod val="15000"/>
-            <a:lumOff val="85000"/>
-          </a:schemeClr>
-        </a:solidFill>
-        <a:round/>
-      </a:ln>
-    </cs:spPr>
-  </cs:gridlineMajor>
-  <cs:gridlineMinor>
-    <cs:lnRef idx="0"/>
-    <cs:fillRef idx="0"/>
-    <cs:effectRef idx="0"/>
-    <cs:fontRef idx="minor">
-      <a:schemeClr val="tx1"/>
-    </cs:fontRef>
-    <cs:spPr>
-      <a:ln w="9525" cap="flat" cmpd="sng" algn="ctr">
-        <a:solidFill>
-          <a:schemeClr val="tx1">
-            <a:lumMod val="5000"/>
-            <a:lumOff val="95000"/>
-          </a:schemeClr>
-        </a:solidFill>
-        <a:round/>
-      </a:ln>
-    </cs:spPr>
-  </cs:gridlineMinor>
-  <cs:hiLoLine>
-    <cs:lnRef idx="0"/>
-    <cs:fillRef idx="0"/>
-    <cs:effectRef idx="0"/>
-    <cs:fontRef idx="minor">
-      <a:schemeClr val="tx1"/>
-    </cs:fontRef>
-    <cs:spPr>
-      <a:ln w="9525" cap="flat" cmpd="sng" algn="ctr">
-        <a:solidFill>
-          <a:schemeClr val="tx1">
-            <a:lumMod val="50000"/>
-            <a:lumOff val="50000"/>
-          </a:schemeClr>
-        </a:solidFill>
-        <a:round/>
-      </a:ln>
-    </cs:spPr>
-  </cs:hiLoLine>
-  <cs:leaderLine>
-    <cs:lnRef idx="0"/>
-    <cs:fillRef idx="0"/>
-    <cs:effectRef idx="0"/>
-    <cs:fontRef idx="minor">
-      <a:schemeClr val="tx1"/>
-    </cs:fontRef>
-    <cs:spPr>
-      <a:ln w="9525" cap="flat" cmpd="sng" algn="ctr">
-        <a:solidFill>
-          <a:schemeClr val="tx1">
-            <a:lumMod val="35000"/>
-            <a:lumOff val="65000"/>
-          </a:schemeClr>
-        </a:solidFill>
-        <a:round/>
-      </a:ln>
-    </cs:spPr>
-  </cs:leaderLine>
-  <cs:legend>
-    <cs:lnRef idx="0"/>
-    <cs:fillRef idx="0"/>
-    <cs:effectRef idx="0"/>
-    <cs:fontRef idx="minor">
-      <a:schemeClr val="tx1">
-        <a:lumMod val="65000"/>
-        <a:lumOff val="35000"/>
-      </a:schemeClr>
-    </cs:fontRef>
-    <cs:defRPr sz="900" kern="1200"/>
-  </cs:legend>
-  <cs:plotArea mods="allowNoFillOverride allowNoLineOverride">
-    <cs:lnRef idx="0"/>
-    <cs:fillRef idx="0"/>
-    <cs:effectRef idx="0"/>
-    <cs:fontRef idx="minor">
-      <a:schemeClr val="tx1"/>
-    </cs:fontRef>
-  </cs:plotArea>
-  <cs:plotArea3D mods="allowNoFillOverride allowNoLineOverride">
-    <cs:lnRef idx="0"/>
-    <cs:fillRef idx="0"/>
-    <cs:effectRef idx="0"/>
-    <cs:fontRef idx="minor">
-      <a:schemeClr val="tx1"/>
-    </cs:fontRef>
-  </cs:plotArea3D>
-  <cs:seriesAxis>
-    <cs:lnRef idx="0"/>
-    <cs:fillRef idx="0"/>
-    <cs:effectRef idx="0"/>
-    <cs:fontRef idx="minor">
-      <a:schemeClr val="tx1">
-        <a:lumMod val="65000"/>
-        <a:lumOff val="35000"/>
-      </a:schemeClr>
-    </cs:fontRef>
-    <cs:defRPr sz="900" kern="1200"/>
-  </cs:seriesAxis>
-  <cs:seriesLine>
-    <cs:lnRef idx="0"/>
-    <cs:fillRef idx="0"/>
-    <cs:effectRef idx="0"/>
-    <cs:fontRef idx="minor">
-      <a:schemeClr val="tx1"/>
-    </cs:fontRef>
-    <cs:spPr>
-      <a:ln w="9525" cap="flat" cmpd="sng" algn="ctr">
-        <a:solidFill>
-          <a:schemeClr val="tx1">
-            <a:lumMod val="35000"/>
-            <a:lumOff val="65000"/>
-          </a:schemeClr>
-        </a:solidFill>
-        <a:round/>
-      </a:ln>
-    </cs:spPr>
-  </cs:seriesLine>
-  <cs:title>
-    <cs:lnRef idx="0"/>
-    <cs:fillRef idx="0"/>
-    <cs:effectRef idx="0"/>
-    <cs:fontRef idx="minor">
-      <a:schemeClr val="tx1">
-        <a:lumMod val="65000"/>
-        <a:lumOff val="35000"/>
-      </a:schemeClr>
-    </cs:fontRef>
-    <cs:defRPr sz="1400" b="0" kern="1200" spc="0" baseline="0"/>
-  </cs:title>
-  <cs:trendline>
-    <cs:lnRef idx="0">
-      <cs:styleClr val="auto"/>
-    </cs:lnRef>
-    <cs:fillRef idx="0"/>
-    <cs:effectRef idx="0"/>
-    <cs:fontRef idx="minor">
-      <a:schemeClr val="tx1"/>
-    </cs:fontRef>
-    <cs:spPr>
-      <a:ln w="19050" cap="rnd">
-        <a:solidFill>
-          <a:schemeClr val="phClr"/>
-        </a:solidFill>
-        <a:prstDash val="sysDot"/>
-      </a:ln>
-    </cs:spPr>
-  </cs:trendline>
-  <cs:trendlineLabel>
-    <cs:lnRef idx="0"/>
-    <cs:fillRef idx="0"/>
-    <cs:effectRef idx="0"/>
-    <cs:fontRef idx="minor">
-      <a:schemeClr val="tx1">
-        <a:lumMod val="65000"/>
-        <a:lumOff val="35000"/>
-      </a:schemeClr>
-    </cs:fontRef>
-    <cs:defRPr sz="900" kern="1200"/>
-  </cs:trendlineLabel>
-  <cs:upBar>
-    <cs:lnRef idx="0"/>
-    <cs:fillRef idx="0"/>
-    <cs:effectRef idx="0"/>
-    <cs:fontRef idx="minor">
-      <a:schemeClr val="tx1"/>
-    </cs:fontRef>
-    <cs:spPr>
-      <a:solidFill>
-        <a:schemeClr val="lt1"/>
-      </a:solidFill>
-      <a:ln w="9525" cap="flat" cmpd="sng" algn="ctr">
-        <a:solidFill>
-          <a:schemeClr val="tx1">
-            <a:lumMod val="65000"/>
-            <a:lumOff val="35000"/>
-          </a:schemeClr>
-        </a:solidFill>
-        <a:round/>
-      </a:ln>
-    </cs:spPr>
-  </cs:upBar>
-  <cs:valueAxis>
-    <cs:lnRef idx="0"/>
-    <cs:fillRef idx="0"/>
-    <cs:effectRef idx="0"/>
-    <cs:fontRef idx="minor">
-      <a:schemeClr val="tx1">
-        <a:lumMod val="65000"/>
-        <a:lumOff val="35000"/>
-      </a:schemeClr>
-    </cs:fontRef>
-    <cs:defRPr sz="900" kern="1200"/>
-  </cs:valueAxis>
-  <cs:wall>
-    <cs:lnRef idx="0"/>
-    <cs:fillRef idx="0"/>
-    <cs:effectRef idx="0"/>
-    <cs:fontRef idx="minor">
-      <a:schemeClr val="tx1"/>
-    </cs:fontRef>
-    <cs:spPr>
-      <a:noFill/>
-      <a:ln>
-        <a:noFill/>
-      </a:ln>
-    </cs:spPr>
-  </cs:wall>
-</cs:chartStyle>
-</file>
-
-<file path=ppt/charts/style2.xml><?xml version="1.0" encoding="utf-8"?>
 <cs:chartStyle xmlns:cs="http://schemas.microsoft.com/office/drawing/2012/chartStyle" xmlns:a="http://schemas.openxmlformats.org/drawingml/2006/main" id="201">
   <cs:axisTitle>
     <cs:lnRef idx="0"/>
@@ -2861,7 +1901,7 @@
         <a:p>
           <a:r>
             <a:rPr lang="en-US" dirty="0"/>
-            <a:t>I can predict comment toxicity well using Bidirectional neural networks</a:t>
+            <a:t>I can predict the timing of aperiodic earthquakes moderately well using gradient-boosted trees</a:t>
           </a:r>
         </a:p>
       </dgm:t>
@@ -2896,8 +1936,8 @@
         <a:lstStyle/>
         <a:p>
           <a:r>
-            <a:rPr lang="en-US"/>
-            <a:t>This will be useful for flagging comments for removal</a:t>
+            <a:rPr lang="en-US" dirty="0"/>
+            <a:t>This can be useful for advancing seismology research and for improving public earthquake warning systems</a:t>
           </a:r>
         </a:p>
       </dgm:t>
@@ -2932,8 +1972,8 @@
         <a:lstStyle/>
         <a:p>
           <a:r>
-            <a:rPr lang="en-US"/>
-            <a:t>Race-based toxicity is particularly challenging to identify</a:t>
+            <a:rPr lang="en-US" dirty="0"/>
+            <a:t>Model improvement may be possible using continuous acoustic data, rather than relying on acoustic snippets</a:t>
           </a:r>
         </a:p>
       </dgm:t>
@@ -2968,8 +2008,8 @@
         <a:lstStyle/>
         <a:p>
           <a:r>
-            <a:rPr lang="en-US"/>
-            <a:t>Model improvement is possible with more computing resources </a:t>
+            <a:rPr lang="en-US" dirty="0"/>
+            <a:t>Additional computing resources could yield further improvements with more feature engineering and model testing</a:t>
           </a:r>
         </a:p>
       </dgm:t>
@@ -3097,8 +2137,8 @@
       </dsp:nvSpPr>
       <dsp:spPr>
         <a:xfrm>
-          <a:off x="0" y="65298"/>
-          <a:ext cx="8596312" cy="888030"/>
+          <a:off x="0" y="61858"/>
+          <a:ext cx="9304866" cy="888030"/>
         </a:xfrm>
         <a:prstGeom prst="roundRect">
           <a:avLst/>
@@ -3158,13 +2198,13 @@
           </a:pPr>
           <a:r>
             <a:rPr lang="en-US" sz="2300" kern="1200" dirty="0"/>
-            <a:t>I can predict comment toxicity well using Bidirectional neural networks</a:t>
+            <a:t>I can predict the timing of aperiodic earthquakes moderately well using gradient-boosted trees</a:t>
           </a:r>
         </a:p>
       </dsp:txBody>
       <dsp:txXfrm>
-        <a:off x="43350" y="108648"/>
-        <a:ext cx="8509612" cy="801330"/>
+        <a:off x="43350" y="105208"/>
+        <a:ext cx="9218166" cy="801330"/>
       </dsp:txXfrm>
     </dsp:sp>
     <dsp:sp modelId="{EAAC02DC-175B-47A1-A687-071E226715CD}">
@@ -3174,8 +2214,8 @@
       </dsp:nvSpPr>
       <dsp:spPr>
         <a:xfrm>
-          <a:off x="0" y="1019568"/>
-          <a:ext cx="8596312" cy="888030"/>
+          <a:off x="0" y="1016128"/>
+          <a:ext cx="9304866" cy="888030"/>
         </a:xfrm>
         <a:prstGeom prst="roundRect">
           <a:avLst/>
@@ -3234,14 +2274,14 @@
             <a:buNone/>
           </a:pPr>
           <a:r>
-            <a:rPr lang="en-US" sz="2300" kern="1200"/>
-            <a:t>This will be useful for flagging comments for removal</a:t>
+            <a:rPr lang="en-US" sz="2300" kern="1200" dirty="0"/>
+            <a:t>This can be useful for advancing seismology research and for improving public earthquake warning systems</a:t>
           </a:r>
         </a:p>
       </dsp:txBody>
       <dsp:txXfrm>
-        <a:off x="43350" y="1062918"/>
-        <a:ext cx="8509612" cy="801330"/>
+        <a:off x="43350" y="1059478"/>
+        <a:ext cx="9218166" cy="801330"/>
       </dsp:txXfrm>
     </dsp:sp>
     <dsp:sp modelId="{CCBD3F4F-C55B-4FE1-B42F-AB3BD3FB8BE1}">
@@ -3251,8 +2291,8 @@
       </dsp:nvSpPr>
       <dsp:spPr>
         <a:xfrm>
-          <a:off x="0" y="1973838"/>
-          <a:ext cx="8596312" cy="888030"/>
+          <a:off x="0" y="1970399"/>
+          <a:ext cx="9304866" cy="888030"/>
         </a:xfrm>
         <a:prstGeom prst="roundRect">
           <a:avLst/>
@@ -3311,14 +2351,14 @@
             <a:buNone/>
           </a:pPr>
           <a:r>
-            <a:rPr lang="en-US" sz="2300" kern="1200"/>
-            <a:t>Race-based toxicity is particularly challenging to identify</a:t>
+            <a:rPr lang="en-US" sz="2300" kern="1200" dirty="0"/>
+            <a:t>Model improvement may be possible using continuous acoustic data, rather than relying on acoustic snippets</a:t>
           </a:r>
         </a:p>
       </dsp:txBody>
       <dsp:txXfrm>
-        <a:off x="43350" y="2017188"/>
-        <a:ext cx="8509612" cy="801330"/>
+        <a:off x="43350" y="2013749"/>
+        <a:ext cx="9218166" cy="801330"/>
       </dsp:txXfrm>
     </dsp:sp>
     <dsp:sp modelId="{70D96767-4A10-400B-B5BE-8EFC7AEFEDB3}">
@@ -3328,8 +2368,8 @@
       </dsp:nvSpPr>
       <dsp:spPr>
         <a:xfrm>
-          <a:off x="0" y="2928108"/>
-          <a:ext cx="8596312" cy="888030"/>
+          <a:off x="0" y="2924669"/>
+          <a:ext cx="9304866" cy="888030"/>
         </a:xfrm>
         <a:prstGeom prst="roundRect">
           <a:avLst/>
@@ -3388,14 +2428,14 @@
             <a:buNone/>
           </a:pPr>
           <a:r>
-            <a:rPr lang="en-US" sz="2300" kern="1200"/>
-            <a:t>Model improvement is possible with more computing resources </a:t>
+            <a:rPr lang="en-US" sz="2300" kern="1200" dirty="0"/>
+            <a:t>Additional computing resources could yield further improvements with more feature engineering and model testing</a:t>
           </a:r>
         </a:p>
       </dsp:txBody>
       <dsp:txXfrm>
-        <a:off x="43350" y="2971458"/>
-        <a:ext cx="8509612" cy="801330"/>
+        <a:off x="43350" y="2968019"/>
+        <a:ext cx="9218166" cy="801330"/>
       </dsp:txXfrm>
     </dsp:sp>
   </dsp:spTree>
@@ -11064,7 +10104,7 @@
           </p:cNvPicPr>
           <p:nvPr/>
         </p:nvPicPr>
-        <p:blipFill>
+        <p:blipFill rotWithShape="1">
           <a:blip r:embed="rId3">
             <a:extLst>
               <a:ext uri="{28A0092B-C50C-407E-A947-70E740481C1C}">
@@ -11072,15 +10112,13 @@
               </a:ext>
             </a:extLst>
           </a:blip>
-          <a:srcRect/>
-          <a:stretch>
-            <a:fillRect/>
-          </a:stretch>
+          <a:srcRect b="3828"/>
+          <a:stretch/>
         </p:blipFill>
         <p:spPr bwMode="auto">
           <a:xfrm>
-            <a:off x="677334" y="1349065"/>
-            <a:ext cx="8638880" cy="5393705"/>
+            <a:off x="116418" y="1349066"/>
+            <a:ext cx="8638880" cy="5187202"/>
           </a:xfrm>
           <a:prstGeom prst="rect">
             <a:avLst/>
@@ -11111,7 +10149,7 @@
           </p:cNvPicPr>
           <p:nvPr/>
         </p:nvPicPr>
-        <p:blipFill>
+        <p:blipFill rotWithShape="1">
           <a:blip r:embed="rId4">
             <a:extLst>
               <a:ext uri="{28A0092B-C50C-407E-A947-70E740481C1C}">
@@ -11119,15 +10157,13 @@
               </a:ext>
             </a:extLst>
           </a:blip>
-          <a:srcRect/>
-          <a:stretch>
-            <a:fillRect/>
-          </a:stretch>
+          <a:srcRect l="19136" b="56605"/>
+          <a:stretch/>
         </p:blipFill>
         <p:spPr bwMode="auto">
           <a:xfrm>
-            <a:off x="3867150" y="0"/>
-            <a:ext cx="4457700" cy="6858000"/>
+            <a:off x="9004167" y="287868"/>
+            <a:ext cx="3071415" cy="2535766"/>
           </a:xfrm>
           <a:prstGeom prst="rect">
             <a:avLst/>
@@ -11179,7 +10215,7 @@
           <p:cNvPr id="2" name="Title 1">
             <a:extLst>
               <a:ext uri="{FF2B5EF4-FFF2-40B4-BE49-F238E27FC236}">
-                <a16:creationId xmlns:a16="http://schemas.microsoft.com/office/drawing/2014/main" id="{5E593CAF-ED14-415D-826D-783375A5545A}"/>
+                <a16:creationId xmlns:a16="http://schemas.microsoft.com/office/drawing/2014/main" id="{5F346DCA-8047-4206-9E87-F9F2EFA19A24}"/>
               </a:ext>
             </a:extLst>
           </p:cNvPr>
@@ -11190,57 +10226,62 @@
             <p:ph type="title"/>
           </p:nvPr>
         </p:nvSpPr>
-        <p:spPr>
-          <a:xfrm>
-            <a:off x="677334" y="609600"/>
-            <a:ext cx="8596668" cy="1320800"/>
-          </a:xfrm>
-        </p:spPr>
+        <p:spPr/>
         <p:txBody>
           <a:bodyPr/>
           <a:lstStyle/>
           <a:p>
             <a:r>
               <a:rPr lang="en-US" dirty="0"/>
-              <a:t>Data Exploration</a:t>
+              <a:t>Data Processing</a:t>
             </a:r>
           </a:p>
         </p:txBody>
       </p:sp>
-      <p:graphicFrame>
-        <p:nvGraphicFramePr>
-          <p:cNvPr id="9" name="Chart 8">
+      <p:sp>
+        <p:nvSpPr>
+          <p:cNvPr id="3" name="Content Placeholder 2">
             <a:extLst>
               <a:ext uri="{FF2B5EF4-FFF2-40B4-BE49-F238E27FC236}">
-                <a16:creationId xmlns:a16="http://schemas.microsoft.com/office/drawing/2014/main" id="{A345B1ED-4AFD-4C7E-AD42-7829440E10D4}"/>
+                <a16:creationId xmlns:a16="http://schemas.microsoft.com/office/drawing/2014/main" id="{55DCA0D4-23A6-47E6-89E2-06F5AEF0C0BA}"/>
               </a:ext>
             </a:extLst>
           </p:cNvPr>
-          <p:cNvGraphicFramePr>
-            <a:graphicFrameLocks/>
-          </p:cNvGraphicFramePr>
-          <p:nvPr>
-            <p:extLst>
-              <p:ext uri="{D42A27DB-BD31-4B8C-83A1-F6EECF244321}">
-                <p14:modId xmlns:p14="http://schemas.microsoft.com/office/powerpoint/2010/main" val="2550200128"/>
-              </p:ext>
-            </p:extLst>
-          </p:nvPr>
-        </p:nvGraphicFramePr>
-        <p:xfrm>
-          <a:off x="134469" y="1269999"/>
-          <a:ext cx="8821272" cy="5426635"/>
-        </p:xfrm>
-        <a:graphic>
-          <a:graphicData uri="http://schemas.openxmlformats.org/drawingml/2006/chart">
-            <c:chart xmlns:c="http://schemas.openxmlformats.org/drawingml/2006/chart" xmlns:r="http://schemas.openxmlformats.org/officeDocument/2006/relationships" r:id="rId2"/>
-          </a:graphicData>
-        </a:graphic>
-      </p:graphicFrame>
+          <p:cNvSpPr>
+            <a:spLocks noGrp="1"/>
+          </p:cNvSpPr>
+          <p:nvPr>
+            <p:ph idx="1"/>
+          </p:nvPr>
+        </p:nvSpPr>
+        <p:spPr/>
+        <p:txBody>
+          <a:bodyPr/>
+          <a:lstStyle/>
+          <a:p>
+            <a:r>
+              <a:rPr lang="en-US" dirty="0"/>
+              <a:t>Divided original acoustic file into ~13,000 training samples</a:t>
+            </a:r>
+          </a:p>
+          <a:p>
+            <a:r>
+              <a:rPr lang="en-US" dirty="0"/>
+              <a:t>Generated ~500 features for each training and test sample</a:t>
+            </a:r>
+          </a:p>
+          <a:p>
+            <a:r>
+              <a:rPr lang="en-US" dirty="0"/>
+              <a:t>Used these features to make predictions about time to failure</a:t>
+            </a:r>
+          </a:p>
+        </p:txBody>
+      </p:sp>
     </p:spTree>
     <p:extLst>
       <p:ext uri="{BB962C8B-B14F-4D97-AF65-F5344CB8AC3E}">
-        <p14:creationId xmlns:p14="http://schemas.microsoft.com/office/powerpoint/2010/main" val="1660180383"/>
+        <p14:creationId xmlns:p14="http://schemas.microsoft.com/office/powerpoint/2010/main" val="928968338"/>
       </p:ext>
     </p:extLst>
   </p:cSld>
@@ -11290,45 +10331,11 @@
           <a:p>
             <a:r>
               <a:rPr lang="en-US" dirty="0"/>
-              <a:t>Model Architecture</a:t>
+              <a:t>Modeling</a:t>
             </a:r>
           </a:p>
         </p:txBody>
       </p:sp>
-      <p:pic>
-        <p:nvPicPr>
-          <p:cNvPr id="5" name="Content Placeholder 4" descr="A screenshot of a cell phone&#10;&#10;Description automatically generated">
-            <a:extLst>
-              <a:ext uri="{FF2B5EF4-FFF2-40B4-BE49-F238E27FC236}">
-                <a16:creationId xmlns:a16="http://schemas.microsoft.com/office/drawing/2014/main" id="{DC33B2E4-DF2A-4BB0-A088-CC1E4D2CDBAE}"/>
-              </a:ext>
-            </a:extLst>
-          </p:cNvPr>
-          <p:cNvPicPr>
-            <a:picLocks noGrp="1" noChangeAspect="1"/>
-          </p:cNvPicPr>
-          <p:nvPr>
-            <p:ph idx="1"/>
-          </p:nvPr>
-        </p:nvPicPr>
-        <p:blipFill>
-          <a:blip r:embed="rId2"/>
-          <a:stretch>
-            <a:fillRect/>
-          </a:stretch>
-        </p:blipFill>
-        <p:spPr>
-          <a:xfrm>
-            <a:off x="4822637" y="57849"/>
-            <a:ext cx="5567457" cy="6742302"/>
-          </a:xfrm>
-          <a:ln w="12700">
-            <a:solidFill>
-              <a:schemeClr val="tx1"/>
-            </a:solidFill>
-          </a:ln>
-        </p:spPr>
-      </p:pic>
     </p:spTree>
     <p:extLst>
       <p:ext uri="{BB962C8B-B14F-4D97-AF65-F5344CB8AC3E}">
@@ -11470,1541 +10477,16 @@
           <a:p>
             <a:r>
               <a:rPr lang="en-US" dirty="0"/>
-              <a:t>Subgroup Results</a:t>
+              <a:t>Feature </a:t>
             </a:r>
-          </a:p>
-        </p:txBody>
-      </p:sp>
-      <p:graphicFrame>
-        <p:nvGraphicFramePr>
-          <p:cNvPr id="4" name="Table 3">
-            <a:extLst>
-              <a:ext uri="{FF2B5EF4-FFF2-40B4-BE49-F238E27FC236}">
-                <a16:creationId xmlns:a16="http://schemas.microsoft.com/office/drawing/2014/main" id="{9EB1B950-E218-4E7C-9F8F-5F1CE815C23D}"/>
-              </a:ext>
-            </a:extLst>
-          </p:cNvPr>
-          <p:cNvGraphicFramePr>
-            <a:graphicFrameLocks noGrp="1"/>
-          </p:cNvGraphicFramePr>
-          <p:nvPr>
-            <p:extLst>
-              <p:ext uri="{D42A27DB-BD31-4B8C-83A1-F6EECF244321}">
-                <p14:modId xmlns:p14="http://schemas.microsoft.com/office/powerpoint/2010/main" val="2721911496"/>
-              </p:ext>
-            </p:extLst>
-          </p:nvPr>
-        </p:nvGraphicFramePr>
-        <p:xfrm>
-          <a:off x="401443" y="1654728"/>
-          <a:ext cx="8162694" cy="4593673"/>
-        </p:xfrm>
-        <a:graphic>
-          <a:graphicData uri="http://schemas.openxmlformats.org/drawingml/2006/table">
-            <a:tbl>
-              <a:tblPr/>
-              <a:tblGrid>
-                <a:gridCol w="3337905">
-                  <a:extLst>
-                    <a:ext uri="{9D8B030D-6E8A-4147-A177-3AD203B41FA5}">
-                      <a16:colId xmlns:a16="http://schemas.microsoft.com/office/drawing/2014/main" val="2534158080"/>
-                    </a:ext>
-                  </a:extLst>
-                </a:gridCol>
-                <a:gridCol w="1608263">
-                  <a:extLst>
-                    <a:ext uri="{9D8B030D-6E8A-4147-A177-3AD203B41FA5}">
-                      <a16:colId xmlns:a16="http://schemas.microsoft.com/office/drawing/2014/main" val="3373920458"/>
-                    </a:ext>
-                  </a:extLst>
-                </a:gridCol>
-                <a:gridCol w="1608263">
-                  <a:extLst>
-                    <a:ext uri="{9D8B030D-6E8A-4147-A177-3AD203B41FA5}">
-                      <a16:colId xmlns:a16="http://schemas.microsoft.com/office/drawing/2014/main" val="2205240658"/>
-                    </a:ext>
-                  </a:extLst>
-                </a:gridCol>
-                <a:gridCol w="1608263">
-                  <a:extLst>
-                    <a:ext uri="{9D8B030D-6E8A-4147-A177-3AD203B41FA5}">
-                      <a16:colId xmlns:a16="http://schemas.microsoft.com/office/drawing/2014/main" val="3550808297"/>
-                    </a:ext>
-                  </a:extLst>
-                </a:gridCol>
-              </a:tblGrid>
-              <a:tr h="592732">
-                <a:tc>
-                  <a:txBody>
-                    <a:bodyPr/>
-                    <a:lstStyle/>
-                    <a:p>
-                      <a:pPr algn="l" fontAlgn="b"/>
-                      <a:endParaRPr lang="en-US" sz="1600" b="0" i="0" u="none" strike="noStrike" dirty="0">
-                        <a:solidFill>
-                          <a:srgbClr val="000000"/>
-                        </a:solidFill>
-                        <a:effectLst/>
-                        <a:latin typeface="Calibri" panose="020F0502020204030204" pitchFamily="34" charset="0"/>
-                      </a:endParaRPr>
-                    </a:p>
-                  </a:txBody>
-                  <a:tcPr marL="7620" marR="7620" marT="7620" marB="0" anchor="b">
-                    <a:lnL>
-                      <a:noFill/>
-                    </a:lnL>
-                    <a:lnR>
-                      <a:noFill/>
-                    </a:lnR>
-                    <a:lnT>
-                      <a:noFill/>
-                    </a:lnT>
-                    <a:lnB>
-                      <a:noFill/>
-                    </a:lnB>
-                  </a:tcPr>
-                </a:tc>
-                <a:tc>
-                  <a:txBody>
-                    <a:bodyPr/>
-                    <a:lstStyle/>
-                    <a:p>
-                      <a:pPr algn="ctr" fontAlgn="ctr"/>
-                      <a:r>
-                        <a:rPr lang="en-US" sz="1600" b="1" i="0" u="none" strike="noStrike">
-                          <a:solidFill>
-                            <a:srgbClr val="000000"/>
-                          </a:solidFill>
-                          <a:effectLst/>
-                          <a:latin typeface="Arial" panose="020B0604020202020204" pitchFamily="34" charset="0"/>
-                        </a:rPr>
-                        <a:t>Subgroup AUC</a:t>
-                      </a:r>
-                    </a:p>
-                  </a:txBody>
-                  <a:tcPr marL="7620" marR="7620" marT="7620" marB="0" anchor="ctr">
-                    <a:lnL>
-                      <a:noFill/>
-                    </a:lnL>
-                    <a:lnR>
-                      <a:noFill/>
-                    </a:lnR>
-                    <a:lnT>
-                      <a:noFill/>
-                    </a:lnT>
-                    <a:lnB>
-                      <a:noFill/>
-                    </a:lnB>
-                  </a:tcPr>
-                </a:tc>
-                <a:tc>
-                  <a:txBody>
-                    <a:bodyPr/>
-                    <a:lstStyle/>
-                    <a:p>
-                      <a:pPr algn="ctr" fontAlgn="ctr"/>
-                      <a:r>
-                        <a:rPr lang="en-US" sz="1600" b="1" i="0" u="none" strike="noStrike">
-                          <a:solidFill>
-                            <a:srgbClr val="000000"/>
-                          </a:solidFill>
-                          <a:effectLst/>
-                          <a:latin typeface="Arial" panose="020B0604020202020204" pitchFamily="34" charset="0"/>
-                        </a:rPr>
-                        <a:t>BPSN AUC</a:t>
-                      </a:r>
-                    </a:p>
-                  </a:txBody>
-                  <a:tcPr marL="7620" marR="7620" marT="7620" marB="0" anchor="ctr">
-                    <a:lnL>
-                      <a:noFill/>
-                    </a:lnL>
-                    <a:lnR>
-                      <a:noFill/>
-                    </a:lnR>
-                    <a:lnT>
-                      <a:noFill/>
-                    </a:lnT>
-                    <a:lnB>
-                      <a:noFill/>
-                    </a:lnB>
-                  </a:tcPr>
-                </a:tc>
-                <a:tc>
-                  <a:txBody>
-                    <a:bodyPr/>
-                    <a:lstStyle/>
-                    <a:p>
-                      <a:pPr algn="ctr" fontAlgn="ctr"/>
-                      <a:r>
-                        <a:rPr lang="en-US" sz="1600" b="1" i="0" u="none" strike="noStrike">
-                          <a:solidFill>
-                            <a:srgbClr val="000000"/>
-                          </a:solidFill>
-                          <a:effectLst/>
-                          <a:latin typeface="Arial" panose="020B0604020202020204" pitchFamily="34" charset="0"/>
-                        </a:rPr>
-                        <a:t>BNSP AUC</a:t>
-                      </a:r>
-                    </a:p>
-                  </a:txBody>
-                  <a:tcPr marL="7620" marR="7620" marT="7620" marB="0" anchor="ctr">
-                    <a:lnL>
-                      <a:noFill/>
-                    </a:lnL>
-                    <a:lnR>
-                      <a:noFill/>
-                    </a:lnR>
-                    <a:lnT>
-                      <a:noFill/>
-                    </a:lnT>
-                    <a:lnB>
-                      <a:noFill/>
-                    </a:lnB>
-                  </a:tcPr>
-                </a:tc>
-                <a:extLst>
-                  <a:ext uri="{0D108BD9-81ED-4DB2-BD59-A6C34878D82A}">
-                    <a16:rowId xmlns:a16="http://schemas.microsoft.com/office/drawing/2014/main" val="119244595"/>
-                  </a:ext>
-                </a:extLst>
-              </a:tr>
-              <a:tr h="444549">
-                <a:tc>
-                  <a:txBody>
-                    <a:bodyPr/>
-                    <a:lstStyle/>
-                    <a:p>
-                      <a:pPr algn="r" fontAlgn="ctr"/>
-                      <a:r>
-                        <a:rPr lang="en-US" sz="1600" b="1" i="0" u="none" strike="noStrike">
-                          <a:solidFill>
-                            <a:srgbClr val="000000"/>
-                          </a:solidFill>
-                          <a:effectLst/>
-                          <a:latin typeface="Arial" panose="020B0604020202020204" pitchFamily="34" charset="0"/>
-                        </a:rPr>
-                        <a:t>male</a:t>
-                      </a:r>
-                    </a:p>
-                  </a:txBody>
-                  <a:tcPr marL="7620" marR="7620" marT="7620" marB="0" anchor="ctr">
-                    <a:lnL>
-                      <a:noFill/>
-                    </a:lnL>
-                    <a:lnR>
-                      <a:noFill/>
-                    </a:lnR>
-                    <a:lnT>
-                      <a:noFill/>
-                    </a:lnT>
-                    <a:lnB>
-                      <a:noFill/>
-                    </a:lnB>
-                  </a:tcPr>
-                </a:tc>
-                <a:tc>
-                  <a:txBody>
-                    <a:bodyPr/>
-                    <a:lstStyle/>
-                    <a:p>
-                      <a:pPr algn="ctr" fontAlgn="ctr"/>
-                      <a:r>
-                        <a:rPr lang="en-US" sz="1600" b="0" i="0" u="none" strike="noStrike">
-                          <a:solidFill>
-                            <a:srgbClr val="000000"/>
-                          </a:solidFill>
-                          <a:effectLst/>
-                          <a:latin typeface="Arial" panose="020B0604020202020204" pitchFamily="34" charset="0"/>
-                        </a:rPr>
-                        <a:t>0.88</a:t>
-                      </a:r>
-                    </a:p>
-                  </a:txBody>
-                  <a:tcPr marL="7620" marR="7620" marT="7620" marB="0" anchor="ctr">
-                    <a:lnL>
-                      <a:noFill/>
-                    </a:lnL>
-                    <a:lnR>
-                      <a:noFill/>
-                    </a:lnR>
-                    <a:lnT>
-                      <a:noFill/>
-                    </a:lnT>
-                    <a:lnB>
-                      <a:noFill/>
-                    </a:lnB>
-                    <a:solidFill>
-                      <a:srgbClr val="FBD8DB"/>
-                    </a:solidFill>
-                  </a:tcPr>
-                </a:tc>
-                <a:tc>
-                  <a:txBody>
-                    <a:bodyPr/>
-                    <a:lstStyle/>
-                    <a:p>
-                      <a:pPr algn="ctr" fontAlgn="ctr"/>
-                      <a:r>
-                        <a:rPr lang="en-US" sz="1600" b="0" i="0" u="none" strike="noStrike">
-                          <a:solidFill>
-                            <a:srgbClr val="000000"/>
-                          </a:solidFill>
-                          <a:effectLst/>
-                          <a:latin typeface="Arial" panose="020B0604020202020204" pitchFamily="34" charset="0"/>
-                        </a:rPr>
-                        <a:t>0.92</a:t>
-                      </a:r>
-                    </a:p>
-                  </a:txBody>
-                  <a:tcPr marL="7620" marR="7620" marT="7620" marB="0" anchor="ctr">
-                    <a:lnL>
-                      <a:noFill/>
-                    </a:lnL>
-                    <a:lnR>
-                      <a:noFill/>
-                    </a:lnR>
-                    <a:lnT>
-                      <a:noFill/>
-                    </a:lnT>
-                    <a:lnB>
-                      <a:noFill/>
-                    </a:lnB>
-                    <a:solidFill>
-                      <a:srgbClr val="FBE5E8"/>
-                    </a:solidFill>
-                  </a:tcPr>
-                </a:tc>
-                <a:tc>
-                  <a:txBody>
-                    <a:bodyPr/>
-                    <a:lstStyle/>
-                    <a:p>
-                      <a:pPr algn="ctr" fontAlgn="ctr"/>
-                      <a:r>
-                        <a:rPr lang="en-US" sz="1600" b="0" i="0" u="none" strike="noStrike">
-                          <a:solidFill>
-                            <a:srgbClr val="000000"/>
-                          </a:solidFill>
-                          <a:effectLst/>
-                          <a:latin typeface="Arial" panose="020B0604020202020204" pitchFamily="34" charset="0"/>
-                        </a:rPr>
-                        <a:t>0.93</a:t>
-                      </a:r>
-                    </a:p>
-                  </a:txBody>
-                  <a:tcPr marL="7620" marR="7620" marT="7620" marB="0" anchor="ctr">
-                    <a:lnL>
-                      <a:noFill/>
-                    </a:lnL>
-                    <a:lnR>
-                      <a:noFill/>
-                    </a:lnR>
-                    <a:lnT>
-                      <a:noFill/>
-                    </a:lnT>
-                    <a:lnB>
-                      <a:noFill/>
-                    </a:lnB>
-                    <a:solidFill>
-                      <a:srgbClr val="FBE6E9"/>
-                    </a:solidFill>
-                  </a:tcPr>
-                </a:tc>
-                <a:extLst>
-                  <a:ext uri="{0D108BD9-81ED-4DB2-BD59-A6C34878D82A}">
-                    <a16:rowId xmlns:a16="http://schemas.microsoft.com/office/drawing/2014/main" val="2450794920"/>
-                  </a:ext>
-                </a:extLst>
-              </a:tr>
-              <a:tr h="444549">
-                <a:tc>
-                  <a:txBody>
-                    <a:bodyPr/>
-                    <a:lstStyle/>
-                    <a:p>
-                      <a:pPr algn="r" fontAlgn="ctr"/>
-                      <a:r>
-                        <a:rPr lang="en-US" sz="1600" b="1" i="0" u="none" strike="noStrike">
-                          <a:solidFill>
-                            <a:srgbClr val="000000"/>
-                          </a:solidFill>
-                          <a:effectLst/>
-                          <a:latin typeface="Arial" panose="020B0604020202020204" pitchFamily="34" charset="0"/>
-                        </a:rPr>
-                        <a:t>female</a:t>
-                      </a:r>
-                    </a:p>
-                  </a:txBody>
-                  <a:tcPr marL="7620" marR="7620" marT="7620" marB="0" anchor="ctr">
-                    <a:lnL>
-                      <a:noFill/>
-                    </a:lnL>
-                    <a:lnR>
-                      <a:noFill/>
-                    </a:lnR>
-                    <a:lnT>
-                      <a:noFill/>
-                    </a:lnT>
-                    <a:lnB>
-                      <a:noFill/>
-                    </a:lnB>
-                  </a:tcPr>
-                </a:tc>
-                <a:tc>
-                  <a:txBody>
-                    <a:bodyPr/>
-                    <a:lstStyle/>
-                    <a:p>
-                      <a:pPr algn="ctr" fontAlgn="ctr"/>
-                      <a:r>
-                        <a:rPr lang="en-US" sz="1600" b="0" i="0" u="none" strike="noStrike">
-                          <a:solidFill>
-                            <a:srgbClr val="000000"/>
-                          </a:solidFill>
-                          <a:effectLst/>
-                          <a:latin typeface="Arial" panose="020B0604020202020204" pitchFamily="34" charset="0"/>
-                        </a:rPr>
-                        <a:t>0.94</a:t>
-                      </a:r>
-                    </a:p>
-                  </a:txBody>
-                  <a:tcPr marL="7620" marR="7620" marT="7620" marB="0" anchor="ctr">
-                    <a:lnL>
-                      <a:noFill/>
-                    </a:lnL>
-                    <a:lnR>
-                      <a:noFill/>
-                    </a:lnR>
-                    <a:lnT>
-                      <a:noFill/>
-                    </a:lnT>
-                    <a:lnB>
-                      <a:noFill/>
-                    </a:lnB>
-                    <a:solidFill>
-                      <a:srgbClr val="FBEAED"/>
-                    </a:solidFill>
-                  </a:tcPr>
-                </a:tc>
-                <a:tc>
-                  <a:txBody>
-                    <a:bodyPr/>
-                    <a:lstStyle/>
-                    <a:p>
-                      <a:pPr algn="ctr" fontAlgn="ctr"/>
-                      <a:r>
-                        <a:rPr lang="en-US" sz="1600" b="0" i="0" u="none" strike="noStrike">
-                          <a:solidFill>
-                            <a:srgbClr val="000000"/>
-                          </a:solidFill>
-                          <a:effectLst/>
-                          <a:latin typeface="Arial" panose="020B0604020202020204" pitchFamily="34" charset="0"/>
-                        </a:rPr>
-                        <a:t>0.92</a:t>
-                      </a:r>
-                    </a:p>
-                  </a:txBody>
-                  <a:tcPr marL="7620" marR="7620" marT="7620" marB="0" anchor="ctr">
-                    <a:lnL>
-                      <a:noFill/>
-                    </a:lnL>
-                    <a:lnR>
-                      <a:noFill/>
-                    </a:lnR>
-                    <a:lnT>
-                      <a:noFill/>
-                    </a:lnT>
-                    <a:lnB>
-                      <a:noFill/>
-                    </a:lnB>
-                    <a:solidFill>
-                      <a:srgbClr val="FBE5E8"/>
-                    </a:solidFill>
-                  </a:tcPr>
-                </a:tc>
-                <a:tc>
-                  <a:txBody>
-                    <a:bodyPr/>
-                    <a:lstStyle/>
-                    <a:p>
-                      <a:pPr algn="ctr" fontAlgn="ctr"/>
-                      <a:r>
-                        <a:rPr lang="en-US" sz="1600" b="0" i="0" u="none" strike="noStrike">
-                          <a:solidFill>
-                            <a:srgbClr val="000000"/>
-                          </a:solidFill>
-                          <a:effectLst/>
-                          <a:latin typeface="Arial" panose="020B0604020202020204" pitchFamily="34" charset="0"/>
-                        </a:rPr>
-                        <a:t>0.96</a:t>
-                      </a:r>
-                    </a:p>
-                  </a:txBody>
-                  <a:tcPr marL="7620" marR="7620" marT="7620" marB="0" anchor="ctr">
-                    <a:lnL>
-                      <a:noFill/>
-                    </a:lnL>
-                    <a:lnR>
-                      <a:noFill/>
-                    </a:lnR>
-                    <a:lnT>
-                      <a:noFill/>
-                    </a:lnT>
-                    <a:lnB>
-                      <a:noFill/>
-                    </a:lnB>
-                    <a:solidFill>
-                      <a:srgbClr val="FBF0F3"/>
-                    </a:solidFill>
-                  </a:tcPr>
-                </a:tc>
-                <a:extLst>
-                  <a:ext uri="{0D108BD9-81ED-4DB2-BD59-A6C34878D82A}">
-                    <a16:rowId xmlns:a16="http://schemas.microsoft.com/office/drawing/2014/main" val="66656910"/>
-                  </a:ext>
-                </a:extLst>
-              </a:tr>
-              <a:tr h="444549">
-                <a:tc>
-                  <a:txBody>
-                    <a:bodyPr/>
-                    <a:lstStyle/>
-                    <a:p>
-                      <a:pPr algn="r" fontAlgn="ctr"/>
-                      <a:r>
-                        <a:rPr lang="en-US" sz="1600" b="1" i="0" u="none" strike="noStrike">
-                          <a:solidFill>
-                            <a:srgbClr val="000000"/>
-                          </a:solidFill>
-                          <a:effectLst/>
-                          <a:latin typeface="Arial" panose="020B0604020202020204" pitchFamily="34" charset="0"/>
-                        </a:rPr>
-                        <a:t>homosexual_gay_or_lesbian</a:t>
-                      </a:r>
-                    </a:p>
-                  </a:txBody>
-                  <a:tcPr marL="7620" marR="7620" marT="7620" marB="0" anchor="ctr">
-                    <a:lnL>
-                      <a:noFill/>
-                    </a:lnL>
-                    <a:lnR>
-                      <a:noFill/>
-                    </a:lnR>
-                    <a:lnT>
-                      <a:noFill/>
-                    </a:lnT>
-                    <a:lnB>
-                      <a:noFill/>
-                    </a:lnB>
-                  </a:tcPr>
-                </a:tc>
-                <a:tc>
-                  <a:txBody>
-                    <a:bodyPr/>
-                    <a:lstStyle/>
-                    <a:p>
-                      <a:pPr algn="ctr" fontAlgn="ctr"/>
-                      <a:r>
-                        <a:rPr lang="en-US" sz="1600" b="0" i="0" u="none" strike="noStrike">
-                          <a:solidFill>
-                            <a:srgbClr val="000000"/>
-                          </a:solidFill>
-                          <a:effectLst/>
-                          <a:latin typeface="Arial" panose="020B0604020202020204" pitchFamily="34" charset="0"/>
-                        </a:rPr>
-                        <a:t>0.84</a:t>
-                      </a:r>
-                    </a:p>
-                  </a:txBody>
-                  <a:tcPr marL="7620" marR="7620" marT="7620" marB="0" anchor="ctr">
-                    <a:lnL>
-                      <a:noFill/>
-                    </a:lnL>
-                    <a:lnR>
-                      <a:noFill/>
-                    </a:lnR>
-                    <a:lnT>
-                      <a:noFill/>
-                    </a:lnT>
-                    <a:lnB>
-                      <a:noFill/>
-                    </a:lnB>
-                    <a:solidFill>
-                      <a:srgbClr val="FACED0"/>
-                    </a:solidFill>
-                  </a:tcPr>
-                </a:tc>
-                <a:tc>
-                  <a:txBody>
-                    <a:bodyPr/>
-                    <a:lstStyle/>
-                    <a:p>
-                      <a:pPr algn="ctr" fontAlgn="ctr"/>
-                      <a:r>
-                        <a:rPr lang="en-US" sz="1600" b="0" i="0" u="none" strike="noStrike">
-                          <a:solidFill>
-                            <a:srgbClr val="000000"/>
-                          </a:solidFill>
-                          <a:effectLst/>
-                          <a:latin typeface="Arial" panose="020B0604020202020204" pitchFamily="34" charset="0"/>
-                        </a:rPr>
-                        <a:t>0.78</a:t>
-                      </a:r>
-                    </a:p>
-                  </a:txBody>
-                  <a:tcPr marL="7620" marR="7620" marT="7620" marB="0" anchor="ctr">
-                    <a:lnL>
-                      <a:noFill/>
-                    </a:lnL>
-                    <a:lnR>
-                      <a:noFill/>
-                    </a:lnR>
-                    <a:lnT>
-                      <a:noFill/>
-                    </a:lnT>
-                    <a:lnB>
-                      <a:noFill/>
-                    </a:lnB>
-                    <a:solidFill>
-                      <a:srgbClr val="FABABC"/>
-                    </a:solidFill>
-                  </a:tcPr>
-                </a:tc>
-                <a:tc>
-                  <a:txBody>
-                    <a:bodyPr/>
-                    <a:lstStyle/>
-                    <a:p>
-                      <a:pPr algn="ctr" fontAlgn="ctr"/>
-                      <a:r>
-                        <a:rPr lang="en-US" sz="1600" b="0" i="0" u="none" strike="noStrike">
-                          <a:solidFill>
-                            <a:srgbClr val="000000"/>
-                          </a:solidFill>
-                          <a:effectLst/>
-                          <a:latin typeface="Arial" panose="020B0604020202020204" pitchFamily="34" charset="0"/>
-                        </a:rPr>
-                        <a:t>0.98</a:t>
-                      </a:r>
-                    </a:p>
-                  </a:txBody>
-                  <a:tcPr marL="7620" marR="7620" marT="7620" marB="0" anchor="ctr">
-                    <a:lnL>
-                      <a:noFill/>
-                    </a:lnL>
-                    <a:lnR>
-                      <a:noFill/>
-                    </a:lnR>
-                    <a:lnT>
-                      <a:noFill/>
-                    </a:lnT>
-                    <a:lnB>
-                      <a:noFill/>
-                    </a:lnB>
-                    <a:solidFill>
-                      <a:srgbClr val="FBF4F7"/>
-                    </a:solidFill>
-                  </a:tcPr>
-                </a:tc>
-                <a:extLst>
-                  <a:ext uri="{0D108BD9-81ED-4DB2-BD59-A6C34878D82A}">
-                    <a16:rowId xmlns:a16="http://schemas.microsoft.com/office/drawing/2014/main" val="3991618612"/>
-                  </a:ext>
-                </a:extLst>
-              </a:tr>
-              <a:tr h="444549">
-                <a:tc>
-                  <a:txBody>
-                    <a:bodyPr/>
-                    <a:lstStyle/>
-                    <a:p>
-                      <a:pPr algn="r" fontAlgn="ctr"/>
-                      <a:r>
-                        <a:rPr lang="en-US" sz="1600" b="1" i="0" u="none" strike="noStrike">
-                          <a:solidFill>
-                            <a:srgbClr val="000000"/>
-                          </a:solidFill>
-                          <a:effectLst/>
-                          <a:latin typeface="Arial" panose="020B0604020202020204" pitchFamily="34" charset="0"/>
-                        </a:rPr>
-                        <a:t>christian</a:t>
-                      </a:r>
-                    </a:p>
-                  </a:txBody>
-                  <a:tcPr marL="7620" marR="7620" marT="7620" marB="0" anchor="ctr">
-                    <a:lnL>
-                      <a:noFill/>
-                    </a:lnL>
-                    <a:lnR>
-                      <a:noFill/>
-                    </a:lnR>
-                    <a:lnT>
-                      <a:noFill/>
-                    </a:lnT>
-                    <a:lnB>
-                      <a:noFill/>
-                    </a:lnB>
-                  </a:tcPr>
-                </a:tc>
-                <a:tc>
-                  <a:txBody>
-                    <a:bodyPr/>
-                    <a:lstStyle/>
-                    <a:p>
-                      <a:pPr algn="ctr" fontAlgn="ctr"/>
-                      <a:r>
-                        <a:rPr lang="en-US" sz="1600" b="0" i="0" u="none" strike="noStrike">
-                          <a:solidFill>
-                            <a:srgbClr val="000000"/>
-                          </a:solidFill>
-                          <a:effectLst/>
-                          <a:latin typeface="Arial" panose="020B0604020202020204" pitchFamily="34" charset="0"/>
-                        </a:rPr>
-                        <a:t>0.90</a:t>
-                      </a:r>
-                    </a:p>
-                  </a:txBody>
-                  <a:tcPr marL="7620" marR="7620" marT="7620" marB="0" anchor="ctr">
-                    <a:lnL>
-                      <a:noFill/>
-                    </a:lnL>
-                    <a:lnR>
-                      <a:noFill/>
-                    </a:lnR>
-                    <a:lnT>
-                      <a:noFill/>
-                    </a:lnT>
-                    <a:lnB>
-                      <a:noFill/>
-                    </a:lnB>
-                    <a:solidFill>
-                      <a:srgbClr val="FBDDDF"/>
-                    </a:solidFill>
-                  </a:tcPr>
-                </a:tc>
-                <a:tc>
-                  <a:txBody>
-                    <a:bodyPr/>
-                    <a:lstStyle/>
-                    <a:p>
-                      <a:pPr algn="ctr" fontAlgn="ctr"/>
-                      <a:r>
-                        <a:rPr lang="en-US" sz="1600" b="0" i="0" u="none" strike="noStrike">
-                          <a:solidFill>
-                            <a:srgbClr val="000000"/>
-                          </a:solidFill>
-                          <a:effectLst/>
-                          <a:latin typeface="Arial" panose="020B0604020202020204" pitchFamily="34" charset="0"/>
-                        </a:rPr>
-                        <a:t>0.95</a:t>
-                      </a:r>
-                    </a:p>
-                  </a:txBody>
-                  <a:tcPr marL="7620" marR="7620" marT="7620" marB="0" anchor="ctr">
-                    <a:lnL>
-                      <a:noFill/>
-                    </a:lnL>
-                    <a:lnR>
-                      <a:noFill/>
-                    </a:lnR>
-                    <a:lnT>
-                      <a:noFill/>
-                    </a:lnT>
-                    <a:lnB>
-                      <a:noFill/>
-                    </a:lnB>
-                    <a:solidFill>
-                      <a:srgbClr val="FBEEF1"/>
-                    </a:solidFill>
-                  </a:tcPr>
-                </a:tc>
-                <a:tc>
-                  <a:txBody>
-                    <a:bodyPr/>
-                    <a:lstStyle/>
-                    <a:p>
-                      <a:pPr algn="ctr" fontAlgn="ctr"/>
-                      <a:r>
-                        <a:rPr lang="en-US" sz="1600" b="0" i="0" u="none" strike="noStrike">
-                          <a:solidFill>
-                            <a:srgbClr val="000000"/>
-                          </a:solidFill>
-                          <a:effectLst/>
-                          <a:latin typeface="Arial" panose="020B0604020202020204" pitchFamily="34" charset="0"/>
-                        </a:rPr>
-                        <a:t>0.89</a:t>
-                      </a:r>
-                    </a:p>
-                  </a:txBody>
-                  <a:tcPr marL="7620" marR="7620" marT="7620" marB="0" anchor="ctr">
-                    <a:lnL>
-                      <a:noFill/>
-                    </a:lnL>
-                    <a:lnR>
-                      <a:noFill/>
-                    </a:lnR>
-                    <a:lnT>
-                      <a:noFill/>
-                    </a:lnT>
-                    <a:lnB>
-                      <a:noFill/>
-                    </a:lnB>
-                    <a:solidFill>
-                      <a:srgbClr val="FBDBDE"/>
-                    </a:solidFill>
-                  </a:tcPr>
-                </a:tc>
-                <a:extLst>
-                  <a:ext uri="{0D108BD9-81ED-4DB2-BD59-A6C34878D82A}">
-                    <a16:rowId xmlns:a16="http://schemas.microsoft.com/office/drawing/2014/main" val="2597983030"/>
-                  </a:ext>
-                </a:extLst>
-              </a:tr>
-              <a:tr h="444549">
-                <a:tc>
-                  <a:txBody>
-                    <a:bodyPr/>
-                    <a:lstStyle/>
-                    <a:p>
-                      <a:pPr algn="r" fontAlgn="ctr"/>
-                      <a:r>
-                        <a:rPr lang="en-US" sz="1600" b="1" i="0" u="none" strike="noStrike">
-                          <a:solidFill>
-                            <a:srgbClr val="000000"/>
-                          </a:solidFill>
-                          <a:effectLst/>
-                          <a:latin typeface="Arial" panose="020B0604020202020204" pitchFamily="34" charset="0"/>
-                        </a:rPr>
-                        <a:t>jewish</a:t>
-                      </a:r>
-                    </a:p>
-                  </a:txBody>
-                  <a:tcPr marL="7620" marR="7620" marT="7620" marB="0" anchor="ctr">
-                    <a:lnL>
-                      <a:noFill/>
-                    </a:lnL>
-                    <a:lnR>
-                      <a:noFill/>
-                    </a:lnR>
-                    <a:lnT>
-                      <a:noFill/>
-                    </a:lnT>
-                    <a:lnB>
-                      <a:noFill/>
-                    </a:lnB>
-                  </a:tcPr>
-                </a:tc>
-                <a:tc>
-                  <a:txBody>
-                    <a:bodyPr/>
-                    <a:lstStyle/>
-                    <a:p>
-                      <a:pPr algn="ctr" fontAlgn="ctr"/>
-                      <a:r>
-                        <a:rPr lang="en-US" sz="1600" b="0" i="0" u="none" strike="noStrike">
-                          <a:solidFill>
-                            <a:srgbClr val="000000"/>
-                          </a:solidFill>
-                          <a:effectLst/>
-                          <a:latin typeface="Arial" panose="020B0604020202020204" pitchFamily="34" charset="0"/>
-                        </a:rPr>
-                        <a:t>0.88</a:t>
-                      </a:r>
-                    </a:p>
-                  </a:txBody>
-                  <a:tcPr marL="7620" marR="7620" marT="7620" marB="0" anchor="ctr">
-                    <a:lnL>
-                      <a:noFill/>
-                    </a:lnL>
-                    <a:lnR>
-                      <a:noFill/>
-                    </a:lnR>
-                    <a:lnT>
-                      <a:noFill/>
-                    </a:lnT>
-                    <a:lnB>
-                      <a:noFill/>
-                    </a:lnB>
-                    <a:solidFill>
-                      <a:srgbClr val="FBDADC"/>
-                    </a:solidFill>
-                  </a:tcPr>
-                </a:tc>
-                <a:tc>
-                  <a:txBody>
-                    <a:bodyPr/>
-                    <a:lstStyle/>
-                    <a:p>
-                      <a:pPr algn="ctr" fontAlgn="ctr"/>
-                      <a:r>
-                        <a:rPr lang="en-US" sz="1600" b="0" i="0" u="none" strike="noStrike">
-                          <a:solidFill>
-                            <a:srgbClr val="000000"/>
-                          </a:solidFill>
-                          <a:effectLst/>
-                          <a:latin typeface="Arial" panose="020B0604020202020204" pitchFamily="34" charset="0"/>
-                        </a:rPr>
-                        <a:t>0.91</a:t>
-                      </a:r>
-                    </a:p>
-                  </a:txBody>
-                  <a:tcPr marL="7620" marR="7620" marT="7620" marB="0" anchor="ctr">
-                    <a:lnL>
-                      <a:noFill/>
-                    </a:lnL>
-                    <a:lnR>
-                      <a:noFill/>
-                    </a:lnR>
-                    <a:lnT>
-                      <a:noFill/>
-                    </a:lnT>
-                    <a:lnB>
-                      <a:noFill/>
-                    </a:lnB>
-                    <a:solidFill>
-                      <a:srgbClr val="FBE1E4"/>
-                    </a:solidFill>
-                  </a:tcPr>
-                </a:tc>
-                <a:tc>
-                  <a:txBody>
-                    <a:bodyPr/>
-                    <a:lstStyle/>
-                    <a:p>
-                      <a:pPr algn="ctr" fontAlgn="ctr"/>
-                      <a:r>
-                        <a:rPr lang="en-US" sz="1600" b="0" i="0" u="none" strike="noStrike">
-                          <a:solidFill>
-                            <a:srgbClr val="000000"/>
-                          </a:solidFill>
-                          <a:effectLst/>
-                          <a:latin typeface="Arial" panose="020B0604020202020204" pitchFamily="34" charset="0"/>
-                        </a:rPr>
-                        <a:t>0.93</a:t>
-                      </a:r>
-                    </a:p>
-                  </a:txBody>
-                  <a:tcPr marL="7620" marR="7620" marT="7620" marB="0" anchor="ctr">
-                    <a:lnL>
-                      <a:noFill/>
-                    </a:lnL>
-                    <a:lnR>
-                      <a:noFill/>
-                    </a:lnR>
-                    <a:lnT>
-                      <a:noFill/>
-                    </a:lnT>
-                    <a:lnB>
-                      <a:noFill/>
-                    </a:lnB>
-                    <a:solidFill>
-                      <a:srgbClr val="FBE7EA"/>
-                    </a:solidFill>
-                  </a:tcPr>
-                </a:tc>
-                <a:extLst>
-                  <a:ext uri="{0D108BD9-81ED-4DB2-BD59-A6C34878D82A}">
-                    <a16:rowId xmlns:a16="http://schemas.microsoft.com/office/drawing/2014/main" val="4044756100"/>
-                  </a:ext>
-                </a:extLst>
-              </a:tr>
-              <a:tr h="444549">
-                <a:tc>
-                  <a:txBody>
-                    <a:bodyPr/>
-                    <a:lstStyle/>
-                    <a:p>
-                      <a:pPr algn="r" fontAlgn="ctr"/>
-                      <a:r>
-                        <a:rPr lang="en-US" sz="1600" b="1" i="0" u="none" strike="noStrike">
-                          <a:solidFill>
-                            <a:srgbClr val="000000"/>
-                          </a:solidFill>
-                          <a:effectLst/>
-                          <a:latin typeface="Arial" panose="020B0604020202020204" pitchFamily="34" charset="0"/>
-                        </a:rPr>
-                        <a:t>muslim</a:t>
-                      </a:r>
-                    </a:p>
-                  </a:txBody>
-                  <a:tcPr marL="7620" marR="7620" marT="7620" marB="0" anchor="ctr">
-                    <a:lnL>
-                      <a:noFill/>
-                    </a:lnL>
-                    <a:lnR>
-                      <a:noFill/>
-                    </a:lnR>
-                    <a:lnT>
-                      <a:noFill/>
-                    </a:lnT>
-                    <a:lnB>
-                      <a:noFill/>
-                    </a:lnB>
-                  </a:tcPr>
-                </a:tc>
-                <a:tc>
-                  <a:txBody>
-                    <a:bodyPr/>
-                    <a:lstStyle/>
-                    <a:p>
-                      <a:pPr algn="ctr" fontAlgn="ctr"/>
-                      <a:r>
-                        <a:rPr lang="en-US" sz="1600" b="0" i="0" u="none" strike="noStrike">
-                          <a:solidFill>
-                            <a:srgbClr val="000000"/>
-                          </a:solidFill>
-                          <a:effectLst/>
-                          <a:latin typeface="Arial" panose="020B0604020202020204" pitchFamily="34" charset="0"/>
-                        </a:rPr>
-                        <a:t>0.82</a:t>
-                      </a:r>
-                    </a:p>
-                  </a:txBody>
-                  <a:tcPr marL="7620" marR="7620" marT="7620" marB="0" anchor="ctr">
-                    <a:lnL>
-                      <a:noFill/>
-                    </a:lnL>
-                    <a:lnR>
-                      <a:noFill/>
-                    </a:lnR>
-                    <a:lnT>
-                      <a:noFill/>
-                    </a:lnT>
-                    <a:lnB>
-                      <a:noFill/>
-                    </a:lnB>
-                    <a:solidFill>
-                      <a:srgbClr val="FAC8CA"/>
-                    </a:solidFill>
-                  </a:tcPr>
-                </a:tc>
-                <a:tc>
-                  <a:txBody>
-                    <a:bodyPr/>
-                    <a:lstStyle/>
-                    <a:p>
-                      <a:pPr algn="ctr" fontAlgn="ctr"/>
-                      <a:r>
-                        <a:rPr lang="en-US" sz="1600" b="0" i="0" u="none" strike="noStrike">
-                          <a:solidFill>
-                            <a:srgbClr val="000000"/>
-                          </a:solidFill>
-                          <a:effectLst/>
-                          <a:latin typeface="Arial" panose="020B0604020202020204" pitchFamily="34" charset="0"/>
-                        </a:rPr>
-                        <a:t>0.88</a:t>
-                      </a:r>
-                    </a:p>
-                  </a:txBody>
-                  <a:tcPr marL="7620" marR="7620" marT="7620" marB="0" anchor="ctr">
-                    <a:lnL>
-                      <a:noFill/>
-                    </a:lnL>
-                    <a:lnR>
-                      <a:noFill/>
-                    </a:lnR>
-                    <a:lnT>
-                      <a:noFill/>
-                    </a:lnT>
-                    <a:lnB>
-                      <a:noFill/>
-                    </a:lnB>
-                    <a:solidFill>
-                      <a:srgbClr val="FBD9DC"/>
-                    </a:solidFill>
-                  </a:tcPr>
-                </a:tc>
-                <a:tc>
-                  <a:txBody>
-                    <a:bodyPr/>
-                    <a:lstStyle/>
-                    <a:p>
-                      <a:pPr algn="ctr" fontAlgn="ctr"/>
-                      <a:r>
-                        <a:rPr lang="en-US" sz="1600" b="0" i="0" u="none" strike="noStrike">
-                          <a:solidFill>
-                            <a:srgbClr val="000000"/>
-                          </a:solidFill>
-                          <a:effectLst/>
-                          <a:latin typeface="Arial" panose="020B0604020202020204" pitchFamily="34" charset="0"/>
-                        </a:rPr>
-                        <a:t>0.93</a:t>
-                      </a:r>
-                    </a:p>
-                  </a:txBody>
-                  <a:tcPr marL="7620" marR="7620" marT="7620" marB="0" anchor="ctr">
-                    <a:lnL>
-                      <a:noFill/>
-                    </a:lnL>
-                    <a:lnR>
-                      <a:noFill/>
-                    </a:lnR>
-                    <a:lnT>
-                      <a:noFill/>
-                    </a:lnT>
-                    <a:lnB>
-                      <a:noFill/>
-                    </a:lnB>
-                    <a:solidFill>
-                      <a:srgbClr val="FBE7E9"/>
-                    </a:solidFill>
-                  </a:tcPr>
-                </a:tc>
-                <a:extLst>
-                  <a:ext uri="{0D108BD9-81ED-4DB2-BD59-A6C34878D82A}">
-                    <a16:rowId xmlns:a16="http://schemas.microsoft.com/office/drawing/2014/main" val="158085246"/>
-                  </a:ext>
-                </a:extLst>
-              </a:tr>
-              <a:tr h="444549">
-                <a:tc>
-                  <a:txBody>
-                    <a:bodyPr/>
-                    <a:lstStyle/>
-                    <a:p>
-                      <a:pPr algn="r" fontAlgn="ctr"/>
-                      <a:r>
-                        <a:rPr lang="en-US" sz="1600" b="1" i="0" u="none" strike="noStrike">
-                          <a:solidFill>
-                            <a:srgbClr val="000000"/>
-                          </a:solidFill>
-                          <a:effectLst/>
-                          <a:latin typeface="Arial" panose="020B0604020202020204" pitchFamily="34" charset="0"/>
-                        </a:rPr>
-                        <a:t>black</a:t>
-                      </a:r>
-                    </a:p>
-                  </a:txBody>
-                  <a:tcPr marL="7620" marR="7620" marT="7620" marB="0" anchor="ctr">
-                    <a:lnL>
-                      <a:noFill/>
-                    </a:lnL>
-                    <a:lnR>
-                      <a:noFill/>
-                    </a:lnR>
-                    <a:lnT>
-                      <a:noFill/>
-                    </a:lnT>
-                    <a:lnB>
-                      <a:noFill/>
-                    </a:lnB>
-                  </a:tcPr>
-                </a:tc>
-                <a:tc>
-                  <a:txBody>
-                    <a:bodyPr/>
-                    <a:lstStyle/>
-                    <a:p>
-                      <a:pPr algn="ctr" fontAlgn="ctr"/>
-                      <a:r>
-                        <a:rPr lang="en-US" sz="1600" b="0" i="0" u="none" strike="noStrike">
-                          <a:solidFill>
-                            <a:srgbClr val="000000"/>
-                          </a:solidFill>
-                          <a:effectLst/>
-                          <a:latin typeface="Arial" panose="020B0604020202020204" pitchFamily="34" charset="0"/>
-                        </a:rPr>
-                        <a:t>0.83</a:t>
-                      </a:r>
-                    </a:p>
-                  </a:txBody>
-                  <a:tcPr marL="7620" marR="7620" marT="7620" marB="0" anchor="ctr">
-                    <a:lnL>
-                      <a:noFill/>
-                    </a:lnL>
-                    <a:lnR>
-                      <a:noFill/>
-                    </a:lnR>
-                    <a:lnT>
-                      <a:noFill/>
-                    </a:lnT>
-                    <a:lnB>
-                      <a:noFill/>
-                    </a:lnB>
-                    <a:solidFill>
-                      <a:srgbClr val="FAC9CC"/>
-                    </a:solidFill>
-                  </a:tcPr>
-                </a:tc>
-                <a:tc>
-                  <a:txBody>
-                    <a:bodyPr/>
-                    <a:lstStyle/>
-                    <a:p>
-                      <a:pPr algn="ctr" fontAlgn="ctr"/>
-                      <a:r>
-                        <a:rPr lang="en-US" sz="1600" b="0" i="0" u="none" strike="noStrike">
-                          <a:solidFill>
-                            <a:srgbClr val="000000"/>
-                          </a:solidFill>
-                          <a:effectLst/>
-                          <a:latin typeface="Arial" panose="020B0604020202020204" pitchFamily="34" charset="0"/>
-                        </a:rPr>
-                        <a:t>0.77</a:t>
-                      </a:r>
-                    </a:p>
-                  </a:txBody>
-                  <a:tcPr marL="7620" marR="7620" marT="7620" marB="0" anchor="ctr">
-                    <a:lnL>
-                      <a:noFill/>
-                    </a:lnL>
-                    <a:lnR>
-                      <a:noFill/>
-                    </a:lnR>
-                    <a:lnT>
-                      <a:noFill/>
-                    </a:lnT>
-                    <a:lnB>
-                      <a:noFill/>
-                    </a:lnB>
-                    <a:solidFill>
-                      <a:srgbClr val="FAB9BB"/>
-                    </a:solidFill>
-                  </a:tcPr>
-                </a:tc>
-                <a:tc>
-                  <a:txBody>
-                    <a:bodyPr/>
-                    <a:lstStyle/>
-                    <a:p>
-                      <a:pPr algn="ctr" fontAlgn="ctr"/>
-                      <a:r>
-                        <a:rPr lang="en-US" sz="1600" b="0" i="0" u="none" strike="noStrike">
-                          <a:solidFill>
-                            <a:srgbClr val="000000"/>
-                          </a:solidFill>
-                          <a:effectLst/>
-                          <a:latin typeface="Arial" panose="020B0604020202020204" pitchFamily="34" charset="0"/>
-                        </a:rPr>
-                        <a:t>0.97</a:t>
-                      </a:r>
-                    </a:p>
-                  </a:txBody>
-                  <a:tcPr marL="7620" marR="7620" marT="7620" marB="0" anchor="ctr">
-                    <a:lnL>
-                      <a:noFill/>
-                    </a:lnL>
-                    <a:lnR>
-                      <a:noFill/>
-                    </a:lnR>
-                    <a:lnT>
-                      <a:noFill/>
-                    </a:lnT>
-                    <a:lnB>
-                      <a:noFill/>
-                    </a:lnB>
-                    <a:solidFill>
-                      <a:srgbClr val="FBF4F7"/>
-                    </a:solidFill>
-                  </a:tcPr>
-                </a:tc>
-                <a:extLst>
-                  <a:ext uri="{0D108BD9-81ED-4DB2-BD59-A6C34878D82A}">
-                    <a16:rowId xmlns:a16="http://schemas.microsoft.com/office/drawing/2014/main" val="2321061091"/>
-                  </a:ext>
-                </a:extLst>
-              </a:tr>
-              <a:tr h="444549">
-                <a:tc>
-                  <a:txBody>
-                    <a:bodyPr/>
-                    <a:lstStyle/>
-                    <a:p>
-                      <a:pPr algn="r" fontAlgn="ctr"/>
-                      <a:r>
-                        <a:rPr lang="en-US" sz="1600" b="1" i="0" u="none" strike="noStrike">
-                          <a:solidFill>
-                            <a:srgbClr val="000000"/>
-                          </a:solidFill>
-                          <a:effectLst/>
-                          <a:latin typeface="Arial" panose="020B0604020202020204" pitchFamily="34" charset="0"/>
-                        </a:rPr>
-                        <a:t>white</a:t>
-                      </a:r>
-                    </a:p>
-                  </a:txBody>
-                  <a:tcPr marL="7620" marR="7620" marT="7620" marB="0" anchor="ctr">
-                    <a:lnL>
-                      <a:noFill/>
-                    </a:lnL>
-                    <a:lnR>
-                      <a:noFill/>
-                    </a:lnR>
-                    <a:lnT>
-                      <a:noFill/>
-                    </a:lnT>
-                    <a:lnB>
-                      <a:noFill/>
-                    </a:lnB>
-                  </a:tcPr>
-                </a:tc>
-                <a:tc>
-                  <a:txBody>
-                    <a:bodyPr/>
-                    <a:lstStyle/>
-                    <a:p>
-                      <a:pPr algn="ctr" fontAlgn="ctr"/>
-                      <a:r>
-                        <a:rPr lang="en-US" sz="1600" b="0" i="0" u="none" strike="noStrike">
-                          <a:solidFill>
-                            <a:srgbClr val="000000"/>
-                          </a:solidFill>
-                          <a:effectLst/>
-                          <a:latin typeface="Arial" panose="020B0604020202020204" pitchFamily="34" charset="0"/>
-                        </a:rPr>
-                        <a:t>0.82</a:t>
-                      </a:r>
-                    </a:p>
-                  </a:txBody>
-                  <a:tcPr marL="7620" marR="7620" marT="7620" marB="0" anchor="ctr">
-                    <a:lnL>
-                      <a:noFill/>
-                    </a:lnL>
-                    <a:lnR>
-                      <a:noFill/>
-                    </a:lnR>
-                    <a:lnT>
-                      <a:noFill/>
-                    </a:lnT>
-                    <a:lnB>
-                      <a:noFill/>
-                    </a:lnB>
-                    <a:solidFill>
-                      <a:srgbClr val="FAC7CA"/>
-                    </a:solidFill>
-                  </a:tcPr>
-                </a:tc>
-                <a:tc>
-                  <a:txBody>
-                    <a:bodyPr/>
-                    <a:lstStyle/>
-                    <a:p>
-                      <a:pPr algn="ctr" fontAlgn="ctr"/>
-                      <a:r>
-                        <a:rPr lang="en-US" sz="1600" b="0" i="0" u="none" strike="noStrike">
-                          <a:solidFill>
-                            <a:srgbClr val="000000"/>
-                          </a:solidFill>
-                          <a:effectLst/>
-                          <a:latin typeface="Arial" panose="020B0604020202020204" pitchFamily="34" charset="0"/>
-                        </a:rPr>
-                        <a:t>0.84</a:t>
-                      </a:r>
-                    </a:p>
-                  </a:txBody>
-                  <a:tcPr marL="7620" marR="7620" marT="7620" marB="0" anchor="ctr">
-                    <a:lnL>
-                      <a:noFill/>
-                    </a:lnL>
-                    <a:lnR>
-                      <a:noFill/>
-                    </a:lnR>
-                    <a:lnT>
-                      <a:noFill/>
-                    </a:lnT>
-                    <a:lnB>
-                      <a:noFill/>
-                    </a:lnB>
-                    <a:solidFill>
-                      <a:srgbClr val="FACCCF"/>
-                    </a:solidFill>
-                  </a:tcPr>
-                </a:tc>
-                <a:tc>
-                  <a:txBody>
-                    <a:bodyPr/>
-                    <a:lstStyle/>
-                    <a:p>
-                      <a:pPr algn="ctr" fontAlgn="ctr"/>
-                      <a:r>
-                        <a:rPr lang="en-US" sz="1600" b="0" i="0" u="none" strike="noStrike">
-                          <a:solidFill>
-                            <a:srgbClr val="000000"/>
-                          </a:solidFill>
-                          <a:effectLst/>
-                          <a:latin typeface="Arial" panose="020B0604020202020204" pitchFamily="34" charset="0"/>
-                        </a:rPr>
-                        <a:t>0.95</a:t>
-                      </a:r>
-                    </a:p>
-                  </a:txBody>
-                  <a:tcPr marL="7620" marR="7620" marT="7620" marB="0" anchor="ctr">
-                    <a:lnL>
-                      <a:noFill/>
-                    </a:lnL>
-                    <a:lnR>
-                      <a:noFill/>
-                    </a:lnR>
-                    <a:lnT>
-                      <a:noFill/>
-                    </a:lnT>
-                    <a:lnB>
-                      <a:noFill/>
-                    </a:lnB>
-                    <a:solidFill>
-                      <a:srgbClr val="FBEDF0"/>
-                    </a:solidFill>
-                  </a:tcPr>
-                </a:tc>
-                <a:extLst>
-                  <a:ext uri="{0D108BD9-81ED-4DB2-BD59-A6C34878D82A}">
-                    <a16:rowId xmlns:a16="http://schemas.microsoft.com/office/drawing/2014/main" val="529878757"/>
-                  </a:ext>
-                </a:extLst>
-              </a:tr>
-              <a:tr h="444549">
-                <a:tc>
-                  <a:txBody>
-                    <a:bodyPr/>
-                    <a:lstStyle/>
-                    <a:p>
-                      <a:pPr algn="r" fontAlgn="ctr"/>
-                      <a:r>
-                        <a:rPr lang="en-US" sz="1600" b="1" i="0" u="none" strike="noStrike">
-                          <a:solidFill>
-                            <a:srgbClr val="000000"/>
-                          </a:solidFill>
-                          <a:effectLst/>
-                          <a:latin typeface="Arial" panose="020B0604020202020204" pitchFamily="34" charset="0"/>
-                        </a:rPr>
-                        <a:t>psychiatric_or_mental_illness</a:t>
-                      </a:r>
-                    </a:p>
-                  </a:txBody>
-                  <a:tcPr marL="7620" marR="7620" marT="7620" marB="0" anchor="ctr">
-                    <a:lnL>
-                      <a:noFill/>
-                    </a:lnL>
-                    <a:lnR>
-                      <a:noFill/>
-                    </a:lnR>
-                    <a:lnT>
-                      <a:noFill/>
-                    </a:lnT>
-                    <a:lnB>
-                      <a:noFill/>
-                    </a:lnB>
-                  </a:tcPr>
-                </a:tc>
-                <a:tc>
-                  <a:txBody>
-                    <a:bodyPr/>
-                    <a:lstStyle/>
-                    <a:p>
-                      <a:pPr algn="ctr" fontAlgn="ctr"/>
-                      <a:r>
-                        <a:rPr lang="en-US" sz="1600" b="0" i="0" u="none" strike="noStrike">
-                          <a:solidFill>
-                            <a:srgbClr val="000000"/>
-                          </a:solidFill>
-                          <a:effectLst/>
-                          <a:latin typeface="Arial" panose="020B0604020202020204" pitchFamily="34" charset="0"/>
-                        </a:rPr>
-                        <a:t>0.88</a:t>
-                      </a:r>
-                    </a:p>
-                  </a:txBody>
-                  <a:tcPr marL="7620" marR="7620" marT="7620" marB="0" anchor="ctr">
-                    <a:lnL>
-                      <a:noFill/>
-                    </a:lnL>
-                    <a:lnR>
-                      <a:noFill/>
-                    </a:lnR>
-                    <a:lnT>
-                      <a:noFill/>
-                    </a:lnT>
-                    <a:lnB>
-                      <a:noFill/>
-                    </a:lnB>
-                    <a:solidFill>
-                      <a:srgbClr val="FBDADC"/>
-                    </a:solidFill>
-                  </a:tcPr>
-                </a:tc>
-                <a:tc>
-                  <a:txBody>
-                    <a:bodyPr/>
-                    <a:lstStyle/>
-                    <a:p>
-                      <a:pPr algn="ctr" fontAlgn="ctr"/>
-                      <a:r>
-                        <a:rPr lang="en-US" sz="1600" b="0" i="0" u="none" strike="noStrike">
-                          <a:solidFill>
-                            <a:srgbClr val="000000"/>
-                          </a:solidFill>
-                          <a:effectLst/>
-                          <a:latin typeface="Arial" panose="020B0604020202020204" pitchFamily="34" charset="0"/>
-                        </a:rPr>
-                        <a:t>0.97</a:t>
-                      </a:r>
-                    </a:p>
-                  </a:txBody>
-                  <a:tcPr marL="7620" marR="7620" marT="7620" marB="0" anchor="ctr">
-                    <a:lnL>
-                      <a:noFill/>
-                    </a:lnL>
-                    <a:lnR>
-                      <a:noFill/>
-                    </a:lnR>
-                    <a:lnT>
-                      <a:noFill/>
-                    </a:lnT>
-                    <a:lnB>
-                      <a:noFill/>
-                    </a:lnB>
-                    <a:solidFill>
-                      <a:srgbClr val="FBF2F5"/>
-                    </a:solidFill>
-                  </a:tcPr>
-                </a:tc>
-                <a:tc>
-                  <a:txBody>
-                    <a:bodyPr/>
-                    <a:lstStyle/>
-                    <a:p>
-                      <a:pPr algn="ctr" fontAlgn="ctr"/>
-                      <a:r>
-                        <a:rPr lang="en-US" sz="1600" b="0" i="0" u="none" strike="noStrike" dirty="0">
-                          <a:solidFill>
-                            <a:srgbClr val="000000"/>
-                          </a:solidFill>
-                          <a:effectLst/>
-                          <a:latin typeface="Arial" panose="020B0604020202020204" pitchFamily="34" charset="0"/>
-                        </a:rPr>
-                        <a:t>0.85</a:t>
-                      </a:r>
-                    </a:p>
-                  </a:txBody>
-                  <a:tcPr marL="7620" marR="7620" marT="7620" marB="0" anchor="ctr">
-                    <a:lnL>
-                      <a:noFill/>
-                    </a:lnL>
-                    <a:lnR>
-                      <a:noFill/>
-                    </a:lnR>
-                    <a:lnT>
-                      <a:noFill/>
-                    </a:lnT>
-                    <a:lnB>
-                      <a:noFill/>
-                    </a:lnB>
-                    <a:solidFill>
-                      <a:srgbClr val="FACED1"/>
-                    </a:solidFill>
-                  </a:tcPr>
-                </a:tc>
-                <a:extLst>
-                  <a:ext uri="{0D108BD9-81ED-4DB2-BD59-A6C34878D82A}">
-                    <a16:rowId xmlns:a16="http://schemas.microsoft.com/office/drawing/2014/main" val="2533274958"/>
-                  </a:ext>
-                </a:extLst>
-              </a:tr>
-            </a:tbl>
-          </a:graphicData>
-        </a:graphic>
-      </p:graphicFrame>
+            <a:r>
+              <a:rPr lang="en-US" dirty="0" err="1"/>
+              <a:t>Importances</a:t>
+            </a:r>
+            <a:endParaRPr lang="en-US" dirty="0"/>
+          </a:p>
+        </p:txBody>
+      </p:sp>
     </p:spTree>
     <p:extLst>
       <p:ext uri="{BB962C8B-B14F-4D97-AF65-F5344CB8AC3E}">
@@ -13095,14 +10577,14 @@
             <p:ph idx="1"/>
             <p:extLst>
               <p:ext uri="{D42A27DB-BD31-4B8C-83A1-F6EECF244321}">
-                <p14:modId xmlns:p14="http://schemas.microsoft.com/office/powerpoint/2010/main" val="1505203560"/>
+                <p14:modId xmlns:p14="http://schemas.microsoft.com/office/powerpoint/2010/main" val="1681476027"/>
               </p:ext>
             </p:extLst>
           </p:nvPr>
         </p:nvGraphicFramePr>
         <p:xfrm>
-          <a:off x="677863" y="2160588"/>
-          <a:ext cx="8596312" cy="3881437"/>
+          <a:off x="364067" y="2171700"/>
+          <a:ext cx="9304867" cy="3874558"/>
         </p:xfrm>
         <a:graphic>
           <a:graphicData uri="http://schemas.openxmlformats.org/drawingml/2006/diagram">

--- a/presentation.pptx
+++ b/presentation.pptx
@@ -5,17 +5,16 @@
     <p:sldMasterId id="2147483648" r:id="rId1"/>
   </p:sldMasterIdLst>
   <p:notesMasterIdLst>
-    <p:notesMasterId r:id="rId10"/>
+    <p:notesMasterId r:id="rId9"/>
   </p:notesMasterIdLst>
   <p:sldIdLst>
     <p:sldId id="256" r:id="rId2"/>
     <p:sldId id="257" r:id="rId3"/>
     <p:sldId id="259" r:id="rId4"/>
     <p:sldId id="266" r:id="rId5"/>
-    <p:sldId id="260" r:id="rId6"/>
+    <p:sldId id="267" r:id="rId6"/>
     <p:sldId id="262" r:id="rId7"/>
-    <p:sldId id="264" r:id="rId8"/>
-    <p:sldId id="263" r:id="rId9"/>
+    <p:sldId id="263" r:id="rId8"/>
   </p:sldIdLst>
   <p:sldSz cx="12192000" cy="6858000"/>
   <p:notesSz cx="6858000" cy="9144000"/>
@@ -122,981 +121,789 @@
 </p:presentation>
 </file>
 
-<file path=ppt/charts/chart1.xml><?xml version="1.0" encoding="utf-8"?>
-<c:chartSpace xmlns:c="http://schemas.openxmlformats.org/drawingml/2006/chart" xmlns:a="http://schemas.openxmlformats.org/drawingml/2006/main" xmlns:r="http://schemas.openxmlformats.org/officeDocument/2006/relationships" xmlns:c16r2="http://schemas.microsoft.com/office/drawing/2015/06/chart">
-  <c:date1904 val="0"/>
-  <c:lang val="en-US"/>
-  <c:roundedCorners val="0"/>
-  <mc:AlternateContent xmlns:mc="http://schemas.openxmlformats.org/markup-compatibility/2006">
-    <mc:Choice xmlns:c14="http://schemas.microsoft.com/office/drawing/2007/8/2/chart" Requires="c14">
-      <c14:style val="102"/>
-    </mc:Choice>
-    <mc:Fallback>
-      <c:style val="2"/>
-    </mc:Fallback>
-  </mc:AlternateContent>
-  <c:chart>
-    <c:autoTitleDeleted val="1"/>
-    <c:plotArea>
-      <c:layout/>
-      <c:barChart>
-        <c:barDir val="col"/>
-        <c:grouping val="clustered"/>
-        <c:varyColors val="0"/>
-        <c:ser>
-          <c:idx val="0"/>
-          <c:order val="0"/>
-          <c:tx>
-            <c:strRef>
-              <c:f>Sheet2!$B$1</c:f>
-              <c:strCache>
-                <c:ptCount val="1"/>
-                <c:pt idx="0">
-                  <c:v>Score</c:v>
-                </c:pt>
-              </c:strCache>
-            </c:strRef>
-          </c:tx>
-          <c:spPr>
-            <a:solidFill>
-              <a:schemeClr val="accent1"/>
-            </a:solidFill>
-            <a:ln>
-              <a:noFill/>
-            </a:ln>
-            <a:effectLst/>
-          </c:spPr>
-          <c:invertIfNegative val="0"/>
-          <c:dPt>
-            <c:idx val="0"/>
-            <c:invertIfNegative val="0"/>
-            <c:bubble3D val="0"/>
-            <c:spPr>
-              <a:solidFill>
-                <a:schemeClr val="accent2"/>
-              </a:solidFill>
-              <a:ln>
-                <a:noFill/>
-              </a:ln>
-              <a:effectLst/>
-            </c:spPr>
-            <c:extLst>
-              <c:ext xmlns:c16="http://schemas.microsoft.com/office/drawing/2014/chart" uri="{C3380CC4-5D6E-409C-BE32-E72D297353CC}">
-                <c16:uniqueId val="{00000001-3EF7-43EA-A33F-2778779F7622}"/>
-              </c:ext>
-            </c:extLst>
-          </c:dPt>
-          <c:dPt>
-            <c:idx val="2"/>
-            <c:invertIfNegative val="0"/>
-            <c:bubble3D val="0"/>
-            <c:spPr>
-              <a:solidFill>
-                <a:schemeClr val="accent2"/>
-              </a:solidFill>
-              <a:ln>
-                <a:noFill/>
-              </a:ln>
-              <a:effectLst/>
-            </c:spPr>
-            <c:extLst>
-              <c:ext xmlns:c16="http://schemas.microsoft.com/office/drawing/2014/chart" uri="{C3380CC4-5D6E-409C-BE32-E72D297353CC}">
-                <c16:uniqueId val="{00000002-3EF7-43EA-A33F-2778779F7622}"/>
-              </c:ext>
-            </c:extLst>
-          </c:dPt>
-          <c:dPt>
-            <c:idx val="3"/>
-            <c:invertIfNegative val="0"/>
-            <c:bubble3D val="0"/>
-            <c:spPr>
-              <a:solidFill>
-                <a:schemeClr val="accent2"/>
-              </a:solidFill>
-              <a:ln>
-                <a:noFill/>
-              </a:ln>
-              <a:effectLst/>
-            </c:spPr>
-            <c:extLst>
-              <c:ext xmlns:c16="http://schemas.microsoft.com/office/drawing/2014/chart" uri="{C3380CC4-5D6E-409C-BE32-E72D297353CC}">
-                <c16:uniqueId val="{00000003-3EF7-43EA-A33F-2778779F7622}"/>
-              </c:ext>
-            </c:extLst>
-          </c:dPt>
-          <c:dLbls>
-            <c:spPr>
-              <a:noFill/>
-              <a:ln>
-                <a:noFill/>
-              </a:ln>
-              <a:effectLst/>
-            </c:spPr>
-            <c:txPr>
-              <a:bodyPr rot="0" spcFirstLastPara="1" vertOverflow="ellipsis" vert="horz" wrap="square" anchor="ctr" anchorCtr="1"/>
-              <a:lstStyle/>
-              <a:p>
-                <a:pPr>
-                  <a:defRPr sz="1600" b="0" i="0" u="none" strike="noStrike" kern="1200" baseline="0">
-                    <a:solidFill>
-                      <a:schemeClr val="tx1">
-                        <a:lumMod val="75000"/>
-                        <a:lumOff val="25000"/>
-                      </a:schemeClr>
-                    </a:solidFill>
-                    <a:latin typeface="+mn-lt"/>
-                    <a:ea typeface="+mn-ea"/>
-                    <a:cs typeface="+mn-cs"/>
-                  </a:defRPr>
-                </a:pPr>
-                <a:endParaRPr lang="en-US"/>
-              </a:p>
-            </c:txPr>
-            <c:dLblPos val="outEnd"/>
-            <c:showLegendKey val="0"/>
-            <c:showVal val="1"/>
-            <c:showCatName val="0"/>
-            <c:showSerName val="0"/>
-            <c:showPercent val="0"/>
-            <c:showBubbleSize val="0"/>
-            <c:showLeaderLines val="0"/>
-            <c:extLst>
-              <c:ext xmlns:c15="http://schemas.microsoft.com/office/drawing/2012/chart" uri="{CE6537A1-D6FC-4f65-9D91-7224C49458BB}">
-                <c15:showLeaderLines val="1"/>
-                <c15:leaderLines>
-                  <c:spPr>
-                    <a:ln w="9525" cap="flat" cmpd="sng" algn="ctr">
-                      <a:solidFill>
-                        <a:schemeClr val="tx1">
-                          <a:lumMod val="35000"/>
-                          <a:lumOff val="65000"/>
-                        </a:schemeClr>
-                      </a:solidFill>
-                      <a:round/>
-                    </a:ln>
-                    <a:effectLst/>
-                  </c:spPr>
-                </c15:leaderLines>
-              </c:ext>
-            </c:extLst>
-          </c:dLbls>
-          <c:cat>
-            <c:strRef>
-              <c:f>Sheet2!$A$2:$A$6</c:f>
-              <c:strCache>
-                <c:ptCount val="5"/>
-                <c:pt idx="0">
-                  <c:v>Naïve Bayes</c:v>
-                </c:pt>
-                <c:pt idx="1">
-                  <c:v>Kaggle Benchmark</c:v>
-                </c:pt>
-                <c:pt idx="2">
-                  <c:v>Bidirectional LSTM</c:v>
-                </c:pt>
-                <c:pt idx="3">
-                  <c:v>Bidirectional LSTM x2</c:v>
-                </c:pt>
-                <c:pt idx="4">
-                  <c:v>Kaggle Top Score</c:v>
-                </c:pt>
-              </c:strCache>
-            </c:strRef>
-          </c:cat>
-          <c:val>
-            <c:numRef>
-              <c:f>Sheet2!$B$2:$B$6</c:f>
-              <c:numCache>
-                <c:formatCode>0.00</c:formatCode>
-                <c:ptCount val="5"/>
-                <c:pt idx="0">
-                  <c:v>0.8266</c:v>
-                </c:pt>
-                <c:pt idx="1">
-                  <c:v>0.88349999999999995</c:v>
-                </c:pt>
-                <c:pt idx="2">
-                  <c:v>0.88649999999999995</c:v>
-                </c:pt>
-                <c:pt idx="3">
-                  <c:v>0.90149999999999997</c:v>
-                </c:pt>
-                <c:pt idx="4">
-                  <c:v>0.94410000000000005</c:v>
-                </c:pt>
-              </c:numCache>
-            </c:numRef>
-          </c:val>
-          <c:extLst>
-            <c:ext xmlns:c16="http://schemas.microsoft.com/office/drawing/2014/chart" uri="{C3380CC4-5D6E-409C-BE32-E72D297353CC}">
-              <c16:uniqueId val="{00000000-3EF7-43EA-A33F-2778779F7622}"/>
-            </c:ext>
-          </c:extLst>
-        </c:ser>
-        <c:dLbls>
-          <c:showLegendKey val="0"/>
-          <c:showVal val="0"/>
-          <c:showCatName val="0"/>
-          <c:showSerName val="0"/>
-          <c:showPercent val="0"/>
-          <c:showBubbleSize val="0"/>
-        </c:dLbls>
-        <c:gapWidth val="219"/>
-        <c:overlap val="-27"/>
-        <c:axId val="490778672"/>
-        <c:axId val="490779000"/>
-      </c:barChart>
-      <c:catAx>
-        <c:axId val="490778672"/>
-        <c:scaling>
-          <c:orientation val="minMax"/>
-        </c:scaling>
-        <c:delete val="0"/>
-        <c:axPos val="b"/>
-        <c:numFmt formatCode="General" sourceLinked="1"/>
-        <c:majorTickMark val="none"/>
-        <c:minorTickMark val="none"/>
-        <c:tickLblPos val="nextTo"/>
-        <c:spPr>
-          <a:noFill/>
-          <a:ln w="9525" cap="flat" cmpd="sng" algn="ctr">
-            <a:solidFill>
-              <a:schemeClr val="tx1">
-                <a:lumMod val="15000"/>
-                <a:lumOff val="85000"/>
-              </a:schemeClr>
-            </a:solidFill>
-            <a:round/>
-          </a:ln>
-          <a:effectLst/>
-        </c:spPr>
-        <c:txPr>
-          <a:bodyPr rot="-60000000" spcFirstLastPara="1" vertOverflow="ellipsis" vert="horz" wrap="square" anchor="ctr" anchorCtr="1"/>
-          <a:lstStyle/>
-          <a:p>
-            <a:pPr>
-              <a:defRPr sz="1600" b="0" i="0" u="none" strike="noStrike" kern="1200" baseline="0">
-                <a:solidFill>
-                  <a:schemeClr val="tx1">
-                    <a:lumMod val="65000"/>
-                    <a:lumOff val="35000"/>
-                  </a:schemeClr>
-                </a:solidFill>
-                <a:latin typeface="+mn-lt"/>
-                <a:ea typeface="+mn-ea"/>
-                <a:cs typeface="+mn-cs"/>
-              </a:defRPr>
-            </a:pPr>
-            <a:endParaRPr lang="en-US"/>
-          </a:p>
-        </c:txPr>
-        <c:crossAx val="490779000"/>
-        <c:crosses val="autoZero"/>
-        <c:auto val="1"/>
-        <c:lblAlgn val="ctr"/>
-        <c:lblOffset val="100"/>
-        <c:noMultiLvlLbl val="0"/>
-      </c:catAx>
-      <c:valAx>
-        <c:axId val="490779000"/>
-        <c:scaling>
-          <c:orientation val="minMax"/>
-          <c:max val="1"/>
-          <c:min val="0.5"/>
-        </c:scaling>
-        <c:delete val="0"/>
-        <c:axPos val="l"/>
-        <c:majorGridlines>
-          <c:spPr>
-            <a:ln w="9525" cap="flat" cmpd="sng" algn="ctr">
-              <a:solidFill>
-                <a:schemeClr val="tx1">
-                  <a:lumMod val="15000"/>
-                  <a:lumOff val="85000"/>
-                </a:schemeClr>
-              </a:solidFill>
-              <a:round/>
-            </a:ln>
-            <a:effectLst/>
-          </c:spPr>
-        </c:majorGridlines>
-        <c:title>
-          <c:tx>
-            <c:rich>
-              <a:bodyPr rot="-5400000" spcFirstLastPara="1" vertOverflow="ellipsis" vert="horz" wrap="square" anchor="ctr" anchorCtr="1"/>
-              <a:lstStyle/>
-              <a:p>
-                <a:pPr>
-                  <a:defRPr sz="1600" b="0" i="0" u="none" strike="noStrike" kern="1200" baseline="0">
-                    <a:solidFill>
-                      <a:schemeClr val="tx1">
-                        <a:lumMod val="65000"/>
-                        <a:lumOff val="35000"/>
-                      </a:schemeClr>
-                    </a:solidFill>
-                    <a:latin typeface="+mn-lt"/>
-                    <a:ea typeface="+mn-ea"/>
-                    <a:cs typeface="+mn-cs"/>
-                  </a:defRPr>
-                </a:pPr>
-                <a:r>
-                  <a:rPr lang="en-US"/>
-                  <a:t>Combined Metric Score</a:t>
-                </a:r>
-              </a:p>
-            </c:rich>
-          </c:tx>
-          <c:overlay val="0"/>
-          <c:spPr>
-            <a:noFill/>
-            <a:ln>
-              <a:noFill/>
-            </a:ln>
-            <a:effectLst/>
-          </c:spPr>
-          <c:txPr>
-            <a:bodyPr rot="-5400000" spcFirstLastPara="1" vertOverflow="ellipsis" vert="horz" wrap="square" anchor="ctr" anchorCtr="1"/>
-            <a:lstStyle/>
-            <a:p>
-              <a:pPr>
-                <a:defRPr sz="1600" b="0" i="0" u="none" strike="noStrike" kern="1200" baseline="0">
-                  <a:solidFill>
-                    <a:schemeClr val="tx1">
-                      <a:lumMod val="65000"/>
-                      <a:lumOff val="35000"/>
-                    </a:schemeClr>
-                  </a:solidFill>
-                  <a:latin typeface="+mn-lt"/>
-                  <a:ea typeface="+mn-ea"/>
-                  <a:cs typeface="+mn-cs"/>
-                </a:defRPr>
-              </a:pPr>
-              <a:endParaRPr lang="en-US"/>
-            </a:p>
-          </c:txPr>
-        </c:title>
-        <c:numFmt formatCode="0.00" sourceLinked="1"/>
-        <c:majorTickMark val="none"/>
-        <c:minorTickMark val="none"/>
-        <c:tickLblPos val="nextTo"/>
-        <c:spPr>
-          <a:noFill/>
-          <a:ln>
-            <a:noFill/>
-          </a:ln>
-          <a:effectLst/>
-        </c:spPr>
-        <c:txPr>
-          <a:bodyPr rot="-60000000" spcFirstLastPara="1" vertOverflow="ellipsis" vert="horz" wrap="square" anchor="ctr" anchorCtr="1"/>
-          <a:lstStyle/>
-          <a:p>
-            <a:pPr>
-              <a:defRPr sz="1600" b="0" i="0" u="none" strike="noStrike" kern="1200" baseline="0">
-                <a:solidFill>
-                  <a:schemeClr val="tx1">
-                    <a:lumMod val="65000"/>
-                    <a:lumOff val="35000"/>
-                  </a:schemeClr>
-                </a:solidFill>
-                <a:latin typeface="+mn-lt"/>
-                <a:ea typeface="+mn-ea"/>
-                <a:cs typeface="+mn-cs"/>
-              </a:defRPr>
-            </a:pPr>
-            <a:endParaRPr lang="en-US"/>
-          </a:p>
-        </c:txPr>
-        <c:crossAx val="490778672"/>
-        <c:crosses val="autoZero"/>
-        <c:crossBetween val="between"/>
-        <c:majorUnit val="0.1"/>
-      </c:valAx>
-      <c:spPr>
-        <a:noFill/>
-        <a:ln>
-          <a:noFill/>
-        </a:ln>
-        <a:effectLst/>
-      </c:spPr>
-    </c:plotArea>
-    <c:plotVisOnly val="1"/>
-    <c:dispBlanksAs val="gap"/>
-    <c:extLst>
-      <c:ext xmlns:c16r3="http://schemas.microsoft.com/office/drawing/2017/03/chart" uri="{56B9EC1D-385E-4148-901F-78D8002777C0}">
-        <c16r3:dataDisplayOptions16>
-          <c16r3:dispNaAsBlank val="1"/>
-        </c16r3:dataDisplayOptions16>
-      </c:ext>
-    </c:extLst>
-    <c:showDLblsOverMax val="0"/>
-  </c:chart>
-  <c:spPr>
-    <a:noFill/>
-    <a:ln>
-      <a:noFill/>
-    </a:ln>
-    <a:effectLst/>
-  </c:spPr>
-  <c:txPr>
-    <a:bodyPr/>
-    <a:lstStyle/>
-    <a:p>
-      <a:pPr>
-        <a:defRPr sz="1600"/>
-      </a:pPr>
-      <a:endParaRPr lang="en-US"/>
-    </a:p>
-  </c:txPr>
-  <c:externalData r:id="rId3">
-    <c:autoUpdate val="0"/>
-  </c:externalData>
-</c:chartSpace>
+<file path=ppt/diagrams/colors1.xml><?xml version="1.0" encoding="utf-8"?>
+<dgm:colorsDef xmlns:dgm="http://schemas.openxmlformats.org/drawingml/2006/diagram" xmlns:a="http://schemas.openxmlformats.org/drawingml/2006/main" uniqueId="urn:microsoft.com/office/officeart/2005/8/colors/colorful5">
+  <dgm:title val=""/>
+  <dgm:desc val=""/>
+  <dgm:catLst>
+    <dgm:cat type="colorful" pri="10500"/>
+  </dgm:catLst>
+  <dgm:styleLbl name="node0">
+    <dgm:fillClrLst meth="repeat">
+      <a:schemeClr val="accent4"/>
+    </dgm:fillClrLst>
+    <dgm:linClrLst meth="repeat">
+      <a:schemeClr val="lt1"/>
+    </dgm:linClrLst>
+    <dgm:effectClrLst/>
+    <dgm:txLinClrLst/>
+    <dgm:txFillClrLst/>
+    <dgm:txEffectClrLst/>
+  </dgm:styleLbl>
+  <dgm:styleLbl name="node1">
+    <dgm:fillClrLst>
+      <a:schemeClr val="accent5"/>
+      <a:schemeClr val="accent6"/>
+    </dgm:fillClrLst>
+    <dgm:linClrLst meth="repeat">
+      <a:schemeClr val="lt1"/>
+    </dgm:linClrLst>
+    <dgm:effectClrLst/>
+    <dgm:txLinClrLst/>
+    <dgm:txFillClrLst/>
+    <dgm:txEffectClrLst/>
+  </dgm:styleLbl>
+  <dgm:styleLbl name="alignNode1">
+    <dgm:fillClrLst>
+      <a:schemeClr val="accent5"/>
+      <a:schemeClr val="accent6"/>
+    </dgm:fillClrLst>
+    <dgm:linClrLst>
+      <a:schemeClr val="accent5"/>
+      <a:schemeClr val="accent6"/>
+    </dgm:linClrLst>
+    <dgm:effectClrLst/>
+    <dgm:txLinClrLst/>
+    <dgm:txFillClrLst/>
+    <dgm:txEffectClrLst/>
+  </dgm:styleLbl>
+  <dgm:styleLbl name="lnNode1">
+    <dgm:fillClrLst>
+      <a:schemeClr val="accent5"/>
+      <a:schemeClr val="accent6"/>
+    </dgm:fillClrLst>
+    <dgm:linClrLst meth="repeat">
+      <a:schemeClr val="lt1"/>
+    </dgm:linClrLst>
+    <dgm:effectClrLst/>
+    <dgm:txLinClrLst/>
+    <dgm:txFillClrLst/>
+    <dgm:txEffectClrLst/>
+  </dgm:styleLbl>
+  <dgm:styleLbl name="vennNode1">
+    <dgm:fillClrLst>
+      <a:schemeClr val="accent5">
+        <a:alpha val="50000"/>
+      </a:schemeClr>
+      <a:schemeClr val="accent6">
+        <a:alpha val="50000"/>
+      </a:schemeClr>
+    </dgm:fillClrLst>
+    <dgm:linClrLst meth="repeat">
+      <a:schemeClr val="lt1"/>
+    </dgm:linClrLst>
+    <dgm:effectClrLst/>
+    <dgm:txLinClrLst/>
+    <dgm:txFillClrLst/>
+    <dgm:txEffectClrLst/>
+  </dgm:styleLbl>
+  <dgm:styleLbl name="node2">
+    <dgm:fillClrLst>
+      <a:schemeClr val="accent6"/>
+    </dgm:fillClrLst>
+    <dgm:linClrLst meth="repeat">
+      <a:schemeClr val="lt1"/>
+    </dgm:linClrLst>
+    <dgm:effectClrLst/>
+    <dgm:txLinClrLst/>
+    <dgm:txFillClrLst/>
+    <dgm:txEffectClrLst/>
+  </dgm:styleLbl>
+  <dgm:styleLbl name="node3">
+    <dgm:fillClrLst>
+      <a:schemeClr val="accent1"/>
+    </dgm:fillClrLst>
+    <dgm:linClrLst meth="repeat">
+      <a:schemeClr val="lt1"/>
+    </dgm:linClrLst>
+    <dgm:effectClrLst/>
+    <dgm:txLinClrLst/>
+    <dgm:txFillClrLst/>
+    <dgm:txEffectClrLst/>
+  </dgm:styleLbl>
+  <dgm:styleLbl name="node4">
+    <dgm:fillClrLst>
+      <a:schemeClr val="accent2"/>
+    </dgm:fillClrLst>
+    <dgm:linClrLst meth="repeat">
+      <a:schemeClr val="lt1"/>
+    </dgm:linClrLst>
+    <dgm:effectClrLst/>
+    <dgm:txLinClrLst/>
+    <dgm:txFillClrLst/>
+    <dgm:txEffectClrLst/>
+  </dgm:styleLbl>
+  <dgm:styleLbl name="fgImgPlace1">
+    <dgm:fillClrLst>
+      <a:schemeClr val="accent5">
+        <a:tint val="50000"/>
+      </a:schemeClr>
+      <a:schemeClr val="accent6">
+        <a:tint val="50000"/>
+      </a:schemeClr>
+    </dgm:fillClrLst>
+    <dgm:linClrLst meth="repeat">
+      <a:schemeClr val="lt1"/>
+    </dgm:linClrLst>
+    <dgm:effectClrLst/>
+    <dgm:txLinClrLst/>
+    <dgm:txFillClrLst meth="repeat">
+      <a:schemeClr val="lt1"/>
+    </dgm:txFillClrLst>
+    <dgm:txEffectClrLst/>
+  </dgm:styleLbl>
+  <dgm:styleLbl name="alignImgPlace1">
+    <dgm:fillClrLst>
+      <a:schemeClr val="accent5">
+        <a:tint val="50000"/>
+      </a:schemeClr>
+      <a:schemeClr val="accent6">
+        <a:tint val="20000"/>
+      </a:schemeClr>
+    </dgm:fillClrLst>
+    <dgm:linClrLst meth="repeat">
+      <a:schemeClr val="lt1"/>
+    </dgm:linClrLst>
+    <dgm:effectClrLst/>
+    <dgm:txLinClrLst/>
+    <dgm:txFillClrLst meth="repeat">
+      <a:schemeClr val="lt1"/>
+    </dgm:txFillClrLst>
+    <dgm:txEffectClrLst/>
+  </dgm:styleLbl>
+  <dgm:styleLbl name="bgImgPlace1">
+    <dgm:fillClrLst>
+      <a:schemeClr val="accent5">
+        <a:tint val="50000"/>
+      </a:schemeClr>
+      <a:schemeClr val="accent6">
+        <a:tint val="20000"/>
+      </a:schemeClr>
+    </dgm:fillClrLst>
+    <dgm:linClrLst meth="repeat">
+      <a:schemeClr val="lt1"/>
+    </dgm:linClrLst>
+    <dgm:effectClrLst/>
+    <dgm:txLinClrLst/>
+    <dgm:txFillClrLst meth="repeat">
+      <a:schemeClr val="lt1"/>
+    </dgm:txFillClrLst>
+    <dgm:txEffectClrLst/>
+  </dgm:styleLbl>
+  <dgm:styleLbl name="sibTrans2D1">
+    <dgm:fillClrLst>
+      <a:schemeClr val="accent5"/>
+      <a:schemeClr val="accent6"/>
+    </dgm:fillClrLst>
+    <dgm:linClrLst meth="repeat">
+      <a:schemeClr val="lt1"/>
+    </dgm:linClrLst>
+    <dgm:effectClrLst/>
+    <dgm:txLinClrLst/>
+    <dgm:txFillClrLst/>
+    <dgm:txEffectClrLst/>
+  </dgm:styleLbl>
+  <dgm:styleLbl name="fgSibTrans2D1">
+    <dgm:fillClrLst>
+      <a:schemeClr val="accent5"/>
+      <a:schemeClr val="accent6"/>
+    </dgm:fillClrLst>
+    <dgm:linClrLst meth="repeat">
+      <a:schemeClr val="lt1"/>
+    </dgm:linClrLst>
+    <dgm:effectClrLst/>
+    <dgm:txLinClrLst/>
+    <dgm:txFillClrLst meth="repeat">
+      <a:schemeClr val="lt1"/>
+    </dgm:txFillClrLst>
+    <dgm:txEffectClrLst/>
+  </dgm:styleLbl>
+  <dgm:styleLbl name="bgSibTrans2D1">
+    <dgm:fillClrLst>
+      <a:schemeClr val="accent5"/>
+      <a:schemeClr val="accent6"/>
+    </dgm:fillClrLst>
+    <dgm:linClrLst meth="repeat">
+      <a:schemeClr val="lt1"/>
+    </dgm:linClrLst>
+    <dgm:effectClrLst/>
+    <dgm:txLinClrLst/>
+    <dgm:txFillClrLst meth="repeat">
+      <a:schemeClr val="lt1"/>
+    </dgm:txFillClrLst>
+    <dgm:txEffectClrLst/>
+  </dgm:styleLbl>
+  <dgm:styleLbl name="sibTrans1D1">
+    <dgm:fillClrLst/>
+    <dgm:linClrLst>
+      <a:schemeClr val="accent5"/>
+      <a:schemeClr val="accent6"/>
+    </dgm:linClrLst>
+    <dgm:effectClrLst/>
+    <dgm:txLinClrLst/>
+    <dgm:txFillClrLst meth="repeat">
+      <a:schemeClr val="tx1"/>
+    </dgm:txFillClrLst>
+    <dgm:txEffectClrLst/>
+  </dgm:styleLbl>
+  <dgm:styleLbl name="callout">
+    <dgm:fillClrLst meth="repeat">
+      <a:schemeClr val="accent5"/>
+    </dgm:fillClrLst>
+    <dgm:linClrLst meth="repeat">
+      <a:schemeClr val="accent5">
+        <a:tint val="50000"/>
+      </a:schemeClr>
+    </dgm:linClrLst>
+    <dgm:effectClrLst/>
+    <dgm:txLinClrLst/>
+    <dgm:txFillClrLst meth="repeat">
+      <a:schemeClr val="tx1"/>
+    </dgm:txFillClrLst>
+    <dgm:txEffectClrLst/>
+  </dgm:styleLbl>
+  <dgm:styleLbl name="asst0">
+    <dgm:fillClrLst meth="repeat">
+      <a:schemeClr val="accent5"/>
+    </dgm:fillClrLst>
+    <dgm:linClrLst meth="repeat">
+      <a:schemeClr val="lt1">
+        <a:shade val="80000"/>
+      </a:schemeClr>
+    </dgm:linClrLst>
+    <dgm:effectClrLst/>
+    <dgm:txLinClrLst/>
+    <dgm:txFillClrLst/>
+    <dgm:txEffectClrLst/>
+  </dgm:styleLbl>
+  <dgm:styleLbl name="asst1">
+    <dgm:fillClrLst meth="repeat">
+      <a:schemeClr val="accent6"/>
+    </dgm:fillClrLst>
+    <dgm:linClrLst meth="repeat">
+      <a:schemeClr val="lt1">
+        <a:shade val="80000"/>
+      </a:schemeClr>
+    </dgm:linClrLst>
+    <dgm:effectClrLst/>
+    <dgm:txLinClrLst/>
+    <dgm:txFillClrLst/>
+    <dgm:txEffectClrLst/>
+  </dgm:styleLbl>
+  <dgm:styleLbl name="asst2">
+    <dgm:fillClrLst>
+      <a:schemeClr val="accent1"/>
+    </dgm:fillClrLst>
+    <dgm:linClrLst meth="repeat">
+      <a:schemeClr val="lt1"/>
+    </dgm:linClrLst>
+    <dgm:effectClrLst/>
+    <dgm:txLinClrLst/>
+    <dgm:txFillClrLst/>
+    <dgm:txEffectClrLst/>
+  </dgm:styleLbl>
+  <dgm:styleLbl name="asst3">
+    <dgm:fillClrLst>
+      <a:schemeClr val="accent2"/>
+    </dgm:fillClrLst>
+    <dgm:linClrLst meth="repeat">
+      <a:schemeClr val="lt1"/>
+    </dgm:linClrLst>
+    <dgm:effectClrLst/>
+    <dgm:txLinClrLst/>
+    <dgm:txFillClrLst/>
+    <dgm:txEffectClrLst/>
+  </dgm:styleLbl>
+  <dgm:styleLbl name="asst4">
+    <dgm:fillClrLst>
+      <a:schemeClr val="accent3"/>
+    </dgm:fillClrLst>
+    <dgm:linClrLst meth="repeat">
+      <a:schemeClr val="lt1"/>
+    </dgm:linClrLst>
+    <dgm:effectClrLst/>
+    <dgm:txLinClrLst/>
+    <dgm:txFillClrLst/>
+    <dgm:txEffectClrLst/>
+  </dgm:styleLbl>
+  <dgm:styleLbl name="parChTrans2D1">
+    <dgm:fillClrLst meth="repeat">
+      <a:schemeClr val="accent5"/>
+    </dgm:fillClrLst>
+    <dgm:linClrLst meth="repeat">
+      <a:schemeClr val="lt1"/>
+    </dgm:linClrLst>
+    <dgm:effectClrLst/>
+    <dgm:txLinClrLst/>
+    <dgm:txFillClrLst meth="repeat">
+      <a:schemeClr val="lt1"/>
+    </dgm:txFillClrLst>
+    <dgm:txEffectClrLst/>
+  </dgm:styleLbl>
+  <dgm:styleLbl name="parChTrans2D2">
+    <dgm:fillClrLst meth="repeat">
+      <a:schemeClr val="accent6"/>
+    </dgm:fillClrLst>
+    <dgm:linClrLst meth="repeat">
+      <a:schemeClr val="lt1"/>
+    </dgm:linClrLst>
+    <dgm:effectClrLst/>
+    <dgm:txLinClrLst/>
+    <dgm:txFillClrLst/>
+    <dgm:txEffectClrLst/>
+  </dgm:styleLbl>
+  <dgm:styleLbl name="parChTrans2D3">
+    <dgm:fillClrLst meth="repeat">
+      <a:schemeClr val="accent6"/>
+    </dgm:fillClrLst>
+    <dgm:linClrLst meth="repeat">
+      <a:schemeClr val="lt1"/>
+    </dgm:linClrLst>
+    <dgm:effectClrLst/>
+    <dgm:txLinClrLst/>
+    <dgm:txFillClrLst/>
+    <dgm:txEffectClrLst/>
+  </dgm:styleLbl>
+  <dgm:styleLbl name="parChTrans2D4">
+    <dgm:fillClrLst meth="repeat">
+      <a:schemeClr val="accent1"/>
+    </dgm:fillClrLst>
+    <dgm:linClrLst meth="repeat">
+      <a:schemeClr val="lt1"/>
+    </dgm:linClrLst>
+    <dgm:effectClrLst/>
+    <dgm:txLinClrLst/>
+    <dgm:txFillClrLst meth="repeat">
+      <a:schemeClr val="lt1"/>
+    </dgm:txFillClrLst>
+    <dgm:txEffectClrLst/>
+  </dgm:styleLbl>
+  <dgm:styleLbl name="parChTrans1D1">
+    <dgm:fillClrLst meth="repeat">
+      <a:schemeClr val="accent5"/>
+    </dgm:fillClrLst>
+    <dgm:linClrLst meth="repeat">
+      <a:schemeClr val="accent5"/>
+    </dgm:linClrLst>
+    <dgm:effectClrLst/>
+    <dgm:txLinClrLst/>
+    <dgm:txFillClrLst meth="repeat">
+      <a:schemeClr val="tx1"/>
+    </dgm:txFillClrLst>
+    <dgm:txEffectClrLst/>
+  </dgm:styleLbl>
+  <dgm:styleLbl name="parChTrans1D2">
+    <dgm:fillClrLst meth="repeat">
+      <a:schemeClr val="accent6">
+        <a:tint val="90000"/>
+      </a:schemeClr>
+    </dgm:fillClrLst>
+    <dgm:linClrLst meth="repeat">
+      <a:schemeClr val="accent6"/>
+    </dgm:linClrLst>
+    <dgm:effectClrLst/>
+    <dgm:txLinClrLst/>
+    <dgm:txFillClrLst meth="repeat">
+      <a:schemeClr val="tx1"/>
+    </dgm:txFillClrLst>
+    <dgm:txEffectClrLst/>
+  </dgm:styleLbl>
+  <dgm:styleLbl name="parChTrans1D3">
+    <dgm:fillClrLst meth="repeat">
+      <a:schemeClr val="accent6">
+        <a:tint val="70000"/>
+      </a:schemeClr>
+    </dgm:fillClrLst>
+    <dgm:linClrLst meth="repeat">
+      <a:schemeClr val="accent1"/>
+    </dgm:linClrLst>
+    <dgm:effectClrLst/>
+    <dgm:txLinClrLst/>
+    <dgm:txFillClrLst meth="repeat">
+      <a:schemeClr val="tx1"/>
+    </dgm:txFillClrLst>
+    <dgm:txEffectClrLst/>
+  </dgm:styleLbl>
+  <dgm:styleLbl name="parChTrans1D4">
+    <dgm:fillClrLst meth="repeat">
+      <a:schemeClr val="accent6">
+        <a:tint val="50000"/>
+      </a:schemeClr>
+    </dgm:fillClrLst>
+    <dgm:linClrLst meth="repeat">
+      <a:schemeClr val="accent2"/>
+    </dgm:linClrLst>
+    <dgm:effectClrLst/>
+    <dgm:txLinClrLst/>
+    <dgm:txFillClrLst meth="repeat">
+      <a:schemeClr val="tx1"/>
+    </dgm:txFillClrLst>
+    <dgm:txEffectClrLst/>
+  </dgm:styleLbl>
+  <dgm:styleLbl name="fgAcc1">
+    <dgm:fillClrLst meth="repeat">
+      <a:schemeClr val="lt1">
+        <a:alpha val="90000"/>
+      </a:schemeClr>
+    </dgm:fillClrLst>
+    <dgm:linClrLst>
+      <a:schemeClr val="accent5"/>
+      <a:schemeClr val="accent6"/>
+    </dgm:linClrLst>
+    <dgm:effectClrLst/>
+    <dgm:txLinClrLst/>
+    <dgm:txFillClrLst meth="repeat">
+      <a:schemeClr val="dk1"/>
+    </dgm:txFillClrLst>
+    <dgm:txEffectClrLst/>
+  </dgm:styleLbl>
+  <dgm:styleLbl name="conFgAcc1">
+    <dgm:fillClrLst meth="repeat">
+      <a:schemeClr val="lt1">
+        <a:alpha val="90000"/>
+      </a:schemeClr>
+    </dgm:fillClrLst>
+    <dgm:linClrLst>
+      <a:schemeClr val="accent5"/>
+      <a:schemeClr val="accent6"/>
+    </dgm:linClrLst>
+    <dgm:effectClrLst/>
+    <dgm:txLinClrLst/>
+    <dgm:txFillClrLst meth="repeat">
+      <a:schemeClr val="dk1"/>
+    </dgm:txFillClrLst>
+    <dgm:txEffectClrLst/>
+  </dgm:styleLbl>
+  <dgm:styleLbl name="alignAcc1">
+    <dgm:fillClrLst meth="repeat">
+      <a:schemeClr val="lt1">
+        <a:alpha val="90000"/>
+      </a:schemeClr>
+    </dgm:fillClrLst>
+    <dgm:linClrLst>
+      <a:schemeClr val="accent5"/>
+      <a:schemeClr val="accent6"/>
+    </dgm:linClrLst>
+    <dgm:effectClrLst/>
+    <dgm:txLinClrLst/>
+    <dgm:txFillClrLst meth="repeat">
+      <a:schemeClr val="dk1"/>
+    </dgm:txFillClrLst>
+    <dgm:txEffectClrLst/>
+  </dgm:styleLbl>
+  <dgm:styleLbl name="trAlignAcc1">
+    <dgm:fillClrLst meth="repeat">
+      <a:schemeClr val="lt1">
+        <a:alpha val="40000"/>
+      </a:schemeClr>
+    </dgm:fillClrLst>
+    <dgm:linClrLst meth="repeat">
+      <a:schemeClr val="accent5"/>
+    </dgm:linClrLst>
+    <dgm:effectClrLst/>
+    <dgm:txLinClrLst/>
+    <dgm:txFillClrLst meth="repeat">
+      <a:schemeClr val="dk1"/>
+    </dgm:txFillClrLst>
+    <dgm:txEffectClrLst/>
+  </dgm:styleLbl>
+  <dgm:styleLbl name="bgAcc1">
+    <dgm:fillClrLst meth="repeat">
+      <a:schemeClr val="lt1">
+        <a:alpha val="90000"/>
+      </a:schemeClr>
+    </dgm:fillClrLst>
+    <dgm:linClrLst>
+      <a:schemeClr val="accent5"/>
+      <a:schemeClr val="accent6"/>
+    </dgm:linClrLst>
+    <dgm:effectClrLst/>
+    <dgm:txLinClrLst/>
+    <dgm:txFillClrLst meth="repeat">
+      <a:schemeClr val="dk1"/>
+    </dgm:txFillClrLst>
+    <dgm:txEffectClrLst/>
+  </dgm:styleLbl>
+  <dgm:styleLbl name="solidFgAcc1">
+    <dgm:fillClrLst meth="repeat">
+      <a:schemeClr val="lt1"/>
+    </dgm:fillClrLst>
+    <dgm:linClrLst>
+      <a:schemeClr val="accent5"/>
+      <a:schemeClr val="accent6"/>
+    </dgm:linClrLst>
+    <dgm:effectClrLst/>
+    <dgm:txLinClrLst/>
+    <dgm:txFillClrLst meth="repeat">
+      <a:schemeClr val="dk1"/>
+    </dgm:txFillClrLst>
+    <dgm:txEffectClrLst/>
+  </dgm:styleLbl>
+  <dgm:styleLbl name="solidAlignAcc1">
+    <dgm:fillClrLst meth="repeat">
+      <a:schemeClr val="lt1"/>
+    </dgm:fillClrLst>
+    <dgm:linClrLst>
+      <a:schemeClr val="accent5"/>
+      <a:schemeClr val="accent6"/>
+    </dgm:linClrLst>
+    <dgm:effectClrLst/>
+    <dgm:txLinClrLst/>
+    <dgm:txFillClrLst meth="repeat">
+      <a:schemeClr val="dk1"/>
+    </dgm:txFillClrLst>
+    <dgm:txEffectClrLst/>
+  </dgm:styleLbl>
+  <dgm:styleLbl name="solidBgAcc1">
+    <dgm:fillClrLst meth="repeat">
+      <a:schemeClr val="lt1"/>
+    </dgm:fillClrLst>
+    <dgm:linClrLst>
+      <a:schemeClr val="accent5"/>
+      <a:schemeClr val="accent6"/>
+    </dgm:linClrLst>
+    <dgm:effectClrLst/>
+    <dgm:txLinClrLst/>
+    <dgm:txFillClrLst meth="repeat">
+      <a:schemeClr val="dk1"/>
+    </dgm:txFillClrLst>
+    <dgm:txEffectClrLst/>
+  </dgm:styleLbl>
+  <dgm:styleLbl name="fgAccFollowNode1">
+    <dgm:fillClrLst>
+      <a:schemeClr val="accent5">
+        <a:tint val="40000"/>
+        <a:alpha val="90000"/>
+      </a:schemeClr>
+      <a:schemeClr val="accent6">
+        <a:tint val="40000"/>
+        <a:alpha val="90000"/>
+      </a:schemeClr>
+    </dgm:fillClrLst>
+    <dgm:linClrLst>
+      <a:schemeClr val="accent5">
+        <a:tint val="40000"/>
+        <a:alpha val="90000"/>
+      </a:schemeClr>
+      <a:schemeClr val="accent5">
+        <a:tint val="40000"/>
+        <a:alpha val="90000"/>
+      </a:schemeClr>
+    </dgm:linClrLst>
+    <dgm:effectClrLst/>
+    <dgm:txLinClrLst/>
+    <dgm:txFillClrLst meth="repeat">
+      <a:schemeClr val="dk1"/>
+    </dgm:txFillClrLst>
+    <dgm:txEffectClrLst/>
+  </dgm:styleLbl>
+  <dgm:styleLbl name="alignAccFollowNode1">
+    <dgm:fillClrLst>
+      <a:schemeClr val="accent5">
+        <a:tint val="40000"/>
+        <a:alpha val="90000"/>
+      </a:schemeClr>
+      <a:schemeClr val="accent6">
+        <a:tint val="40000"/>
+        <a:alpha val="90000"/>
+      </a:schemeClr>
+    </dgm:fillClrLst>
+    <dgm:linClrLst>
+      <a:schemeClr val="accent5">
+        <a:tint val="40000"/>
+        <a:alpha val="90000"/>
+      </a:schemeClr>
+      <a:schemeClr val="accent6">
+        <a:tint val="40000"/>
+        <a:alpha val="90000"/>
+      </a:schemeClr>
+    </dgm:linClrLst>
+    <dgm:effectClrLst/>
+    <dgm:txLinClrLst/>
+    <dgm:txFillClrLst meth="repeat">
+      <a:schemeClr val="dk1"/>
+    </dgm:txFillClrLst>
+    <dgm:txEffectClrLst/>
+  </dgm:styleLbl>
+  <dgm:styleLbl name="bgAccFollowNode1">
+    <dgm:fillClrLst>
+      <a:schemeClr val="accent5">
+        <a:tint val="40000"/>
+        <a:alpha val="90000"/>
+      </a:schemeClr>
+      <a:schemeClr val="accent6">
+        <a:tint val="40000"/>
+        <a:alpha val="90000"/>
+      </a:schemeClr>
+    </dgm:fillClrLst>
+    <dgm:linClrLst>
+      <a:schemeClr val="accent5">
+        <a:tint val="40000"/>
+        <a:alpha val="90000"/>
+      </a:schemeClr>
+      <a:schemeClr val="accent6">
+        <a:tint val="40000"/>
+        <a:alpha val="90000"/>
+      </a:schemeClr>
+    </dgm:linClrLst>
+    <dgm:effectClrLst/>
+    <dgm:txLinClrLst/>
+    <dgm:txFillClrLst meth="repeat">
+      <a:schemeClr val="dk1"/>
+    </dgm:txFillClrLst>
+    <dgm:txEffectClrLst/>
+  </dgm:styleLbl>
+  <dgm:styleLbl name="fgAcc0">
+    <dgm:fillClrLst meth="repeat">
+      <a:schemeClr val="lt1">
+        <a:alpha val="90000"/>
+      </a:schemeClr>
+    </dgm:fillClrLst>
+    <dgm:linClrLst>
+      <a:schemeClr val="accent4"/>
+    </dgm:linClrLst>
+    <dgm:effectClrLst/>
+    <dgm:txLinClrLst/>
+    <dgm:txFillClrLst meth="repeat">
+      <a:schemeClr val="dk1"/>
+    </dgm:txFillClrLst>
+    <dgm:txEffectClrLst/>
+  </dgm:styleLbl>
+  <dgm:styleLbl name="fgAcc2">
+    <dgm:fillClrLst meth="repeat">
+      <a:schemeClr val="lt1">
+        <a:alpha val="90000"/>
+      </a:schemeClr>
+    </dgm:fillClrLst>
+    <dgm:linClrLst>
+      <a:schemeClr val="accent6"/>
+    </dgm:linClrLst>
+    <dgm:effectClrLst/>
+    <dgm:txLinClrLst/>
+    <dgm:txFillClrLst meth="repeat">
+      <a:schemeClr val="dk1"/>
+    </dgm:txFillClrLst>
+    <dgm:txEffectClrLst/>
+  </dgm:styleLbl>
+  <dgm:styleLbl name="fgAcc3">
+    <dgm:fillClrLst meth="repeat">
+      <a:schemeClr val="lt1">
+        <a:alpha val="90000"/>
+      </a:schemeClr>
+    </dgm:fillClrLst>
+    <dgm:linClrLst>
+      <a:schemeClr val="accent1"/>
+    </dgm:linClrLst>
+    <dgm:effectClrLst/>
+    <dgm:txLinClrLst/>
+    <dgm:txFillClrLst meth="repeat">
+      <a:schemeClr val="dk1"/>
+    </dgm:txFillClrLst>
+    <dgm:txEffectClrLst/>
+  </dgm:styleLbl>
+  <dgm:styleLbl name="fgAcc4">
+    <dgm:fillClrLst meth="repeat">
+      <a:schemeClr val="lt1">
+        <a:alpha val="90000"/>
+      </a:schemeClr>
+    </dgm:fillClrLst>
+    <dgm:linClrLst>
+      <a:schemeClr val="accent2"/>
+    </dgm:linClrLst>
+    <dgm:effectClrLst/>
+    <dgm:txLinClrLst/>
+    <dgm:txFillClrLst meth="repeat">
+      <a:schemeClr val="dk1"/>
+    </dgm:txFillClrLst>
+    <dgm:txEffectClrLst/>
+  </dgm:styleLbl>
+  <dgm:styleLbl name="bgShp">
+    <dgm:fillClrLst meth="repeat">
+      <a:schemeClr val="accent5">
+        <a:tint val="40000"/>
+      </a:schemeClr>
+    </dgm:fillClrLst>
+    <dgm:linClrLst meth="repeat">
+      <a:schemeClr val="dk1"/>
+    </dgm:linClrLst>
+    <dgm:effectClrLst/>
+    <dgm:txLinClrLst/>
+    <dgm:txFillClrLst meth="repeat">
+      <a:schemeClr val="dk1"/>
+    </dgm:txFillClrLst>
+    <dgm:txEffectClrLst/>
+  </dgm:styleLbl>
+  <dgm:styleLbl name="dkBgShp">
+    <dgm:fillClrLst meth="repeat">
+      <a:schemeClr val="accent5">
+        <a:shade val="90000"/>
+      </a:schemeClr>
+    </dgm:fillClrLst>
+    <dgm:linClrLst meth="repeat">
+      <a:schemeClr val="dk1"/>
+    </dgm:linClrLst>
+    <dgm:effectClrLst/>
+    <dgm:txLinClrLst/>
+    <dgm:txFillClrLst meth="repeat">
+      <a:schemeClr val="lt1"/>
+    </dgm:txFillClrLst>
+    <dgm:txEffectClrLst/>
+  </dgm:styleLbl>
+  <dgm:styleLbl name="trBgShp">
+    <dgm:fillClrLst meth="repeat">
+      <a:schemeClr val="accent5">
+        <a:tint val="50000"/>
+        <a:alpha val="40000"/>
+      </a:schemeClr>
+    </dgm:fillClrLst>
+    <dgm:linClrLst meth="repeat">
+      <a:schemeClr val="accent5"/>
+    </dgm:linClrLst>
+    <dgm:effectClrLst/>
+    <dgm:txLinClrLst/>
+    <dgm:txFillClrLst meth="repeat">
+      <a:schemeClr val="lt1"/>
+    </dgm:txFillClrLst>
+    <dgm:txEffectClrLst/>
+  </dgm:styleLbl>
+  <dgm:styleLbl name="fgShp">
+    <dgm:fillClrLst meth="repeat">
+      <a:schemeClr val="accent5">
+        <a:tint val="40000"/>
+      </a:schemeClr>
+    </dgm:fillClrLst>
+    <dgm:linClrLst meth="repeat">
+      <a:schemeClr val="lt1"/>
+    </dgm:linClrLst>
+    <dgm:effectClrLst/>
+    <dgm:txLinClrLst/>
+    <dgm:txFillClrLst meth="repeat">
+      <a:schemeClr val="dk1"/>
+    </dgm:txFillClrLst>
+    <dgm:txEffectClrLst/>
+  </dgm:styleLbl>
+  <dgm:styleLbl name="revTx">
+    <dgm:fillClrLst meth="repeat">
+      <a:schemeClr val="lt1">
+        <a:alpha val="0"/>
+      </a:schemeClr>
+    </dgm:fillClrLst>
+    <dgm:linClrLst meth="repeat">
+      <a:schemeClr val="dk1">
+        <a:alpha val="0"/>
+      </a:schemeClr>
+    </dgm:linClrLst>
+    <dgm:effectClrLst/>
+    <dgm:txLinClrLst/>
+    <dgm:txFillClrLst meth="repeat">
+      <a:schemeClr val="tx1"/>
+    </dgm:txFillClrLst>
+    <dgm:txEffectClrLst/>
+  </dgm:styleLbl>
+</dgm:colorsDef>
 </file>
 
-<file path=ppt/charts/colors1.xml><?xml version="1.0" encoding="utf-8"?>
-<cs:colorStyle xmlns:cs="http://schemas.microsoft.com/office/drawing/2012/chartStyle" xmlns:a="http://schemas.openxmlformats.org/drawingml/2006/main" meth="cycle" id="10">
-  <a:schemeClr val="accent1"/>
-  <a:schemeClr val="accent2"/>
-  <a:schemeClr val="accent3"/>
-  <a:schemeClr val="accent4"/>
-  <a:schemeClr val="accent5"/>
-  <a:schemeClr val="accent6"/>
-  <cs:variation/>
-  <cs:variation>
-    <a:lumMod val="60000"/>
-  </cs:variation>
-  <cs:variation>
-    <a:lumMod val="80000"/>
-    <a:lumOff val="20000"/>
-  </cs:variation>
-  <cs:variation>
-    <a:lumMod val="80000"/>
-  </cs:variation>
-  <cs:variation>
-    <a:lumMod val="60000"/>
-    <a:lumOff val="40000"/>
-  </cs:variation>
-  <cs:variation>
-    <a:lumMod val="50000"/>
-  </cs:variation>
-  <cs:variation>
-    <a:lumMod val="70000"/>
-    <a:lumOff val="30000"/>
-  </cs:variation>
-  <cs:variation>
-    <a:lumMod val="70000"/>
-  </cs:variation>
-  <cs:variation>
-    <a:lumMod val="50000"/>
-    <a:lumOff val="50000"/>
-  </cs:variation>
-</cs:colorStyle>
-</file>
-
-<file path=ppt/charts/style1.xml><?xml version="1.0" encoding="utf-8"?>
-<cs:chartStyle xmlns:cs="http://schemas.microsoft.com/office/drawing/2012/chartStyle" xmlns:a="http://schemas.openxmlformats.org/drawingml/2006/main" id="201">
-  <cs:axisTitle>
-    <cs:lnRef idx="0"/>
-    <cs:fillRef idx="0"/>
-    <cs:effectRef idx="0"/>
-    <cs:fontRef idx="minor">
-      <a:schemeClr val="tx1">
-        <a:lumMod val="65000"/>
-        <a:lumOff val="35000"/>
-      </a:schemeClr>
-    </cs:fontRef>
-    <cs:defRPr sz="1000" kern="1200"/>
-  </cs:axisTitle>
-  <cs:categoryAxis>
-    <cs:lnRef idx="0"/>
-    <cs:fillRef idx="0"/>
-    <cs:effectRef idx="0"/>
-    <cs:fontRef idx="minor">
-      <a:schemeClr val="tx1">
-        <a:lumMod val="65000"/>
-        <a:lumOff val="35000"/>
-      </a:schemeClr>
-    </cs:fontRef>
-    <cs:spPr>
-      <a:ln w="9525" cap="flat" cmpd="sng" algn="ctr">
-        <a:solidFill>
-          <a:schemeClr val="tx1">
-            <a:lumMod val="15000"/>
-            <a:lumOff val="85000"/>
-          </a:schemeClr>
-        </a:solidFill>
-        <a:round/>
-      </a:ln>
-    </cs:spPr>
-    <cs:defRPr sz="900" kern="1200"/>
-  </cs:categoryAxis>
-  <cs:chartArea mods="allowNoFillOverride allowNoLineOverride">
-    <cs:lnRef idx="0"/>
-    <cs:fillRef idx="0"/>
-    <cs:effectRef idx="0"/>
-    <cs:fontRef idx="minor">
-      <a:schemeClr val="tx1"/>
-    </cs:fontRef>
-    <cs:spPr>
-      <a:solidFill>
-        <a:schemeClr val="bg1"/>
-      </a:solidFill>
-      <a:ln w="9525" cap="flat" cmpd="sng" algn="ctr">
-        <a:solidFill>
-          <a:schemeClr val="tx1">
-            <a:lumMod val="15000"/>
-            <a:lumOff val="85000"/>
-          </a:schemeClr>
-        </a:solidFill>
-        <a:round/>
-      </a:ln>
-    </cs:spPr>
-    <cs:defRPr sz="1000" kern="1200"/>
-  </cs:chartArea>
-  <cs:dataLabel>
-    <cs:lnRef idx="0"/>
-    <cs:fillRef idx="0"/>
-    <cs:effectRef idx="0"/>
-    <cs:fontRef idx="minor">
-      <a:schemeClr val="tx1">
-        <a:lumMod val="75000"/>
-        <a:lumOff val="25000"/>
-      </a:schemeClr>
-    </cs:fontRef>
-    <cs:defRPr sz="900" kern="1200"/>
-  </cs:dataLabel>
-  <cs:dataLabelCallout>
-    <cs:lnRef idx="0"/>
-    <cs:fillRef idx="0"/>
-    <cs:effectRef idx="0"/>
-    <cs:fontRef idx="minor">
-      <a:schemeClr val="dk1">
-        <a:lumMod val="65000"/>
-        <a:lumOff val="35000"/>
-      </a:schemeClr>
-    </cs:fontRef>
-    <cs:spPr>
-      <a:solidFill>
-        <a:schemeClr val="lt1"/>
-      </a:solidFill>
-      <a:ln>
-        <a:solidFill>
-          <a:schemeClr val="dk1">
-            <a:lumMod val="25000"/>
-            <a:lumOff val="75000"/>
-          </a:schemeClr>
-        </a:solidFill>
-      </a:ln>
-    </cs:spPr>
-    <cs:defRPr sz="900" kern="1200"/>
-    <cs:bodyPr rot="0" spcFirstLastPara="1" vertOverflow="clip" horzOverflow="clip" vert="horz" wrap="square" lIns="36576" tIns="18288" rIns="36576" bIns="18288" anchor="ctr" anchorCtr="1">
-      <a:spAutoFit/>
-    </cs:bodyPr>
-  </cs:dataLabelCallout>
-  <cs:dataPoint>
-    <cs:lnRef idx="0"/>
-    <cs:fillRef idx="1">
-      <cs:styleClr val="auto"/>
-    </cs:fillRef>
-    <cs:effectRef idx="0"/>
-    <cs:fontRef idx="minor">
-      <a:schemeClr val="tx1"/>
-    </cs:fontRef>
-  </cs:dataPoint>
-  <cs:dataPoint3D>
-    <cs:lnRef idx="0"/>
-    <cs:fillRef idx="1">
-      <cs:styleClr val="auto"/>
-    </cs:fillRef>
-    <cs:effectRef idx="0"/>
-    <cs:fontRef idx="minor">
-      <a:schemeClr val="tx1"/>
-    </cs:fontRef>
-  </cs:dataPoint3D>
-  <cs:dataPointLine>
-    <cs:lnRef idx="0">
-      <cs:styleClr val="auto"/>
-    </cs:lnRef>
-    <cs:fillRef idx="1"/>
-    <cs:effectRef idx="0"/>
-    <cs:fontRef idx="minor">
-      <a:schemeClr val="tx1"/>
-    </cs:fontRef>
-    <cs:spPr>
-      <a:ln w="28575" cap="rnd">
-        <a:solidFill>
-          <a:schemeClr val="phClr"/>
-        </a:solidFill>
-        <a:round/>
-      </a:ln>
-    </cs:spPr>
-  </cs:dataPointLine>
-  <cs:dataPointMarker>
-    <cs:lnRef idx="0">
-      <cs:styleClr val="auto"/>
-    </cs:lnRef>
-    <cs:fillRef idx="1">
-      <cs:styleClr val="auto"/>
-    </cs:fillRef>
-    <cs:effectRef idx="0"/>
-    <cs:fontRef idx="minor">
-      <a:schemeClr val="tx1"/>
-    </cs:fontRef>
-    <cs:spPr>
-      <a:ln w="9525">
-        <a:solidFill>
-          <a:schemeClr val="phClr"/>
-        </a:solidFill>
-      </a:ln>
-    </cs:spPr>
-  </cs:dataPointMarker>
-  <cs:dataPointMarkerLayout symbol="circle" size="5"/>
-  <cs:dataPointWireframe>
-    <cs:lnRef idx="0">
-      <cs:styleClr val="auto"/>
-    </cs:lnRef>
-    <cs:fillRef idx="1"/>
-    <cs:effectRef idx="0"/>
-    <cs:fontRef idx="minor">
-      <a:schemeClr val="tx1"/>
-    </cs:fontRef>
-    <cs:spPr>
-      <a:ln w="9525" cap="rnd">
-        <a:solidFill>
-          <a:schemeClr val="phClr"/>
-        </a:solidFill>
-        <a:round/>
-      </a:ln>
-    </cs:spPr>
-  </cs:dataPointWireframe>
-  <cs:dataTable>
-    <cs:lnRef idx="0"/>
-    <cs:fillRef idx="0"/>
-    <cs:effectRef idx="0"/>
-    <cs:fontRef idx="minor">
-      <a:schemeClr val="tx1">
-        <a:lumMod val="65000"/>
-        <a:lumOff val="35000"/>
-      </a:schemeClr>
-    </cs:fontRef>
-    <cs:spPr>
-      <a:noFill/>
-      <a:ln w="9525" cap="flat" cmpd="sng" algn="ctr">
-        <a:solidFill>
-          <a:schemeClr val="tx1">
-            <a:lumMod val="15000"/>
-            <a:lumOff val="85000"/>
-          </a:schemeClr>
-        </a:solidFill>
-        <a:round/>
-      </a:ln>
-    </cs:spPr>
-    <cs:defRPr sz="900" kern="1200"/>
-  </cs:dataTable>
-  <cs:downBar>
-    <cs:lnRef idx="0"/>
-    <cs:fillRef idx="0"/>
-    <cs:effectRef idx="0"/>
-    <cs:fontRef idx="minor">
-      <a:schemeClr val="dk1"/>
-    </cs:fontRef>
-    <cs:spPr>
-      <a:solidFill>
-        <a:schemeClr val="dk1">
-          <a:lumMod val="65000"/>
-          <a:lumOff val="35000"/>
-        </a:schemeClr>
-      </a:solidFill>
-      <a:ln w="9525">
-        <a:solidFill>
-          <a:schemeClr val="tx1">
-            <a:lumMod val="65000"/>
-            <a:lumOff val="35000"/>
-          </a:schemeClr>
-        </a:solidFill>
-      </a:ln>
-    </cs:spPr>
-  </cs:downBar>
-  <cs:dropLine>
-    <cs:lnRef idx="0"/>
-    <cs:fillRef idx="0"/>
-    <cs:effectRef idx="0"/>
-    <cs:fontRef idx="minor">
-      <a:schemeClr val="tx1"/>
-    </cs:fontRef>
-    <cs:spPr>
-      <a:ln w="9525" cap="flat" cmpd="sng" algn="ctr">
-        <a:solidFill>
-          <a:schemeClr val="tx1">
-            <a:lumMod val="35000"/>
-            <a:lumOff val="65000"/>
-          </a:schemeClr>
-        </a:solidFill>
-        <a:round/>
-      </a:ln>
-    </cs:spPr>
-  </cs:dropLine>
-  <cs:errorBar>
-    <cs:lnRef idx="0"/>
-    <cs:fillRef idx="0"/>
-    <cs:effectRef idx="0"/>
-    <cs:fontRef idx="minor">
-      <a:schemeClr val="tx1"/>
-    </cs:fontRef>
-    <cs:spPr>
-      <a:ln w="9525" cap="flat" cmpd="sng" algn="ctr">
-        <a:solidFill>
-          <a:schemeClr val="tx1">
-            <a:lumMod val="65000"/>
-            <a:lumOff val="35000"/>
-          </a:schemeClr>
-        </a:solidFill>
-        <a:round/>
-      </a:ln>
-    </cs:spPr>
-  </cs:errorBar>
-  <cs:floor>
-    <cs:lnRef idx="0"/>
-    <cs:fillRef idx="0"/>
-    <cs:effectRef idx="0"/>
-    <cs:fontRef idx="minor">
-      <a:schemeClr val="tx1"/>
-    </cs:fontRef>
-    <cs:spPr>
-      <a:noFill/>
-      <a:ln>
-        <a:noFill/>
-      </a:ln>
-    </cs:spPr>
-  </cs:floor>
-  <cs:gridlineMajor>
-    <cs:lnRef idx="0"/>
-    <cs:fillRef idx="0"/>
-    <cs:effectRef idx="0"/>
-    <cs:fontRef idx="minor">
-      <a:schemeClr val="tx1"/>
-    </cs:fontRef>
-    <cs:spPr>
-      <a:ln w="9525" cap="flat" cmpd="sng" algn="ctr">
-        <a:solidFill>
-          <a:schemeClr val="tx1">
-            <a:lumMod val="15000"/>
-            <a:lumOff val="85000"/>
-          </a:schemeClr>
-        </a:solidFill>
-        <a:round/>
-      </a:ln>
-    </cs:spPr>
-  </cs:gridlineMajor>
-  <cs:gridlineMinor>
-    <cs:lnRef idx="0"/>
-    <cs:fillRef idx="0"/>
-    <cs:effectRef idx="0"/>
-    <cs:fontRef idx="minor">
-      <a:schemeClr val="tx1"/>
-    </cs:fontRef>
-    <cs:spPr>
-      <a:ln w="9525" cap="flat" cmpd="sng" algn="ctr">
-        <a:solidFill>
-          <a:schemeClr val="tx1">
-            <a:lumMod val="5000"/>
-            <a:lumOff val="95000"/>
-          </a:schemeClr>
-        </a:solidFill>
-        <a:round/>
-      </a:ln>
-    </cs:spPr>
-  </cs:gridlineMinor>
-  <cs:hiLoLine>
-    <cs:lnRef idx="0"/>
-    <cs:fillRef idx="0"/>
-    <cs:effectRef idx="0"/>
-    <cs:fontRef idx="minor">
-      <a:schemeClr val="tx1"/>
-    </cs:fontRef>
-    <cs:spPr>
-      <a:ln w="9525" cap="flat" cmpd="sng" algn="ctr">
-        <a:solidFill>
-          <a:schemeClr val="tx1">
-            <a:lumMod val="75000"/>
-            <a:lumOff val="25000"/>
-          </a:schemeClr>
-        </a:solidFill>
-        <a:round/>
-      </a:ln>
-    </cs:spPr>
-  </cs:hiLoLine>
-  <cs:leaderLine>
-    <cs:lnRef idx="0"/>
-    <cs:fillRef idx="0"/>
-    <cs:effectRef idx="0"/>
-    <cs:fontRef idx="minor">
-      <a:schemeClr val="tx1"/>
-    </cs:fontRef>
-    <cs:spPr>
-      <a:ln w="9525" cap="flat" cmpd="sng" algn="ctr">
-        <a:solidFill>
-          <a:schemeClr val="tx1">
-            <a:lumMod val="35000"/>
-            <a:lumOff val="65000"/>
-          </a:schemeClr>
-        </a:solidFill>
-        <a:round/>
-      </a:ln>
-    </cs:spPr>
-  </cs:leaderLine>
-  <cs:legend>
-    <cs:lnRef idx="0"/>
-    <cs:fillRef idx="0"/>
-    <cs:effectRef idx="0"/>
-    <cs:fontRef idx="minor">
-      <a:schemeClr val="tx1">
-        <a:lumMod val="65000"/>
-        <a:lumOff val="35000"/>
-      </a:schemeClr>
-    </cs:fontRef>
-    <cs:defRPr sz="900" kern="1200"/>
-  </cs:legend>
-  <cs:plotArea mods="allowNoFillOverride allowNoLineOverride">
-    <cs:lnRef idx="0"/>
-    <cs:fillRef idx="0"/>
-    <cs:effectRef idx="0"/>
-    <cs:fontRef idx="minor">
-      <a:schemeClr val="tx1"/>
-    </cs:fontRef>
-  </cs:plotArea>
-  <cs:plotArea3D mods="allowNoFillOverride allowNoLineOverride">
-    <cs:lnRef idx="0"/>
-    <cs:fillRef idx="0"/>
-    <cs:effectRef idx="0"/>
-    <cs:fontRef idx="minor">
-      <a:schemeClr val="tx1"/>
-    </cs:fontRef>
-  </cs:plotArea3D>
-  <cs:seriesAxis>
-    <cs:lnRef idx="0"/>
-    <cs:fillRef idx="0"/>
-    <cs:effectRef idx="0"/>
-    <cs:fontRef idx="minor">
-      <a:schemeClr val="tx1">
-        <a:lumMod val="65000"/>
-        <a:lumOff val="35000"/>
-      </a:schemeClr>
-    </cs:fontRef>
-    <cs:defRPr sz="900" kern="1200"/>
-  </cs:seriesAxis>
-  <cs:seriesLine>
-    <cs:lnRef idx="0"/>
-    <cs:fillRef idx="0"/>
-    <cs:effectRef idx="0"/>
-    <cs:fontRef idx="minor">
-      <a:schemeClr val="tx1"/>
-    </cs:fontRef>
-    <cs:spPr>
-      <a:ln w="9525" cap="flat" cmpd="sng" algn="ctr">
-        <a:solidFill>
-          <a:schemeClr val="tx1">
-            <a:lumMod val="35000"/>
-            <a:lumOff val="65000"/>
-          </a:schemeClr>
-        </a:solidFill>
-        <a:round/>
-      </a:ln>
-    </cs:spPr>
-  </cs:seriesLine>
-  <cs:title>
-    <cs:lnRef idx="0"/>
-    <cs:fillRef idx="0"/>
-    <cs:effectRef idx="0"/>
-    <cs:fontRef idx="minor">
-      <a:schemeClr val="tx1">
-        <a:lumMod val="65000"/>
-        <a:lumOff val="35000"/>
-      </a:schemeClr>
-    </cs:fontRef>
-    <cs:defRPr sz="1400" b="0" kern="1200" spc="0" baseline="0"/>
-  </cs:title>
-  <cs:trendline>
-    <cs:lnRef idx="0">
-      <cs:styleClr val="auto"/>
-    </cs:lnRef>
-    <cs:fillRef idx="0"/>
-    <cs:effectRef idx="0"/>
-    <cs:fontRef idx="minor">
-      <a:schemeClr val="tx1"/>
-    </cs:fontRef>
-    <cs:spPr>
-      <a:ln w="19050" cap="rnd">
-        <a:solidFill>
-          <a:schemeClr val="phClr"/>
-        </a:solidFill>
-        <a:prstDash val="sysDot"/>
-      </a:ln>
-    </cs:spPr>
-  </cs:trendline>
-  <cs:trendlineLabel>
-    <cs:lnRef idx="0"/>
-    <cs:fillRef idx="0"/>
-    <cs:effectRef idx="0"/>
-    <cs:fontRef idx="minor">
-      <a:schemeClr val="tx1">
-        <a:lumMod val="65000"/>
-        <a:lumOff val="35000"/>
-      </a:schemeClr>
-    </cs:fontRef>
-    <cs:defRPr sz="900" kern="1200"/>
-  </cs:trendlineLabel>
-  <cs:upBar>
-    <cs:lnRef idx="0"/>
-    <cs:fillRef idx="0"/>
-    <cs:effectRef idx="0"/>
-    <cs:fontRef idx="minor">
-      <a:schemeClr val="dk1"/>
-    </cs:fontRef>
-    <cs:spPr>
-      <a:solidFill>
-        <a:schemeClr val="lt1"/>
-      </a:solidFill>
-      <a:ln w="9525">
-        <a:solidFill>
-          <a:schemeClr val="tx1">
-            <a:lumMod val="15000"/>
-            <a:lumOff val="85000"/>
-          </a:schemeClr>
-        </a:solidFill>
-      </a:ln>
-    </cs:spPr>
-  </cs:upBar>
-  <cs:valueAxis>
-    <cs:lnRef idx="0"/>
-    <cs:fillRef idx="0"/>
-    <cs:effectRef idx="0"/>
-    <cs:fontRef idx="minor">
-      <a:schemeClr val="tx1">
-        <a:lumMod val="65000"/>
-        <a:lumOff val="35000"/>
-      </a:schemeClr>
-    </cs:fontRef>
-    <cs:defRPr sz="900" kern="1200"/>
-  </cs:valueAxis>
-  <cs:wall>
-    <cs:lnRef idx="0"/>
-    <cs:fillRef idx="0"/>
-    <cs:effectRef idx="0"/>
-    <cs:fontRef idx="minor">
-      <a:schemeClr val="tx1"/>
-    </cs:fontRef>
-    <cs:spPr>
-      <a:noFill/>
-      <a:ln>
-        <a:noFill/>
-      </a:ln>
-    </cs:spPr>
-  </cs:wall>
-</cs:chartStyle>
-</file>
-
-<file path=ppt/diagrams/colors1.xml><?xml version="1.0" encoding="utf-8"?>
+<file path=ppt/diagrams/colors2.xml><?xml version="1.0" encoding="utf-8"?>
 <dgm:colorsDef xmlns:dgm="http://schemas.openxmlformats.org/drawingml/2006/diagram" xmlns:a="http://schemas.openxmlformats.org/drawingml/2006/main" uniqueId="urn:microsoft.com/office/officeart/2005/8/colors/colorful2">
   <dgm:title val=""/>
   <dgm:desc val=""/>
@@ -1879,6 +1686,242 @@
 </file>
 
 <file path=ppt/diagrams/data1.xml><?xml version="1.0" encoding="utf-8"?>
+<dgm:dataModel xmlns:dgm="http://schemas.openxmlformats.org/drawingml/2006/diagram" xmlns:a="http://schemas.openxmlformats.org/drawingml/2006/main">
+  <dgm:ptLst>
+    <dgm:pt modelId="{E5BDF481-C8ED-493B-84DB-7F0ED40E90A5}" type="doc">
+      <dgm:prSet loTypeId="urn:microsoft.com/office/officeart/2005/8/layout/vProcess5" loCatId="process" qsTypeId="urn:microsoft.com/office/officeart/2005/8/quickstyle/simple1" qsCatId="simple" csTypeId="urn:microsoft.com/office/officeart/2005/8/colors/colorful5" csCatId="colorful" phldr="1"/>
+      <dgm:spPr/>
+      <dgm:t>
+        <a:bodyPr/>
+        <a:lstStyle/>
+        <a:p>
+          <a:endParaRPr lang="en-US"/>
+        </a:p>
+      </dgm:t>
+    </dgm:pt>
+    <dgm:pt modelId="{4FF55A53-2725-4770-AAFE-D1956CC75AAB}">
+      <dgm:prSet/>
+      <dgm:spPr/>
+      <dgm:t>
+        <a:bodyPr/>
+        <a:lstStyle/>
+        <a:p>
+          <a:r>
+            <a:rPr lang="en-US" dirty="0"/>
+            <a:t>Extract and augment acoustic snippets from original acoustic file</a:t>
+          </a:r>
+        </a:p>
+      </dgm:t>
+    </dgm:pt>
+    <dgm:pt modelId="{51195368-B770-4195-8886-59B3825C275F}" type="parTrans" cxnId="{9516B22C-679E-4D12-82F9-3D2C3DC04FF3}">
+      <dgm:prSet/>
+      <dgm:spPr/>
+      <dgm:t>
+        <a:bodyPr/>
+        <a:lstStyle/>
+        <a:p>
+          <a:endParaRPr lang="en-US"/>
+        </a:p>
+      </dgm:t>
+    </dgm:pt>
+    <dgm:pt modelId="{A7B242F3-FFC9-4730-B2E1-B6548B15DD91}" type="sibTrans" cxnId="{9516B22C-679E-4D12-82F9-3D2C3DC04FF3}">
+      <dgm:prSet/>
+      <dgm:spPr/>
+      <dgm:t>
+        <a:bodyPr/>
+        <a:lstStyle/>
+        <a:p>
+          <a:endParaRPr lang="en-US"/>
+        </a:p>
+      </dgm:t>
+    </dgm:pt>
+    <dgm:pt modelId="{C837E45A-738E-494F-99FD-C28B3BC57B58}">
+      <dgm:prSet/>
+      <dgm:spPr/>
+      <dgm:t>
+        <a:bodyPr/>
+        <a:lstStyle/>
+        <a:p>
+          <a:r>
+            <a:rPr lang="en-US" dirty="0"/>
+            <a:t>Generate over 2000 features for each training and test sample</a:t>
+          </a:r>
+        </a:p>
+      </dgm:t>
+    </dgm:pt>
+    <dgm:pt modelId="{4B759BFC-D2AD-406F-973E-5B3D642DDA32}" type="parTrans" cxnId="{7561A599-6AC6-481E-9747-874B12836ED7}">
+      <dgm:prSet/>
+      <dgm:spPr/>
+      <dgm:t>
+        <a:bodyPr/>
+        <a:lstStyle/>
+        <a:p>
+          <a:endParaRPr lang="en-US"/>
+        </a:p>
+      </dgm:t>
+    </dgm:pt>
+    <dgm:pt modelId="{B3328BBC-325B-4D88-B9B8-8E8596303481}" type="sibTrans" cxnId="{7561A599-6AC6-481E-9747-874B12836ED7}">
+      <dgm:prSet/>
+      <dgm:spPr/>
+      <dgm:t>
+        <a:bodyPr/>
+        <a:lstStyle/>
+        <a:p>
+          <a:endParaRPr lang="en-US"/>
+        </a:p>
+      </dgm:t>
+    </dgm:pt>
+    <dgm:pt modelId="{4F342961-C8BB-4DDD-8D7B-97620B7BB4A4}">
+      <dgm:prSet/>
+      <dgm:spPr/>
+      <dgm:t>
+        <a:bodyPr/>
+        <a:lstStyle/>
+        <a:p>
+          <a:r>
+            <a:rPr lang="en-US" dirty="0"/>
+            <a:t>Select features that are useful for predicting “time to failure”</a:t>
+          </a:r>
+        </a:p>
+      </dgm:t>
+    </dgm:pt>
+    <dgm:pt modelId="{9903C638-2627-46DF-9B07-6904EF5FBBB2}" type="parTrans" cxnId="{55A83054-3940-4CDB-B193-270A5E96462A}">
+      <dgm:prSet/>
+      <dgm:spPr/>
+      <dgm:t>
+        <a:bodyPr/>
+        <a:lstStyle/>
+        <a:p>
+          <a:endParaRPr lang="en-US"/>
+        </a:p>
+      </dgm:t>
+    </dgm:pt>
+    <dgm:pt modelId="{3B936F18-B19A-454F-B728-2C67F2FBCF19}" type="sibTrans" cxnId="{55A83054-3940-4CDB-B193-270A5E96462A}">
+      <dgm:prSet/>
+      <dgm:spPr/>
+      <dgm:t>
+        <a:bodyPr/>
+        <a:lstStyle/>
+        <a:p>
+          <a:endParaRPr lang="en-US"/>
+        </a:p>
+      </dgm:t>
+    </dgm:pt>
+    <dgm:pt modelId="{29C2C5E9-807D-414A-8614-D5A95BE997C0}" type="pres">
+      <dgm:prSet presAssocID="{E5BDF481-C8ED-493B-84DB-7F0ED40E90A5}" presName="outerComposite" presStyleCnt="0">
+        <dgm:presLayoutVars>
+          <dgm:chMax val="5"/>
+          <dgm:dir/>
+          <dgm:resizeHandles val="exact"/>
+        </dgm:presLayoutVars>
+      </dgm:prSet>
+      <dgm:spPr/>
+    </dgm:pt>
+    <dgm:pt modelId="{94C86B23-C246-4AFA-A6B1-C6BAF8561515}" type="pres">
+      <dgm:prSet presAssocID="{E5BDF481-C8ED-493B-84DB-7F0ED40E90A5}" presName="dummyMaxCanvas" presStyleCnt="0">
+        <dgm:presLayoutVars/>
+      </dgm:prSet>
+      <dgm:spPr/>
+    </dgm:pt>
+    <dgm:pt modelId="{9CD1F70E-6719-4D54-A9ED-380C8AE6F6D4}" type="pres">
+      <dgm:prSet presAssocID="{E5BDF481-C8ED-493B-84DB-7F0ED40E90A5}" presName="ThreeNodes_1" presStyleLbl="node1" presStyleIdx="0" presStyleCnt="3">
+        <dgm:presLayoutVars>
+          <dgm:bulletEnabled val="1"/>
+        </dgm:presLayoutVars>
+      </dgm:prSet>
+      <dgm:spPr/>
+    </dgm:pt>
+    <dgm:pt modelId="{396B1752-E510-454D-BDF2-6AB77F837623}" type="pres">
+      <dgm:prSet presAssocID="{E5BDF481-C8ED-493B-84DB-7F0ED40E90A5}" presName="ThreeNodes_2" presStyleLbl="node1" presStyleIdx="1" presStyleCnt="3">
+        <dgm:presLayoutVars>
+          <dgm:bulletEnabled val="1"/>
+        </dgm:presLayoutVars>
+      </dgm:prSet>
+      <dgm:spPr/>
+    </dgm:pt>
+    <dgm:pt modelId="{F2D91C1B-2E7E-40D5-8A6E-FAC3850FF4D7}" type="pres">
+      <dgm:prSet presAssocID="{E5BDF481-C8ED-493B-84DB-7F0ED40E90A5}" presName="ThreeNodes_3" presStyleLbl="node1" presStyleIdx="2" presStyleCnt="3">
+        <dgm:presLayoutVars>
+          <dgm:bulletEnabled val="1"/>
+        </dgm:presLayoutVars>
+      </dgm:prSet>
+      <dgm:spPr/>
+    </dgm:pt>
+    <dgm:pt modelId="{7A926AC1-733F-440E-B1F0-956307B5A494}" type="pres">
+      <dgm:prSet presAssocID="{E5BDF481-C8ED-493B-84DB-7F0ED40E90A5}" presName="ThreeConn_1-2" presStyleLbl="fgAccFollowNode1" presStyleIdx="0" presStyleCnt="2">
+        <dgm:presLayoutVars>
+          <dgm:bulletEnabled val="1"/>
+        </dgm:presLayoutVars>
+      </dgm:prSet>
+      <dgm:spPr/>
+    </dgm:pt>
+    <dgm:pt modelId="{F0D53270-CD5F-46EA-926A-F016050BA554}" type="pres">
+      <dgm:prSet presAssocID="{E5BDF481-C8ED-493B-84DB-7F0ED40E90A5}" presName="ThreeConn_2-3" presStyleLbl="fgAccFollowNode1" presStyleIdx="1" presStyleCnt="2">
+        <dgm:presLayoutVars>
+          <dgm:bulletEnabled val="1"/>
+        </dgm:presLayoutVars>
+      </dgm:prSet>
+      <dgm:spPr/>
+    </dgm:pt>
+    <dgm:pt modelId="{20A5BA7E-1430-4BEE-A767-B8D7EE44E950}" type="pres">
+      <dgm:prSet presAssocID="{E5BDF481-C8ED-493B-84DB-7F0ED40E90A5}" presName="ThreeNodes_1_text" presStyleLbl="node1" presStyleIdx="2" presStyleCnt="3">
+        <dgm:presLayoutVars>
+          <dgm:bulletEnabled val="1"/>
+        </dgm:presLayoutVars>
+      </dgm:prSet>
+      <dgm:spPr/>
+    </dgm:pt>
+    <dgm:pt modelId="{75A040D5-38AD-45E5-B267-03E9723A2D0A}" type="pres">
+      <dgm:prSet presAssocID="{E5BDF481-C8ED-493B-84DB-7F0ED40E90A5}" presName="ThreeNodes_2_text" presStyleLbl="node1" presStyleIdx="2" presStyleCnt="3">
+        <dgm:presLayoutVars>
+          <dgm:bulletEnabled val="1"/>
+        </dgm:presLayoutVars>
+      </dgm:prSet>
+      <dgm:spPr/>
+    </dgm:pt>
+    <dgm:pt modelId="{34B0AF8B-3731-4ACD-8903-AC1D4FB5FB4C}" type="pres">
+      <dgm:prSet presAssocID="{E5BDF481-C8ED-493B-84DB-7F0ED40E90A5}" presName="ThreeNodes_3_text" presStyleLbl="node1" presStyleIdx="2" presStyleCnt="3">
+        <dgm:presLayoutVars>
+          <dgm:bulletEnabled val="1"/>
+        </dgm:presLayoutVars>
+      </dgm:prSet>
+      <dgm:spPr/>
+    </dgm:pt>
+  </dgm:ptLst>
+  <dgm:cxnLst>
+    <dgm:cxn modelId="{9516B22C-679E-4D12-82F9-3D2C3DC04FF3}" srcId="{E5BDF481-C8ED-493B-84DB-7F0ED40E90A5}" destId="{4FF55A53-2725-4770-AAFE-D1956CC75AAB}" srcOrd="0" destOrd="0" parTransId="{51195368-B770-4195-8886-59B3825C275F}" sibTransId="{A7B242F3-FFC9-4730-B2E1-B6548B15DD91}"/>
+    <dgm:cxn modelId="{80083A37-236D-4B12-9A4B-F5A2F45C9AE1}" type="presOf" srcId="{4FF55A53-2725-4770-AAFE-D1956CC75AAB}" destId="{9CD1F70E-6719-4D54-A9ED-380C8AE6F6D4}" srcOrd="0" destOrd="0" presId="urn:microsoft.com/office/officeart/2005/8/layout/vProcess5"/>
+    <dgm:cxn modelId="{2009C548-D6B5-4F3C-9775-AFDD04E9A87C}" type="presOf" srcId="{4FF55A53-2725-4770-AAFE-D1956CC75AAB}" destId="{20A5BA7E-1430-4BEE-A767-B8D7EE44E950}" srcOrd="1" destOrd="0" presId="urn:microsoft.com/office/officeart/2005/8/layout/vProcess5"/>
+    <dgm:cxn modelId="{55A83054-3940-4CDB-B193-270A5E96462A}" srcId="{E5BDF481-C8ED-493B-84DB-7F0ED40E90A5}" destId="{4F342961-C8BB-4DDD-8D7B-97620B7BB4A4}" srcOrd="2" destOrd="0" parTransId="{9903C638-2627-46DF-9B07-6904EF5FBBB2}" sibTransId="{3B936F18-B19A-454F-B728-2C67F2FBCF19}"/>
+    <dgm:cxn modelId="{6B074857-40AC-497A-A373-A7BE1FA63FC5}" type="presOf" srcId="{4F342961-C8BB-4DDD-8D7B-97620B7BB4A4}" destId="{34B0AF8B-3731-4ACD-8903-AC1D4FB5FB4C}" srcOrd="1" destOrd="0" presId="urn:microsoft.com/office/officeart/2005/8/layout/vProcess5"/>
+    <dgm:cxn modelId="{E0AE4083-D7A5-4657-B2AF-C69AC814CDDA}" type="presOf" srcId="{B3328BBC-325B-4D88-B9B8-8E8596303481}" destId="{F0D53270-CD5F-46EA-926A-F016050BA554}" srcOrd="0" destOrd="0" presId="urn:microsoft.com/office/officeart/2005/8/layout/vProcess5"/>
+    <dgm:cxn modelId="{C37B518C-EBE9-4A4E-B46D-FCE1A84D8BC2}" type="presOf" srcId="{C837E45A-738E-494F-99FD-C28B3BC57B58}" destId="{396B1752-E510-454D-BDF2-6AB77F837623}" srcOrd="0" destOrd="0" presId="urn:microsoft.com/office/officeart/2005/8/layout/vProcess5"/>
+    <dgm:cxn modelId="{F0F7BD92-C269-4898-BEC6-A07A32E8E134}" type="presOf" srcId="{E5BDF481-C8ED-493B-84DB-7F0ED40E90A5}" destId="{29C2C5E9-807D-414A-8614-D5A95BE997C0}" srcOrd="0" destOrd="0" presId="urn:microsoft.com/office/officeart/2005/8/layout/vProcess5"/>
+    <dgm:cxn modelId="{7561A599-6AC6-481E-9747-874B12836ED7}" srcId="{E5BDF481-C8ED-493B-84DB-7F0ED40E90A5}" destId="{C837E45A-738E-494F-99FD-C28B3BC57B58}" srcOrd="1" destOrd="0" parTransId="{4B759BFC-D2AD-406F-973E-5B3D642DDA32}" sibTransId="{B3328BBC-325B-4D88-B9B8-8E8596303481}"/>
+    <dgm:cxn modelId="{2931259C-4388-46D3-BAE6-67116BA9F826}" type="presOf" srcId="{4F342961-C8BB-4DDD-8D7B-97620B7BB4A4}" destId="{F2D91C1B-2E7E-40D5-8A6E-FAC3850FF4D7}" srcOrd="0" destOrd="0" presId="urn:microsoft.com/office/officeart/2005/8/layout/vProcess5"/>
+    <dgm:cxn modelId="{5D563E9D-4BDC-426F-B5E3-AA19168D3275}" type="presOf" srcId="{A7B242F3-FFC9-4730-B2E1-B6548B15DD91}" destId="{7A926AC1-733F-440E-B1F0-956307B5A494}" srcOrd="0" destOrd="0" presId="urn:microsoft.com/office/officeart/2005/8/layout/vProcess5"/>
+    <dgm:cxn modelId="{4CBA95A6-9165-4995-B13E-871888E0F2A9}" type="presOf" srcId="{C837E45A-738E-494F-99FD-C28B3BC57B58}" destId="{75A040D5-38AD-45E5-B267-03E9723A2D0A}" srcOrd="1" destOrd="0" presId="urn:microsoft.com/office/officeart/2005/8/layout/vProcess5"/>
+    <dgm:cxn modelId="{ED00748E-95DF-4D7E-9A70-412BB9070CF4}" type="presParOf" srcId="{29C2C5E9-807D-414A-8614-D5A95BE997C0}" destId="{94C86B23-C246-4AFA-A6B1-C6BAF8561515}" srcOrd="0" destOrd="0" presId="urn:microsoft.com/office/officeart/2005/8/layout/vProcess5"/>
+    <dgm:cxn modelId="{7C0FF4A9-35D6-4A23-884C-F84D32C9E24E}" type="presParOf" srcId="{29C2C5E9-807D-414A-8614-D5A95BE997C0}" destId="{9CD1F70E-6719-4D54-A9ED-380C8AE6F6D4}" srcOrd="1" destOrd="0" presId="urn:microsoft.com/office/officeart/2005/8/layout/vProcess5"/>
+    <dgm:cxn modelId="{5AC7B915-1172-4563-9E90-7F8BD7EADE31}" type="presParOf" srcId="{29C2C5E9-807D-414A-8614-D5A95BE997C0}" destId="{396B1752-E510-454D-BDF2-6AB77F837623}" srcOrd="2" destOrd="0" presId="urn:microsoft.com/office/officeart/2005/8/layout/vProcess5"/>
+    <dgm:cxn modelId="{4EF60A73-CEA0-43A0-A7B1-EB7FBE8F3070}" type="presParOf" srcId="{29C2C5E9-807D-414A-8614-D5A95BE997C0}" destId="{F2D91C1B-2E7E-40D5-8A6E-FAC3850FF4D7}" srcOrd="3" destOrd="0" presId="urn:microsoft.com/office/officeart/2005/8/layout/vProcess5"/>
+    <dgm:cxn modelId="{65439A34-D748-43D4-9114-9B4FF7099AB3}" type="presParOf" srcId="{29C2C5E9-807D-414A-8614-D5A95BE997C0}" destId="{7A926AC1-733F-440E-B1F0-956307B5A494}" srcOrd="4" destOrd="0" presId="urn:microsoft.com/office/officeart/2005/8/layout/vProcess5"/>
+    <dgm:cxn modelId="{BB9C9B8E-68D9-4B90-B95B-B95E980F92CA}" type="presParOf" srcId="{29C2C5E9-807D-414A-8614-D5A95BE997C0}" destId="{F0D53270-CD5F-46EA-926A-F016050BA554}" srcOrd="5" destOrd="0" presId="urn:microsoft.com/office/officeart/2005/8/layout/vProcess5"/>
+    <dgm:cxn modelId="{0A85CF34-67A4-4913-ABDA-8C9836D40DB9}" type="presParOf" srcId="{29C2C5E9-807D-414A-8614-D5A95BE997C0}" destId="{20A5BA7E-1430-4BEE-A767-B8D7EE44E950}" srcOrd="6" destOrd="0" presId="urn:microsoft.com/office/officeart/2005/8/layout/vProcess5"/>
+    <dgm:cxn modelId="{413F7D2D-6B98-4DED-83BF-ED70C68D16AF}" type="presParOf" srcId="{29C2C5E9-807D-414A-8614-D5A95BE997C0}" destId="{75A040D5-38AD-45E5-B267-03E9723A2D0A}" srcOrd="7" destOrd="0" presId="urn:microsoft.com/office/officeart/2005/8/layout/vProcess5"/>
+    <dgm:cxn modelId="{D62CEE86-F26B-46F8-B133-223CBC989CA8}" type="presParOf" srcId="{29C2C5E9-807D-414A-8614-D5A95BE997C0}" destId="{34B0AF8B-3731-4ACD-8903-AC1D4FB5FB4C}" srcOrd="8" destOrd="0" presId="urn:microsoft.com/office/officeart/2005/8/layout/vProcess5"/>
+  </dgm:cxnLst>
+  <dgm:bg/>
+  <dgm:whole/>
+  <dgm:extLst>
+    <a:ext uri="http://schemas.microsoft.com/office/drawing/2008/diagram">
+      <dsp:dataModelExt xmlns:dsp="http://schemas.microsoft.com/office/drawing/2008/diagram" relId="rId6" minVer="http://schemas.openxmlformats.org/drawingml/2006/diagram"/>
+    </a:ext>
+  </dgm:extLst>
+</dgm:dataModel>
+</file>
+
+<file path=ppt/diagrams/data2.xml><?xml version="1.0" encoding="utf-8"?>
 <dgm:dataModel xmlns:dgm="http://schemas.openxmlformats.org/drawingml/2006/diagram" xmlns:a="http://schemas.openxmlformats.org/drawingml/2006/main">
   <dgm:ptLst>
     <dgm:pt modelId="{C3BF079C-0BB0-4B25-83A2-E02D78DB1AAE}" type="doc">
@@ -2123,6 +2166,413 @@
 </file>
 
 <file path=ppt/diagrams/drawing1.xml><?xml version="1.0" encoding="utf-8"?>
+<dsp:drawing xmlns:dgm="http://schemas.openxmlformats.org/drawingml/2006/diagram" xmlns:dsp="http://schemas.microsoft.com/office/drawing/2008/diagram" xmlns:a="http://schemas.openxmlformats.org/drawingml/2006/main">
+  <dsp:spTree>
+    <dsp:nvGrpSpPr>
+      <dsp:cNvPr id="0" name=""/>
+      <dsp:cNvGrpSpPr/>
+    </dsp:nvGrpSpPr>
+    <dsp:grpSpPr/>
+    <dsp:sp modelId="{9CD1F70E-6719-4D54-A9ED-380C8AE6F6D4}">
+      <dsp:nvSpPr>
+        <dsp:cNvPr id="0" name=""/>
+        <dsp:cNvSpPr/>
+      </dsp:nvSpPr>
+      <dsp:spPr>
+        <a:xfrm>
+          <a:off x="0" y="0"/>
+          <a:ext cx="7306865" cy="1164431"/>
+        </a:xfrm>
+        <a:prstGeom prst="roundRect">
+          <a:avLst>
+            <a:gd name="adj" fmla="val 10000"/>
+          </a:avLst>
+        </a:prstGeom>
+        <a:solidFill>
+          <a:schemeClr val="accent5">
+            <a:hueOff val="0"/>
+            <a:satOff val="0"/>
+            <a:lumOff val="0"/>
+            <a:alphaOff val="0"/>
+          </a:schemeClr>
+        </a:solidFill>
+        <a:ln w="19050" cap="rnd" cmpd="sng" algn="ctr">
+          <a:solidFill>
+            <a:schemeClr val="lt1">
+              <a:hueOff val="0"/>
+              <a:satOff val="0"/>
+              <a:lumOff val="0"/>
+              <a:alphaOff val="0"/>
+            </a:schemeClr>
+          </a:solidFill>
+          <a:prstDash val="solid"/>
+        </a:ln>
+        <a:effectLst/>
+      </dsp:spPr>
+      <dsp:style>
+        <a:lnRef idx="2">
+          <a:scrgbClr r="0" g="0" b="0"/>
+        </a:lnRef>
+        <a:fillRef idx="1">
+          <a:scrgbClr r="0" g="0" b="0"/>
+        </a:fillRef>
+        <a:effectRef idx="0">
+          <a:scrgbClr r="0" g="0" b="0"/>
+        </a:effectRef>
+        <a:fontRef idx="minor">
+          <a:schemeClr val="lt1"/>
+        </a:fontRef>
+      </dsp:style>
+      <dsp:txBody>
+        <a:bodyPr spcFirstLastPara="0" vert="horz" wrap="square" lIns="110490" tIns="110490" rIns="110490" bIns="110490" numCol="1" spcCol="1270" anchor="ctr" anchorCtr="0">
+          <a:noAutofit/>
+        </a:bodyPr>
+        <a:lstStyle/>
+        <a:p>
+          <a:pPr marL="0" lvl="0" indent="0" algn="l" defTabSz="1289050">
+            <a:lnSpc>
+              <a:spcPct val="90000"/>
+            </a:lnSpc>
+            <a:spcBef>
+              <a:spcPct val="0"/>
+            </a:spcBef>
+            <a:spcAft>
+              <a:spcPct val="35000"/>
+            </a:spcAft>
+            <a:buNone/>
+          </a:pPr>
+          <a:r>
+            <a:rPr lang="en-US" sz="2900" kern="1200" dirty="0"/>
+            <a:t>Extract and augment acoustic snippets from original acoustic file</a:t>
+          </a:r>
+        </a:p>
+      </dsp:txBody>
+      <dsp:txXfrm>
+        <a:off x="34105" y="34105"/>
+        <a:ext cx="6050353" cy="1096221"/>
+      </dsp:txXfrm>
+    </dsp:sp>
+    <dsp:sp modelId="{396B1752-E510-454D-BDF2-6AB77F837623}">
+      <dsp:nvSpPr>
+        <dsp:cNvPr id="0" name=""/>
+        <dsp:cNvSpPr/>
+      </dsp:nvSpPr>
+      <dsp:spPr>
+        <a:xfrm>
+          <a:off x="644723" y="1358502"/>
+          <a:ext cx="7306865" cy="1164431"/>
+        </a:xfrm>
+        <a:prstGeom prst="roundRect">
+          <a:avLst>
+            <a:gd name="adj" fmla="val 10000"/>
+          </a:avLst>
+        </a:prstGeom>
+        <a:solidFill>
+          <a:schemeClr val="accent5">
+            <a:hueOff val="1247628"/>
+            <a:satOff val="-25244"/>
+            <a:lumOff val="784"/>
+            <a:alphaOff val="0"/>
+          </a:schemeClr>
+        </a:solidFill>
+        <a:ln w="19050" cap="rnd" cmpd="sng" algn="ctr">
+          <a:solidFill>
+            <a:schemeClr val="lt1">
+              <a:hueOff val="0"/>
+              <a:satOff val="0"/>
+              <a:lumOff val="0"/>
+              <a:alphaOff val="0"/>
+            </a:schemeClr>
+          </a:solidFill>
+          <a:prstDash val="solid"/>
+        </a:ln>
+        <a:effectLst/>
+      </dsp:spPr>
+      <dsp:style>
+        <a:lnRef idx="2">
+          <a:scrgbClr r="0" g="0" b="0"/>
+        </a:lnRef>
+        <a:fillRef idx="1">
+          <a:scrgbClr r="0" g="0" b="0"/>
+        </a:fillRef>
+        <a:effectRef idx="0">
+          <a:scrgbClr r="0" g="0" b="0"/>
+        </a:effectRef>
+        <a:fontRef idx="minor">
+          <a:schemeClr val="lt1"/>
+        </a:fontRef>
+      </dsp:style>
+      <dsp:txBody>
+        <a:bodyPr spcFirstLastPara="0" vert="horz" wrap="square" lIns="110490" tIns="110490" rIns="110490" bIns="110490" numCol="1" spcCol="1270" anchor="ctr" anchorCtr="0">
+          <a:noAutofit/>
+        </a:bodyPr>
+        <a:lstStyle/>
+        <a:p>
+          <a:pPr marL="0" lvl="0" indent="0" algn="l" defTabSz="1289050">
+            <a:lnSpc>
+              <a:spcPct val="90000"/>
+            </a:lnSpc>
+            <a:spcBef>
+              <a:spcPct val="0"/>
+            </a:spcBef>
+            <a:spcAft>
+              <a:spcPct val="35000"/>
+            </a:spcAft>
+            <a:buNone/>
+          </a:pPr>
+          <a:r>
+            <a:rPr lang="en-US" sz="2900" kern="1200" dirty="0"/>
+            <a:t>Generate over 2000 features for each training and test sample</a:t>
+          </a:r>
+        </a:p>
+      </dsp:txBody>
+      <dsp:txXfrm>
+        <a:off x="678828" y="1392607"/>
+        <a:ext cx="5837051" cy="1096221"/>
+      </dsp:txXfrm>
+    </dsp:sp>
+    <dsp:sp modelId="{F2D91C1B-2E7E-40D5-8A6E-FAC3850FF4D7}">
+      <dsp:nvSpPr>
+        <dsp:cNvPr id="0" name=""/>
+        <dsp:cNvSpPr/>
+      </dsp:nvSpPr>
+      <dsp:spPr>
+        <a:xfrm>
+          <a:off x="1289446" y="2717005"/>
+          <a:ext cx="7306865" cy="1164431"/>
+        </a:xfrm>
+        <a:prstGeom prst="roundRect">
+          <a:avLst>
+            <a:gd name="adj" fmla="val 10000"/>
+          </a:avLst>
+        </a:prstGeom>
+        <a:solidFill>
+          <a:schemeClr val="accent5">
+            <a:hueOff val="2495256"/>
+            <a:satOff val="-50489"/>
+            <a:lumOff val="1569"/>
+            <a:alphaOff val="0"/>
+          </a:schemeClr>
+        </a:solidFill>
+        <a:ln w="19050" cap="rnd" cmpd="sng" algn="ctr">
+          <a:solidFill>
+            <a:schemeClr val="lt1">
+              <a:hueOff val="0"/>
+              <a:satOff val="0"/>
+              <a:lumOff val="0"/>
+              <a:alphaOff val="0"/>
+            </a:schemeClr>
+          </a:solidFill>
+          <a:prstDash val="solid"/>
+        </a:ln>
+        <a:effectLst/>
+      </dsp:spPr>
+      <dsp:style>
+        <a:lnRef idx="2">
+          <a:scrgbClr r="0" g="0" b="0"/>
+        </a:lnRef>
+        <a:fillRef idx="1">
+          <a:scrgbClr r="0" g="0" b="0"/>
+        </a:fillRef>
+        <a:effectRef idx="0">
+          <a:scrgbClr r="0" g="0" b="0"/>
+        </a:effectRef>
+        <a:fontRef idx="minor">
+          <a:schemeClr val="lt1"/>
+        </a:fontRef>
+      </dsp:style>
+      <dsp:txBody>
+        <a:bodyPr spcFirstLastPara="0" vert="horz" wrap="square" lIns="110490" tIns="110490" rIns="110490" bIns="110490" numCol="1" spcCol="1270" anchor="ctr" anchorCtr="0">
+          <a:noAutofit/>
+        </a:bodyPr>
+        <a:lstStyle/>
+        <a:p>
+          <a:pPr marL="0" lvl="0" indent="0" algn="l" defTabSz="1289050">
+            <a:lnSpc>
+              <a:spcPct val="90000"/>
+            </a:lnSpc>
+            <a:spcBef>
+              <a:spcPct val="0"/>
+            </a:spcBef>
+            <a:spcAft>
+              <a:spcPct val="35000"/>
+            </a:spcAft>
+            <a:buNone/>
+          </a:pPr>
+          <a:r>
+            <a:rPr lang="en-US" sz="2900" kern="1200" dirty="0"/>
+            <a:t>Select features that are useful for predicting “time to failure”</a:t>
+          </a:r>
+        </a:p>
+      </dsp:txBody>
+      <dsp:txXfrm>
+        <a:off x="1323551" y="2751110"/>
+        <a:ext cx="5837051" cy="1096221"/>
+      </dsp:txXfrm>
+    </dsp:sp>
+    <dsp:sp modelId="{7A926AC1-733F-440E-B1F0-956307B5A494}">
+      <dsp:nvSpPr>
+        <dsp:cNvPr id="0" name=""/>
+        <dsp:cNvSpPr/>
+      </dsp:nvSpPr>
+      <dsp:spPr>
+        <a:xfrm>
+          <a:off x="6549984" y="883026"/>
+          <a:ext cx="756880" cy="756880"/>
+        </a:xfrm>
+        <a:prstGeom prst="downArrow">
+          <a:avLst>
+            <a:gd name="adj1" fmla="val 55000"/>
+            <a:gd name="adj2" fmla="val 45000"/>
+          </a:avLst>
+        </a:prstGeom>
+        <a:solidFill>
+          <a:schemeClr val="accent5">
+            <a:tint val="40000"/>
+            <a:alpha val="90000"/>
+            <a:hueOff val="0"/>
+            <a:satOff val="0"/>
+            <a:lumOff val="0"/>
+            <a:alphaOff val="0"/>
+          </a:schemeClr>
+        </a:solidFill>
+        <a:ln w="19050" cap="rnd" cmpd="sng" algn="ctr">
+          <a:solidFill>
+            <a:schemeClr val="accent5">
+              <a:tint val="40000"/>
+              <a:alpha val="90000"/>
+              <a:hueOff val="0"/>
+              <a:satOff val="0"/>
+              <a:lumOff val="0"/>
+              <a:alphaOff val="0"/>
+            </a:schemeClr>
+          </a:solidFill>
+          <a:prstDash val="solid"/>
+        </a:ln>
+        <a:effectLst/>
+      </dsp:spPr>
+      <dsp:style>
+        <a:lnRef idx="2">
+          <a:scrgbClr r="0" g="0" b="0"/>
+        </a:lnRef>
+        <a:fillRef idx="1">
+          <a:scrgbClr r="0" g="0" b="0"/>
+        </a:fillRef>
+        <a:effectRef idx="0">
+          <a:scrgbClr r="0" g="0" b="0"/>
+        </a:effectRef>
+        <a:fontRef idx="minor"/>
+      </dsp:style>
+      <dsp:txBody>
+        <a:bodyPr spcFirstLastPara="0" vert="horz" wrap="square" lIns="45720" tIns="45720" rIns="45720" bIns="45720" numCol="1" spcCol="1270" anchor="ctr" anchorCtr="0">
+          <a:noAutofit/>
+        </a:bodyPr>
+        <a:lstStyle/>
+        <a:p>
+          <a:pPr marL="0" lvl="0" indent="0" algn="ctr" defTabSz="1600200">
+            <a:lnSpc>
+              <a:spcPct val="90000"/>
+            </a:lnSpc>
+            <a:spcBef>
+              <a:spcPct val="0"/>
+            </a:spcBef>
+            <a:spcAft>
+              <a:spcPct val="35000"/>
+            </a:spcAft>
+            <a:buNone/>
+          </a:pPr>
+          <a:endParaRPr lang="en-US" sz="3600" kern="1200"/>
+        </a:p>
+      </dsp:txBody>
+      <dsp:txXfrm>
+        <a:off x="6720282" y="883026"/>
+        <a:ext cx="416284" cy="569552"/>
+      </dsp:txXfrm>
+    </dsp:sp>
+    <dsp:sp modelId="{F0D53270-CD5F-46EA-926A-F016050BA554}">
+      <dsp:nvSpPr>
+        <dsp:cNvPr id="0" name=""/>
+        <dsp:cNvSpPr/>
+      </dsp:nvSpPr>
+      <dsp:spPr>
+        <a:xfrm>
+          <a:off x="7194708" y="2233766"/>
+          <a:ext cx="756880" cy="756880"/>
+        </a:xfrm>
+        <a:prstGeom prst="downArrow">
+          <a:avLst>
+            <a:gd name="adj1" fmla="val 55000"/>
+            <a:gd name="adj2" fmla="val 45000"/>
+          </a:avLst>
+        </a:prstGeom>
+        <a:solidFill>
+          <a:schemeClr val="accent5">
+            <a:tint val="40000"/>
+            <a:alpha val="90000"/>
+            <a:hueOff val="2651784"/>
+            <a:satOff val="-27828"/>
+            <a:lumOff val="-1825"/>
+            <a:alphaOff val="0"/>
+          </a:schemeClr>
+        </a:solidFill>
+        <a:ln w="19050" cap="rnd" cmpd="sng" algn="ctr">
+          <a:solidFill>
+            <a:schemeClr val="accent5">
+              <a:tint val="40000"/>
+              <a:alpha val="90000"/>
+              <a:hueOff val="0"/>
+              <a:satOff val="0"/>
+              <a:lumOff val="0"/>
+              <a:alphaOff val="0"/>
+            </a:schemeClr>
+          </a:solidFill>
+          <a:prstDash val="solid"/>
+        </a:ln>
+        <a:effectLst/>
+      </dsp:spPr>
+      <dsp:style>
+        <a:lnRef idx="2">
+          <a:scrgbClr r="0" g="0" b="0"/>
+        </a:lnRef>
+        <a:fillRef idx="1">
+          <a:scrgbClr r="0" g="0" b="0"/>
+        </a:fillRef>
+        <a:effectRef idx="0">
+          <a:scrgbClr r="0" g="0" b="0"/>
+        </a:effectRef>
+        <a:fontRef idx="minor"/>
+      </dsp:style>
+      <dsp:txBody>
+        <a:bodyPr spcFirstLastPara="0" vert="horz" wrap="square" lIns="45720" tIns="45720" rIns="45720" bIns="45720" numCol="1" spcCol="1270" anchor="ctr" anchorCtr="0">
+          <a:noAutofit/>
+        </a:bodyPr>
+        <a:lstStyle/>
+        <a:p>
+          <a:pPr marL="0" lvl="0" indent="0" algn="ctr" defTabSz="1600200">
+            <a:lnSpc>
+              <a:spcPct val="90000"/>
+            </a:lnSpc>
+            <a:spcBef>
+              <a:spcPct val="0"/>
+            </a:spcBef>
+            <a:spcAft>
+              <a:spcPct val="35000"/>
+            </a:spcAft>
+            <a:buNone/>
+          </a:pPr>
+          <a:endParaRPr lang="en-US" sz="3600" kern="1200"/>
+        </a:p>
+      </dsp:txBody>
+      <dsp:txXfrm>
+        <a:off x="7365006" y="2233766"/>
+        <a:ext cx="416284" cy="569552"/>
+      </dsp:txXfrm>
+    </dsp:sp>
+  </dsp:spTree>
+</dsp:drawing>
+</file>
+
+<file path=ppt/diagrams/drawing2.xml><?xml version="1.0" encoding="utf-8"?>
 <dsp:drawing xmlns:dgm="http://schemas.openxmlformats.org/drawingml/2006/diagram" xmlns:dsp="http://schemas.microsoft.com/office/drawing/2008/diagram" xmlns:a="http://schemas.openxmlformats.org/drawingml/2006/main">
   <dsp:spTree>
     <dsp:nvGrpSpPr>
@@ -2443,6 +2893,1232 @@
 </file>
 
 <file path=ppt/diagrams/layout1.xml><?xml version="1.0" encoding="utf-8"?>
+<dgm:layoutDef xmlns:dgm="http://schemas.openxmlformats.org/drawingml/2006/diagram" xmlns:a="http://schemas.openxmlformats.org/drawingml/2006/main" uniqueId="urn:microsoft.com/office/officeart/2005/8/layout/vProcess5">
+  <dgm:title val=""/>
+  <dgm:desc val=""/>
+  <dgm:catLst>
+    <dgm:cat type="process" pri="14000"/>
+  </dgm:catLst>
+  <dgm:sampData>
+    <dgm:dataModel>
+      <dgm:ptLst>
+        <dgm:pt modelId="0" type="doc"/>
+        <dgm:pt modelId="1">
+          <dgm:prSet phldr="1"/>
+        </dgm:pt>
+        <dgm:pt modelId="2">
+          <dgm:prSet phldr="1"/>
+        </dgm:pt>
+        <dgm:pt modelId="3">
+          <dgm:prSet phldr="1"/>
+        </dgm:pt>
+      </dgm:ptLst>
+      <dgm:cxnLst>
+        <dgm:cxn modelId="5" srcId="0" destId="1" srcOrd="0" destOrd="0"/>
+        <dgm:cxn modelId="6" srcId="0" destId="2" srcOrd="1" destOrd="0"/>
+        <dgm:cxn modelId="7" srcId="0" destId="3" srcOrd="2" destOrd="0"/>
+      </dgm:cxnLst>
+      <dgm:bg/>
+      <dgm:whole/>
+    </dgm:dataModel>
+  </dgm:sampData>
+  <dgm:styleData>
+    <dgm:dataModel>
+      <dgm:ptLst>
+        <dgm:pt modelId="0" type="doc"/>
+        <dgm:pt modelId="1"/>
+        <dgm:pt modelId="2"/>
+      </dgm:ptLst>
+      <dgm:cxnLst>
+        <dgm:cxn modelId="3" srcId="0" destId="1" srcOrd="0" destOrd="0"/>
+        <dgm:cxn modelId="4" srcId="0" destId="2" srcOrd="1" destOrd="0"/>
+      </dgm:cxnLst>
+      <dgm:bg/>
+      <dgm:whole/>
+    </dgm:dataModel>
+  </dgm:styleData>
+  <dgm:clrData>
+    <dgm:dataModel>
+      <dgm:ptLst>
+        <dgm:pt modelId="0" type="doc"/>
+        <dgm:pt modelId="1"/>
+        <dgm:pt modelId="2"/>
+        <dgm:pt modelId="3"/>
+        <dgm:pt modelId="4"/>
+      </dgm:ptLst>
+      <dgm:cxnLst>
+        <dgm:cxn modelId="6" srcId="0" destId="1" srcOrd="0" destOrd="0"/>
+        <dgm:cxn modelId="7" srcId="0" destId="2" srcOrd="1" destOrd="0"/>
+        <dgm:cxn modelId="8" srcId="0" destId="3" srcOrd="2" destOrd="0"/>
+        <dgm:cxn modelId="9" srcId="0" destId="4" srcOrd="3" destOrd="0"/>
+      </dgm:cxnLst>
+      <dgm:bg/>
+      <dgm:whole/>
+    </dgm:dataModel>
+  </dgm:clrData>
+  <dgm:layoutNode name="outerComposite">
+    <dgm:varLst>
+      <dgm:chMax val="5"/>
+      <dgm:dir/>
+      <dgm:resizeHandles val="exact"/>
+    </dgm:varLst>
+    <dgm:alg type="composite"/>
+    <dgm:shape xmlns:r="http://schemas.openxmlformats.org/officeDocument/2006/relationships" r:blip="">
+      <dgm:adjLst/>
+    </dgm:shape>
+    <dgm:presOf/>
+    <dgm:choose name="Name0">
+      <dgm:if name="Name1" func="var" arg="dir" op="equ" val="norm">
+        <dgm:constrLst>
+          <dgm:constr type="primFontSz" for="ch" ptType="node" op="equ" val="65"/>
+          <dgm:constr type="w" for="ch" forName="dummyMaxCanvas" refType="w"/>
+          <dgm:constr type="h" for="ch" forName="dummyMaxCanvas" refType="h"/>
+          <dgm:constr type="w" for="ch" forName="OneNode_1" refType="w"/>
+          <dgm:constr type="h" for="ch" forName="OneNode_1" refType="h" fact="0.5"/>
+          <dgm:constr type="ctrY" for="ch" forName="OneNode_1" refType="h" fact="0.5"/>
+          <dgm:constr type="w" for="ch" forName="TwoNodes_1" refType="w" fact="0.85"/>
+          <dgm:constr type="h" for="ch" forName="TwoNodes_1" refType="h" fact="0.45"/>
+          <dgm:constr type="t" for="ch" forName="TwoNodes_1"/>
+          <dgm:constr type="l" for="ch" forName="TwoNodes_1"/>
+          <dgm:constr type="w" for="ch" forName="TwoNodes_2" refType="w" fact="0.85"/>
+          <dgm:constr type="h" for="ch" forName="TwoNodes_2" refType="h" fact="0.45"/>
+          <dgm:constr type="b" for="ch" forName="TwoNodes_2" refType="h"/>
+          <dgm:constr type="r" for="ch" forName="TwoNodes_2" refType="w"/>
+          <dgm:constr type="w" for="ch" forName="TwoConn_1-2" refType="h" refFor="ch" refForName="TwoNodes_1" fact="0.65"/>
+          <dgm:constr type="h" for="ch" forName="TwoConn_1-2" refType="h" refFor="ch" refForName="TwoNodes_1" fact="0.65"/>
+          <dgm:constr type="ctrY" for="ch" forName="TwoConn_1-2" refType="h" fact="0.5"/>
+          <dgm:constr type="r" for="ch" forName="TwoConn_1-2" refType="r" refFor="ch" refForName="TwoNodes_1"/>
+          <dgm:constr type="r" for="ch" forName="TwoNodes_1_text" refType="l" refFor="ch" refForName="TwoConn_1-2"/>
+          <dgm:constr type="rOff" for="ch" forName="TwoNodes_1_text" refType="w" refFor="ch" refForName="TwoConn_1-2" fact="-0.5"/>
+          <dgm:constr type="t" for="ch" forName="TwoNodes_1_text" refType="t" refFor="ch" refForName="TwoNodes_1"/>
+          <dgm:constr type="b" for="ch" forName="TwoNodes_1_text" refType="b" refFor="ch" refForName="TwoNodes_1"/>
+          <dgm:constr type="l" for="ch" forName="TwoNodes_1_text" refType="l" refFor="ch" refForName="TwoNodes_1"/>
+          <dgm:constr type="r" for="ch" forName="TwoNodes_2_text" refType="l" refFor="ch" refForName="TwoConn_1-2"/>
+          <dgm:constr type="t" for="ch" forName="TwoNodes_2_text" refType="t" refFor="ch" refForName="TwoNodes_2"/>
+          <dgm:constr type="b" for="ch" forName="TwoNodes_2_text" refType="b" refFor="ch" refForName="TwoNodes_2"/>
+          <dgm:constr type="l" for="ch" forName="TwoNodes_2_text" refType="l" refFor="ch" refForName="TwoNodes_2"/>
+          <dgm:constr type="w" for="ch" forName="ThreeNodes_1" refType="w" fact="0.85"/>
+          <dgm:constr type="h" for="ch" forName="ThreeNodes_1" refType="h" fact="0.3"/>
+          <dgm:constr type="t" for="ch" forName="ThreeNodes_1"/>
+          <dgm:constr type="l" for="ch" forName="ThreeNodes_1"/>
+          <dgm:constr type="w" for="ch" forName="ThreeNodes_2" refType="w" fact="0.85"/>
+          <dgm:constr type="h" for="ch" forName="ThreeNodes_2" refType="h" fact="0.3"/>
+          <dgm:constr type="ctrY" for="ch" forName="ThreeNodes_2" refType="h" fact="0.5"/>
+          <dgm:constr type="ctrX" for="ch" forName="ThreeNodes_2" refType="w" fact="0.5"/>
+          <dgm:constr type="w" for="ch" forName="ThreeNodes_3" refType="w" fact="0.85"/>
+          <dgm:constr type="h" for="ch" forName="ThreeNodes_3" refType="h" fact="0.3"/>
+          <dgm:constr type="b" for="ch" forName="ThreeNodes_3" refType="h"/>
+          <dgm:constr type="r" for="ch" forName="ThreeNodes_3" refType="w"/>
+          <dgm:constr type="w" for="ch" forName="ThreeConn_1-2" refType="h" refFor="ch" refForName="ThreeNodes_1" fact="0.65"/>
+          <dgm:constr type="h" for="ch" forName="ThreeConn_1-2" refType="h" refFor="ch" refForName="ThreeNodes_1" fact="0.65"/>
+          <dgm:constr type="ctrY" for="ch" forName="ThreeConn_1-2" refType="h" fact="0.325"/>
+          <dgm:constr type="r" for="ch" forName="ThreeConn_1-2" refType="r" refFor="ch" refForName="ThreeNodes_1"/>
+          <dgm:constr type="w" for="ch" forName="ThreeConn_2-3" refType="h" refFor="ch" refForName="ThreeNodes_2" fact="0.65"/>
+          <dgm:constr type="h" for="ch" forName="ThreeConn_2-3" refType="h" refFor="ch" refForName="ThreeNodes_2" fact="0.65"/>
+          <dgm:constr type="ctrY" for="ch" forName="ThreeConn_2-3" refType="h" fact="0.673"/>
+          <dgm:constr type="r" for="ch" forName="ThreeConn_2-3" refType="r" refFor="ch" refForName="ThreeNodes_2"/>
+          <dgm:constr type="r" for="ch" forName="ThreeNodes_1_text" refType="l" refFor="ch" refForName="ThreeConn_1-2"/>
+          <dgm:constr type="rOff" for="ch" forName="ThreeNodes_1_text" refType="w" refFor="ch" refForName="ThreeConn_1-2" fact="-0.57"/>
+          <dgm:constr type="t" for="ch" forName="ThreeNodes_1_text" refType="t" refFor="ch" refForName="ThreeNodes_1"/>
+          <dgm:constr type="b" for="ch" forName="ThreeNodes_1_text" refType="b" refFor="ch" refForName="ThreeNodes_1"/>
+          <dgm:constr type="l" for="ch" forName="ThreeNodes_1_text" refType="l" refFor="ch" refForName="ThreeNodes_1"/>
+          <dgm:constr type="r" for="ch" forName="ThreeNodes_2_text" refType="l" refFor="ch" refForName="ThreeConn_1-2"/>
+          <dgm:constr type="t" for="ch" forName="ThreeNodes_2_text" refType="t" refFor="ch" refForName="ThreeNodes_2"/>
+          <dgm:constr type="b" for="ch" forName="ThreeNodes_2_text" refType="b" refFor="ch" refForName="ThreeNodes_2"/>
+          <dgm:constr type="l" for="ch" forName="ThreeNodes_2_text" refType="l" refFor="ch" refForName="ThreeNodes_2"/>
+          <dgm:constr type="r" for="ch" forName="ThreeNodes_3_text" refType="l" refFor="ch" refForName="ThreeConn_2-3"/>
+          <dgm:constr type="t" for="ch" forName="ThreeNodes_3_text" refType="t" refFor="ch" refForName="ThreeNodes_3"/>
+          <dgm:constr type="b" for="ch" forName="ThreeNodes_3_text" refType="b" refFor="ch" refForName="ThreeNodes_3"/>
+          <dgm:constr type="l" for="ch" forName="ThreeNodes_3_text" refType="l" refFor="ch" refForName="ThreeNodes_3"/>
+          <dgm:constr type="w" for="ch" forName="FourNodes_1" refType="w" fact="0.8"/>
+          <dgm:constr type="h" for="ch" forName="FourNodes_1" refType="h" fact="0.22"/>
+          <dgm:constr type="t" for="ch" forName="FourNodes_1"/>
+          <dgm:constr type="l" for="ch" forName="FourNodes_1"/>
+          <dgm:constr type="w" for="ch" forName="FourNodes_2" refType="w" fact="0.8"/>
+          <dgm:constr type="h" for="ch" forName="FourNodes_2" refType="h" fact="0.22"/>
+          <dgm:constr type="ctrY" for="ch" forName="FourNodes_2" refType="h" fact="0.37"/>
+          <dgm:constr type="ctrX" for="ch" forName="FourNodes_2" refType="w" fact="0.467"/>
+          <dgm:constr type="w" for="ch" forName="FourNodes_3" refType="w" fact="0.8"/>
+          <dgm:constr type="h" for="ch" forName="FourNodes_3" refType="h" fact="0.22"/>
+          <dgm:constr type="ctrY" for="ch" forName="FourNodes_3" refType="h" fact="0.63"/>
+          <dgm:constr type="ctrX" for="ch" forName="FourNodes_3" refType="w" fact="0.533"/>
+          <dgm:constr type="w" for="ch" forName="FourNodes_4" refType="w" fact="0.8"/>
+          <dgm:constr type="h" for="ch" forName="FourNodes_4" refType="h" fact="0.22"/>
+          <dgm:constr type="b" for="ch" forName="FourNodes_4" refType="h"/>
+          <dgm:constr type="r" for="ch" forName="FourNodes_4" refType="w"/>
+          <dgm:constr type="w" for="ch" forName="FourConn_1-2" refType="h" refFor="ch" refForName="FourNodes_1" fact="0.65"/>
+          <dgm:constr type="h" for="ch" forName="FourConn_1-2" refType="h" refFor="ch" refForName="FourNodes_1" fact="0.65"/>
+          <dgm:constr type="ctrY" for="ch" forName="FourConn_1-2" refType="h" fact="0.24"/>
+          <dgm:constr type="r" for="ch" forName="FourConn_1-2" refType="r" refFor="ch" refForName="FourNodes_1"/>
+          <dgm:constr type="w" for="ch" forName="FourConn_2-3" refType="h" refFor="ch" refForName="FourNodes_2" fact="0.65"/>
+          <dgm:constr type="h" for="ch" forName="FourConn_2-3" refType="h" refFor="ch" refForName="FourNodes_2" fact="0.65"/>
+          <dgm:constr type="ctrY" for="ch" forName="FourConn_2-3" refType="h" fact="0.5"/>
+          <dgm:constr type="r" for="ch" forName="FourConn_2-3" refType="r" refFor="ch" refForName="FourNodes_2"/>
+          <dgm:constr type="w" for="ch" forName="FourConn_3-4" refType="h" refFor="ch" refForName="FourNodes_3" fact="0.65"/>
+          <dgm:constr type="h" for="ch" forName="FourConn_3-4" refType="h" refFor="ch" refForName="FourNodes_3" fact="0.65"/>
+          <dgm:constr type="ctrY" for="ch" forName="FourConn_3-4" refType="h" fact="0.76"/>
+          <dgm:constr type="r" for="ch" forName="FourConn_3-4" refType="r" refFor="ch" refForName="FourNodes_3"/>
+          <dgm:constr type="r" for="ch" forName="FourNodes_1_text" refType="l" refFor="ch" refForName="FourConn_1-2"/>
+          <dgm:constr type="rOff" for="ch" forName="FourNodes_1_text" refType="w" refFor="ch" refForName="FourConn_1-2" fact="-0.7"/>
+          <dgm:constr type="t" for="ch" forName="FourNodes_1_text" refType="t" refFor="ch" refForName="FourNodes_1"/>
+          <dgm:constr type="b" for="ch" forName="FourNodes_1_text" refType="b" refFor="ch" refForName="FourNodes_1"/>
+          <dgm:constr type="l" for="ch" forName="FourNodes_1_text" refType="l" refFor="ch" refForName="FourNodes_1"/>
+          <dgm:constr type="r" for="ch" forName="FourNodes_2_text" refType="l" refFor="ch" refForName="FourConn_1-2"/>
+          <dgm:constr type="t" for="ch" forName="FourNodes_2_text" refType="t" refFor="ch" refForName="FourNodes_2"/>
+          <dgm:constr type="b" for="ch" forName="FourNodes_2_text" refType="b" refFor="ch" refForName="FourNodes_2"/>
+          <dgm:constr type="l" for="ch" forName="FourNodes_2_text" refType="l" refFor="ch" refForName="FourNodes_2"/>
+          <dgm:constr type="r" for="ch" forName="FourNodes_3_text" refType="l" refFor="ch" refForName="FourConn_2-3"/>
+          <dgm:constr type="t" for="ch" forName="FourNodes_3_text" refType="t" refFor="ch" refForName="FourNodes_3"/>
+          <dgm:constr type="b" for="ch" forName="FourNodes_3_text" refType="b" refFor="ch" refForName="FourNodes_3"/>
+          <dgm:constr type="l" for="ch" forName="FourNodes_3_text" refType="l" refFor="ch" refForName="FourNodes_3"/>
+          <dgm:constr type="r" for="ch" forName="FourNodes_4_text" refType="l" refFor="ch" refForName="FourConn_3-4"/>
+          <dgm:constr type="t" for="ch" forName="FourNodes_4_text" refType="t" refFor="ch" refForName="FourNodes_4"/>
+          <dgm:constr type="b" for="ch" forName="FourNodes_4_text" refType="b" refFor="ch" refForName="FourNodes_4"/>
+          <dgm:constr type="l" for="ch" forName="FourNodes_4_text" refType="l" refFor="ch" refForName="FourNodes_4"/>
+          <dgm:constr type="w" for="ch" forName="FiveNodes_1" refType="w" fact="0.77"/>
+          <dgm:constr type="h" for="ch" forName="FiveNodes_1" refType="h" fact="0.18"/>
+          <dgm:constr type="t" for="ch" forName="FiveNodes_1"/>
+          <dgm:constr type="l" for="ch" forName="FiveNodes_1"/>
+          <dgm:constr type="w" for="ch" forName="FiveNodes_2" refType="w" fact="0.77"/>
+          <dgm:constr type="h" for="ch" forName="FiveNodes_2" refType="h" fact="0.18"/>
+          <dgm:constr type="ctrY" for="ch" forName="FiveNodes_2" refType="h" fact="0.295"/>
+          <dgm:constr type="ctrX" for="ch" forName="FiveNodes_2" refType="w" fact="0.4425"/>
+          <dgm:constr type="w" for="ch" forName="FiveNodes_3" refType="w" fact="0.77"/>
+          <dgm:constr type="h" for="ch" forName="FiveNodes_3" refType="h" fact="0.18"/>
+          <dgm:constr type="ctrY" for="ch" forName="FiveNodes_3" refType="h" fact="0.5"/>
+          <dgm:constr type="ctrX" for="ch" forName="FiveNodes_3" refType="w" fact="0.5"/>
+          <dgm:constr type="w" for="ch" forName="FiveNodes_4" refType="w" fact="0.77"/>
+          <dgm:constr type="h" for="ch" forName="FiveNodes_4" refType="h" fact="0.18"/>
+          <dgm:constr type="ctrY" for="ch" forName="FiveNodes_4" refType="h" fact="0.705"/>
+          <dgm:constr type="ctrX" for="ch" forName="FiveNodes_4" refType="w" fact="0.5575"/>
+          <dgm:constr type="w" for="ch" forName="FiveNodes_5" refType="w" fact="0.77"/>
+          <dgm:constr type="h" for="ch" forName="FiveNodes_5" refType="h" fact="0.18"/>
+          <dgm:constr type="b" for="ch" forName="FiveNodes_5" refType="h"/>
+          <dgm:constr type="r" for="ch" forName="FiveNodes_5" refType="w"/>
+          <dgm:constr type="w" for="ch" forName="FiveConn_1-2" refType="h" refFor="ch" refForName="FiveNodes_1" fact="0.65"/>
+          <dgm:constr type="h" for="ch" forName="FiveConn_1-2" refType="h" refFor="ch" refForName="FiveNodes_1" fact="0.65"/>
+          <dgm:constr type="ctrY" for="ch" forName="FiveConn_1-2" refType="h" fact="0.19"/>
+          <dgm:constr type="r" for="ch" forName="FiveConn_1-2" refType="r" refFor="ch" refForName="FiveNodes_1"/>
+          <dgm:constr type="w" for="ch" forName="FiveConn_2-3" refType="h" refFor="ch" refForName="FiveNodes_2" fact="0.65"/>
+          <dgm:constr type="h" for="ch" forName="FiveConn_2-3" refType="h" refFor="ch" refForName="FiveNodes_2" fact="0.65"/>
+          <dgm:constr type="ctrY" for="ch" forName="FiveConn_2-3" refType="h" fact="0.395"/>
+          <dgm:constr type="r" for="ch" forName="FiveConn_2-3" refType="r" refFor="ch" refForName="FiveNodes_2"/>
+          <dgm:constr type="w" for="ch" forName="FiveConn_3-4" refType="h" refFor="ch" refForName="FiveNodes_3" fact="0.65"/>
+          <dgm:constr type="h" for="ch" forName="FiveConn_3-4" refType="h" refFor="ch" refForName="FiveNodes_3" fact="0.65"/>
+          <dgm:constr type="ctrY" for="ch" forName="FiveConn_3-4" refType="h" fact="0.597"/>
+          <dgm:constr type="r" for="ch" forName="FiveConn_3-4" refType="r" refFor="ch" refForName="FiveNodes_3"/>
+          <dgm:constr type="w" for="ch" forName="FiveConn_4-5" refType="h" refFor="ch" refForName="FiveNodes_4" fact="0.65"/>
+          <dgm:constr type="h" for="ch" forName="FiveConn_4-5" refType="h" refFor="ch" refForName="FiveNodes_4" fact="0.65"/>
+          <dgm:constr type="ctrY" for="ch" forName="FiveConn_4-5" refType="h" fact="0.804"/>
+          <dgm:constr type="r" for="ch" forName="FiveConn_4-5" refType="r" refFor="ch" refForName="FiveNodes_4"/>
+          <dgm:constr type="r" for="ch" forName="FiveNodes_1_text" refType="l" refFor="ch" refForName="FiveConn_1-2"/>
+          <dgm:constr type="rOff" for="ch" forName="FiveNodes_1_text" refType="w" refFor="ch" refForName="FiveConn_1-2" fact="-0.75"/>
+          <dgm:constr type="t" for="ch" forName="FiveNodes_1_text" refType="t" refFor="ch" refForName="FiveNodes_1"/>
+          <dgm:constr type="b" for="ch" forName="FiveNodes_1_text" refType="b" refFor="ch" refForName="FiveNodes_1"/>
+          <dgm:constr type="l" for="ch" forName="FiveNodes_1_text" refType="l" refFor="ch" refForName="FiveNodes_1"/>
+          <dgm:constr type="r" for="ch" forName="FiveNodes_2_text" refType="l" refFor="ch" refForName="FiveConn_1-2"/>
+          <dgm:constr type="t" for="ch" forName="FiveNodes_2_text" refType="t" refFor="ch" refForName="FiveNodes_2"/>
+          <dgm:constr type="b" for="ch" forName="FiveNodes_2_text" refType="b" refFor="ch" refForName="FiveNodes_2"/>
+          <dgm:constr type="l" for="ch" forName="FiveNodes_2_text" refType="l" refFor="ch" refForName="FiveNodes_2"/>
+          <dgm:constr type="r" for="ch" forName="FiveNodes_3_text" refType="l" refFor="ch" refForName="FiveConn_2-3"/>
+          <dgm:constr type="t" for="ch" forName="FiveNodes_3_text" refType="t" refFor="ch" refForName="FiveNodes_3"/>
+          <dgm:constr type="b" for="ch" forName="FiveNodes_3_text" refType="b" refFor="ch" refForName="FiveNodes_3"/>
+          <dgm:constr type="l" for="ch" forName="FiveNodes_3_text" refType="l" refFor="ch" refForName="FiveNodes_3"/>
+          <dgm:constr type="r" for="ch" forName="FiveNodes_4_text" refType="l" refFor="ch" refForName="FiveConn_3-4"/>
+          <dgm:constr type="t" for="ch" forName="FiveNodes_4_text" refType="t" refFor="ch" refForName="FiveNodes_4"/>
+          <dgm:constr type="b" for="ch" forName="FiveNodes_4_text" refType="b" refFor="ch" refForName="FiveNodes_4"/>
+          <dgm:constr type="l" for="ch" forName="FiveNodes_4_text" refType="l" refFor="ch" refForName="FiveNodes_4"/>
+          <dgm:constr type="r" for="ch" forName="FiveNodes_5_text" refType="l" refFor="ch" refForName="FiveConn_4-5"/>
+          <dgm:constr type="t" for="ch" forName="FiveNodes_5_text" refType="t" refFor="ch" refForName="FiveNodes_5"/>
+          <dgm:constr type="b" for="ch" forName="FiveNodes_5_text" refType="b" refFor="ch" refForName="FiveNodes_5"/>
+          <dgm:constr type="l" for="ch" forName="FiveNodes_5_text" refType="l" refFor="ch" refForName="FiveNodes_5"/>
+        </dgm:constrLst>
+      </dgm:if>
+      <dgm:else name="Name2">
+        <dgm:constrLst>
+          <dgm:constr type="primFontSz" for="ch" ptType="node" op="equ" val="65"/>
+          <dgm:constr type="w" for="ch" forName="dummyMaxCanvas" refType="w"/>
+          <dgm:constr type="h" for="ch" forName="dummyMaxCanvas" refType="h"/>
+          <dgm:constr type="w" for="ch" forName="OneNode_1" refType="w"/>
+          <dgm:constr type="h" for="ch" forName="OneNode_1" refType="h" fact="0.5"/>
+          <dgm:constr type="ctrY" for="ch" forName="OneNode_1" refType="h" fact="0.5"/>
+          <dgm:constr type="w" for="ch" forName="TwoNodes_1" refType="w" fact="0.85"/>
+          <dgm:constr type="h" for="ch" forName="TwoNodes_1" refType="h" fact="0.45"/>
+          <dgm:constr type="t" for="ch" forName="TwoNodes_1"/>
+          <dgm:constr type="r" for="ch" forName="TwoNodes_1" refType="w"/>
+          <dgm:constr type="w" for="ch" forName="TwoNodes_2" refType="w" fact="0.85"/>
+          <dgm:constr type="h" for="ch" forName="TwoNodes_2" refType="h" fact="0.45"/>
+          <dgm:constr type="b" for="ch" forName="TwoNodes_2" refType="h"/>
+          <dgm:constr type="l" for="ch" forName="TwoNodes_2"/>
+          <dgm:constr type="w" for="ch" forName="TwoConn_1-2" refType="h" refFor="ch" refForName="TwoNodes_1" fact="0.65"/>
+          <dgm:constr type="h" for="ch" forName="TwoConn_1-2" refType="h" refFor="ch" refForName="TwoNodes_1" fact="0.65"/>
+          <dgm:constr type="ctrY" for="ch" forName="TwoConn_1-2" refType="h" fact="0.5"/>
+          <dgm:constr type="l" for="ch" forName="TwoConn_1-2" refType="l" refFor="ch" refForName="TwoNodes_1"/>
+          <dgm:constr type="l" for="ch" forName="TwoNodes_1_text" refType="r" refFor="ch" refForName="TwoConn_1-2"/>
+          <dgm:constr type="lOff" for="ch" forName="TwoNodes_1_text" refType="w" refFor="ch" refForName="TwoConn_1-2" fact="0.5"/>
+          <dgm:constr type="t" for="ch" forName="TwoNodes_1_text" refType="t" refFor="ch" refForName="TwoNodes_1"/>
+          <dgm:constr type="b" for="ch" forName="TwoNodes_1_text" refType="b" refFor="ch" refForName="TwoNodes_1"/>
+          <dgm:constr type="r" for="ch" forName="TwoNodes_1_text" refType="r" refFor="ch" refForName="TwoNodes_1"/>
+          <dgm:constr type="l" for="ch" forName="TwoNodes_2_text" refType="r" refFor="ch" refForName="TwoConn_1-2"/>
+          <dgm:constr type="t" for="ch" forName="TwoNodes_2_text" refType="t" refFor="ch" refForName="TwoNodes_2"/>
+          <dgm:constr type="b" for="ch" forName="TwoNodes_2_text" refType="b" refFor="ch" refForName="TwoNodes_2"/>
+          <dgm:constr type="r" for="ch" forName="TwoNodes_2_text" refType="r" refFor="ch" refForName="TwoNodes_2"/>
+          <dgm:constr type="w" for="ch" forName="ThreeNodes_1" refType="w" fact="0.85"/>
+          <dgm:constr type="h" for="ch" forName="ThreeNodes_1" refType="h" fact="0.3"/>
+          <dgm:constr type="t" for="ch" forName="ThreeNodes_1"/>
+          <dgm:constr type="r" for="ch" forName="ThreeNodes_1" refType="w"/>
+          <dgm:constr type="w" for="ch" forName="ThreeNodes_2" refType="w" fact="0.85"/>
+          <dgm:constr type="h" for="ch" forName="ThreeNodes_2" refType="h" fact="0.3"/>
+          <dgm:constr type="ctrY" for="ch" forName="ThreeNodes_2" refType="h" fact="0.5"/>
+          <dgm:constr type="ctrX" for="ch" forName="ThreeNodes_2" refType="w" fact="0.5"/>
+          <dgm:constr type="w" for="ch" forName="ThreeNodes_3" refType="w" fact="0.85"/>
+          <dgm:constr type="h" for="ch" forName="ThreeNodes_3" refType="h" fact="0.3"/>
+          <dgm:constr type="b" for="ch" forName="ThreeNodes_3" refType="h"/>
+          <dgm:constr type="l" for="ch" forName="ThreeNodes_3"/>
+          <dgm:constr type="w" for="ch" forName="ThreeConn_1-2" refType="h" refFor="ch" refForName="ThreeNodes_1" fact="0.65"/>
+          <dgm:constr type="h" for="ch" forName="ThreeConn_1-2" refType="h" refFor="ch" refForName="ThreeNodes_1" fact="0.65"/>
+          <dgm:constr type="ctrY" for="ch" forName="ThreeConn_1-2" refType="h" fact="0.325"/>
+          <dgm:constr type="l" for="ch" forName="ThreeConn_1-2" refType="l" refFor="ch" refForName="ThreeNodes_1"/>
+          <dgm:constr type="w" for="ch" forName="ThreeConn_2-3" refType="h" refFor="ch" refForName="ThreeNodes_2" fact="0.65"/>
+          <dgm:constr type="h" for="ch" forName="ThreeConn_2-3" refType="h" refFor="ch" refForName="ThreeNodes_2" fact="0.65"/>
+          <dgm:constr type="ctrY" for="ch" forName="ThreeConn_2-3" refType="h" fact="0.673"/>
+          <dgm:constr type="l" for="ch" forName="ThreeConn_2-3" refType="l" refFor="ch" refForName="ThreeNodes_2"/>
+          <dgm:constr type="l" for="ch" forName="ThreeNodes_1_text" refType="r" refFor="ch" refForName="ThreeConn_1-2"/>
+          <dgm:constr type="lOff" for="ch" forName="ThreeNodes_1_text" refType="w" refFor="ch" refForName="ThreeConn_1-2" fact="0.55"/>
+          <dgm:constr type="t" for="ch" forName="ThreeNodes_1_text" refType="t" refFor="ch" refForName="ThreeNodes_1"/>
+          <dgm:constr type="b" for="ch" forName="ThreeNodes_1_text" refType="b" refFor="ch" refForName="ThreeNodes_1"/>
+          <dgm:constr type="r" for="ch" forName="ThreeNodes_1_text" refType="r" refFor="ch" refForName="ThreeNodes_1"/>
+          <dgm:constr type="l" for="ch" forName="ThreeNodes_2_text" refType="r" refFor="ch" refForName="ThreeConn_1-2"/>
+          <dgm:constr type="t" for="ch" forName="ThreeNodes_2_text" refType="t" refFor="ch" refForName="ThreeNodes_2"/>
+          <dgm:constr type="b" for="ch" forName="ThreeNodes_2_text" refType="b" refFor="ch" refForName="ThreeNodes_2"/>
+          <dgm:constr type="r" for="ch" forName="ThreeNodes_2_text" refType="r" refFor="ch" refForName="ThreeNodes_2"/>
+          <dgm:constr type="l" for="ch" forName="ThreeNodes_3_text" refType="r" refFor="ch" refForName="ThreeConn_2-3"/>
+          <dgm:constr type="t" for="ch" forName="ThreeNodes_3_text" refType="t" refFor="ch" refForName="ThreeNodes_3"/>
+          <dgm:constr type="b" for="ch" forName="ThreeNodes_3_text" refType="b" refFor="ch" refForName="ThreeNodes_3"/>
+          <dgm:constr type="r" for="ch" forName="ThreeNodes_3_text" refType="r" refFor="ch" refForName="ThreeNodes_3"/>
+          <dgm:constr type="w" for="ch" forName="FourNodes_1" refType="w" fact="0.8"/>
+          <dgm:constr type="h" for="ch" forName="FourNodes_1" refType="h" fact="0.22"/>
+          <dgm:constr type="t" for="ch" forName="FourNodes_1"/>
+          <dgm:constr type="r" for="ch" forName="FourNodes_1" refType="w"/>
+          <dgm:constr type="w" for="ch" forName="FourNodes_2" refType="w" fact="0.8"/>
+          <dgm:constr type="h" for="ch" forName="FourNodes_2" refType="h" fact="0.22"/>
+          <dgm:constr type="ctrY" for="ch" forName="FourNodes_2" refType="h" fact="0.37"/>
+          <dgm:constr type="ctrX" for="ch" forName="FourNodes_2" refType="w" fact="0.533"/>
+          <dgm:constr type="w" for="ch" forName="FourNodes_3" refType="w" fact="0.8"/>
+          <dgm:constr type="h" for="ch" forName="FourNodes_3" refType="h" fact="0.22"/>
+          <dgm:constr type="ctrY" for="ch" forName="FourNodes_3" refType="h" fact="0.63"/>
+          <dgm:constr type="ctrX" for="ch" forName="FourNodes_3" refType="w" fact="0.467"/>
+          <dgm:constr type="w" for="ch" forName="FourNodes_4" refType="w" fact="0.8"/>
+          <dgm:constr type="h" for="ch" forName="FourNodes_4" refType="h" fact="0.22"/>
+          <dgm:constr type="b" for="ch" forName="FourNodes_4" refType="h"/>
+          <dgm:constr type="l" for="ch" forName="FourNodes_4"/>
+          <dgm:constr type="w" for="ch" forName="FourConn_1-2" refType="h" refFor="ch" refForName="FourNodes_1" fact="0.65"/>
+          <dgm:constr type="h" for="ch" forName="FourConn_1-2" refType="h" refFor="ch" refForName="FourNodes_1" fact="0.65"/>
+          <dgm:constr type="ctrY" for="ch" forName="FourConn_1-2" refType="h" fact="0.24"/>
+          <dgm:constr type="l" for="ch" forName="FourConn_1-2" refType="l" refFor="ch" refForName="FourNodes_1"/>
+          <dgm:constr type="w" for="ch" forName="FourConn_2-3" refType="h" refFor="ch" refForName="FourNodes_2" fact="0.65"/>
+          <dgm:constr type="h" for="ch" forName="FourConn_2-3" refType="h" refFor="ch" refForName="FourNodes_2" fact="0.65"/>
+          <dgm:constr type="ctrY" for="ch" forName="FourConn_2-3" refType="h" fact="0.5"/>
+          <dgm:constr type="l" for="ch" forName="FourConn_2-3" refType="l" refFor="ch" refForName="FourNodes_2"/>
+          <dgm:constr type="w" for="ch" forName="FourConn_3-4" refType="h" refFor="ch" refForName="FourNodes_3" fact="0.65"/>
+          <dgm:constr type="h" for="ch" forName="FourConn_3-4" refType="h" refFor="ch" refForName="FourNodes_3" fact="0.65"/>
+          <dgm:constr type="ctrY" for="ch" forName="FourConn_3-4" refType="h" fact="0.76"/>
+          <dgm:constr type="l" for="ch" forName="FourConn_3-4" refType="l" refFor="ch" refForName="FourNodes_3"/>
+          <dgm:constr type="l" for="ch" forName="FourNodes_1_text" refType="r" refFor="ch" refForName="FourConn_1-2"/>
+          <dgm:constr type="lOff" for="ch" forName="FourNodes_1_text" refType="w" refFor="ch" refForName="FourConn_1-2" fact="0.69"/>
+          <dgm:constr type="t" for="ch" forName="FourNodes_1_text" refType="t" refFor="ch" refForName="FourNodes_1"/>
+          <dgm:constr type="b" for="ch" forName="FourNodes_1_text" refType="b" refFor="ch" refForName="FourNodes_1"/>
+          <dgm:constr type="r" for="ch" forName="FourNodes_1_text" refType="r" refFor="ch" refForName="FourNodes_1"/>
+          <dgm:constr type="l" for="ch" forName="FourNodes_2_text" refType="r" refFor="ch" refForName="FourConn_1-2"/>
+          <dgm:constr type="t" for="ch" forName="FourNodes_2_text" refType="t" refFor="ch" refForName="FourNodes_2"/>
+          <dgm:constr type="b" for="ch" forName="FourNodes_2_text" refType="b" refFor="ch" refForName="FourNodes_2"/>
+          <dgm:constr type="r" for="ch" forName="FourNodes_2_text" refType="r" refFor="ch" refForName="FourNodes_2"/>
+          <dgm:constr type="l" for="ch" forName="FourNodes_3_text" refType="r" refFor="ch" refForName="FourConn_2-3"/>
+          <dgm:constr type="t" for="ch" forName="FourNodes_3_text" refType="t" refFor="ch" refForName="FourNodes_3"/>
+          <dgm:constr type="b" for="ch" forName="FourNodes_3_text" refType="b" refFor="ch" refForName="FourNodes_3"/>
+          <dgm:constr type="r" for="ch" forName="FourNodes_3_text" refType="r" refFor="ch" refForName="FourNodes_3"/>
+          <dgm:constr type="l" for="ch" forName="FourNodes_4_text" refType="r" refFor="ch" refForName="FourConn_3-4"/>
+          <dgm:constr type="t" for="ch" forName="FourNodes_4_text" refType="t" refFor="ch" refForName="FourNodes_4"/>
+          <dgm:constr type="b" for="ch" forName="FourNodes_4_text" refType="b" refFor="ch" refForName="FourNodes_4"/>
+          <dgm:constr type="r" for="ch" forName="FourNodes_4_text" refType="r" refFor="ch" refForName="FourNodes_4"/>
+          <dgm:constr type="w" for="ch" forName="FiveNodes_1" refType="w" fact="0.77"/>
+          <dgm:constr type="h" for="ch" forName="FiveNodes_1" refType="h" fact="0.18"/>
+          <dgm:constr type="t" for="ch" forName="FiveNodes_1"/>
+          <dgm:constr type="r" for="ch" forName="FiveNodes_1" refType="w"/>
+          <dgm:constr type="w" for="ch" forName="FiveNodes_2" refType="w" fact="0.77"/>
+          <dgm:constr type="h" for="ch" forName="FiveNodes_2" refType="h" fact="0.18"/>
+          <dgm:constr type="ctrY" for="ch" forName="FiveNodes_2" refType="h" fact="0.295"/>
+          <dgm:constr type="ctrX" for="ch" forName="FiveNodes_2" refType="w" fact="0.5575"/>
+          <dgm:constr type="w" for="ch" forName="FiveNodes_3" refType="w" fact="0.77"/>
+          <dgm:constr type="h" for="ch" forName="FiveNodes_3" refType="h" fact="0.18"/>
+          <dgm:constr type="ctrY" for="ch" forName="FiveNodes_3" refType="h" fact="0.5"/>
+          <dgm:constr type="ctrX" for="ch" forName="FiveNodes_3" refType="w" fact="0.5"/>
+          <dgm:constr type="w" for="ch" forName="FiveNodes_4" refType="w" fact="0.77"/>
+          <dgm:constr type="h" for="ch" forName="FiveNodes_4" refType="h" fact="0.18"/>
+          <dgm:constr type="ctrY" for="ch" forName="FiveNodes_4" refType="h" fact="0.705"/>
+          <dgm:constr type="ctrX" for="ch" forName="FiveNodes_4" refType="w" fact="0.4425"/>
+          <dgm:constr type="w" for="ch" forName="FiveNodes_5" refType="w" fact="0.77"/>
+          <dgm:constr type="h" for="ch" forName="FiveNodes_5" refType="h" fact="0.18"/>
+          <dgm:constr type="b" for="ch" forName="FiveNodes_5" refType="h"/>
+          <dgm:constr type="l" for="ch" forName="FiveNodes_5"/>
+          <dgm:constr type="w" for="ch" forName="FiveConn_1-2" refType="h" refFor="ch" refForName="FiveNodes_1" fact="0.65"/>
+          <dgm:constr type="h" for="ch" forName="FiveConn_1-2" refType="h" refFor="ch" refForName="FiveNodes_1" fact="0.65"/>
+          <dgm:constr type="ctrY" for="ch" forName="FiveConn_1-2" refType="h" fact="0.19"/>
+          <dgm:constr type="l" for="ch" forName="FiveConn_1-2" refType="l" refFor="ch" refForName="FiveNodes_1"/>
+          <dgm:constr type="w" for="ch" forName="FiveConn_2-3" refType="h" refFor="ch" refForName="FiveNodes_2" fact="0.65"/>
+          <dgm:constr type="h" for="ch" forName="FiveConn_2-3" refType="h" refFor="ch" refForName="FiveNodes_2" fact="0.65"/>
+          <dgm:constr type="ctrY" for="ch" forName="FiveConn_2-3" refType="h" fact="0.395"/>
+          <dgm:constr type="l" for="ch" forName="FiveConn_2-3" refType="l" refFor="ch" refForName="FiveNodes_2"/>
+          <dgm:constr type="w" for="ch" forName="FiveConn_3-4" refType="h" refFor="ch" refForName="FiveNodes_3" fact="0.65"/>
+          <dgm:constr type="h" for="ch" forName="FiveConn_3-4" refType="h" refFor="ch" refForName="FiveNodes_3" fact="0.65"/>
+          <dgm:constr type="ctrY" for="ch" forName="FiveConn_3-4" refType="h" fact="0.597"/>
+          <dgm:constr type="l" for="ch" forName="FiveConn_3-4" refType="l" refFor="ch" refForName="FiveNodes_3"/>
+          <dgm:constr type="w" for="ch" forName="FiveConn_4-5" refType="h" refFor="ch" refForName="FiveNodes_4" fact="0.65"/>
+          <dgm:constr type="h" for="ch" forName="FiveConn_4-5" refType="h" refFor="ch" refForName="FiveNodes_4" fact="0.65"/>
+          <dgm:constr type="ctrY" for="ch" forName="FiveConn_4-5" refType="h" fact="0.804"/>
+          <dgm:constr type="l" for="ch" forName="FiveConn_4-5" refType="l" refFor="ch" refForName="FiveNodes_4"/>
+          <dgm:constr type="l" for="ch" forName="FiveNodes_1_text" refType="r" refFor="ch" refForName="FiveConn_1-2"/>
+          <dgm:constr type="lOff" for="ch" forName="FiveNodes_1_text" refType="w" refFor="ch" refForName="FiveConn_1-2" fact="0.73"/>
+          <dgm:constr type="t" for="ch" forName="FiveNodes_1_text" refType="t" refFor="ch" refForName="FiveNodes_1"/>
+          <dgm:constr type="b" for="ch" forName="FiveNodes_1_text" refType="b" refFor="ch" refForName="FiveNodes_1"/>
+          <dgm:constr type="r" for="ch" forName="FiveNodes_1_text" refType="r" refFor="ch" refForName="FiveNodes_1"/>
+          <dgm:constr type="l" for="ch" forName="FiveNodes_2_text" refType="r" refFor="ch" refForName="FiveConn_1-2"/>
+          <dgm:constr type="t" for="ch" forName="FiveNodes_2_text" refType="t" refFor="ch" refForName="FiveNodes_2"/>
+          <dgm:constr type="b" for="ch" forName="FiveNodes_2_text" refType="b" refFor="ch" refForName="FiveNodes_2"/>
+          <dgm:constr type="r" for="ch" forName="FiveNodes_2_text" refType="r" refFor="ch" refForName="FiveNodes_2"/>
+          <dgm:constr type="l" for="ch" forName="FiveNodes_3_text" refType="r" refFor="ch" refForName="FiveConn_2-3"/>
+          <dgm:constr type="t" for="ch" forName="FiveNodes_3_text" refType="t" refFor="ch" refForName="FiveNodes_3"/>
+          <dgm:constr type="b" for="ch" forName="FiveNodes_3_text" refType="b" refFor="ch" refForName="FiveNodes_3"/>
+          <dgm:constr type="r" for="ch" forName="FiveNodes_3_text" refType="r" refFor="ch" refForName="FiveNodes_3"/>
+          <dgm:constr type="l" for="ch" forName="FiveNodes_4_text" refType="r" refFor="ch" refForName="FiveConn_3-4"/>
+          <dgm:constr type="t" for="ch" forName="FiveNodes_4_text" refType="t" refFor="ch" refForName="FiveNodes_4"/>
+          <dgm:constr type="b" for="ch" forName="FiveNodes_4_text" refType="b" refFor="ch" refForName="FiveNodes_4"/>
+          <dgm:constr type="r" for="ch" forName="FiveNodes_4_text" refType="r" refFor="ch" refForName="FiveNodes_4"/>
+          <dgm:constr type="l" for="ch" forName="FiveNodes_5_text" refType="r" refFor="ch" refForName="FiveConn_4-5"/>
+          <dgm:constr type="t" for="ch" forName="FiveNodes_5_text" refType="t" refFor="ch" refForName="FiveNodes_5"/>
+          <dgm:constr type="b" for="ch" forName="FiveNodes_5_text" refType="b" refFor="ch" refForName="FiveNodes_5"/>
+          <dgm:constr type="r" for="ch" forName="FiveNodes_5_text" refType="r" refFor="ch" refForName="FiveNodes_5"/>
+        </dgm:constrLst>
+      </dgm:else>
+    </dgm:choose>
+    <dgm:ruleLst/>
+    <dgm:layoutNode name="dummyMaxCanvas">
+      <dgm:varLst/>
+      <dgm:alg type="sp"/>
+      <dgm:shape xmlns:r="http://schemas.openxmlformats.org/officeDocument/2006/relationships" r:blip="">
+        <dgm:adjLst/>
+      </dgm:shape>
+      <dgm:presOf/>
+      <dgm:constrLst/>
+      <dgm:ruleLst/>
+    </dgm:layoutNode>
+    <dgm:choose name="Name3">
+      <dgm:if name="Name4" axis="ch" ptType="node" func="cnt" op="equ" val="1">
+        <dgm:layoutNode name="OneNode_1">
+          <dgm:varLst>
+            <dgm:bulletEnabled val="1"/>
+          </dgm:varLst>
+          <dgm:alg type="tx"/>
+          <dgm:shape xmlns:r="http://schemas.openxmlformats.org/officeDocument/2006/relationships" type="roundRect" r:blip="">
+            <dgm:adjLst>
+              <dgm:adj idx="1" val="0.1"/>
+            </dgm:adjLst>
+          </dgm:shape>
+          <dgm:presOf axis="ch desOrSelf" ptType="node node" st="1 1" cnt="1 0"/>
+          <dgm:constrLst>
+            <dgm:constr type="lMarg" refType="primFontSz" fact="0.3"/>
+            <dgm:constr type="rMarg" refType="primFontSz" fact="0.3"/>
+            <dgm:constr type="tMarg" refType="primFontSz" fact="0.3"/>
+            <dgm:constr type="bMarg" refType="primFontSz" fact="0.3"/>
+          </dgm:constrLst>
+          <dgm:ruleLst>
+            <dgm:rule type="primFontSz" val="5" fact="NaN" max="NaN"/>
+          </dgm:ruleLst>
+        </dgm:layoutNode>
+      </dgm:if>
+      <dgm:else name="Name5">
+        <dgm:choose name="Name6">
+          <dgm:if name="Name7" axis="ch" ptType="node" func="cnt" op="equ" val="2">
+            <dgm:layoutNode name="TwoNodes_1">
+              <dgm:varLst>
+                <dgm:bulletEnabled val="1"/>
+              </dgm:varLst>
+              <dgm:alg type="sp"/>
+              <dgm:shape xmlns:r="http://schemas.openxmlformats.org/officeDocument/2006/relationships" type="roundRect" r:blip="">
+                <dgm:adjLst>
+                  <dgm:adj idx="1" val="0.1"/>
+                </dgm:adjLst>
+              </dgm:shape>
+              <dgm:presOf axis="ch desOrSelf" ptType="node node" st="1 1" cnt="1 0"/>
+              <dgm:constrLst/>
+              <dgm:ruleLst/>
+            </dgm:layoutNode>
+            <dgm:layoutNode name="TwoNodes_2">
+              <dgm:varLst>
+                <dgm:bulletEnabled val="1"/>
+              </dgm:varLst>
+              <dgm:alg type="sp"/>
+              <dgm:shape xmlns:r="http://schemas.openxmlformats.org/officeDocument/2006/relationships" type="roundRect" r:blip="">
+                <dgm:adjLst>
+                  <dgm:adj idx="1" val="0.1"/>
+                </dgm:adjLst>
+              </dgm:shape>
+              <dgm:presOf axis="ch desOrSelf" ptType="node node" st="2 1" cnt="1 0"/>
+              <dgm:constrLst/>
+              <dgm:ruleLst/>
+            </dgm:layoutNode>
+            <dgm:layoutNode name="TwoConn_1-2" styleLbl="fgAccFollowNode1">
+              <dgm:varLst>
+                <dgm:bulletEnabled val="1"/>
+              </dgm:varLst>
+              <dgm:alg type="tx"/>
+              <dgm:shape xmlns:r="http://schemas.openxmlformats.org/officeDocument/2006/relationships" type="downArrow" r:blip="">
+                <dgm:adjLst>
+                  <dgm:adj idx="1" val="0.55"/>
+                  <dgm:adj idx="2" val="0.45"/>
+                </dgm:adjLst>
+              </dgm:shape>
+              <dgm:presOf axis="ch" ptType="sibTrans" cnt="1"/>
+              <dgm:constrLst>
+                <dgm:constr type="lMarg" refType="primFontSz" fact="0.1"/>
+                <dgm:constr type="rMarg" refType="primFontSz" fact="0.1"/>
+                <dgm:constr type="tMarg" refType="primFontSz" fact="0.1"/>
+                <dgm:constr type="bMarg" refType="primFontSz" fact="0.1"/>
+              </dgm:constrLst>
+              <dgm:ruleLst>
+                <dgm:rule type="primFontSz" val="5" fact="NaN" max="NaN"/>
+              </dgm:ruleLst>
+            </dgm:layoutNode>
+            <dgm:layoutNode name="TwoNodes_1_text">
+              <dgm:varLst>
+                <dgm:bulletEnabled val="1"/>
+              </dgm:varLst>
+              <dgm:alg type="tx">
+                <dgm:param type="parTxLTRAlign" val="l"/>
+                <dgm:param type="txAnchorVertCh" val="mid"/>
+              </dgm:alg>
+              <dgm:shape xmlns:r="http://schemas.openxmlformats.org/officeDocument/2006/relationships" type="roundRect" r:blip="" hideGeom="1">
+                <dgm:adjLst>
+                  <dgm:adj idx="1" val="0.1"/>
+                </dgm:adjLst>
+              </dgm:shape>
+              <dgm:presOf axis="ch desOrSelf" ptType="node node" st="1 1" cnt="1 0"/>
+              <dgm:constrLst>
+                <dgm:constr type="lMarg" refType="primFontSz" fact="0.3"/>
+                <dgm:constr type="rMarg" refType="primFontSz" fact="0.3"/>
+                <dgm:constr type="tMarg" refType="primFontSz" fact="0.3"/>
+                <dgm:constr type="bMarg" refType="primFontSz" fact="0.3"/>
+              </dgm:constrLst>
+              <dgm:ruleLst>
+                <dgm:rule type="primFontSz" val="5" fact="NaN" max="NaN"/>
+              </dgm:ruleLst>
+            </dgm:layoutNode>
+            <dgm:layoutNode name="TwoNodes_2_text">
+              <dgm:varLst>
+                <dgm:bulletEnabled val="1"/>
+              </dgm:varLst>
+              <dgm:alg type="tx">
+                <dgm:param type="parTxLTRAlign" val="l"/>
+                <dgm:param type="txAnchorVertCh" val="mid"/>
+              </dgm:alg>
+              <dgm:shape xmlns:r="http://schemas.openxmlformats.org/officeDocument/2006/relationships" type="roundRect" r:blip="" hideGeom="1">
+                <dgm:adjLst>
+                  <dgm:adj idx="1" val="0.1"/>
+                </dgm:adjLst>
+              </dgm:shape>
+              <dgm:presOf axis="ch desOrSelf" ptType="node node" st="2 1" cnt="1 0"/>
+              <dgm:constrLst>
+                <dgm:constr type="lMarg" refType="primFontSz" fact="0.3"/>
+                <dgm:constr type="rMarg" refType="primFontSz" fact="0.3"/>
+                <dgm:constr type="tMarg" refType="primFontSz" fact="0.3"/>
+                <dgm:constr type="bMarg" refType="primFontSz" fact="0.3"/>
+              </dgm:constrLst>
+              <dgm:ruleLst>
+                <dgm:rule type="primFontSz" val="5" fact="NaN" max="NaN"/>
+              </dgm:ruleLst>
+            </dgm:layoutNode>
+          </dgm:if>
+          <dgm:else name="Name8">
+            <dgm:choose name="Name9">
+              <dgm:if name="Name10" axis="ch" ptType="node" func="cnt" op="equ" val="3">
+                <dgm:layoutNode name="ThreeNodes_1">
+                  <dgm:varLst>
+                    <dgm:bulletEnabled val="1"/>
+                  </dgm:varLst>
+                  <dgm:alg type="sp"/>
+                  <dgm:shape xmlns:r="http://schemas.openxmlformats.org/officeDocument/2006/relationships" type="roundRect" r:blip="">
+                    <dgm:adjLst>
+                      <dgm:adj idx="1" val="0.1"/>
+                    </dgm:adjLst>
+                  </dgm:shape>
+                  <dgm:presOf axis="ch desOrSelf" ptType="node node" st="1 1" cnt="1 0"/>
+                  <dgm:constrLst/>
+                  <dgm:ruleLst/>
+                </dgm:layoutNode>
+                <dgm:layoutNode name="ThreeNodes_2">
+                  <dgm:varLst>
+                    <dgm:bulletEnabled val="1"/>
+                  </dgm:varLst>
+                  <dgm:alg type="sp"/>
+                  <dgm:shape xmlns:r="http://schemas.openxmlformats.org/officeDocument/2006/relationships" type="roundRect" r:blip="">
+                    <dgm:adjLst>
+                      <dgm:adj idx="1" val="0.1"/>
+                    </dgm:adjLst>
+                  </dgm:shape>
+                  <dgm:presOf axis="ch desOrSelf" ptType="node node" st="2 1" cnt="1 0"/>
+                  <dgm:constrLst/>
+                  <dgm:ruleLst/>
+                </dgm:layoutNode>
+                <dgm:layoutNode name="ThreeNodes_3">
+                  <dgm:varLst>
+                    <dgm:bulletEnabled val="1"/>
+                  </dgm:varLst>
+                  <dgm:alg type="sp"/>
+                  <dgm:shape xmlns:r="http://schemas.openxmlformats.org/officeDocument/2006/relationships" type="roundRect" r:blip="">
+                    <dgm:adjLst>
+                      <dgm:adj idx="1" val="0.1"/>
+                    </dgm:adjLst>
+                  </dgm:shape>
+                  <dgm:presOf axis="ch desOrSelf" ptType="node node" st="3 1" cnt="1 0"/>
+                  <dgm:constrLst/>
+                  <dgm:ruleLst/>
+                </dgm:layoutNode>
+                <dgm:layoutNode name="ThreeConn_1-2" styleLbl="fgAccFollowNode1">
+                  <dgm:varLst>
+                    <dgm:bulletEnabled val="1"/>
+                  </dgm:varLst>
+                  <dgm:alg type="tx"/>
+                  <dgm:shape xmlns:r="http://schemas.openxmlformats.org/officeDocument/2006/relationships" type="downArrow" r:blip="">
+                    <dgm:adjLst>
+                      <dgm:adj idx="1" val="0.55"/>
+                      <dgm:adj idx="2" val="0.45"/>
+                    </dgm:adjLst>
+                  </dgm:shape>
+                  <dgm:presOf axis="ch" ptType="sibTrans" cnt="1"/>
+                  <dgm:constrLst>
+                    <dgm:constr type="lMarg" refType="primFontSz" fact="0.1"/>
+                    <dgm:constr type="rMarg" refType="primFontSz" fact="0.1"/>
+                    <dgm:constr type="tMarg" refType="primFontSz" fact="0.1"/>
+                    <dgm:constr type="bMarg" refType="primFontSz" fact="0.1"/>
+                  </dgm:constrLst>
+                  <dgm:ruleLst>
+                    <dgm:rule type="primFontSz" val="5" fact="NaN" max="NaN"/>
+                  </dgm:ruleLst>
+                </dgm:layoutNode>
+                <dgm:layoutNode name="ThreeConn_2-3" styleLbl="fgAccFollowNode1">
+                  <dgm:varLst>
+                    <dgm:bulletEnabled val="1"/>
+                  </dgm:varLst>
+                  <dgm:alg type="tx"/>
+                  <dgm:shape xmlns:r="http://schemas.openxmlformats.org/officeDocument/2006/relationships" type="downArrow" r:blip="">
+                    <dgm:adjLst>
+                      <dgm:adj idx="1" val="0.55"/>
+                      <dgm:adj idx="2" val="0.45"/>
+                    </dgm:adjLst>
+                  </dgm:shape>
+                  <dgm:presOf axis="ch" ptType="sibTrans" st="2" cnt="1"/>
+                  <dgm:constrLst>
+                    <dgm:constr type="lMarg" refType="primFontSz" fact="0.1"/>
+                    <dgm:constr type="rMarg" refType="primFontSz" fact="0.1"/>
+                    <dgm:constr type="tMarg" refType="primFontSz" fact="0.1"/>
+                    <dgm:constr type="bMarg" refType="primFontSz" fact="0.1"/>
+                  </dgm:constrLst>
+                  <dgm:ruleLst>
+                    <dgm:rule type="primFontSz" val="5" fact="NaN" max="NaN"/>
+                  </dgm:ruleLst>
+                </dgm:layoutNode>
+                <dgm:layoutNode name="ThreeNodes_1_text">
+                  <dgm:varLst>
+                    <dgm:bulletEnabled val="1"/>
+                  </dgm:varLst>
+                  <dgm:alg type="tx">
+                    <dgm:param type="parTxLTRAlign" val="l"/>
+                    <dgm:param type="txAnchorVertCh" val="mid"/>
+                  </dgm:alg>
+                  <dgm:shape xmlns:r="http://schemas.openxmlformats.org/officeDocument/2006/relationships" type="roundRect" r:blip="" hideGeom="1">
+                    <dgm:adjLst>
+                      <dgm:adj idx="1" val="0.1"/>
+                    </dgm:adjLst>
+                  </dgm:shape>
+                  <dgm:presOf axis="ch desOrSelf" ptType="node node" st="1 1" cnt="1 0"/>
+                  <dgm:constrLst>
+                    <dgm:constr type="lMarg" refType="primFontSz" fact="0.3"/>
+                    <dgm:constr type="rMarg" refType="primFontSz" fact="0.3"/>
+                    <dgm:constr type="tMarg" refType="primFontSz" fact="0.3"/>
+                    <dgm:constr type="bMarg" refType="primFontSz" fact="0.3"/>
+                  </dgm:constrLst>
+                  <dgm:ruleLst>
+                    <dgm:rule type="primFontSz" val="5" fact="NaN" max="NaN"/>
+                  </dgm:ruleLst>
+                </dgm:layoutNode>
+                <dgm:layoutNode name="ThreeNodes_2_text">
+                  <dgm:varLst>
+                    <dgm:bulletEnabled val="1"/>
+                  </dgm:varLst>
+                  <dgm:alg type="tx">
+                    <dgm:param type="parTxLTRAlign" val="l"/>
+                    <dgm:param type="txAnchorVertCh" val="mid"/>
+                  </dgm:alg>
+                  <dgm:shape xmlns:r="http://schemas.openxmlformats.org/officeDocument/2006/relationships" type="roundRect" r:blip="" hideGeom="1">
+                    <dgm:adjLst>
+                      <dgm:adj idx="1" val="0.1"/>
+                    </dgm:adjLst>
+                  </dgm:shape>
+                  <dgm:presOf axis="ch desOrSelf" ptType="node node" st="2 1" cnt="1 0"/>
+                  <dgm:constrLst>
+                    <dgm:constr type="lMarg" refType="primFontSz" fact="0.3"/>
+                    <dgm:constr type="rMarg" refType="primFontSz" fact="0.3"/>
+                    <dgm:constr type="tMarg" refType="primFontSz" fact="0.3"/>
+                    <dgm:constr type="bMarg" refType="primFontSz" fact="0.3"/>
+                  </dgm:constrLst>
+                  <dgm:ruleLst>
+                    <dgm:rule type="primFontSz" val="5" fact="NaN" max="NaN"/>
+                  </dgm:ruleLst>
+                </dgm:layoutNode>
+                <dgm:layoutNode name="ThreeNodes_3_text">
+                  <dgm:varLst>
+                    <dgm:bulletEnabled val="1"/>
+                  </dgm:varLst>
+                  <dgm:alg type="tx">
+                    <dgm:param type="parTxLTRAlign" val="l"/>
+                    <dgm:param type="txAnchorVertCh" val="mid"/>
+                  </dgm:alg>
+                  <dgm:shape xmlns:r="http://schemas.openxmlformats.org/officeDocument/2006/relationships" type="roundRect" r:blip="" hideGeom="1">
+                    <dgm:adjLst>
+                      <dgm:adj idx="1" val="0.1"/>
+                    </dgm:adjLst>
+                  </dgm:shape>
+                  <dgm:presOf axis="ch desOrSelf" ptType="node node" st="3 1" cnt="1 0"/>
+                  <dgm:constrLst>
+                    <dgm:constr type="lMarg" refType="primFontSz" fact="0.3"/>
+                    <dgm:constr type="rMarg" refType="primFontSz" fact="0.3"/>
+                    <dgm:constr type="tMarg" refType="primFontSz" fact="0.3"/>
+                    <dgm:constr type="bMarg" refType="primFontSz" fact="0.3"/>
+                  </dgm:constrLst>
+                  <dgm:ruleLst>
+                    <dgm:rule type="primFontSz" val="5" fact="NaN" max="NaN"/>
+                  </dgm:ruleLst>
+                </dgm:layoutNode>
+              </dgm:if>
+              <dgm:else name="Name11">
+                <dgm:choose name="Name12">
+                  <dgm:if name="Name13" axis="ch" ptType="node" func="cnt" op="equ" val="4">
+                    <dgm:layoutNode name="FourNodes_1">
+                      <dgm:varLst>
+                        <dgm:bulletEnabled val="1"/>
+                      </dgm:varLst>
+                      <dgm:alg type="sp"/>
+                      <dgm:shape xmlns:r="http://schemas.openxmlformats.org/officeDocument/2006/relationships" type="roundRect" r:blip="">
+                        <dgm:adjLst>
+                          <dgm:adj idx="1" val="0.1"/>
+                        </dgm:adjLst>
+                      </dgm:shape>
+                      <dgm:presOf axis="ch desOrSelf" ptType="node node" st="1 1" cnt="1 0"/>
+                      <dgm:constrLst/>
+                      <dgm:ruleLst/>
+                    </dgm:layoutNode>
+                    <dgm:layoutNode name="FourNodes_2">
+                      <dgm:varLst>
+                        <dgm:bulletEnabled val="1"/>
+                      </dgm:varLst>
+                      <dgm:alg type="sp"/>
+                      <dgm:shape xmlns:r="http://schemas.openxmlformats.org/officeDocument/2006/relationships" type="roundRect" r:blip="">
+                        <dgm:adjLst>
+                          <dgm:adj idx="1" val="0.1"/>
+                        </dgm:adjLst>
+                      </dgm:shape>
+                      <dgm:presOf axis="ch desOrSelf" ptType="node node" st="2 1" cnt="1 0"/>
+                      <dgm:constrLst/>
+                      <dgm:ruleLst/>
+                    </dgm:layoutNode>
+                    <dgm:layoutNode name="FourNodes_3">
+                      <dgm:varLst>
+                        <dgm:bulletEnabled val="1"/>
+                      </dgm:varLst>
+                      <dgm:alg type="sp"/>
+                      <dgm:shape xmlns:r="http://schemas.openxmlformats.org/officeDocument/2006/relationships" type="roundRect" r:blip="">
+                        <dgm:adjLst>
+                          <dgm:adj idx="1" val="0.1"/>
+                        </dgm:adjLst>
+                      </dgm:shape>
+                      <dgm:presOf axis="ch desOrSelf" ptType="node node" st="3 1" cnt="1 0"/>
+                      <dgm:constrLst/>
+                      <dgm:ruleLst/>
+                    </dgm:layoutNode>
+                    <dgm:layoutNode name="FourNodes_4">
+                      <dgm:varLst>
+                        <dgm:bulletEnabled val="1"/>
+                      </dgm:varLst>
+                      <dgm:alg type="sp"/>
+                      <dgm:shape xmlns:r="http://schemas.openxmlformats.org/officeDocument/2006/relationships" type="roundRect" r:blip="">
+                        <dgm:adjLst>
+                          <dgm:adj idx="1" val="0.1"/>
+                        </dgm:adjLst>
+                      </dgm:shape>
+                      <dgm:presOf axis="ch desOrSelf" ptType="node node" st="4 1" cnt="1 0"/>
+                      <dgm:constrLst/>
+                      <dgm:ruleLst/>
+                    </dgm:layoutNode>
+                    <dgm:layoutNode name="FourConn_1-2" styleLbl="fgAccFollowNode1">
+                      <dgm:varLst>
+                        <dgm:bulletEnabled val="1"/>
+                      </dgm:varLst>
+                      <dgm:alg type="tx"/>
+                      <dgm:shape xmlns:r="http://schemas.openxmlformats.org/officeDocument/2006/relationships" type="downArrow" r:blip="">
+                        <dgm:adjLst>
+                          <dgm:adj idx="1" val="0.55"/>
+                          <dgm:adj idx="2" val="0.45"/>
+                        </dgm:adjLst>
+                      </dgm:shape>
+                      <dgm:presOf axis="ch" ptType="sibTrans" cnt="1"/>
+                      <dgm:constrLst>
+                        <dgm:constr type="lMarg" refType="primFontSz" fact="0.1"/>
+                        <dgm:constr type="rMarg" refType="primFontSz" fact="0.1"/>
+                        <dgm:constr type="tMarg" refType="primFontSz" fact="0.1"/>
+                        <dgm:constr type="bMarg" refType="primFontSz" fact="0.1"/>
+                      </dgm:constrLst>
+                      <dgm:ruleLst>
+                        <dgm:rule type="primFontSz" val="5" fact="NaN" max="NaN"/>
+                      </dgm:ruleLst>
+                    </dgm:layoutNode>
+                    <dgm:layoutNode name="FourConn_2-3" styleLbl="fgAccFollowNode1">
+                      <dgm:varLst>
+                        <dgm:bulletEnabled val="1"/>
+                      </dgm:varLst>
+                      <dgm:alg type="tx"/>
+                      <dgm:shape xmlns:r="http://schemas.openxmlformats.org/officeDocument/2006/relationships" type="downArrow" r:blip="">
+                        <dgm:adjLst>
+                          <dgm:adj idx="1" val="0.55"/>
+                          <dgm:adj idx="2" val="0.45"/>
+                        </dgm:adjLst>
+                      </dgm:shape>
+                      <dgm:presOf axis="ch" ptType="sibTrans" st="2" cnt="1"/>
+                      <dgm:constrLst>
+                        <dgm:constr type="lMarg" refType="primFontSz" fact="0.1"/>
+                        <dgm:constr type="rMarg" refType="primFontSz" fact="0.1"/>
+                        <dgm:constr type="tMarg" refType="primFontSz" fact="0.1"/>
+                        <dgm:constr type="bMarg" refType="primFontSz" fact="0.1"/>
+                      </dgm:constrLst>
+                      <dgm:ruleLst>
+                        <dgm:rule type="primFontSz" val="5" fact="NaN" max="NaN"/>
+                      </dgm:ruleLst>
+                    </dgm:layoutNode>
+                    <dgm:layoutNode name="FourConn_3-4" styleLbl="fgAccFollowNode1">
+                      <dgm:varLst>
+                        <dgm:bulletEnabled val="1"/>
+                      </dgm:varLst>
+                      <dgm:alg type="tx"/>
+                      <dgm:shape xmlns:r="http://schemas.openxmlformats.org/officeDocument/2006/relationships" type="downArrow" r:blip="">
+                        <dgm:adjLst>
+                          <dgm:adj idx="1" val="0.55"/>
+                          <dgm:adj idx="2" val="0.45"/>
+                        </dgm:adjLst>
+                      </dgm:shape>
+                      <dgm:presOf axis="ch" ptType="sibTrans" st="3" cnt="1"/>
+                      <dgm:constrLst>
+                        <dgm:constr type="lMarg" refType="primFontSz" fact="0.1"/>
+                        <dgm:constr type="rMarg" refType="primFontSz" fact="0.1"/>
+                        <dgm:constr type="tMarg" refType="primFontSz" fact="0.1"/>
+                        <dgm:constr type="bMarg" refType="primFontSz" fact="0.1"/>
+                      </dgm:constrLst>
+                      <dgm:ruleLst>
+                        <dgm:rule type="primFontSz" val="5" fact="NaN" max="NaN"/>
+                      </dgm:ruleLst>
+                    </dgm:layoutNode>
+                    <dgm:layoutNode name="FourNodes_1_text">
+                      <dgm:varLst>
+                        <dgm:bulletEnabled val="1"/>
+                      </dgm:varLst>
+                      <dgm:alg type="tx">
+                        <dgm:param type="parTxLTRAlign" val="l"/>
+                        <dgm:param type="txAnchorVertCh" val="mid"/>
+                      </dgm:alg>
+                      <dgm:shape xmlns:r="http://schemas.openxmlformats.org/officeDocument/2006/relationships" type="roundRect" r:blip="" hideGeom="1">
+                        <dgm:adjLst>
+                          <dgm:adj idx="1" val="0.1"/>
+                        </dgm:adjLst>
+                      </dgm:shape>
+                      <dgm:presOf axis="ch desOrSelf" ptType="node node" st="1 1" cnt="1 0"/>
+                      <dgm:constrLst>
+                        <dgm:constr type="lMarg" refType="primFontSz" fact="0.3"/>
+                        <dgm:constr type="rMarg" refType="primFontSz" fact="0.3"/>
+                        <dgm:constr type="tMarg" refType="primFontSz" fact="0.3"/>
+                        <dgm:constr type="bMarg" refType="primFontSz" fact="0.3"/>
+                      </dgm:constrLst>
+                      <dgm:ruleLst>
+                        <dgm:rule type="primFontSz" val="5" fact="NaN" max="NaN"/>
+                      </dgm:ruleLst>
+                    </dgm:layoutNode>
+                    <dgm:layoutNode name="FourNodes_2_text">
+                      <dgm:varLst>
+                        <dgm:bulletEnabled val="1"/>
+                      </dgm:varLst>
+                      <dgm:alg type="tx">
+                        <dgm:param type="parTxLTRAlign" val="l"/>
+                        <dgm:param type="txAnchorVertCh" val="mid"/>
+                      </dgm:alg>
+                      <dgm:shape xmlns:r="http://schemas.openxmlformats.org/officeDocument/2006/relationships" type="roundRect" r:blip="" hideGeom="1">
+                        <dgm:adjLst>
+                          <dgm:adj idx="1" val="0.1"/>
+                        </dgm:adjLst>
+                      </dgm:shape>
+                      <dgm:presOf axis="ch desOrSelf" ptType="node node" st="2 1" cnt="1 0"/>
+                      <dgm:constrLst>
+                        <dgm:constr type="lMarg" refType="primFontSz" fact="0.3"/>
+                        <dgm:constr type="rMarg" refType="primFontSz" fact="0.3"/>
+                        <dgm:constr type="tMarg" refType="primFontSz" fact="0.3"/>
+                        <dgm:constr type="bMarg" refType="primFontSz" fact="0.3"/>
+                      </dgm:constrLst>
+                      <dgm:ruleLst>
+                        <dgm:rule type="primFontSz" val="5" fact="NaN" max="NaN"/>
+                      </dgm:ruleLst>
+                    </dgm:layoutNode>
+                    <dgm:layoutNode name="FourNodes_3_text">
+                      <dgm:varLst>
+                        <dgm:bulletEnabled val="1"/>
+                      </dgm:varLst>
+                      <dgm:alg type="tx">
+                        <dgm:param type="parTxLTRAlign" val="l"/>
+                        <dgm:param type="txAnchorVertCh" val="mid"/>
+                      </dgm:alg>
+                      <dgm:shape xmlns:r="http://schemas.openxmlformats.org/officeDocument/2006/relationships" type="roundRect" r:blip="" hideGeom="1">
+                        <dgm:adjLst>
+                          <dgm:adj idx="1" val="0.1"/>
+                        </dgm:adjLst>
+                      </dgm:shape>
+                      <dgm:presOf axis="ch desOrSelf" ptType="node node" st="3 1" cnt="1 0"/>
+                      <dgm:constrLst>
+                        <dgm:constr type="lMarg" refType="primFontSz" fact="0.3"/>
+                        <dgm:constr type="rMarg" refType="primFontSz" fact="0.3"/>
+                        <dgm:constr type="tMarg" refType="primFontSz" fact="0.3"/>
+                        <dgm:constr type="bMarg" refType="primFontSz" fact="0.3"/>
+                      </dgm:constrLst>
+                      <dgm:ruleLst>
+                        <dgm:rule type="primFontSz" val="5" fact="NaN" max="NaN"/>
+                      </dgm:ruleLst>
+                    </dgm:layoutNode>
+                    <dgm:layoutNode name="FourNodes_4_text">
+                      <dgm:varLst>
+                        <dgm:bulletEnabled val="1"/>
+                      </dgm:varLst>
+                      <dgm:alg type="tx">
+                        <dgm:param type="parTxLTRAlign" val="l"/>
+                        <dgm:param type="txAnchorVertCh" val="mid"/>
+                      </dgm:alg>
+                      <dgm:shape xmlns:r="http://schemas.openxmlformats.org/officeDocument/2006/relationships" type="roundRect" r:blip="" hideGeom="1">
+                        <dgm:adjLst>
+                          <dgm:adj idx="1" val="0.1"/>
+                        </dgm:adjLst>
+                      </dgm:shape>
+                      <dgm:presOf axis="ch desOrSelf" ptType="node node" st="4 1" cnt="1 0"/>
+                      <dgm:constrLst>
+                        <dgm:constr type="lMarg" refType="primFontSz" fact="0.3"/>
+                        <dgm:constr type="rMarg" refType="primFontSz" fact="0.3"/>
+                        <dgm:constr type="tMarg" refType="primFontSz" fact="0.3"/>
+                        <dgm:constr type="bMarg" refType="primFontSz" fact="0.3"/>
+                      </dgm:constrLst>
+                      <dgm:ruleLst>
+                        <dgm:rule type="primFontSz" val="5" fact="NaN" max="NaN"/>
+                      </dgm:ruleLst>
+                    </dgm:layoutNode>
+                  </dgm:if>
+                  <dgm:else name="Name14">
+                    <dgm:choose name="Name15">
+                      <dgm:if name="Name16" axis="ch" ptType="node" func="cnt" op="gte" val="5">
+                        <dgm:layoutNode name="FiveNodes_1">
+                          <dgm:varLst>
+                            <dgm:bulletEnabled val="1"/>
+                          </dgm:varLst>
+                          <dgm:alg type="sp"/>
+                          <dgm:shape xmlns:r="http://schemas.openxmlformats.org/officeDocument/2006/relationships" type="roundRect" r:blip="">
+                            <dgm:adjLst>
+                              <dgm:adj idx="1" val="0.1"/>
+                            </dgm:adjLst>
+                          </dgm:shape>
+                          <dgm:presOf axis="ch desOrSelf" ptType="node node" st="1 1" cnt="1 0"/>
+                          <dgm:constrLst/>
+                          <dgm:ruleLst/>
+                        </dgm:layoutNode>
+                        <dgm:layoutNode name="FiveNodes_2">
+                          <dgm:varLst>
+                            <dgm:bulletEnabled val="1"/>
+                          </dgm:varLst>
+                          <dgm:alg type="sp"/>
+                          <dgm:shape xmlns:r="http://schemas.openxmlformats.org/officeDocument/2006/relationships" type="roundRect" r:blip="">
+                            <dgm:adjLst>
+                              <dgm:adj idx="1" val="0.1"/>
+                            </dgm:adjLst>
+                          </dgm:shape>
+                          <dgm:presOf axis="ch desOrSelf" ptType="node node" st="2 1" cnt="1 0"/>
+                          <dgm:constrLst/>
+                          <dgm:ruleLst/>
+                        </dgm:layoutNode>
+                        <dgm:layoutNode name="FiveNodes_3">
+                          <dgm:varLst>
+                            <dgm:bulletEnabled val="1"/>
+                          </dgm:varLst>
+                          <dgm:alg type="sp"/>
+                          <dgm:shape xmlns:r="http://schemas.openxmlformats.org/officeDocument/2006/relationships" type="roundRect" r:blip="">
+                            <dgm:adjLst>
+                              <dgm:adj idx="1" val="0.1"/>
+                            </dgm:adjLst>
+                          </dgm:shape>
+                          <dgm:presOf axis="ch desOrSelf" ptType="node node" st="3 1" cnt="1 0"/>
+                          <dgm:constrLst/>
+                          <dgm:ruleLst/>
+                        </dgm:layoutNode>
+                        <dgm:layoutNode name="FiveNodes_4">
+                          <dgm:varLst>
+                            <dgm:bulletEnabled val="1"/>
+                          </dgm:varLst>
+                          <dgm:alg type="sp"/>
+                          <dgm:shape xmlns:r="http://schemas.openxmlformats.org/officeDocument/2006/relationships" type="roundRect" r:blip="">
+                            <dgm:adjLst>
+                              <dgm:adj idx="1" val="0.1"/>
+                            </dgm:adjLst>
+                          </dgm:shape>
+                          <dgm:presOf axis="ch desOrSelf" ptType="node node" st="4 1" cnt="1 0"/>
+                          <dgm:constrLst/>
+                          <dgm:ruleLst/>
+                        </dgm:layoutNode>
+                        <dgm:layoutNode name="FiveNodes_5">
+                          <dgm:varLst>
+                            <dgm:bulletEnabled val="1"/>
+                          </dgm:varLst>
+                          <dgm:alg type="sp"/>
+                          <dgm:shape xmlns:r="http://schemas.openxmlformats.org/officeDocument/2006/relationships" type="roundRect" r:blip="">
+                            <dgm:adjLst>
+                              <dgm:adj idx="1" val="0.1"/>
+                            </dgm:adjLst>
+                          </dgm:shape>
+                          <dgm:presOf axis="ch desOrSelf" ptType="node node" st="5 1" cnt="1 0"/>
+                          <dgm:constrLst/>
+                          <dgm:ruleLst/>
+                        </dgm:layoutNode>
+                        <dgm:layoutNode name="FiveConn_1-2" styleLbl="fgAccFollowNode1">
+                          <dgm:varLst>
+                            <dgm:bulletEnabled val="1"/>
+                          </dgm:varLst>
+                          <dgm:alg type="tx"/>
+                          <dgm:shape xmlns:r="http://schemas.openxmlformats.org/officeDocument/2006/relationships" type="downArrow" r:blip="">
+                            <dgm:adjLst>
+                              <dgm:adj idx="1" val="0.55"/>
+                              <dgm:adj idx="2" val="0.45"/>
+                            </dgm:adjLst>
+                          </dgm:shape>
+                          <dgm:presOf axis="ch" ptType="sibTrans" cnt="1"/>
+                          <dgm:constrLst>
+                            <dgm:constr type="lMarg" refType="primFontSz" fact="0.1"/>
+                            <dgm:constr type="rMarg" refType="primFontSz" fact="0.1"/>
+                            <dgm:constr type="tMarg" refType="primFontSz" fact="0.1"/>
+                            <dgm:constr type="bMarg" refType="primFontSz" fact="0.1"/>
+                          </dgm:constrLst>
+                          <dgm:ruleLst>
+                            <dgm:rule type="primFontSz" val="5" fact="NaN" max="NaN"/>
+                          </dgm:ruleLst>
+                        </dgm:layoutNode>
+                        <dgm:layoutNode name="FiveConn_2-3" styleLbl="fgAccFollowNode1">
+                          <dgm:varLst>
+                            <dgm:bulletEnabled val="1"/>
+                          </dgm:varLst>
+                          <dgm:alg type="tx"/>
+                          <dgm:shape xmlns:r="http://schemas.openxmlformats.org/officeDocument/2006/relationships" type="downArrow" r:blip="">
+                            <dgm:adjLst>
+                              <dgm:adj idx="1" val="0.55"/>
+                              <dgm:adj idx="2" val="0.45"/>
+                            </dgm:adjLst>
+                          </dgm:shape>
+                          <dgm:presOf axis="ch" ptType="sibTrans" st="2" cnt="1"/>
+                          <dgm:constrLst>
+                            <dgm:constr type="lMarg" refType="primFontSz" fact="0.1"/>
+                            <dgm:constr type="rMarg" refType="primFontSz" fact="0.1"/>
+                            <dgm:constr type="tMarg" refType="primFontSz" fact="0.1"/>
+                            <dgm:constr type="bMarg" refType="primFontSz" fact="0.1"/>
+                          </dgm:constrLst>
+                          <dgm:ruleLst>
+                            <dgm:rule type="primFontSz" val="5" fact="NaN" max="NaN"/>
+                          </dgm:ruleLst>
+                        </dgm:layoutNode>
+                        <dgm:layoutNode name="FiveConn_3-4" styleLbl="fgAccFollowNode1">
+                          <dgm:varLst>
+                            <dgm:bulletEnabled val="1"/>
+                          </dgm:varLst>
+                          <dgm:alg type="tx"/>
+                          <dgm:shape xmlns:r="http://schemas.openxmlformats.org/officeDocument/2006/relationships" type="downArrow" r:blip="">
+                            <dgm:adjLst>
+                              <dgm:adj idx="1" val="0.55"/>
+                              <dgm:adj idx="2" val="0.45"/>
+                            </dgm:adjLst>
+                          </dgm:shape>
+                          <dgm:presOf axis="ch" ptType="sibTrans" st="3" cnt="1"/>
+                          <dgm:constrLst>
+                            <dgm:constr type="lMarg" refType="primFontSz" fact="0.1"/>
+                            <dgm:constr type="rMarg" refType="primFontSz" fact="0.1"/>
+                            <dgm:constr type="tMarg" refType="primFontSz" fact="0.1"/>
+                            <dgm:constr type="bMarg" refType="primFontSz" fact="0.1"/>
+                          </dgm:constrLst>
+                          <dgm:ruleLst>
+                            <dgm:rule type="primFontSz" val="5" fact="NaN" max="NaN"/>
+                          </dgm:ruleLst>
+                        </dgm:layoutNode>
+                        <dgm:layoutNode name="FiveConn_4-5" styleLbl="fgAccFollowNode1">
+                          <dgm:varLst>
+                            <dgm:bulletEnabled val="1"/>
+                          </dgm:varLst>
+                          <dgm:alg type="tx"/>
+                          <dgm:shape xmlns:r="http://schemas.openxmlformats.org/officeDocument/2006/relationships" type="downArrow" r:blip="">
+                            <dgm:adjLst>
+                              <dgm:adj idx="1" val="0.55"/>
+                              <dgm:adj idx="2" val="0.45"/>
+                            </dgm:adjLst>
+                          </dgm:shape>
+                          <dgm:presOf axis="ch" ptType="sibTrans" st="4" cnt="1"/>
+                          <dgm:constrLst>
+                            <dgm:constr type="lMarg" refType="primFontSz" fact="0.1"/>
+                            <dgm:constr type="rMarg" refType="primFontSz" fact="0.1"/>
+                            <dgm:constr type="tMarg" refType="primFontSz" fact="0.1"/>
+                            <dgm:constr type="bMarg" refType="primFontSz" fact="0.1"/>
+                          </dgm:constrLst>
+                          <dgm:ruleLst>
+                            <dgm:rule type="primFontSz" val="5" fact="NaN" max="NaN"/>
+                          </dgm:ruleLst>
+                        </dgm:layoutNode>
+                        <dgm:layoutNode name="FiveNodes_1_text">
+                          <dgm:varLst>
+                            <dgm:bulletEnabled val="1"/>
+                          </dgm:varLst>
+                          <dgm:alg type="tx">
+                            <dgm:param type="parTxLTRAlign" val="l"/>
+                            <dgm:param type="txAnchorVertCh" val="mid"/>
+                          </dgm:alg>
+                          <dgm:shape xmlns:r="http://schemas.openxmlformats.org/officeDocument/2006/relationships" type="roundRect" r:blip="" hideGeom="1">
+                            <dgm:adjLst>
+                              <dgm:adj idx="1" val="0.1"/>
+                            </dgm:adjLst>
+                          </dgm:shape>
+                          <dgm:presOf axis="ch desOrSelf" ptType="node node" st="1 1" cnt="1 0"/>
+                          <dgm:constrLst>
+                            <dgm:constr type="lMarg" refType="primFontSz" fact="0.3"/>
+                            <dgm:constr type="rMarg" refType="primFontSz" fact="0.3"/>
+                            <dgm:constr type="tMarg" refType="primFontSz" fact="0.3"/>
+                            <dgm:constr type="bMarg" refType="primFontSz" fact="0.3"/>
+                          </dgm:constrLst>
+                          <dgm:ruleLst>
+                            <dgm:rule type="primFontSz" val="5" fact="NaN" max="NaN"/>
+                          </dgm:ruleLst>
+                        </dgm:layoutNode>
+                        <dgm:layoutNode name="FiveNodes_2_text">
+                          <dgm:varLst>
+                            <dgm:bulletEnabled val="1"/>
+                          </dgm:varLst>
+                          <dgm:alg type="tx">
+                            <dgm:param type="parTxLTRAlign" val="l"/>
+                            <dgm:param type="txAnchorVertCh" val="mid"/>
+                          </dgm:alg>
+                          <dgm:shape xmlns:r="http://schemas.openxmlformats.org/officeDocument/2006/relationships" type="roundRect" r:blip="" hideGeom="1">
+                            <dgm:adjLst>
+                              <dgm:adj idx="1" val="0.1"/>
+                            </dgm:adjLst>
+                          </dgm:shape>
+                          <dgm:presOf axis="ch desOrSelf" ptType="node node" st="2 1" cnt="1 0"/>
+                          <dgm:constrLst>
+                            <dgm:constr type="lMarg" refType="primFontSz" fact="0.3"/>
+                            <dgm:constr type="rMarg" refType="primFontSz" fact="0.3"/>
+                            <dgm:constr type="tMarg" refType="primFontSz" fact="0.3"/>
+                            <dgm:constr type="bMarg" refType="primFontSz" fact="0.3"/>
+                          </dgm:constrLst>
+                          <dgm:ruleLst>
+                            <dgm:rule type="primFontSz" val="5" fact="NaN" max="NaN"/>
+                          </dgm:ruleLst>
+                        </dgm:layoutNode>
+                        <dgm:layoutNode name="FiveNodes_3_text">
+                          <dgm:varLst>
+                            <dgm:bulletEnabled val="1"/>
+                          </dgm:varLst>
+                          <dgm:alg type="tx">
+                            <dgm:param type="parTxLTRAlign" val="l"/>
+                            <dgm:param type="txAnchorVertCh" val="mid"/>
+                          </dgm:alg>
+                          <dgm:shape xmlns:r="http://schemas.openxmlformats.org/officeDocument/2006/relationships" type="roundRect" r:blip="" hideGeom="1">
+                            <dgm:adjLst>
+                              <dgm:adj idx="1" val="0.1"/>
+                            </dgm:adjLst>
+                          </dgm:shape>
+                          <dgm:presOf axis="ch desOrSelf" ptType="node node" st="3 1" cnt="1 0"/>
+                          <dgm:constrLst>
+                            <dgm:constr type="lMarg" refType="primFontSz" fact="0.3"/>
+                            <dgm:constr type="rMarg" refType="primFontSz" fact="0.3"/>
+                            <dgm:constr type="tMarg" refType="primFontSz" fact="0.3"/>
+                            <dgm:constr type="bMarg" refType="primFontSz" fact="0.3"/>
+                          </dgm:constrLst>
+                          <dgm:ruleLst>
+                            <dgm:rule type="primFontSz" val="5" fact="NaN" max="NaN"/>
+                          </dgm:ruleLst>
+                        </dgm:layoutNode>
+                        <dgm:layoutNode name="FiveNodes_4_text">
+                          <dgm:varLst>
+                            <dgm:bulletEnabled val="1"/>
+                          </dgm:varLst>
+                          <dgm:alg type="tx">
+                            <dgm:param type="parTxLTRAlign" val="l"/>
+                            <dgm:param type="txAnchorVertCh" val="mid"/>
+                          </dgm:alg>
+                          <dgm:shape xmlns:r="http://schemas.openxmlformats.org/officeDocument/2006/relationships" type="roundRect" r:blip="" hideGeom="1">
+                            <dgm:adjLst>
+                              <dgm:adj idx="1" val="0.1"/>
+                            </dgm:adjLst>
+                          </dgm:shape>
+                          <dgm:presOf axis="ch desOrSelf" ptType="node node" st="4 1" cnt="1 0"/>
+                          <dgm:constrLst>
+                            <dgm:constr type="lMarg" refType="primFontSz" fact="0.3"/>
+                            <dgm:constr type="rMarg" refType="primFontSz" fact="0.3"/>
+                            <dgm:constr type="tMarg" refType="primFontSz" fact="0.3"/>
+                            <dgm:constr type="bMarg" refType="primFontSz" fact="0.3"/>
+                          </dgm:constrLst>
+                          <dgm:ruleLst>
+                            <dgm:rule type="primFontSz" val="5" fact="NaN" max="NaN"/>
+                          </dgm:ruleLst>
+                        </dgm:layoutNode>
+                        <dgm:layoutNode name="FiveNodes_5_text">
+                          <dgm:varLst>
+                            <dgm:bulletEnabled val="1"/>
+                          </dgm:varLst>
+                          <dgm:alg type="tx">
+                            <dgm:param type="parTxLTRAlign" val="l"/>
+                            <dgm:param type="txAnchorVertCh" val="mid"/>
+                          </dgm:alg>
+                          <dgm:shape xmlns:r="http://schemas.openxmlformats.org/officeDocument/2006/relationships" type="roundRect" r:blip="" hideGeom="1">
+                            <dgm:adjLst>
+                              <dgm:adj idx="1" val="0.1"/>
+                            </dgm:adjLst>
+                          </dgm:shape>
+                          <dgm:presOf axis="ch desOrSelf" ptType="node node" st="5 1" cnt="1 0"/>
+                          <dgm:constrLst>
+                            <dgm:constr type="lMarg" refType="primFontSz" fact="0.3"/>
+                            <dgm:constr type="rMarg" refType="primFontSz" fact="0.3"/>
+                            <dgm:constr type="tMarg" refType="primFontSz" fact="0.3"/>
+                            <dgm:constr type="bMarg" refType="primFontSz" fact="0.3"/>
+                          </dgm:constrLst>
+                          <dgm:ruleLst>
+                            <dgm:rule type="primFontSz" val="5" fact="NaN" max="NaN"/>
+                          </dgm:ruleLst>
+                        </dgm:layoutNode>
+                      </dgm:if>
+                      <dgm:else name="Name17"/>
+                    </dgm:choose>
+                  </dgm:else>
+                </dgm:choose>
+              </dgm:else>
+            </dgm:choose>
+          </dgm:else>
+        </dgm:choose>
+      </dgm:else>
+    </dgm:choose>
+  </dgm:layoutNode>
+</dgm:layoutDef>
+</file>
+
+<file path=ppt/diagrams/layout2.xml><?xml version="1.0" encoding="utf-8"?>
 <dgm:layoutDef xmlns:dgm="http://schemas.openxmlformats.org/drawingml/2006/diagram" xmlns:a="http://schemas.openxmlformats.org/drawingml/2006/main" uniqueId="urn:microsoft.com/office/officeart/2005/8/layout/vList2">
   <dgm:title val=""/>
   <dgm:desc val=""/>
@@ -3643,6 +5319,1040 @@
 </dgm:styleDef>
 </file>
 
+<file path=ppt/diagrams/quickStyle2.xml><?xml version="1.0" encoding="utf-8"?>
+<dgm:styleDef xmlns:dgm="http://schemas.openxmlformats.org/drawingml/2006/diagram" xmlns:a="http://schemas.openxmlformats.org/drawingml/2006/main" uniqueId="urn:microsoft.com/office/officeart/2005/8/quickstyle/simple1">
+  <dgm:title val=""/>
+  <dgm:desc val=""/>
+  <dgm:catLst>
+    <dgm:cat type="simple" pri="10100"/>
+  </dgm:catLst>
+  <dgm:scene3d>
+    <a:camera prst="orthographicFront"/>
+    <a:lightRig rig="threePt" dir="t"/>
+  </dgm:scene3d>
+  <dgm:styleLbl name="node0">
+    <dgm:scene3d>
+      <a:camera prst="orthographicFront"/>
+      <a:lightRig rig="threePt" dir="t"/>
+    </dgm:scene3d>
+    <dgm:sp3d/>
+    <dgm:txPr/>
+    <dgm:style>
+      <a:lnRef idx="2">
+        <a:scrgbClr r="0" g="0" b="0"/>
+      </a:lnRef>
+      <a:fillRef idx="1">
+        <a:scrgbClr r="0" g="0" b="0"/>
+      </a:fillRef>
+      <a:effectRef idx="0">
+        <a:scrgbClr r="0" g="0" b="0"/>
+      </a:effectRef>
+      <a:fontRef idx="minor">
+        <a:schemeClr val="lt1"/>
+      </a:fontRef>
+    </dgm:style>
+  </dgm:styleLbl>
+  <dgm:styleLbl name="lnNode1">
+    <dgm:scene3d>
+      <a:camera prst="orthographicFront"/>
+      <a:lightRig rig="threePt" dir="t"/>
+    </dgm:scene3d>
+    <dgm:sp3d/>
+    <dgm:txPr/>
+    <dgm:style>
+      <a:lnRef idx="2">
+        <a:scrgbClr r="0" g="0" b="0"/>
+      </a:lnRef>
+      <a:fillRef idx="1">
+        <a:scrgbClr r="0" g="0" b="0"/>
+      </a:fillRef>
+      <a:effectRef idx="0">
+        <a:scrgbClr r="0" g="0" b="0"/>
+      </a:effectRef>
+      <a:fontRef idx="minor">
+        <a:schemeClr val="lt1"/>
+      </a:fontRef>
+    </dgm:style>
+  </dgm:styleLbl>
+  <dgm:styleLbl name="vennNode1">
+    <dgm:scene3d>
+      <a:camera prst="orthographicFront"/>
+      <a:lightRig rig="threePt" dir="t"/>
+    </dgm:scene3d>
+    <dgm:sp3d/>
+    <dgm:txPr/>
+    <dgm:style>
+      <a:lnRef idx="2">
+        <a:scrgbClr r="0" g="0" b="0"/>
+      </a:lnRef>
+      <a:fillRef idx="1">
+        <a:scrgbClr r="0" g="0" b="0"/>
+      </a:fillRef>
+      <a:effectRef idx="0">
+        <a:scrgbClr r="0" g="0" b="0"/>
+      </a:effectRef>
+      <a:fontRef idx="minor">
+        <a:schemeClr val="tx1"/>
+      </a:fontRef>
+    </dgm:style>
+  </dgm:styleLbl>
+  <dgm:styleLbl name="alignNode1">
+    <dgm:scene3d>
+      <a:camera prst="orthographicFront"/>
+      <a:lightRig rig="threePt" dir="t"/>
+    </dgm:scene3d>
+    <dgm:sp3d/>
+    <dgm:txPr/>
+    <dgm:style>
+      <a:lnRef idx="2">
+        <a:scrgbClr r="0" g="0" b="0"/>
+      </a:lnRef>
+      <a:fillRef idx="1">
+        <a:scrgbClr r="0" g="0" b="0"/>
+      </a:fillRef>
+      <a:effectRef idx="0">
+        <a:scrgbClr r="0" g="0" b="0"/>
+      </a:effectRef>
+      <a:fontRef idx="minor">
+        <a:schemeClr val="lt1"/>
+      </a:fontRef>
+    </dgm:style>
+  </dgm:styleLbl>
+  <dgm:styleLbl name="node1">
+    <dgm:scene3d>
+      <a:camera prst="orthographicFront"/>
+      <a:lightRig rig="threePt" dir="t"/>
+    </dgm:scene3d>
+    <dgm:sp3d/>
+    <dgm:txPr/>
+    <dgm:style>
+      <a:lnRef idx="2">
+        <a:scrgbClr r="0" g="0" b="0"/>
+      </a:lnRef>
+      <a:fillRef idx="1">
+        <a:scrgbClr r="0" g="0" b="0"/>
+      </a:fillRef>
+      <a:effectRef idx="0">
+        <a:scrgbClr r="0" g="0" b="0"/>
+      </a:effectRef>
+      <a:fontRef idx="minor">
+        <a:schemeClr val="lt1"/>
+      </a:fontRef>
+    </dgm:style>
+  </dgm:styleLbl>
+  <dgm:styleLbl name="node2">
+    <dgm:scene3d>
+      <a:camera prst="orthographicFront"/>
+      <a:lightRig rig="threePt" dir="t"/>
+    </dgm:scene3d>
+    <dgm:sp3d/>
+    <dgm:txPr/>
+    <dgm:style>
+      <a:lnRef idx="2">
+        <a:scrgbClr r="0" g="0" b="0"/>
+      </a:lnRef>
+      <a:fillRef idx="1">
+        <a:scrgbClr r="0" g="0" b="0"/>
+      </a:fillRef>
+      <a:effectRef idx="0">
+        <a:scrgbClr r="0" g="0" b="0"/>
+      </a:effectRef>
+      <a:fontRef idx="minor">
+        <a:schemeClr val="lt1"/>
+      </a:fontRef>
+    </dgm:style>
+  </dgm:styleLbl>
+  <dgm:styleLbl name="node3">
+    <dgm:scene3d>
+      <a:camera prst="orthographicFront"/>
+      <a:lightRig rig="threePt" dir="t"/>
+    </dgm:scene3d>
+    <dgm:sp3d/>
+    <dgm:txPr/>
+    <dgm:style>
+      <a:lnRef idx="2">
+        <a:scrgbClr r="0" g="0" b="0"/>
+      </a:lnRef>
+      <a:fillRef idx="1">
+        <a:scrgbClr r="0" g="0" b="0"/>
+      </a:fillRef>
+      <a:effectRef idx="0">
+        <a:scrgbClr r="0" g="0" b="0"/>
+      </a:effectRef>
+      <a:fontRef idx="minor">
+        <a:schemeClr val="lt1"/>
+      </a:fontRef>
+    </dgm:style>
+  </dgm:styleLbl>
+  <dgm:styleLbl name="node4">
+    <dgm:scene3d>
+      <a:camera prst="orthographicFront"/>
+      <a:lightRig rig="threePt" dir="t"/>
+    </dgm:scene3d>
+    <dgm:sp3d/>
+    <dgm:txPr/>
+    <dgm:style>
+      <a:lnRef idx="2">
+        <a:scrgbClr r="0" g="0" b="0"/>
+      </a:lnRef>
+      <a:fillRef idx="1">
+        <a:scrgbClr r="0" g="0" b="0"/>
+      </a:fillRef>
+      <a:effectRef idx="0">
+        <a:scrgbClr r="0" g="0" b="0"/>
+      </a:effectRef>
+      <a:fontRef idx="minor">
+        <a:schemeClr val="lt1"/>
+      </a:fontRef>
+    </dgm:style>
+  </dgm:styleLbl>
+  <dgm:styleLbl name="fgImgPlace1">
+    <dgm:scene3d>
+      <a:camera prst="orthographicFront"/>
+      <a:lightRig rig="threePt" dir="t"/>
+    </dgm:scene3d>
+    <dgm:sp3d/>
+    <dgm:txPr/>
+    <dgm:style>
+      <a:lnRef idx="2">
+        <a:scrgbClr r="0" g="0" b="0"/>
+      </a:lnRef>
+      <a:fillRef idx="1">
+        <a:scrgbClr r="0" g="0" b="0"/>
+      </a:fillRef>
+      <a:effectRef idx="0">
+        <a:scrgbClr r="0" g="0" b="0"/>
+      </a:effectRef>
+      <a:fontRef idx="minor"/>
+    </dgm:style>
+  </dgm:styleLbl>
+  <dgm:styleLbl name="alignImgPlace1">
+    <dgm:scene3d>
+      <a:camera prst="orthographicFront"/>
+      <a:lightRig rig="threePt" dir="t"/>
+    </dgm:scene3d>
+    <dgm:sp3d/>
+    <dgm:txPr/>
+    <dgm:style>
+      <a:lnRef idx="2">
+        <a:scrgbClr r="0" g="0" b="0"/>
+      </a:lnRef>
+      <a:fillRef idx="1">
+        <a:scrgbClr r="0" g="0" b="0"/>
+      </a:fillRef>
+      <a:effectRef idx="0">
+        <a:scrgbClr r="0" g="0" b="0"/>
+      </a:effectRef>
+      <a:fontRef idx="minor"/>
+    </dgm:style>
+  </dgm:styleLbl>
+  <dgm:styleLbl name="bgImgPlace1">
+    <dgm:scene3d>
+      <a:camera prst="orthographicFront"/>
+      <a:lightRig rig="threePt" dir="t"/>
+    </dgm:scene3d>
+    <dgm:sp3d/>
+    <dgm:txPr/>
+    <dgm:style>
+      <a:lnRef idx="2">
+        <a:scrgbClr r="0" g="0" b="0"/>
+      </a:lnRef>
+      <a:fillRef idx="1">
+        <a:scrgbClr r="0" g="0" b="0"/>
+      </a:fillRef>
+      <a:effectRef idx="0">
+        <a:scrgbClr r="0" g="0" b="0"/>
+      </a:effectRef>
+      <a:fontRef idx="minor"/>
+    </dgm:style>
+  </dgm:styleLbl>
+  <dgm:styleLbl name="sibTrans2D1">
+    <dgm:scene3d>
+      <a:camera prst="orthographicFront"/>
+      <a:lightRig rig="threePt" dir="t"/>
+    </dgm:scene3d>
+    <dgm:sp3d/>
+    <dgm:txPr/>
+    <dgm:style>
+      <a:lnRef idx="0">
+        <a:scrgbClr r="0" g="0" b="0"/>
+      </a:lnRef>
+      <a:fillRef idx="1">
+        <a:scrgbClr r="0" g="0" b="0"/>
+      </a:fillRef>
+      <a:effectRef idx="0">
+        <a:scrgbClr r="0" g="0" b="0"/>
+      </a:effectRef>
+      <a:fontRef idx="minor">
+        <a:schemeClr val="lt1"/>
+      </a:fontRef>
+    </dgm:style>
+  </dgm:styleLbl>
+  <dgm:styleLbl name="fgSibTrans2D1">
+    <dgm:scene3d>
+      <a:camera prst="orthographicFront"/>
+      <a:lightRig rig="threePt" dir="t"/>
+    </dgm:scene3d>
+    <dgm:sp3d/>
+    <dgm:txPr/>
+    <dgm:style>
+      <a:lnRef idx="0">
+        <a:scrgbClr r="0" g="0" b="0"/>
+      </a:lnRef>
+      <a:fillRef idx="1">
+        <a:scrgbClr r="0" g="0" b="0"/>
+      </a:fillRef>
+      <a:effectRef idx="0">
+        <a:scrgbClr r="0" g="0" b="0"/>
+      </a:effectRef>
+      <a:fontRef idx="minor">
+        <a:schemeClr val="lt1"/>
+      </a:fontRef>
+    </dgm:style>
+  </dgm:styleLbl>
+  <dgm:styleLbl name="bgSibTrans2D1">
+    <dgm:scene3d>
+      <a:camera prst="orthographicFront"/>
+      <a:lightRig rig="threePt" dir="t"/>
+    </dgm:scene3d>
+    <dgm:sp3d/>
+    <dgm:txPr/>
+    <dgm:style>
+      <a:lnRef idx="0">
+        <a:scrgbClr r="0" g="0" b="0"/>
+      </a:lnRef>
+      <a:fillRef idx="1">
+        <a:scrgbClr r="0" g="0" b="0"/>
+      </a:fillRef>
+      <a:effectRef idx="0">
+        <a:scrgbClr r="0" g="0" b="0"/>
+      </a:effectRef>
+      <a:fontRef idx="minor">
+        <a:schemeClr val="lt1"/>
+      </a:fontRef>
+    </dgm:style>
+  </dgm:styleLbl>
+  <dgm:styleLbl name="sibTrans1D1">
+    <dgm:scene3d>
+      <a:camera prst="orthographicFront"/>
+      <a:lightRig rig="threePt" dir="t"/>
+    </dgm:scene3d>
+    <dgm:sp3d/>
+    <dgm:txPr/>
+    <dgm:style>
+      <a:lnRef idx="1">
+        <a:scrgbClr r="0" g="0" b="0"/>
+      </a:lnRef>
+      <a:fillRef idx="0">
+        <a:scrgbClr r="0" g="0" b="0"/>
+      </a:fillRef>
+      <a:effectRef idx="0">
+        <a:scrgbClr r="0" g="0" b="0"/>
+      </a:effectRef>
+      <a:fontRef idx="minor"/>
+    </dgm:style>
+  </dgm:styleLbl>
+  <dgm:styleLbl name="callout">
+    <dgm:scene3d>
+      <a:camera prst="orthographicFront"/>
+      <a:lightRig rig="threePt" dir="t"/>
+    </dgm:scene3d>
+    <dgm:sp3d/>
+    <dgm:txPr/>
+    <dgm:style>
+      <a:lnRef idx="2">
+        <a:scrgbClr r="0" g="0" b="0"/>
+      </a:lnRef>
+      <a:fillRef idx="1">
+        <a:scrgbClr r="0" g="0" b="0"/>
+      </a:fillRef>
+      <a:effectRef idx="0">
+        <a:scrgbClr r="0" g="0" b="0"/>
+      </a:effectRef>
+      <a:fontRef idx="minor"/>
+    </dgm:style>
+  </dgm:styleLbl>
+  <dgm:styleLbl name="asst0">
+    <dgm:scene3d>
+      <a:camera prst="orthographicFront"/>
+      <a:lightRig rig="threePt" dir="t"/>
+    </dgm:scene3d>
+    <dgm:sp3d/>
+    <dgm:txPr/>
+    <dgm:style>
+      <a:lnRef idx="2">
+        <a:scrgbClr r="0" g="0" b="0"/>
+      </a:lnRef>
+      <a:fillRef idx="1">
+        <a:scrgbClr r="0" g="0" b="0"/>
+      </a:fillRef>
+      <a:effectRef idx="0">
+        <a:scrgbClr r="0" g="0" b="0"/>
+      </a:effectRef>
+      <a:fontRef idx="minor">
+        <a:schemeClr val="lt1"/>
+      </a:fontRef>
+    </dgm:style>
+  </dgm:styleLbl>
+  <dgm:styleLbl name="asst1">
+    <dgm:scene3d>
+      <a:camera prst="orthographicFront"/>
+      <a:lightRig rig="threePt" dir="t"/>
+    </dgm:scene3d>
+    <dgm:sp3d/>
+    <dgm:txPr/>
+    <dgm:style>
+      <a:lnRef idx="2">
+        <a:scrgbClr r="0" g="0" b="0"/>
+      </a:lnRef>
+      <a:fillRef idx="1">
+        <a:scrgbClr r="0" g="0" b="0"/>
+      </a:fillRef>
+      <a:effectRef idx="0">
+        <a:scrgbClr r="0" g="0" b="0"/>
+      </a:effectRef>
+      <a:fontRef idx="minor">
+        <a:schemeClr val="lt1"/>
+      </a:fontRef>
+    </dgm:style>
+  </dgm:styleLbl>
+  <dgm:styleLbl name="asst2">
+    <dgm:scene3d>
+      <a:camera prst="orthographicFront"/>
+      <a:lightRig rig="threePt" dir="t"/>
+    </dgm:scene3d>
+    <dgm:sp3d/>
+    <dgm:txPr/>
+    <dgm:style>
+      <a:lnRef idx="2">
+        <a:scrgbClr r="0" g="0" b="0"/>
+      </a:lnRef>
+      <a:fillRef idx="1">
+        <a:scrgbClr r="0" g="0" b="0"/>
+      </a:fillRef>
+      <a:effectRef idx="0">
+        <a:scrgbClr r="0" g="0" b="0"/>
+      </a:effectRef>
+      <a:fontRef idx="minor">
+        <a:schemeClr val="lt1"/>
+      </a:fontRef>
+    </dgm:style>
+  </dgm:styleLbl>
+  <dgm:styleLbl name="asst3">
+    <dgm:scene3d>
+      <a:camera prst="orthographicFront"/>
+      <a:lightRig rig="threePt" dir="t"/>
+    </dgm:scene3d>
+    <dgm:sp3d/>
+    <dgm:txPr/>
+    <dgm:style>
+      <a:lnRef idx="2">
+        <a:scrgbClr r="0" g="0" b="0"/>
+      </a:lnRef>
+      <a:fillRef idx="1">
+        <a:scrgbClr r="0" g="0" b="0"/>
+      </a:fillRef>
+      <a:effectRef idx="0">
+        <a:scrgbClr r="0" g="0" b="0"/>
+      </a:effectRef>
+      <a:fontRef idx="minor">
+        <a:schemeClr val="lt1"/>
+      </a:fontRef>
+    </dgm:style>
+  </dgm:styleLbl>
+  <dgm:styleLbl name="asst4">
+    <dgm:scene3d>
+      <a:camera prst="orthographicFront"/>
+      <a:lightRig rig="threePt" dir="t"/>
+    </dgm:scene3d>
+    <dgm:sp3d/>
+    <dgm:txPr/>
+    <dgm:style>
+      <a:lnRef idx="2">
+        <a:scrgbClr r="0" g="0" b="0"/>
+      </a:lnRef>
+      <a:fillRef idx="1">
+        <a:scrgbClr r="0" g="0" b="0"/>
+      </a:fillRef>
+      <a:effectRef idx="0">
+        <a:scrgbClr r="0" g="0" b="0"/>
+      </a:effectRef>
+      <a:fontRef idx="minor">
+        <a:schemeClr val="lt1"/>
+      </a:fontRef>
+    </dgm:style>
+  </dgm:styleLbl>
+  <dgm:styleLbl name="parChTrans2D1">
+    <dgm:scene3d>
+      <a:camera prst="orthographicFront"/>
+      <a:lightRig rig="threePt" dir="t"/>
+    </dgm:scene3d>
+    <dgm:sp3d/>
+    <dgm:txPr/>
+    <dgm:style>
+      <a:lnRef idx="2">
+        <a:scrgbClr r="0" g="0" b="0"/>
+      </a:lnRef>
+      <a:fillRef idx="1">
+        <a:scrgbClr r="0" g="0" b="0"/>
+      </a:fillRef>
+      <a:effectRef idx="0">
+        <a:scrgbClr r="0" g="0" b="0"/>
+      </a:effectRef>
+      <a:fontRef idx="minor">
+        <a:schemeClr val="lt1"/>
+      </a:fontRef>
+    </dgm:style>
+  </dgm:styleLbl>
+  <dgm:styleLbl name="parChTrans2D2">
+    <dgm:scene3d>
+      <a:camera prst="orthographicFront"/>
+      <a:lightRig rig="threePt" dir="t"/>
+    </dgm:scene3d>
+    <dgm:sp3d/>
+    <dgm:txPr/>
+    <dgm:style>
+      <a:lnRef idx="2">
+        <a:scrgbClr r="0" g="0" b="0"/>
+      </a:lnRef>
+      <a:fillRef idx="1">
+        <a:scrgbClr r="0" g="0" b="0"/>
+      </a:fillRef>
+      <a:effectRef idx="0">
+        <a:scrgbClr r="0" g="0" b="0"/>
+      </a:effectRef>
+      <a:fontRef idx="minor">
+        <a:schemeClr val="lt1"/>
+      </a:fontRef>
+    </dgm:style>
+  </dgm:styleLbl>
+  <dgm:styleLbl name="parChTrans2D3">
+    <dgm:scene3d>
+      <a:camera prst="orthographicFront"/>
+      <a:lightRig rig="threePt" dir="t"/>
+    </dgm:scene3d>
+    <dgm:sp3d/>
+    <dgm:txPr/>
+    <dgm:style>
+      <a:lnRef idx="2">
+        <a:scrgbClr r="0" g="0" b="0"/>
+      </a:lnRef>
+      <a:fillRef idx="1">
+        <a:scrgbClr r="0" g="0" b="0"/>
+      </a:fillRef>
+      <a:effectRef idx="0">
+        <a:scrgbClr r="0" g="0" b="0"/>
+      </a:effectRef>
+      <a:fontRef idx="minor">
+        <a:schemeClr val="lt1"/>
+      </a:fontRef>
+    </dgm:style>
+  </dgm:styleLbl>
+  <dgm:styleLbl name="parChTrans2D4">
+    <dgm:scene3d>
+      <a:camera prst="orthographicFront"/>
+      <a:lightRig rig="threePt" dir="t"/>
+    </dgm:scene3d>
+    <dgm:sp3d/>
+    <dgm:txPr/>
+    <dgm:style>
+      <a:lnRef idx="2">
+        <a:scrgbClr r="0" g="0" b="0"/>
+      </a:lnRef>
+      <a:fillRef idx="1">
+        <a:scrgbClr r="0" g="0" b="0"/>
+      </a:fillRef>
+      <a:effectRef idx="0">
+        <a:scrgbClr r="0" g="0" b="0"/>
+      </a:effectRef>
+      <a:fontRef idx="minor">
+        <a:schemeClr val="lt1"/>
+      </a:fontRef>
+    </dgm:style>
+  </dgm:styleLbl>
+  <dgm:styleLbl name="parChTrans1D1">
+    <dgm:scene3d>
+      <a:camera prst="orthographicFront"/>
+      <a:lightRig rig="threePt" dir="t"/>
+    </dgm:scene3d>
+    <dgm:sp3d/>
+    <dgm:txPr/>
+    <dgm:style>
+      <a:lnRef idx="2">
+        <a:scrgbClr r="0" g="0" b="0"/>
+      </a:lnRef>
+      <a:fillRef idx="0">
+        <a:scrgbClr r="0" g="0" b="0"/>
+      </a:fillRef>
+      <a:effectRef idx="0">
+        <a:scrgbClr r="0" g="0" b="0"/>
+      </a:effectRef>
+      <a:fontRef idx="minor"/>
+    </dgm:style>
+  </dgm:styleLbl>
+  <dgm:styleLbl name="parChTrans1D2">
+    <dgm:scene3d>
+      <a:camera prst="orthographicFront"/>
+      <a:lightRig rig="threePt" dir="t"/>
+    </dgm:scene3d>
+    <dgm:sp3d/>
+    <dgm:txPr/>
+    <dgm:style>
+      <a:lnRef idx="2">
+        <a:scrgbClr r="0" g="0" b="0"/>
+      </a:lnRef>
+      <a:fillRef idx="0">
+        <a:scrgbClr r="0" g="0" b="0"/>
+      </a:fillRef>
+      <a:effectRef idx="0">
+        <a:scrgbClr r="0" g="0" b="0"/>
+      </a:effectRef>
+      <a:fontRef idx="minor"/>
+    </dgm:style>
+  </dgm:styleLbl>
+  <dgm:styleLbl name="parChTrans1D3">
+    <dgm:scene3d>
+      <a:camera prst="orthographicFront"/>
+      <a:lightRig rig="threePt" dir="t"/>
+    </dgm:scene3d>
+    <dgm:sp3d/>
+    <dgm:txPr/>
+    <dgm:style>
+      <a:lnRef idx="2">
+        <a:scrgbClr r="0" g="0" b="0"/>
+      </a:lnRef>
+      <a:fillRef idx="0">
+        <a:scrgbClr r="0" g="0" b="0"/>
+      </a:fillRef>
+      <a:effectRef idx="0">
+        <a:scrgbClr r="0" g="0" b="0"/>
+      </a:effectRef>
+      <a:fontRef idx="minor"/>
+    </dgm:style>
+  </dgm:styleLbl>
+  <dgm:styleLbl name="parChTrans1D4">
+    <dgm:scene3d>
+      <a:camera prst="orthographicFront"/>
+      <a:lightRig rig="threePt" dir="t"/>
+    </dgm:scene3d>
+    <dgm:sp3d/>
+    <dgm:txPr/>
+    <dgm:style>
+      <a:lnRef idx="2">
+        <a:scrgbClr r="0" g="0" b="0"/>
+      </a:lnRef>
+      <a:fillRef idx="0">
+        <a:scrgbClr r="0" g="0" b="0"/>
+      </a:fillRef>
+      <a:effectRef idx="0">
+        <a:scrgbClr r="0" g="0" b="0"/>
+      </a:effectRef>
+      <a:fontRef idx="minor"/>
+    </dgm:style>
+  </dgm:styleLbl>
+  <dgm:styleLbl name="fgAcc1">
+    <dgm:scene3d>
+      <a:camera prst="orthographicFront"/>
+      <a:lightRig rig="threePt" dir="t"/>
+    </dgm:scene3d>
+    <dgm:sp3d/>
+    <dgm:txPr/>
+    <dgm:style>
+      <a:lnRef idx="2">
+        <a:scrgbClr r="0" g="0" b="0"/>
+      </a:lnRef>
+      <a:fillRef idx="1">
+        <a:scrgbClr r="0" g="0" b="0"/>
+      </a:fillRef>
+      <a:effectRef idx="0">
+        <a:scrgbClr r="0" g="0" b="0"/>
+      </a:effectRef>
+      <a:fontRef idx="minor"/>
+    </dgm:style>
+  </dgm:styleLbl>
+  <dgm:styleLbl name="conFgAcc1">
+    <dgm:scene3d>
+      <a:camera prst="orthographicFront"/>
+      <a:lightRig rig="threePt" dir="t"/>
+    </dgm:scene3d>
+    <dgm:sp3d/>
+    <dgm:txPr/>
+    <dgm:style>
+      <a:lnRef idx="2">
+        <a:scrgbClr r="0" g="0" b="0"/>
+      </a:lnRef>
+      <a:fillRef idx="1">
+        <a:scrgbClr r="0" g="0" b="0"/>
+      </a:fillRef>
+      <a:effectRef idx="0">
+        <a:scrgbClr r="0" g="0" b="0"/>
+      </a:effectRef>
+      <a:fontRef idx="minor"/>
+    </dgm:style>
+  </dgm:styleLbl>
+  <dgm:styleLbl name="alignAcc1">
+    <dgm:scene3d>
+      <a:camera prst="orthographicFront"/>
+      <a:lightRig rig="threePt" dir="t"/>
+    </dgm:scene3d>
+    <dgm:sp3d/>
+    <dgm:txPr/>
+    <dgm:style>
+      <a:lnRef idx="2">
+        <a:scrgbClr r="0" g="0" b="0"/>
+      </a:lnRef>
+      <a:fillRef idx="1">
+        <a:scrgbClr r="0" g="0" b="0"/>
+      </a:fillRef>
+      <a:effectRef idx="0">
+        <a:scrgbClr r="0" g="0" b="0"/>
+      </a:effectRef>
+      <a:fontRef idx="minor"/>
+    </dgm:style>
+  </dgm:styleLbl>
+  <dgm:styleLbl name="trAlignAcc1">
+    <dgm:scene3d>
+      <a:camera prst="orthographicFront"/>
+      <a:lightRig rig="threePt" dir="t"/>
+    </dgm:scene3d>
+    <dgm:sp3d/>
+    <dgm:txPr/>
+    <dgm:style>
+      <a:lnRef idx="1">
+        <a:scrgbClr r="0" g="0" b="0"/>
+      </a:lnRef>
+      <a:fillRef idx="1">
+        <a:scrgbClr r="0" g="0" b="0"/>
+      </a:fillRef>
+      <a:effectRef idx="0">
+        <a:scrgbClr r="0" g="0" b="0"/>
+      </a:effectRef>
+      <a:fontRef idx="minor"/>
+    </dgm:style>
+  </dgm:styleLbl>
+  <dgm:styleLbl name="bgAcc1">
+    <dgm:scene3d>
+      <a:camera prst="orthographicFront"/>
+      <a:lightRig rig="threePt" dir="t"/>
+    </dgm:scene3d>
+    <dgm:sp3d/>
+    <dgm:txPr/>
+    <dgm:style>
+      <a:lnRef idx="2">
+        <a:scrgbClr r="0" g="0" b="0"/>
+      </a:lnRef>
+      <a:fillRef idx="1">
+        <a:scrgbClr r="0" g="0" b="0"/>
+      </a:fillRef>
+      <a:effectRef idx="0">
+        <a:scrgbClr r="0" g="0" b="0"/>
+      </a:effectRef>
+      <a:fontRef idx="minor"/>
+    </dgm:style>
+  </dgm:styleLbl>
+  <dgm:styleLbl name="solidFgAcc1">
+    <dgm:scene3d>
+      <a:camera prst="orthographicFront"/>
+      <a:lightRig rig="threePt" dir="t"/>
+    </dgm:scene3d>
+    <dgm:sp3d/>
+    <dgm:txPr/>
+    <dgm:style>
+      <a:lnRef idx="2">
+        <a:scrgbClr r="0" g="0" b="0"/>
+      </a:lnRef>
+      <a:fillRef idx="1">
+        <a:scrgbClr r="0" g="0" b="0"/>
+      </a:fillRef>
+      <a:effectRef idx="0">
+        <a:scrgbClr r="0" g="0" b="0"/>
+      </a:effectRef>
+      <a:fontRef idx="minor"/>
+    </dgm:style>
+  </dgm:styleLbl>
+  <dgm:styleLbl name="solidAlignAcc1">
+    <dgm:scene3d>
+      <a:camera prst="orthographicFront"/>
+      <a:lightRig rig="threePt" dir="t"/>
+    </dgm:scene3d>
+    <dgm:sp3d/>
+    <dgm:txPr/>
+    <dgm:style>
+      <a:lnRef idx="2">
+        <a:scrgbClr r="0" g="0" b="0"/>
+      </a:lnRef>
+      <a:fillRef idx="1">
+        <a:scrgbClr r="0" g="0" b="0"/>
+      </a:fillRef>
+      <a:effectRef idx="0">
+        <a:scrgbClr r="0" g="0" b="0"/>
+      </a:effectRef>
+      <a:fontRef idx="minor"/>
+    </dgm:style>
+  </dgm:styleLbl>
+  <dgm:styleLbl name="solidBgAcc1">
+    <dgm:scene3d>
+      <a:camera prst="orthographicFront"/>
+      <a:lightRig rig="threePt" dir="t"/>
+    </dgm:scene3d>
+    <dgm:sp3d/>
+    <dgm:txPr/>
+    <dgm:style>
+      <a:lnRef idx="2">
+        <a:scrgbClr r="0" g="0" b="0"/>
+      </a:lnRef>
+      <a:fillRef idx="1">
+        <a:scrgbClr r="0" g="0" b="0"/>
+      </a:fillRef>
+      <a:effectRef idx="0">
+        <a:scrgbClr r="0" g="0" b="0"/>
+      </a:effectRef>
+      <a:fontRef idx="minor"/>
+    </dgm:style>
+  </dgm:styleLbl>
+  <dgm:styleLbl name="fgAccFollowNode1">
+    <dgm:scene3d>
+      <a:camera prst="orthographicFront"/>
+      <a:lightRig rig="threePt" dir="t"/>
+    </dgm:scene3d>
+    <dgm:sp3d/>
+    <dgm:txPr/>
+    <dgm:style>
+      <a:lnRef idx="2">
+        <a:scrgbClr r="0" g="0" b="0"/>
+      </a:lnRef>
+      <a:fillRef idx="1">
+        <a:scrgbClr r="0" g="0" b="0"/>
+      </a:fillRef>
+      <a:effectRef idx="0">
+        <a:scrgbClr r="0" g="0" b="0"/>
+      </a:effectRef>
+      <a:fontRef idx="minor"/>
+    </dgm:style>
+  </dgm:styleLbl>
+  <dgm:styleLbl name="alignAccFollowNode1">
+    <dgm:scene3d>
+      <a:camera prst="orthographicFront"/>
+      <a:lightRig rig="threePt" dir="t"/>
+    </dgm:scene3d>
+    <dgm:sp3d/>
+    <dgm:txPr/>
+    <dgm:style>
+      <a:lnRef idx="2">
+        <a:scrgbClr r="0" g="0" b="0"/>
+      </a:lnRef>
+      <a:fillRef idx="1">
+        <a:scrgbClr r="0" g="0" b="0"/>
+      </a:fillRef>
+      <a:effectRef idx="0">
+        <a:scrgbClr r="0" g="0" b="0"/>
+      </a:effectRef>
+      <a:fontRef idx="minor"/>
+    </dgm:style>
+  </dgm:styleLbl>
+  <dgm:styleLbl name="bgAccFollowNode1">
+    <dgm:scene3d>
+      <a:camera prst="orthographicFront"/>
+      <a:lightRig rig="threePt" dir="t"/>
+    </dgm:scene3d>
+    <dgm:sp3d/>
+    <dgm:txPr/>
+    <dgm:style>
+      <a:lnRef idx="2">
+        <a:scrgbClr r="0" g="0" b="0"/>
+      </a:lnRef>
+      <a:fillRef idx="1">
+        <a:scrgbClr r="0" g="0" b="0"/>
+      </a:fillRef>
+      <a:effectRef idx="0">
+        <a:scrgbClr r="0" g="0" b="0"/>
+      </a:effectRef>
+      <a:fontRef idx="minor"/>
+    </dgm:style>
+  </dgm:styleLbl>
+  <dgm:styleLbl name="fgAcc0">
+    <dgm:scene3d>
+      <a:camera prst="orthographicFront"/>
+      <a:lightRig rig="threePt" dir="t"/>
+    </dgm:scene3d>
+    <dgm:sp3d/>
+    <dgm:txPr/>
+    <dgm:style>
+      <a:lnRef idx="2">
+        <a:scrgbClr r="0" g="0" b="0"/>
+      </a:lnRef>
+      <a:fillRef idx="1">
+        <a:scrgbClr r="0" g="0" b="0"/>
+      </a:fillRef>
+      <a:effectRef idx="0">
+        <a:scrgbClr r="0" g="0" b="0"/>
+      </a:effectRef>
+      <a:fontRef idx="minor"/>
+    </dgm:style>
+  </dgm:styleLbl>
+  <dgm:styleLbl name="fgAcc2">
+    <dgm:scene3d>
+      <a:camera prst="orthographicFront"/>
+      <a:lightRig rig="threePt" dir="t"/>
+    </dgm:scene3d>
+    <dgm:sp3d/>
+    <dgm:txPr/>
+    <dgm:style>
+      <a:lnRef idx="2">
+        <a:scrgbClr r="0" g="0" b="0"/>
+      </a:lnRef>
+      <a:fillRef idx="1">
+        <a:scrgbClr r="0" g="0" b="0"/>
+      </a:fillRef>
+      <a:effectRef idx="0">
+        <a:scrgbClr r="0" g="0" b="0"/>
+      </a:effectRef>
+      <a:fontRef idx="minor"/>
+    </dgm:style>
+  </dgm:styleLbl>
+  <dgm:styleLbl name="fgAcc3">
+    <dgm:scene3d>
+      <a:camera prst="orthographicFront"/>
+      <a:lightRig rig="threePt" dir="t"/>
+    </dgm:scene3d>
+    <dgm:sp3d/>
+    <dgm:txPr/>
+    <dgm:style>
+      <a:lnRef idx="2">
+        <a:scrgbClr r="0" g="0" b="0"/>
+      </a:lnRef>
+      <a:fillRef idx="1">
+        <a:scrgbClr r="0" g="0" b="0"/>
+      </a:fillRef>
+      <a:effectRef idx="0">
+        <a:scrgbClr r="0" g="0" b="0"/>
+      </a:effectRef>
+      <a:fontRef idx="minor"/>
+    </dgm:style>
+  </dgm:styleLbl>
+  <dgm:styleLbl name="fgAcc4">
+    <dgm:scene3d>
+      <a:camera prst="orthographicFront"/>
+      <a:lightRig rig="threePt" dir="t"/>
+    </dgm:scene3d>
+    <dgm:sp3d/>
+    <dgm:txPr/>
+    <dgm:style>
+      <a:lnRef idx="2">
+        <a:scrgbClr r="0" g="0" b="0"/>
+      </a:lnRef>
+      <a:fillRef idx="1">
+        <a:scrgbClr r="0" g="0" b="0"/>
+      </a:fillRef>
+      <a:effectRef idx="0">
+        <a:scrgbClr r="0" g="0" b="0"/>
+      </a:effectRef>
+      <a:fontRef idx="minor"/>
+    </dgm:style>
+  </dgm:styleLbl>
+  <dgm:styleLbl name="bgShp">
+    <dgm:scene3d>
+      <a:camera prst="orthographicFront"/>
+      <a:lightRig rig="threePt" dir="t"/>
+    </dgm:scene3d>
+    <dgm:sp3d/>
+    <dgm:txPr/>
+    <dgm:style>
+      <a:lnRef idx="0">
+        <a:scrgbClr r="0" g="0" b="0"/>
+      </a:lnRef>
+      <a:fillRef idx="1">
+        <a:scrgbClr r="0" g="0" b="0"/>
+      </a:fillRef>
+      <a:effectRef idx="0">
+        <a:scrgbClr r="0" g="0" b="0"/>
+      </a:effectRef>
+      <a:fontRef idx="minor"/>
+    </dgm:style>
+  </dgm:styleLbl>
+  <dgm:styleLbl name="dkBgShp">
+    <dgm:scene3d>
+      <a:camera prst="orthographicFront"/>
+      <a:lightRig rig="threePt" dir="t"/>
+    </dgm:scene3d>
+    <dgm:sp3d/>
+    <dgm:txPr/>
+    <dgm:style>
+      <a:lnRef idx="0">
+        <a:scrgbClr r="0" g="0" b="0"/>
+      </a:lnRef>
+      <a:fillRef idx="1">
+        <a:scrgbClr r="0" g="0" b="0"/>
+      </a:fillRef>
+      <a:effectRef idx="0">
+        <a:scrgbClr r="0" g="0" b="0"/>
+      </a:effectRef>
+      <a:fontRef idx="minor"/>
+    </dgm:style>
+  </dgm:styleLbl>
+  <dgm:styleLbl name="trBgShp">
+    <dgm:scene3d>
+      <a:camera prst="orthographicFront"/>
+      <a:lightRig rig="threePt" dir="t"/>
+    </dgm:scene3d>
+    <dgm:sp3d/>
+    <dgm:txPr/>
+    <dgm:style>
+      <a:lnRef idx="0">
+        <a:scrgbClr r="0" g="0" b="0"/>
+      </a:lnRef>
+      <a:fillRef idx="1">
+        <a:scrgbClr r="0" g="0" b="0"/>
+      </a:fillRef>
+      <a:effectRef idx="0">
+        <a:scrgbClr r="0" g="0" b="0"/>
+      </a:effectRef>
+      <a:fontRef idx="minor"/>
+    </dgm:style>
+  </dgm:styleLbl>
+  <dgm:styleLbl name="fgShp">
+    <dgm:scene3d>
+      <a:camera prst="orthographicFront"/>
+      <a:lightRig rig="threePt" dir="t"/>
+    </dgm:scene3d>
+    <dgm:sp3d/>
+    <dgm:txPr/>
+    <dgm:style>
+      <a:lnRef idx="2">
+        <a:scrgbClr r="0" g="0" b="0"/>
+      </a:lnRef>
+      <a:fillRef idx="1">
+        <a:scrgbClr r="0" g="0" b="0"/>
+      </a:fillRef>
+      <a:effectRef idx="0">
+        <a:scrgbClr r="0" g="0" b="0"/>
+      </a:effectRef>
+      <a:fontRef idx="minor"/>
+    </dgm:style>
+  </dgm:styleLbl>
+  <dgm:styleLbl name="revTx">
+    <dgm:scene3d>
+      <a:camera prst="orthographicFront"/>
+      <a:lightRig rig="threePt" dir="t"/>
+    </dgm:scene3d>
+    <dgm:sp3d/>
+    <dgm:txPr/>
+    <dgm:style>
+      <a:lnRef idx="0">
+        <a:scrgbClr r="0" g="0" b="0"/>
+      </a:lnRef>
+      <a:fillRef idx="0">
+        <a:scrgbClr r="0" g="0" b="0"/>
+      </a:fillRef>
+      <a:effectRef idx="0">
+        <a:scrgbClr r="0" g="0" b="0"/>
+      </a:effectRef>
+      <a:fontRef idx="minor"/>
+    </dgm:style>
+  </dgm:styleLbl>
+</dgm:styleDef>
+</file>
+
 <file path=ppt/notesMasters/notesMaster1.xml><?xml version="1.0" encoding="utf-8"?>
 <p:notesMaster xmlns:a="http://schemas.openxmlformats.org/drawingml/2006/main" xmlns:r="http://schemas.openxmlformats.org/officeDocument/2006/relationships" xmlns:p="http://schemas.openxmlformats.org/presentationml/2006/main">
   <p:cSld>
@@ -3725,7 +6435,7 @@
           <a:p>
             <a:fld id="{24BA4AAA-C7CC-4538-89B9-C10A4CDB940C}" type="datetimeFigureOut">
               <a:rPr lang="en-US" smtClean="0"/>
-              <a:t>5/17/2019</a:t>
+              <a:t>5/20/2019</a:t>
             </a:fld>
             <a:endParaRPr lang="en-US"/>
           </a:p>
@@ -4894,7 +7604,7 @@
             <a:fld id="{B61BEF0D-F0BB-DE4B-95CE-6DB70DBA9567}" type="datetimeFigureOut">
               <a:rPr lang="en-US" dirty="0"/>
               <a:pPr/>
-              <a:t>5/17/2019</a:t>
+              <a:t>5/20/2019</a:t>
             </a:fld>
             <a:endParaRPr lang="en-US" dirty="0"/>
           </a:p>
@@ -5142,7 +7852,7 @@
             <a:fld id="{B61BEF0D-F0BB-DE4B-95CE-6DB70DBA9567}" type="datetimeFigureOut">
               <a:rPr lang="en-US" dirty="0"/>
               <a:pPr/>
-              <a:t>5/17/2019</a:t>
+              <a:t>5/20/2019</a:t>
             </a:fld>
             <a:endParaRPr lang="en-US" dirty="0"/>
           </a:p>
@@ -5453,7 +8163,7 @@
             <a:fld id="{B61BEF0D-F0BB-DE4B-95CE-6DB70DBA9567}" type="datetimeFigureOut">
               <a:rPr lang="en-US" dirty="0"/>
               <a:pPr/>
-              <a:t>5/17/2019</a:t>
+              <a:t>5/20/2019</a:t>
             </a:fld>
             <a:endParaRPr lang="en-US" dirty="0"/>
           </a:p>
@@ -5791,7 +8501,7 @@
             <a:fld id="{B61BEF0D-F0BB-DE4B-95CE-6DB70DBA9567}" type="datetimeFigureOut">
               <a:rPr lang="en-US" dirty="0"/>
               <a:pPr/>
-              <a:t>5/17/2019</a:t>
+              <a:t>5/20/2019</a:t>
             </a:fld>
             <a:endParaRPr lang="en-US" dirty="0"/>
           </a:p>
@@ -6102,7 +8812,7 @@
             <a:fld id="{B61BEF0D-F0BB-DE4B-95CE-6DB70DBA9567}" type="datetimeFigureOut">
               <a:rPr lang="en-US" dirty="0"/>
               <a:pPr/>
-              <a:t>5/17/2019</a:t>
+              <a:t>5/20/2019</a:t>
             </a:fld>
             <a:endParaRPr lang="en-US" dirty="0"/>
           </a:p>
@@ -6492,7 +9202,7 @@
             <a:fld id="{B61BEF0D-F0BB-DE4B-95CE-6DB70DBA9567}" type="datetimeFigureOut">
               <a:rPr lang="en-US" dirty="0"/>
               <a:pPr/>
-              <a:t>5/17/2019</a:t>
+              <a:t>5/20/2019</a:t>
             </a:fld>
             <a:endParaRPr lang="en-US" dirty="0"/>
           </a:p>
@@ -6658,7 +9368,7 @@
           <a:p>
             <a:fld id="{55C6B4A9-1611-4792-9094-5F34BCA07E0B}" type="datetimeFigureOut">
               <a:rPr lang="en-US" dirty="0"/>
-              <a:t>5/17/2019</a:t>
+              <a:t>5/20/2019</a:t>
             </a:fld>
             <a:endParaRPr lang="en-US" dirty="0"/>
           </a:p>
@@ -6834,7 +9544,7 @@
             <a:fld id="{B61BEF0D-F0BB-DE4B-95CE-6DB70DBA9567}" type="datetimeFigureOut">
               <a:rPr lang="en-US" dirty="0"/>
               <a:pPr/>
-              <a:t>5/17/2019</a:t>
+              <a:t>5/20/2019</a:t>
             </a:fld>
             <a:endParaRPr lang="en-US" dirty="0"/>
           </a:p>
@@ -7007,7 +9717,7 @@
             <a:fld id="{B61BEF0D-F0BB-DE4B-95CE-6DB70DBA9567}" type="datetimeFigureOut">
               <a:rPr lang="en-US" dirty="0"/>
               <a:pPr/>
-              <a:t>5/17/2019</a:t>
+              <a:t>5/20/2019</a:t>
             </a:fld>
             <a:endParaRPr lang="en-US" dirty="0"/>
           </a:p>
@@ -7251,7 +9961,7 @@
             <a:fld id="{B61BEF0D-F0BB-DE4B-95CE-6DB70DBA9567}" type="datetimeFigureOut">
               <a:rPr lang="en-US" dirty="0"/>
               <a:pPr/>
-              <a:t>5/17/2019</a:t>
+              <a:t>5/20/2019</a:t>
             </a:fld>
             <a:endParaRPr lang="en-US" dirty="0"/>
           </a:p>
@@ -7479,7 +10189,7 @@
           <a:p>
             <a:fld id="{EB712588-04B1-427B-82EE-E8DB90309F08}" type="datetimeFigureOut">
               <a:rPr lang="en-US" dirty="0"/>
-              <a:t>5/17/2019</a:t>
+              <a:t>5/20/2019</a:t>
             </a:fld>
             <a:endParaRPr lang="en-US" dirty="0"/>
           </a:p>
@@ -7849,7 +10559,7 @@
             <a:fld id="{B61BEF0D-F0BB-DE4B-95CE-6DB70DBA9567}" type="datetimeFigureOut">
               <a:rPr lang="en-US" dirty="0"/>
               <a:pPr/>
-              <a:t>5/17/2019</a:t>
+              <a:t>5/20/2019</a:t>
             </a:fld>
             <a:endParaRPr lang="en-US" dirty="0"/>
           </a:p>
@@ -7969,7 +10679,7 @@
             <a:fld id="{B61BEF0D-F0BB-DE4B-95CE-6DB70DBA9567}" type="datetimeFigureOut">
               <a:rPr lang="en-US" dirty="0"/>
               <a:pPr/>
-              <a:t>5/17/2019</a:t>
+              <a:t>5/20/2019</a:t>
             </a:fld>
             <a:endParaRPr lang="en-US" dirty="0"/>
           </a:p>
@@ -8061,7 +10771,7 @@
             <a:fld id="{B61BEF0D-F0BB-DE4B-95CE-6DB70DBA9567}" type="datetimeFigureOut">
               <a:rPr lang="en-US" dirty="0"/>
               <a:pPr/>
-              <a:t>5/17/2019</a:t>
+              <a:t>5/20/2019</a:t>
             </a:fld>
             <a:endParaRPr lang="en-US" dirty="0"/>
           </a:p>
@@ -8312,7 +11022,7 @@
           <a:p>
             <a:fld id="{42A54C80-263E-416B-A8E0-580EDEADCBDC}" type="datetimeFigureOut">
               <a:rPr lang="en-US" dirty="0"/>
-              <a:t>5/17/2019</a:t>
+              <a:t>5/20/2019</a:t>
             </a:fld>
             <a:endParaRPr lang="en-US" dirty="0"/>
           </a:p>
@@ -8571,7 +11281,7 @@
             <a:fld id="{B61BEF0D-F0BB-DE4B-95CE-6DB70DBA9567}" type="datetimeFigureOut">
               <a:rPr lang="en-US" dirty="0"/>
               <a:pPr/>
-              <a:t>5/17/2019</a:t>
+              <a:t>5/20/2019</a:t>
             </a:fld>
             <a:endParaRPr lang="en-US" dirty="0"/>
           </a:p>
@@ -9311,7 +12021,7 @@
             <a:fld id="{B61BEF0D-F0BB-DE4B-95CE-6DB70DBA9567}" type="datetimeFigureOut">
               <a:rPr lang="en-US" dirty="0"/>
               <a:pPr/>
-              <a:t>5/17/2019</a:t>
+              <a:t>5/20/2019</a:t>
             </a:fld>
             <a:endParaRPr lang="en-US" dirty="0"/>
           </a:p>
@@ -10196,6 +12906,14 @@
 <file path=ppt/slides/slide4.xml><?xml version="1.0" encoding="utf-8"?>
 <p:sld xmlns:a="http://schemas.openxmlformats.org/drawingml/2006/main" xmlns:r="http://schemas.openxmlformats.org/officeDocument/2006/relationships" xmlns:p="http://schemas.openxmlformats.org/presentationml/2006/main">
   <p:cSld>
+    <p:bg>
+      <p:bgPr>
+        <a:solidFill>
+          <a:schemeClr val="bg1"/>
+        </a:solidFill>
+        <a:effectLst/>
+      </p:bgPr>
+    </p:bg>
     <p:spTree>
       <p:nvGrpSpPr>
         <p:cNvPr id="1" name=""/>
@@ -10226,9 +12944,16 @@
             <p:ph type="title"/>
           </p:nvPr>
         </p:nvSpPr>
-        <p:spPr/>
+        <p:spPr>
+          <a:xfrm>
+            <a:off x="677334" y="609600"/>
+            <a:ext cx="8596668" cy="1320800"/>
+          </a:xfrm>
+        </p:spPr>
         <p:txBody>
-          <a:bodyPr/>
+          <a:bodyPr>
+            <a:normAutofit/>
+          </a:bodyPr>
           <a:lstStyle/>
           <a:p>
             <a:r>
@@ -10238,46 +12963,37 @@
           </a:p>
         </p:txBody>
       </p:sp>
-      <p:sp>
-        <p:nvSpPr>
-          <p:cNvPr id="3" name="Content Placeholder 2">
+      <p:graphicFrame>
+        <p:nvGraphicFramePr>
+          <p:cNvPr id="5" name="Content Placeholder 2">
             <a:extLst>
               <a:ext uri="{FF2B5EF4-FFF2-40B4-BE49-F238E27FC236}">
-                <a16:creationId xmlns:a16="http://schemas.microsoft.com/office/drawing/2014/main" id="{55DCA0D4-23A6-47E6-89E2-06F5AEF0C0BA}"/>
+                <a16:creationId xmlns:a16="http://schemas.microsoft.com/office/drawing/2014/main" id="{97C08277-D02C-4AA9-8AFA-683FA01A8D36}"/>
               </a:ext>
             </a:extLst>
           </p:cNvPr>
-          <p:cNvSpPr>
-            <a:spLocks noGrp="1"/>
-          </p:cNvSpPr>
+          <p:cNvGraphicFramePr>
+            <a:graphicFrameLocks noGrp="1"/>
+          </p:cNvGraphicFramePr>
           <p:nvPr>
             <p:ph idx="1"/>
+            <p:extLst>
+              <p:ext uri="{D42A27DB-BD31-4B8C-83A1-F6EECF244321}">
+                <p14:modId xmlns:p14="http://schemas.microsoft.com/office/powerpoint/2010/main" val="2388722422"/>
+              </p:ext>
+            </p:extLst>
           </p:nvPr>
-        </p:nvSpPr>
-        <p:spPr/>
-        <p:txBody>
-          <a:bodyPr/>
-          <a:lstStyle/>
-          <a:p>
-            <a:r>
-              <a:rPr lang="en-US" dirty="0"/>
-              <a:t>Divided original acoustic file into ~13,000 training samples</a:t>
-            </a:r>
-          </a:p>
-          <a:p>
-            <a:r>
-              <a:rPr lang="en-US" dirty="0"/>
-              <a:t>Generated ~500 features for each training and test sample</a:t>
-            </a:r>
-          </a:p>
-          <a:p>
-            <a:r>
-              <a:rPr lang="en-US" dirty="0"/>
-              <a:t>Used these features to make predictions about time to failure</a:t>
-            </a:r>
-          </a:p>
-        </p:txBody>
-      </p:sp>
+        </p:nvGraphicFramePr>
+        <p:xfrm>
+          <a:off x="677863" y="2160588"/>
+          <a:ext cx="8596312" cy="3881437"/>
+        </p:xfrm>
+        <a:graphic>
+          <a:graphicData uri="http://schemas.openxmlformats.org/drawingml/2006/diagram">
+            <dgm:relIds xmlns:dgm="http://schemas.openxmlformats.org/drawingml/2006/diagram" xmlns:r="http://schemas.openxmlformats.org/officeDocument/2006/relationships" r:dm="rId2" r:lo="rId3" r:qs="rId4" r:cs="rId5"/>
+          </a:graphicData>
+        </a:graphic>
+      </p:graphicFrame>
     </p:spTree>
     <p:extLst>
       <p:ext uri="{BB962C8B-B14F-4D97-AF65-F5344CB8AC3E}">
@@ -10313,7 +13029,7 @@
           <p:cNvPr id="2" name="Title 1">
             <a:extLst>
               <a:ext uri="{FF2B5EF4-FFF2-40B4-BE49-F238E27FC236}">
-                <a16:creationId xmlns:a16="http://schemas.microsoft.com/office/drawing/2014/main" id="{5E593CAF-ED14-415D-826D-783375A5545A}"/>
+                <a16:creationId xmlns:a16="http://schemas.microsoft.com/office/drawing/2014/main" id="{573291A2-AE16-4275-B417-B80B62F4A646}"/>
               </a:ext>
             </a:extLst>
           </p:cNvPr>
@@ -10331,15 +13047,169 @@
           <a:p>
             <a:r>
               <a:rPr lang="en-US" dirty="0"/>
-              <a:t>Modeling</a:t>
+              <a:t>Modeling Approaches</a:t>
             </a:r>
           </a:p>
         </p:txBody>
       </p:sp>
+      <p:sp>
+        <p:nvSpPr>
+          <p:cNvPr id="3" name="Content Placeholder 2">
+            <a:extLst>
+              <a:ext uri="{FF2B5EF4-FFF2-40B4-BE49-F238E27FC236}">
+                <a16:creationId xmlns:a16="http://schemas.microsoft.com/office/drawing/2014/main" id="{C8B25D37-336F-4A0D-9B7C-B93169323548}"/>
+              </a:ext>
+            </a:extLst>
+          </p:cNvPr>
+          <p:cNvSpPr>
+            <a:spLocks noGrp="1"/>
+          </p:cNvSpPr>
+          <p:nvPr>
+            <p:ph idx="1"/>
+          </p:nvPr>
+        </p:nvSpPr>
+        <p:spPr/>
+        <p:txBody>
+          <a:bodyPr/>
+          <a:lstStyle/>
+          <a:p>
+            <a:r>
+              <a:rPr lang="en-US" dirty="0"/>
+              <a:t>Random Forest</a:t>
+            </a:r>
+          </a:p>
+          <a:p>
+            <a:endParaRPr lang="en-US" dirty="0"/>
+          </a:p>
+          <a:p>
+            <a:endParaRPr lang="en-US" dirty="0"/>
+          </a:p>
+          <a:p>
+            <a:endParaRPr lang="en-US" dirty="0"/>
+          </a:p>
+          <a:p>
+            <a:endParaRPr lang="en-US" dirty="0"/>
+          </a:p>
+          <a:p>
+            <a:endParaRPr lang="en-US" dirty="0"/>
+          </a:p>
+          <a:p>
+            <a:endParaRPr lang="en-US" dirty="0"/>
+          </a:p>
+          <a:p>
+            <a:r>
+              <a:rPr lang="en-US" dirty="0"/>
+              <a:t>Gradient-Boosting Machine</a:t>
+            </a:r>
+          </a:p>
+        </p:txBody>
+      </p:sp>
+      <p:pic>
+        <p:nvPicPr>
+          <p:cNvPr id="4" name="Picture 2" descr="https://i1.wp.com/dataaspirant.com/wp-content/uploads/2017/04/Random-Forest-Introduction.jpg?resize=690%2C345">
+            <a:extLst>
+              <a:ext uri="{FF2B5EF4-FFF2-40B4-BE49-F238E27FC236}">
+                <a16:creationId xmlns:a16="http://schemas.microsoft.com/office/drawing/2014/main" id="{7669E620-0066-4307-A415-3F3AFF6C8C09}"/>
+              </a:ext>
+            </a:extLst>
+          </p:cNvPr>
+          <p:cNvPicPr>
+            <a:picLocks noChangeAspect="1" noChangeArrowheads="1"/>
+          </p:cNvPicPr>
+          <p:nvPr/>
+        </p:nvPicPr>
+        <p:blipFill rotWithShape="1">
+          <a:blip r:embed="rId2">
+            <a:extLst>
+              <a:ext uri="{28A0092B-C50C-407E-A947-70E740481C1C}">
+                <a14:useLocalDpi xmlns:a14="http://schemas.microsoft.com/office/drawing/2010/main" val="0"/>
+              </a:ext>
+            </a:extLst>
+          </a:blip>
+          <a:srcRect l="3623" t="1440" r="21355" b="31586"/>
+          <a:stretch/>
+        </p:blipFill>
+        <p:spPr bwMode="auto">
+          <a:xfrm>
+            <a:off x="3162078" y="1464151"/>
+            <a:ext cx="4930588" cy="2200837"/>
+          </a:xfrm>
+          <a:prstGeom prst="rect">
+            <a:avLst/>
+          </a:prstGeom>
+          <a:noFill/>
+          <a:ln w="19050">
+            <a:solidFill>
+              <a:schemeClr val="tx1"/>
+            </a:solidFill>
+          </a:ln>
+          <a:extLst>
+            <a:ext uri="{909E8E84-426E-40DD-AFC4-6F175D3DCCD1}">
+              <a14:hiddenFill xmlns:a14="http://schemas.microsoft.com/office/drawing/2010/main">
+                <a:solidFill>
+                  <a:srgbClr val="FFFFFF"/>
+                </a:solidFill>
+              </a14:hiddenFill>
+            </a:ext>
+          </a:extLst>
+        </p:spPr>
+      </p:pic>
+      <p:pic>
+        <p:nvPicPr>
+          <p:cNvPr id="2050" name="Picture 2" descr="Image result for gradient boosting regression">
+            <a:extLst>
+              <a:ext uri="{FF2B5EF4-FFF2-40B4-BE49-F238E27FC236}">
+                <a16:creationId xmlns:a16="http://schemas.microsoft.com/office/drawing/2014/main" id="{EB85D3C6-BF4E-4A2D-88FC-2E3EE44B5535}"/>
+              </a:ext>
+            </a:extLst>
+          </p:cNvPr>
+          <p:cNvPicPr>
+            <a:picLocks noChangeAspect="1" noChangeArrowheads="1"/>
+          </p:cNvPicPr>
+          <p:nvPr/>
+        </p:nvPicPr>
+        <p:blipFill>
+          <a:blip r:embed="rId3">
+            <a:extLst>
+              <a:ext uri="{28A0092B-C50C-407E-A947-70E740481C1C}">
+                <a14:useLocalDpi xmlns:a14="http://schemas.microsoft.com/office/drawing/2010/main" val="0"/>
+              </a:ext>
+            </a:extLst>
+          </a:blip>
+          <a:srcRect/>
+          <a:stretch>
+            <a:fillRect/>
+          </a:stretch>
+        </p:blipFill>
+        <p:spPr bwMode="auto">
+          <a:xfrm>
+            <a:off x="4156093" y="4226274"/>
+            <a:ext cx="4733925" cy="1771650"/>
+          </a:xfrm>
+          <a:prstGeom prst="rect">
+            <a:avLst/>
+          </a:prstGeom>
+          <a:noFill/>
+          <a:ln w="19050">
+            <a:solidFill>
+              <a:schemeClr val="tx1"/>
+            </a:solidFill>
+          </a:ln>
+          <a:extLst>
+            <a:ext uri="{909E8E84-426E-40DD-AFC4-6F175D3DCCD1}">
+              <a14:hiddenFill xmlns:a14="http://schemas.microsoft.com/office/drawing/2010/main">
+                <a:solidFill>
+                  <a:srgbClr val="FFFFFF"/>
+                </a:solidFill>
+              </a14:hiddenFill>
+            </a:ext>
+          </a:extLst>
+        </p:spPr>
+      </p:pic>
     </p:spTree>
     <p:extLst>
       <p:ext uri="{BB962C8B-B14F-4D97-AF65-F5344CB8AC3E}">
-        <p14:creationId xmlns:p14="http://schemas.microsoft.com/office/powerpoint/2010/main" val="1488670048"/>
+        <p14:creationId xmlns:p14="http://schemas.microsoft.com/office/powerpoint/2010/main" val="470612508"/>
       </p:ext>
     </p:extLst>
   </p:cSld>
@@ -10394,36 +13264,6 @@
           </a:p>
         </p:txBody>
       </p:sp>
-      <p:graphicFrame>
-        <p:nvGraphicFramePr>
-          <p:cNvPr id="5" name="Chart 4">
-            <a:extLst>
-              <a:ext uri="{FF2B5EF4-FFF2-40B4-BE49-F238E27FC236}">
-                <a16:creationId xmlns:a16="http://schemas.microsoft.com/office/drawing/2014/main" id="{F5817517-FD05-47CA-9F86-2D7D1544E87F}"/>
-              </a:ext>
-            </a:extLst>
-          </p:cNvPr>
-          <p:cNvGraphicFramePr>
-            <a:graphicFrameLocks/>
-          </p:cNvGraphicFramePr>
-          <p:nvPr>
-            <p:extLst>
-              <p:ext uri="{D42A27DB-BD31-4B8C-83A1-F6EECF244321}">
-                <p14:modId xmlns:p14="http://schemas.microsoft.com/office/powerpoint/2010/main" val="130300069"/>
-              </p:ext>
-            </p:extLst>
-          </p:nvPr>
-        </p:nvGraphicFramePr>
-        <p:xfrm>
-          <a:off x="677334" y="1407458"/>
-          <a:ext cx="7668808" cy="5100918"/>
-        </p:xfrm>
-        <a:graphic>
-          <a:graphicData uri="http://schemas.openxmlformats.org/drawingml/2006/chart">
-            <c:chart xmlns:c="http://schemas.openxmlformats.org/drawingml/2006/chart" xmlns:r="http://schemas.openxmlformats.org/officeDocument/2006/relationships" r:id="rId2"/>
-          </a:graphicData>
-        </a:graphic>
-      </p:graphicFrame>
     </p:spTree>
     <p:extLst>
       <p:ext uri="{BB962C8B-B14F-4D97-AF65-F5344CB8AC3E}">
@@ -10438,69 +13278,6 @@
 </file>
 
 <file path=ppt/slides/slide7.xml><?xml version="1.0" encoding="utf-8"?>
-<p:sld xmlns:a="http://schemas.openxmlformats.org/drawingml/2006/main" xmlns:r="http://schemas.openxmlformats.org/officeDocument/2006/relationships" xmlns:p="http://schemas.openxmlformats.org/presentationml/2006/main">
-  <p:cSld>
-    <p:spTree>
-      <p:nvGrpSpPr>
-        <p:cNvPr id="1" name=""/>
-        <p:cNvGrpSpPr/>
-        <p:nvPr/>
-      </p:nvGrpSpPr>
-      <p:grpSpPr>
-        <a:xfrm>
-          <a:off x="0" y="0"/>
-          <a:ext cx="0" cy="0"/>
-          <a:chOff x="0" y="0"/>
-          <a:chExt cx="0" cy="0"/>
-        </a:xfrm>
-      </p:grpSpPr>
-      <p:sp>
-        <p:nvSpPr>
-          <p:cNvPr id="2" name="Title 1">
-            <a:extLst>
-              <a:ext uri="{FF2B5EF4-FFF2-40B4-BE49-F238E27FC236}">
-                <a16:creationId xmlns:a16="http://schemas.microsoft.com/office/drawing/2014/main" id="{5E593CAF-ED14-415D-826D-783375A5545A}"/>
-              </a:ext>
-            </a:extLst>
-          </p:cNvPr>
-          <p:cNvSpPr>
-            <a:spLocks noGrp="1"/>
-          </p:cNvSpPr>
-          <p:nvPr>
-            <p:ph type="title"/>
-          </p:nvPr>
-        </p:nvSpPr>
-        <p:spPr/>
-        <p:txBody>
-          <a:bodyPr/>
-          <a:lstStyle/>
-          <a:p>
-            <a:r>
-              <a:rPr lang="en-US" dirty="0"/>
-              <a:t>Feature </a:t>
-            </a:r>
-            <a:r>
-              <a:rPr lang="en-US" dirty="0" err="1"/>
-              <a:t>Importances</a:t>
-            </a:r>
-            <a:endParaRPr lang="en-US" dirty="0"/>
-          </a:p>
-        </p:txBody>
-      </p:sp>
-    </p:spTree>
-    <p:extLst>
-      <p:ext uri="{BB962C8B-B14F-4D97-AF65-F5344CB8AC3E}">
-        <p14:creationId xmlns:p14="http://schemas.microsoft.com/office/powerpoint/2010/main" val="539528641"/>
-      </p:ext>
-    </p:extLst>
-  </p:cSld>
-  <p:clrMapOvr>
-    <a:masterClrMapping/>
-  </p:clrMapOvr>
-</p:sld>
-</file>
-
-<file path=ppt/slides/slide8.xml><?xml version="1.0" encoding="utf-8"?>
 <p:sld xmlns:a="http://schemas.openxmlformats.org/drawingml/2006/main" xmlns:r="http://schemas.openxmlformats.org/officeDocument/2006/relationships" xmlns:p="http://schemas.openxmlformats.org/presentationml/2006/main">
   <p:cSld>
     <p:bg>

--- a/presentation.pptx
+++ b/presentation.pptx
@@ -119,6 +119,1071 @@
     </p:ext>
   </p:extLst>
 </p:presentation>
+</file>
+
+<file path=ppt/charts/chart1.xml><?xml version="1.0" encoding="utf-8"?>
+<c:chartSpace xmlns:c="http://schemas.openxmlformats.org/drawingml/2006/chart" xmlns:a="http://schemas.openxmlformats.org/drawingml/2006/main" xmlns:r="http://schemas.openxmlformats.org/officeDocument/2006/relationships" xmlns:c16r2="http://schemas.microsoft.com/office/drawing/2015/06/chart">
+  <c:date1904 val="0"/>
+  <c:lang val="en-US"/>
+  <c:roundedCorners val="0"/>
+  <mc:AlternateContent xmlns:mc="http://schemas.openxmlformats.org/markup-compatibility/2006">
+    <mc:Choice xmlns:c14="http://schemas.microsoft.com/office/drawing/2007/8/2/chart" Requires="c14">
+      <c14:style val="102"/>
+    </mc:Choice>
+    <mc:Fallback>
+      <c:style val="2"/>
+    </mc:Fallback>
+  </mc:AlternateContent>
+  <c:chart>
+    <c:autoTitleDeleted val="1"/>
+    <c:plotArea>
+      <c:layout/>
+      <c:barChart>
+        <c:barDir val="bar"/>
+        <c:grouping val="clustered"/>
+        <c:varyColors val="0"/>
+        <c:ser>
+          <c:idx val="0"/>
+          <c:order val="0"/>
+          <c:tx>
+            <c:strRef>
+              <c:f>Sheet2!$B$1</c:f>
+              <c:strCache>
+                <c:ptCount val="1"/>
+                <c:pt idx="0">
+                  <c:v>Test Score</c:v>
+                </c:pt>
+              </c:strCache>
+            </c:strRef>
+          </c:tx>
+          <c:spPr>
+            <a:solidFill>
+              <a:schemeClr val="accent1"/>
+            </a:solidFill>
+            <a:ln>
+              <a:noFill/>
+            </a:ln>
+            <a:effectLst/>
+          </c:spPr>
+          <c:invertIfNegative val="0"/>
+          <c:dLbls>
+            <c:spPr>
+              <a:noFill/>
+              <a:ln>
+                <a:noFill/>
+              </a:ln>
+              <a:effectLst/>
+            </c:spPr>
+            <c:txPr>
+              <a:bodyPr rot="0" spcFirstLastPara="1" vertOverflow="ellipsis" vert="horz" wrap="square" anchor="ctr" anchorCtr="1"/>
+              <a:lstStyle/>
+              <a:p>
+                <a:pPr>
+                  <a:defRPr sz="1600" b="0" i="0" u="none" strike="noStrike" kern="1200" baseline="0">
+                    <a:solidFill>
+                      <a:schemeClr val="tx1">
+                        <a:lumMod val="75000"/>
+                        <a:lumOff val="25000"/>
+                      </a:schemeClr>
+                    </a:solidFill>
+                    <a:latin typeface="+mn-lt"/>
+                    <a:ea typeface="+mn-ea"/>
+                    <a:cs typeface="+mn-cs"/>
+                  </a:defRPr>
+                </a:pPr>
+                <a:endParaRPr lang="en-US"/>
+              </a:p>
+            </c:txPr>
+            <c:dLblPos val="outEnd"/>
+            <c:showLegendKey val="0"/>
+            <c:showVal val="1"/>
+            <c:showCatName val="0"/>
+            <c:showSerName val="0"/>
+            <c:showPercent val="0"/>
+            <c:showBubbleSize val="0"/>
+            <c:showLeaderLines val="0"/>
+            <c:extLst>
+              <c:ext xmlns:c15="http://schemas.microsoft.com/office/drawing/2012/chart" uri="{CE6537A1-D6FC-4f65-9D91-7224C49458BB}">
+                <c15:showLeaderLines val="1"/>
+                <c15:leaderLines>
+                  <c:spPr>
+                    <a:ln w="9525" cap="flat" cmpd="sng" algn="ctr">
+                      <a:solidFill>
+                        <a:schemeClr val="tx1">
+                          <a:lumMod val="35000"/>
+                          <a:lumOff val="65000"/>
+                        </a:schemeClr>
+                      </a:solidFill>
+                      <a:round/>
+                    </a:ln>
+                    <a:effectLst/>
+                  </c:spPr>
+                </c15:leaderLines>
+              </c:ext>
+            </c:extLst>
+          </c:dLbls>
+          <c:cat>
+            <c:strRef>
+              <c:f>Sheet2!$A$2:$A$5</c:f>
+              <c:strCache>
+                <c:ptCount val="4"/>
+                <c:pt idx="0">
+                  <c:v>Dummy</c:v>
+                </c:pt>
+                <c:pt idx="1">
+                  <c:v>Random Forest</c:v>
+                </c:pt>
+                <c:pt idx="2">
+                  <c:v>Gradient Boosting Machine</c:v>
+                </c:pt>
+                <c:pt idx="3">
+                  <c:v>Kaggle Top Score</c:v>
+                </c:pt>
+              </c:strCache>
+            </c:strRef>
+          </c:cat>
+          <c:val>
+            <c:numRef>
+              <c:f>Sheet2!$B$2:$B$5</c:f>
+              <c:numCache>
+                <c:formatCode>0.00</c:formatCode>
+                <c:ptCount val="4"/>
+                <c:pt idx="0">
+                  <c:v>2.96</c:v>
+                </c:pt>
+                <c:pt idx="1">
+                  <c:v>1.93</c:v>
+                </c:pt>
+                <c:pt idx="2">
+                  <c:v>1.93</c:v>
+                </c:pt>
+              </c:numCache>
+            </c:numRef>
+          </c:val>
+          <c:extLst>
+            <c:ext xmlns:c16="http://schemas.microsoft.com/office/drawing/2014/chart" uri="{C3380CC4-5D6E-409C-BE32-E72D297353CC}">
+              <c16:uniqueId val="{00000000-BF84-4E79-8AD8-676A4DB0C674}"/>
+            </c:ext>
+          </c:extLst>
+        </c:ser>
+        <c:ser>
+          <c:idx val="1"/>
+          <c:order val="1"/>
+          <c:tx>
+            <c:strRef>
+              <c:f>Sheet2!$C$1</c:f>
+              <c:strCache>
+                <c:ptCount val="1"/>
+                <c:pt idx="0">
+                  <c:v>Kaggle Score</c:v>
+                </c:pt>
+              </c:strCache>
+            </c:strRef>
+          </c:tx>
+          <c:spPr>
+            <a:solidFill>
+              <a:schemeClr val="accent2"/>
+            </a:solidFill>
+            <a:ln>
+              <a:noFill/>
+            </a:ln>
+            <a:effectLst/>
+          </c:spPr>
+          <c:invertIfNegative val="0"/>
+          <c:dLbls>
+            <c:spPr>
+              <a:noFill/>
+              <a:ln>
+                <a:noFill/>
+              </a:ln>
+              <a:effectLst/>
+            </c:spPr>
+            <c:txPr>
+              <a:bodyPr rot="0" spcFirstLastPara="1" vertOverflow="ellipsis" vert="horz" wrap="square" lIns="38100" tIns="19050" rIns="38100" bIns="19050" anchor="ctr" anchorCtr="1">
+                <a:spAutoFit/>
+              </a:bodyPr>
+              <a:lstStyle/>
+              <a:p>
+                <a:pPr>
+                  <a:defRPr sz="1600" b="0" i="0" u="none" strike="noStrike" kern="1200" baseline="0">
+                    <a:solidFill>
+                      <a:schemeClr val="tx1">
+                        <a:lumMod val="75000"/>
+                        <a:lumOff val="25000"/>
+                      </a:schemeClr>
+                    </a:solidFill>
+                    <a:latin typeface="+mn-lt"/>
+                    <a:ea typeface="+mn-ea"/>
+                    <a:cs typeface="+mn-cs"/>
+                  </a:defRPr>
+                </a:pPr>
+                <a:endParaRPr lang="en-US"/>
+              </a:p>
+            </c:txPr>
+            <c:dLblPos val="outEnd"/>
+            <c:showLegendKey val="0"/>
+            <c:showVal val="1"/>
+            <c:showCatName val="0"/>
+            <c:showSerName val="0"/>
+            <c:showPercent val="0"/>
+            <c:showBubbleSize val="0"/>
+            <c:showLeaderLines val="0"/>
+            <c:extLst>
+              <c:ext xmlns:c15="http://schemas.microsoft.com/office/drawing/2012/chart" uri="{CE6537A1-D6FC-4f65-9D91-7224C49458BB}">
+                <c15:showLeaderLines val="1"/>
+                <c15:leaderLines>
+                  <c:spPr>
+                    <a:ln w="9525" cap="flat" cmpd="sng" algn="ctr">
+                      <a:solidFill>
+                        <a:schemeClr val="tx1">
+                          <a:lumMod val="35000"/>
+                          <a:lumOff val="65000"/>
+                        </a:schemeClr>
+                      </a:solidFill>
+                      <a:round/>
+                    </a:ln>
+                    <a:effectLst/>
+                  </c:spPr>
+                </c15:leaderLines>
+              </c:ext>
+            </c:extLst>
+          </c:dLbls>
+          <c:cat>
+            <c:strRef>
+              <c:f>Sheet2!$A$2:$A$5</c:f>
+              <c:strCache>
+                <c:ptCount val="4"/>
+                <c:pt idx="0">
+                  <c:v>Dummy</c:v>
+                </c:pt>
+                <c:pt idx="1">
+                  <c:v>Random Forest</c:v>
+                </c:pt>
+                <c:pt idx="2">
+                  <c:v>Gradient Boosting Machine</c:v>
+                </c:pt>
+                <c:pt idx="3">
+                  <c:v>Kaggle Top Score</c:v>
+                </c:pt>
+              </c:strCache>
+            </c:strRef>
+          </c:cat>
+          <c:val>
+            <c:numRef>
+              <c:f>Sheet2!$C$2:$C$5</c:f>
+              <c:numCache>
+                <c:formatCode>General</c:formatCode>
+                <c:ptCount val="4"/>
+                <c:pt idx="1">
+                  <c:v>1.51</c:v>
+                </c:pt>
+                <c:pt idx="2">
+                  <c:v>1.53</c:v>
+                </c:pt>
+                <c:pt idx="3" formatCode="0.00">
+                  <c:v>1.21</c:v>
+                </c:pt>
+              </c:numCache>
+            </c:numRef>
+          </c:val>
+          <c:extLst>
+            <c:ext xmlns:c16="http://schemas.microsoft.com/office/drawing/2014/chart" uri="{C3380CC4-5D6E-409C-BE32-E72D297353CC}">
+              <c16:uniqueId val="{00000001-BF84-4E79-8AD8-676A4DB0C674}"/>
+            </c:ext>
+          </c:extLst>
+        </c:ser>
+        <c:dLbls>
+          <c:showLegendKey val="0"/>
+          <c:showVal val="0"/>
+          <c:showCatName val="0"/>
+          <c:showSerName val="0"/>
+          <c:showPercent val="0"/>
+          <c:showBubbleSize val="0"/>
+        </c:dLbls>
+        <c:gapWidth val="219"/>
+        <c:axId val="490778672"/>
+        <c:axId val="490779000"/>
+      </c:barChart>
+      <c:catAx>
+        <c:axId val="490778672"/>
+        <c:scaling>
+          <c:orientation val="maxMin"/>
+        </c:scaling>
+        <c:delete val="0"/>
+        <c:axPos val="l"/>
+        <c:numFmt formatCode="General" sourceLinked="1"/>
+        <c:majorTickMark val="none"/>
+        <c:minorTickMark val="none"/>
+        <c:tickLblPos val="nextTo"/>
+        <c:spPr>
+          <a:noFill/>
+          <a:ln w="9525" cap="flat" cmpd="sng" algn="ctr">
+            <a:solidFill>
+              <a:schemeClr val="tx1">
+                <a:lumMod val="15000"/>
+                <a:lumOff val="85000"/>
+              </a:schemeClr>
+            </a:solidFill>
+            <a:round/>
+          </a:ln>
+          <a:effectLst/>
+        </c:spPr>
+        <c:txPr>
+          <a:bodyPr rot="-60000000" spcFirstLastPara="1" vertOverflow="ellipsis" vert="horz" wrap="square" anchor="ctr" anchorCtr="1"/>
+          <a:lstStyle/>
+          <a:p>
+            <a:pPr>
+              <a:defRPr sz="1600" b="0" i="0" u="none" strike="noStrike" kern="1200" baseline="0">
+                <a:solidFill>
+                  <a:schemeClr val="tx1">
+                    <a:lumMod val="65000"/>
+                    <a:lumOff val="35000"/>
+                  </a:schemeClr>
+                </a:solidFill>
+                <a:latin typeface="+mn-lt"/>
+                <a:ea typeface="+mn-ea"/>
+                <a:cs typeface="+mn-cs"/>
+              </a:defRPr>
+            </a:pPr>
+            <a:endParaRPr lang="en-US"/>
+          </a:p>
+        </c:txPr>
+        <c:crossAx val="490779000"/>
+        <c:crosses val="autoZero"/>
+        <c:auto val="1"/>
+        <c:lblAlgn val="ctr"/>
+        <c:lblOffset val="100"/>
+        <c:noMultiLvlLbl val="0"/>
+      </c:catAx>
+      <c:valAx>
+        <c:axId val="490779000"/>
+        <c:scaling>
+          <c:orientation val="minMax"/>
+        </c:scaling>
+        <c:delete val="0"/>
+        <c:axPos val="t"/>
+        <c:majorGridlines>
+          <c:spPr>
+            <a:ln w="9525" cap="flat" cmpd="sng" algn="ctr">
+              <a:solidFill>
+                <a:schemeClr val="tx1">
+                  <a:lumMod val="15000"/>
+                  <a:lumOff val="85000"/>
+                </a:schemeClr>
+              </a:solidFill>
+              <a:round/>
+            </a:ln>
+            <a:effectLst/>
+          </c:spPr>
+        </c:majorGridlines>
+        <c:title>
+          <c:tx>
+            <c:rich>
+              <a:bodyPr rot="0" spcFirstLastPara="1" vertOverflow="ellipsis" vert="horz" wrap="square" anchor="ctr" anchorCtr="1"/>
+              <a:lstStyle/>
+              <a:p>
+                <a:pPr>
+                  <a:defRPr sz="1600" b="0" i="0" u="none" strike="noStrike" kern="1200" baseline="0">
+                    <a:solidFill>
+                      <a:schemeClr val="tx1">
+                        <a:lumMod val="65000"/>
+                        <a:lumOff val="35000"/>
+                      </a:schemeClr>
+                    </a:solidFill>
+                    <a:latin typeface="+mn-lt"/>
+                    <a:ea typeface="+mn-ea"/>
+                    <a:cs typeface="+mn-cs"/>
+                  </a:defRPr>
+                </a:pPr>
+                <a:r>
+                  <a:rPr lang="en-US"/>
+                  <a:t>Mean Absolute</a:t>
+                </a:r>
+                <a:r>
+                  <a:rPr lang="en-US" baseline="0"/>
+                  <a:t> Deviation</a:t>
+                </a:r>
+              </a:p>
+            </c:rich>
+          </c:tx>
+          <c:overlay val="0"/>
+          <c:spPr>
+            <a:noFill/>
+            <a:ln>
+              <a:noFill/>
+            </a:ln>
+            <a:effectLst/>
+          </c:spPr>
+          <c:txPr>
+            <a:bodyPr rot="0" spcFirstLastPara="1" vertOverflow="ellipsis" vert="horz" wrap="square" anchor="ctr" anchorCtr="1"/>
+            <a:lstStyle/>
+            <a:p>
+              <a:pPr>
+                <a:defRPr sz="1600" b="0" i="0" u="none" strike="noStrike" kern="1200" baseline="0">
+                  <a:solidFill>
+                    <a:schemeClr val="tx1">
+                      <a:lumMod val="65000"/>
+                      <a:lumOff val="35000"/>
+                    </a:schemeClr>
+                  </a:solidFill>
+                  <a:latin typeface="+mn-lt"/>
+                  <a:ea typeface="+mn-ea"/>
+                  <a:cs typeface="+mn-cs"/>
+                </a:defRPr>
+              </a:pPr>
+              <a:endParaRPr lang="en-US"/>
+            </a:p>
+          </c:txPr>
+        </c:title>
+        <c:numFmt formatCode="0.0" sourceLinked="0"/>
+        <c:majorTickMark val="none"/>
+        <c:minorTickMark val="none"/>
+        <c:tickLblPos val="nextTo"/>
+        <c:spPr>
+          <a:noFill/>
+          <a:ln>
+            <a:noFill/>
+          </a:ln>
+          <a:effectLst/>
+        </c:spPr>
+        <c:txPr>
+          <a:bodyPr rot="-60000000" spcFirstLastPara="1" vertOverflow="ellipsis" vert="horz" wrap="square" anchor="ctr" anchorCtr="1"/>
+          <a:lstStyle/>
+          <a:p>
+            <a:pPr>
+              <a:defRPr sz="1600" b="0" i="0" u="none" strike="noStrike" kern="1200" baseline="0">
+                <a:solidFill>
+                  <a:schemeClr val="tx1">
+                    <a:lumMod val="65000"/>
+                    <a:lumOff val="35000"/>
+                  </a:schemeClr>
+                </a:solidFill>
+                <a:latin typeface="+mn-lt"/>
+                <a:ea typeface="+mn-ea"/>
+                <a:cs typeface="+mn-cs"/>
+              </a:defRPr>
+            </a:pPr>
+            <a:endParaRPr lang="en-US"/>
+          </a:p>
+        </c:txPr>
+        <c:crossAx val="490778672"/>
+        <c:crosses val="autoZero"/>
+        <c:crossBetween val="between"/>
+      </c:valAx>
+      <c:spPr>
+        <a:noFill/>
+        <a:ln>
+          <a:noFill/>
+        </a:ln>
+        <a:effectLst/>
+      </c:spPr>
+    </c:plotArea>
+    <c:legend>
+      <c:legendPos val="b"/>
+      <c:overlay val="0"/>
+      <c:spPr>
+        <a:noFill/>
+        <a:ln>
+          <a:noFill/>
+        </a:ln>
+        <a:effectLst/>
+      </c:spPr>
+      <c:txPr>
+        <a:bodyPr rot="0" spcFirstLastPara="1" vertOverflow="ellipsis" vert="horz" wrap="square" anchor="ctr" anchorCtr="1"/>
+        <a:lstStyle/>
+        <a:p>
+          <a:pPr>
+            <a:defRPr sz="1600" b="0" i="0" u="none" strike="noStrike" kern="1200" baseline="0">
+              <a:solidFill>
+                <a:schemeClr val="tx1">
+                  <a:lumMod val="65000"/>
+                  <a:lumOff val="35000"/>
+                </a:schemeClr>
+              </a:solidFill>
+              <a:latin typeface="+mn-lt"/>
+              <a:ea typeface="+mn-ea"/>
+              <a:cs typeface="+mn-cs"/>
+            </a:defRPr>
+          </a:pPr>
+          <a:endParaRPr lang="en-US"/>
+        </a:p>
+      </c:txPr>
+    </c:legend>
+    <c:plotVisOnly val="1"/>
+    <c:dispBlanksAs val="gap"/>
+    <c:extLst>
+      <c:ext xmlns:c16r3="http://schemas.microsoft.com/office/drawing/2017/03/chart" uri="{56B9EC1D-385E-4148-901F-78D8002777C0}">
+        <c16r3:dataDisplayOptions16>
+          <c16r3:dispNaAsBlank val="1"/>
+        </c16r3:dataDisplayOptions16>
+      </c:ext>
+    </c:extLst>
+    <c:showDLblsOverMax val="0"/>
+  </c:chart>
+  <c:spPr>
+    <a:noFill/>
+    <a:ln>
+      <a:noFill/>
+    </a:ln>
+    <a:effectLst/>
+  </c:spPr>
+  <c:txPr>
+    <a:bodyPr/>
+    <a:lstStyle/>
+    <a:p>
+      <a:pPr>
+        <a:defRPr sz="1600"/>
+      </a:pPr>
+      <a:endParaRPr lang="en-US"/>
+    </a:p>
+  </c:txPr>
+  <c:externalData r:id="rId3">
+    <c:autoUpdate val="0"/>
+  </c:externalData>
+</c:chartSpace>
+</file>
+
+<file path=ppt/charts/colors1.xml><?xml version="1.0" encoding="utf-8"?>
+<cs:colorStyle xmlns:cs="http://schemas.microsoft.com/office/drawing/2012/chartStyle" xmlns:a="http://schemas.openxmlformats.org/drawingml/2006/main" meth="cycle" id="10">
+  <a:schemeClr val="accent1"/>
+  <a:schemeClr val="accent2"/>
+  <a:schemeClr val="accent3"/>
+  <a:schemeClr val="accent4"/>
+  <a:schemeClr val="accent5"/>
+  <a:schemeClr val="accent6"/>
+  <cs:variation/>
+  <cs:variation>
+    <a:lumMod val="60000"/>
+  </cs:variation>
+  <cs:variation>
+    <a:lumMod val="80000"/>
+    <a:lumOff val="20000"/>
+  </cs:variation>
+  <cs:variation>
+    <a:lumMod val="80000"/>
+  </cs:variation>
+  <cs:variation>
+    <a:lumMod val="60000"/>
+    <a:lumOff val="40000"/>
+  </cs:variation>
+  <cs:variation>
+    <a:lumMod val="50000"/>
+  </cs:variation>
+  <cs:variation>
+    <a:lumMod val="70000"/>
+    <a:lumOff val="30000"/>
+  </cs:variation>
+  <cs:variation>
+    <a:lumMod val="70000"/>
+  </cs:variation>
+  <cs:variation>
+    <a:lumMod val="50000"/>
+    <a:lumOff val="50000"/>
+  </cs:variation>
+</cs:colorStyle>
+</file>
+
+<file path=ppt/charts/style1.xml><?xml version="1.0" encoding="utf-8"?>
+<cs:chartStyle xmlns:cs="http://schemas.microsoft.com/office/drawing/2012/chartStyle" xmlns:a="http://schemas.openxmlformats.org/drawingml/2006/main" id="201">
+  <cs:axisTitle>
+    <cs:lnRef idx="0"/>
+    <cs:fillRef idx="0"/>
+    <cs:effectRef idx="0"/>
+    <cs:fontRef idx="minor">
+      <a:schemeClr val="tx1">
+        <a:lumMod val="65000"/>
+        <a:lumOff val="35000"/>
+      </a:schemeClr>
+    </cs:fontRef>
+    <cs:defRPr sz="1000" kern="1200"/>
+  </cs:axisTitle>
+  <cs:categoryAxis>
+    <cs:lnRef idx="0"/>
+    <cs:fillRef idx="0"/>
+    <cs:effectRef idx="0"/>
+    <cs:fontRef idx="minor">
+      <a:schemeClr val="tx1">
+        <a:lumMod val="65000"/>
+        <a:lumOff val="35000"/>
+      </a:schemeClr>
+    </cs:fontRef>
+    <cs:spPr>
+      <a:ln w="9525" cap="flat" cmpd="sng" algn="ctr">
+        <a:solidFill>
+          <a:schemeClr val="tx1">
+            <a:lumMod val="15000"/>
+            <a:lumOff val="85000"/>
+          </a:schemeClr>
+        </a:solidFill>
+        <a:round/>
+      </a:ln>
+    </cs:spPr>
+    <cs:defRPr sz="900" kern="1200"/>
+  </cs:categoryAxis>
+  <cs:chartArea mods="allowNoFillOverride allowNoLineOverride">
+    <cs:lnRef idx="0"/>
+    <cs:fillRef idx="0"/>
+    <cs:effectRef idx="0"/>
+    <cs:fontRef idx="minor">
+      <a:schemeClr val="tx1"/>
+    </cs:fontRef>
+    <cs:spPr>
+      <a:solidFill>
+        <a:schemeClr val="bg1"/>
+      </a:solidFill>
+      <a:ln w="9525" cap="flat" cmpd="sng" algn="ctr">
+        <a:solidFill>
+          <a:schemeClr val="tx1">
+            <a:lumMod val="15000"/>
+            <a:lumOff val="85000"/>
+          </a:schemeClr>
+        </a:solidFill>
+        <a:round/>
+      </a:ln>
+    </cs:spPr>
+    <cs:defRPr sz="1000" kern="1200"/>
+  </cs:chartArea>
+  <cs:dataLabel>
+    <cs:lnRef idx="0"/>
+    <cs:fillRef idx="0"/>
+    <cs:effectRef idx="0"/>
+    <cs:fontRef idx="minor">
+      <a:schemeClr val="tx1">
+        <a:lumMod val="75000"/>
+        <a:lumOff val="25000"/>
+      </a:schemeClr>
+    </cs:fontRef>
+    <cs:defRPr sz="900" kern="1200"/>
+  </cs:dataLabel>
+  <cs:dataLabelCallout>
+    <cs:lnRef idx="0"/>
+    <cs:fillRef idx="0"/>
+    <cs:effectRef idx="0"/>
+    <cs:fontRef idx="minor">
+      <a:schemeClr val="dk1">
+        <a:lumMod val="65000"/>
+        <a:lumOff val="35000"/>
+      </a:schemeClr>
+    </cs:fontRef>
+    <cs:spPr>
+      <a:solidFill>
+        <a:schemeClr val="lt1"/>
+      </a:solidFill>
+      <a:ln>
+        <a:solidFill>
+          <a:schemeClr val="dk1">
+            <a:lumMod val="25000"/>
+            <a:lumOff val="75000"/>
+          </a:schemeClr>
+        </a:solidFill>
+      </a:ln>
+    </cs:spPr>
+    <cs:defRPr sz="900" kern="1200"/>
+    <cs:bodyPr rot="0" spcFirstLastPara="1" vertOverflow="clip" horzOverflow="clip" vert="horz" wrap="square" lIns="36576" tIns="18288" rIns="36576" bIns="18288" anchor="ctr" anchorCtr="1">
+      <a:spAutoFit/>
+    </cs:bodyPr>
+  </cs:dataLabelCallout>
+  <cs:dataPoint>
+    <cs:lnRef idx="0"/>
+    <cs:fillRef idx="1">
+      <cs:styleClr val="auto"/>
+    </cs:fillRef>
+    <cs:effectRef idx="0"/>
+    <cs:fontRef idx="minor">
+      <a:schemeClr val="tx1"/>
+    </cs:fontRef>
+  </cs:dataPoint>
+  <cs:dataPoint3D>
+    <cs:lnRef idx="0"/>
+    <cs:fillRef idx="1">
+      <cs:styleClr val="auto"/>
+    </cs:fillRef>
+    <cs:effectRef idx="0"/>
+    <cs:fontRef idx="minor">
+      <a:schemeClr val="tx1"/>
+    </cs:fontRef>
+  </cs:dataPoint3D>
+  <cs:dataPointLine>
+    <cs:lnRef idx="0">
+      <cs:styleClr val="auto"/>
+    </cs:lnRef>
+    <cs:fillRef idx="1"/>
+    <cs:effectRef idx="0"/>
+    <cs:fontRef idx="minor">
+      <a:schemeClr val="tx1"/>
+    </cs:fontRef>
+    <cs:spPr>
+      <a:ln w="28575" cap="rnd">
+        <a:solidFill>
+          <a:schemeClr val="phClr"/>
+        </a:solidFill>
+        <a:round/>
+      </a:ln>
+    </cs:spPr>
+  </cs:dataPointLine>
+  <cs:dataPointMarker>
+    <cs:lnRef idx="0">
+      <cs:styleClr val="auto"/>
+    </cs:lnRef>
+    <cs:fillRef idx="1">
+      <cs:styleClr val="auto"/>
+    </cs:fillRef>
+    <cs:effectRef idx="0"/>
+    <cs:fontRef idx="minor">
+      <a:schemeClr val="tx1"/>
+    </cs:fontRef>
+    <cs:spPr>
+      <a:ln w="9525">
+        <a:solidFill>
+          <a:schemeClr val="phClr"/>
+        </a:solidFill>
+      </a:ln>
+    </cs:spPr>
+  </cs:dataPointMarker>
+  <cs:dataPointMarkerLayout symbol="circle" size="5"/>
+  <cs:dataPointWireframe>
+    <cs:lnRef idx="0">
+      <cs:styleClr val="auto"/>
+    </cs:lnRef>
+    <cs:fillRef idx="1"/>
+    <cs:effectRef idx="0"/>
+    <cs:fontRef idx="minor">
+      <a:schemeClr val="tx1"/>
+    </cs:fontRef>
+    <cs:spPr>
+      <a:ln w="9525" cap="rnd">
+        <a:solidFill>
+          <a:schemeClr val="phClr"/>
+        </a:solidFill>
+        <a:round/>
+      </a:ln>
+    </cs:spPr>
+  </cs:dataPointWireframe>
+  <cs:dataTable>
+    <cs:lnRef idx="0"/>
+    <cs:fillRef idx="0"/>
+    <cs:effectRef idx="0"/>
+    <cs:fontRef idx="minor">
+      <a:schemeClr val="tx1">
+        <a:lumMod val="65000"/>
+        <a:lumOff val="35000"/>
+      </a:schemeClr>
+    </cs:fontRef>
+    <cs:spPr>
+      <a:noFill/>
+      <a:ln w="9525" cap="flat" cmpd="sng" algn="ctr">
+        <a:solidFill>
+          <a:schemeClr val="tx1">
+            <a:lumMod val="15000"/>
+            <a:lumOff val="85000"/>
+          </a:schemeClr>
+        </a:solidFill>
+        <a:round/>
+      </a:ln>
+    </cs:spPr>
+    <cs:defRPr sz="900" kern="1200"/>
+  </cs:dataTable>
+  <cs:downBar>
+    <cs:lnRef idx="0"/>
+    <cs:fillRef idx="0"/>
+    <cs:effectRef idx="0"/>
+    <cs:fontRef idx="minor">
+      <a:schemeClr val="dk1"/>
+    </cs:fontRef>
+    <cs:spPr>
+      <a:solidFill>
+        <a:schemeClr val="dk1">
+          <a:lumMod val="65000"/>
+          <a:lumOff val="35000"/>
+        </a:schemeClr>
+      </a:solidFill>
+      <a:ln w="9525">
+        <a:solidFill>
+          <a:schemeClr val="tx1">
+            <a:lumMod val="65000"/>
+            <a:lumOff val="35000"/>
+          </a:schemeClr>
+        </a:solidFill>
+      </a:ln>
+    </cs:spPr>
+  </cs:downBar>
+  <cs:dropLine>
+    <cs:lnRef idx="0"/>
+    <cs:fillRef idx="0"/>
+    <cs:effectRef idx="0"/>
+    <cs:fontRef idx="minor">
+      <a:schemeClr val="tx1"/>
+    </cs:fontRef>
+    <cs:spPr>
+      <a:ln w="9525" cap="flat" cmpd="sng" algn="ctr">
+        <a:solidFill>
+          <a:schemeClr val="tx1">
+            <a:lumMod val="35000"/>
+            <a:lumOff val="65000"/>
+          </a:schemeClr>
+        </a:solidFill>
+        <a:round/>
+      </a:ln>
+    </cs:spPr>
+  </cs:dropLine>
+  <cs:errorBar>
+    <cs:lnRef idx="0"/>
+    <cs:fillRef idx="0"/>
+    <cs:effectRef idx="0"/>
+    <cs:fontRef idx="minor">
+      <a:schemeClr val="tx1"/>
+    </cs:fontRef>
+    <cs:spPr>
+      <a:ln w="9525" cap="flat" cmpd="sng" algn="ctr">
+        <a:solidFill>
+          <a:schemeClr val="tx1">
+            <a:lumMod val="65000"/>
+            <a:lumOff val="35000"/>
+          </a:schemeClr>
+        </a:solidFill>
+        <a:round/>
+      </a:ln>
+    </cs:spPr>
+  </cs:errorBar>
+  <cs:floor>
+    <cs:lnRef idx="0"/>
+    <cs:fillRef idx="0"/>
+    <cs:effectRef idx="0"/>
+    <cs:fontRef idx="minor">
+      <a:schemeClr val="tx1"/>
+    </cs:fontRef>
+    <cs:spPr>
+      <a:noFill/>
+      <a:ln>
+        <a:noFill/>
+      </a:ln>
+    </cs:spPr>
+  </cs:floor>
+  <cs:gridlineMajor>
+    <cs:lnRef idx="0"/>
+    <cs:fillRef idx="0"/>
+    <cs:effectRef idx="0"/>
+    <cs:fontRef idx="minor">
+      <a:schemeClr val="tx1"/>
+    </cs:fontRef>
+    <cs:spPr>
+      <a:ln w="9525" cap="flat" cmpd="sng" algn="ctr">
+        <a:solidFill>
+          <a:schemeClr val="tx1">
+            <a:lumMod val="15000"/>
+            <a:lumOff val="85000"/>
+          </a:schemeClr>
+        </a:solidFill>
+        <a:round/>
+      </a:ln>
+    </cs:spPr>
+  </cs:gridlineMajor>
+  <cs:gridlineMinor>
+    <cs:lnRef idx="0"/>
+    <cs:fillRef idx="0"/>
+    <cs:effectRef idx="0"/>
+    <cs:fontRef idx="minor">
+      <a:schemeClr val="tx1"/>
+    </cs:fontRef>
+    <cs:spPr>
+      <a:ln w="9525" cap="flat" cmpd="sng" algn="ctr">
+        <a:solidFill>
+          <a:schemeClr val="tx1">
+            <a:lumMod val="5000"/>
+            <a:lumOff val="95000"/>
+          </a:schemeClr>
+        </a:solidFill>
+        <a:round/>
+      </a:ln>
+    </cs:spPr>
+  </cs:gridlineMinor>
+  <cs:hiLoLine>
+    <cs:lnRef idx="0"/>
+    <cs:fillRef idx="0"/>
+    <cs:effectRef idx="0"/>
+    <cs:fontRef idx="minor">
+      <a:schemeClr val="tx1"/>
+    </cs:fontRef>
+    <cs:spPr>
+      <a:ln w="9525" cap="flat" cmpd="sng" algn="ctr">
+        <a:solidFill>
+          <a:schemeClr val="tx1">
+            <a:lumMod val="75000"/>
+            <a:lumOff val="25000"/>
+          </a:schemeClr>
+        </a:solidFill>
+        <a:round/>
+      </a:ln>
+    </cs:spPr>
+  </cs:hiLoLine>
+  <cs:leaderLine>
+    <cs:lnRef idx="0"/>
+    <cs:fillRef idx="0"/>
+    <cs:effectRef idx="0"/>
+    <cs:fontRef idx="minor">
+      <a:schemeClr val="tx1"/>
+    </cs:fontRef>
+    <cs:spPr>
+      <a:ln w="9525" cap="flat" cmpd="sng" algn="ctr">
+        <a:solidFill>
+          <a:schemeClr val="tx1">
+            <a:lumMod val="35000"/>
+            <a:lumOff val="65000"/>
+          </a:schemeClr>
+        </a:solidFill>
+        <a:round/>
+      </a:ln>
+    </cs:spPr>
+  </cs:leaderLine>
+  <cs:legend>
+    <cs:lnRef idx="0"/>
+    <cs:fillRef idx="0"/>
+    <cs:effectRef idx="0"/>
+    <cs:fontRef idx="minor">
+      <a:schemeClr val="tx1">
+        <a:lumMod val="65000"/>
+        <a:lumOff val="35000"/>
+      </a:schemeClr>
+    </cs:fontRef>
+    <cs:defRPr sz="900" kern="1200"/>
+  </cs:legend>
+  <cs:plotArea mods="allowNoFillOverride allowNoLineOverride">
+    <cs:lnRef idx="0"/>
+    <cs:fillRef idx="0"/>
+    <cs:effectRef idx="0"/>
+    <cs:fontRef idx="minor">
+      <a:schemeClr val="tx1"/>
+    </cs:fontRef>
+  </cs:plotArea>
+  <cs:plotArea3D mods="allowNoFillOverride allowNoLineOverride">
+    <cs:lnRef idx="0"/>
+    <cs:fillRef idx="0"/>
+    <cs:effectRef idx="0"/>
+    <cs:fontRef idx="minor">
+      <a:schemeClr val="tx1"/>
+    </cs:fontRef>
+  </cs:plotArea3D>
+  <cs:seriesAxis>
+    <cs:lnRef idx="0"/>
+    <cs:fillRef idx="0"/>
+    <cs:effectRef idx="0"/>
+    <cs:fontRef idx="minor">
+      <a:schemeClr val="tx1">
+        <a:lumMod val="65000"/>
+        <a:lumOff val="35000"/>
+      </a:schemeClr>
+    </cs:fontRef>
+    <cs:defRPr sz="900" kern="1200"/>
+  </cs:seriesAxis>
+  <cs:seriesLine>
+    <cs:lnRef idx="0"/>
+    <cs:fillRef idx="0"/>
+    <cs:effectRef idx="0"/>
+    <cs:fontRef idx="minor">
+      <a:schemeClr val="tx1"/>
+    </cs:fontRef>
+    <cs:spPr>
+      <a:ln w="9525" cap="flat" cmpd="sng" algn="ctr">
+        <a:solidFill>
+          <a:schemeClr val="tx1">
+            <a:lumMod val="35000"/>
+            <a:lumOff val="65000"/>
+          </a:schemeClr>
+        </a:solidFill>
+        <a:round/>
+      </a:ln>
+    </cs:spPr>
+  </cs:seriesLine>
+  <cs:title>
+    <cs:lnRef idx="0"/>
+    <cs:fillRef idx="0"/>
+    <cs:effectRef idx="0"/>
+    <cs:fontRef idx="minor">
+      <a:schemeClr val="tx1">
+        <a:lumMod val="65000"/>
+        <a:lumOff val="35000"/>
+      </a:schemeClr>
+    </cs:fontRef>
+    <cs:defRPr sz="1400" b="0" kern="1200" spc="0" baseline="0"/>
+  </cs:title>
+  <cs:trendline>
+    <cs:lnRef idx="0">
+      <cs:styleClr val="auto"/>
+    </cs:lnRef>
+    <cs:fillRef idx="0"/>
+    <cs:effectRef idx="0"/>
+    <cs:fontRef idx="minor">
+      <a:schemeClr val="tx1"/>
+    </cs:fontRef>
+    <cs:spPr>
+      <a:ln w="19050" cap="rnd">
+        <a:solidFill>
+          <a:schemeClr val="phClr"/>
+        </a:solidFill>
+        <a:prstDash val="sysDot"/>
+      </a:ln>
+    </cs:spPr>
+  </cs:trendline>
+  <cs:trendlineLabel>
+    <cs:lnRef idx="0"/>
+    <cs:fillRef idx="0"/>
+    <cs:effectRef idx="0"/>
+    <cs:fontRef idx="minor">
+      <a:schemeClr val="tx1">
+        <a:lumMod val="65000"/>
+        <a:lumOff val="35000"/>
+      </a:schemeClr>
+    </cs:fontRef>
+    <cs:defRPr sz="900" kern="1200"/>
+  </cs:trendlineLabel>
+  <cs:upBar>
+    <cs:lnRef idx="0"/>
+    <cs:fillRef idx="0"/>
+    <cs:effectRef idx="0"/>
+    <cs:fontRef idx="minor">
+      <a:schemeClr val="dk1"/>
+    </cs:fontRef>
+    <cs:spPr>
+      <a:solidFill>
+        <a:schemeClr val="lt1"/>
+      </a:solidFill>
+      <a:ln w="9525">
+        <a:solidFill>
+          <a:schemeClr val="tx1">
+            <a:lumMod val="15000"/>
+            <a:lumOff val="85000"/>
+          </a:schemeClr>
+        </a:solidFill>
+      </a:ln>
+    </cs:spPr>
+  </cs:upBar>
+  <cs:valueAxis>
+    <cs:lnRef idx="0"/>
+    <cs:fillRef idx="0"/>
+    <cs:effectRef idx="0"/>
+    <cs:fontRef idx="minor">
+      <a:schemeClr val="tx1">
+        <a:lumMod val="65000"/>
+        <a:lumOff val="35000"/>
+      </a:schemeClr>
+    </cs:fontRef>
+    <cs:defRPr sz="900" kern="1200"/>
+  </cs:valueAxis>
+  <cs:wall>
+    <cs:lnRef idx="0"/>
+    <cs:fillRef idx="0"/>
+    <cs:effectRef idx="0"/>
+    <cs:fontRef idx="minor">
+      <a:schemeClr val="tx1"/>
+    </cs:fontRef>
+    <cs:spPr>
+      <a:noFill/>
+      <a:ln>
+        <a:noFill/>
+      </a:ln>
+    </cs:spPr>
+  </cs:wall>
+</cs:chartStyle>
 </file>
 
 <file path=ppt/diagrams/colors1.xml><?xml version="1.0" encoding="utf-8"?>
@@ -1944,7 +3009,7 @@
         <a:p>
           <a:r>
             <a:rPr lang="en-US" dirty="0"/>
-            <a:t>I can predict the timing of aperiodic earthquakes moderately well using gradient-boosted trees</a:t>
+            <a:t>I can predict the timing of aperiodic earthquakes moderately well using tree-based approaches</a:t>
           </a:r>
         </a:p>
       </dgm:t>
@@ -2648,7 +3713,7 @@
           </a:pPr>
           <a:r>
             <a:rPr lang="en-US" sz="2300" kern="1200" dirty="0"/>
-            <a:t>I can predict the timing of aperiodic earthquakes moderately well using gradient-boosted trees</a:t>
+            <a:t>I can predict the timing of aperiodic earthquakes moderately well using tree-based approaches</a:t>
           </a:r>
         </a:p>
       </dsp:txBody>
@@ -6435,7 +7500,7 @@
           <a:p>
             <a:fld id="{24BA4AAA-C7CC-4538-89B9-C10A4CDB940C}" type="datetimeFigureOut">
               <a:rPr lang="en-US" smtClean="0"/>
-              <a:t>5/20/2019</a:t>
+              <a:t>5/22/2019</a:t>
             </a:fld>
             <a:endParaRPr lang="en-US"/>
           </a:p>
@@ -7604,7 +8669,7 @@
             <a:fld id="{B61BEF0D-F0BB-DE4B-95CE-6DB70DBA9567}" type="datetimeFigureOut">
               <a:rPr lang="en-US" dirty="0"/>
               <a:pPr/>
-              <a:t>5/20/2019</a:t>
+              <a:t>5/22/2019</a:t>
             </a:fld>
             <a:endParaRPr lang="en-US" dirty="0"/>
           </a:p>
@@ -7852,7 +8917,7 @@
             <a:fld id="{B61BEF0D-F0BB-DE4B-95CE-6DB70DBA9567}" type="datetimeFigureOut">
               <a:rPr lang="en-US" dirty="0"/>
               <a:pPr/>
-              <a:t>5/20/2019</a:t>
+              <a:t>5/22/2019</a:t>
             </a:fld>
             <a:endParaRPr lang="en-US" dirty="0"/>
           </a:p>
@@ -8163,7 +9228,7 @@
             <a:fld id="{B61BEF0D-F0BB-DE4B-95CE-6DB70DBA9567}" type="datetimeFigureOut">
               <a:rPr lang="en-US" dirty="0"/>
               <a:pPr/>
-              <a:t>5/20/2019</a:t>
+              <a:t>5/22/2019</a:t>
             </a:fld>
             <a:endParaRPr lang="en-US" dirty="0"/>
           </a:p>
@@ -8501,7 +9566,7 @@
             <a:fld id="{B61BEF0D-F0BB-DE4B-95CE-6DB70DBA9567}" type="datetimeFigureOut">
               <a:rPr lang="en-US" dirty="0"/>
               <a:pPr/>
-              <a:t>5/20/2019</a:t>
+              <a:t>5/22/2019</a:t>
             </a:fld>
             <a:endParaRPr lang="en-US" dirty="0"/>
           </a:p>
@@ -8812,7 +9877,7 @@
             <a:fld id="{B61BEF0D-F0BB-DE4B-95CE-6DB70DBA9567}" type="datetimeFigureOut">
               <a:rPr lang="en-US" dirty="0"/>
               <a:pPr/>
-              <a:t>5/20/2019</a:t>
+              <a:t>5/22/2019</a:t>
             </a:fld>
             <a:endParaRPr lang="en-US" dirty="0"/>
           </a:p>
@@ -9202,7 +10267,7 @@
             <a:fld id="{B61BEF0D-F0BB-DE4B-95CE-6DB70DBA9567}" type="datetimeFigureOut">
               <a:rPr lang="en-US" dirty="0"/>
               <a:pPr/>
-              <a:t>5/20/2019</a:t>
+              <a:t>5/22/2019</a:t>
             </a:fld>
             <a:endParaRPr lang="en-US" dirty="0"/>
           </a:p>
@@ -9368,7 +10433,7 @@
           <a:p>
             <a:fld id="{55C6B4A9-1611-4792-9094-5F34BCA07E0B}" type="datetimeFigureOut">
               <a:rPr lang="en-US" dirty="0"/>
-              <a:t>5/20/2019</a:t>
+              <a:t>5/22/2019</a:t>
             </a:fld>
             <a:endParaRPr lang="en-US" dirty="0"/>
           </a:p>
@@ -9544,7 +10609,7 @@
             <a:fld id="{B61BEF0D-F0BB-DE4B-95CE-6DB70DBA9567}" type="datetimeFigureOut">
               <a:rPr lang="en-US" dirty="0"/>
               <a:pPr/>
-              <a:t>5/20/2019</a:t>
+              <a:t>5/22/2019</a:t>
             </a:fld>
             <a:endParaRPr lang="en-US" dirty="0"/>
           </a:p>
@@ -9717,7 +10782,7 @@
             <a:fld id="{B61BEF0D-F0BB-DE4B-95CE-6DB70DBA9567}" type="datetimeFigureOut">
               <a:rPr lang="en-US" dirty="0"/>
               <a:pPr/>
-              <a:t>5/20/2019</a:t>
+              <a:t>5/22/2019</a:t>
             </a:fld>
             <a:endParaRPr lang="en-US" dirty="0"/>
           </a:p>
@@ -9961,7 +11026,7 @@
             <a:fld id="{B61BEF0D-F0BB-DE4B-95CE-6DB70DBA9567}" type="datetimeFigureOut">
               <a:rPr lang="en-US" dirty="0"/>
               <a:pPr/>
-              <a:t>5/20/2019</a:t>
+              <a:t>5/22/2019</a:t>
             </a:fld>
             <a:endParaRPr lang="en-US" dirty="0"/>
           </a:p>
@@ -10189,7 +11254,7 @@
           <a:p>
             <a:fld id="{EB712588-04B1-427B-82EE-E8DB90309F08}" type="datetimeFigureOut">
               <a:rPr lang="en-US" dirty="0"/>
-              <a:t>5/20/2019</a:t>
+              <a:t>5/22/2019</a:t>
             </a:fld>
             <a:endParaRPr lang="en-US" dirty="0"/>
           </a:p>
@@ -10559,7 +11624,7 @@
             <a:fld id="{B61BEF0D-F0BB-DE4B-95CE-6DB70DBA9567}" type="datetimeFigureOut">
               <a:rPr lang="en-US" dirty="0"/>
               <a:pPr/>
-              <a:t>5/20/2019</a:t>
+              <a:t>5/22/2019</a:t>
             </a:fld>
             <a:endParaRPr lang="en-US" dirty="0"/>
           </a:p>
@@ -10679,7 +11744,7 @@
             <a:fld id="{B61BEF0D-F0BB-DE4B-95CE-6DB70DBA9567}" type="datetimeFigureOut">
               <a:rPr lang="en-US" dirty="0"/>
               <a:pPr/>
-              <a:t>5/20/2019</a:t>
+              <a:t>5/22/2019</a:t>
             </a:fld>
             <a:endParaRPr lang="en-US" dirty="0"/>
           </a:p>
@@ -10771,7 +11836,7 @@
             <a:fld id="{B61BEF0D-F0BB-DE4B-95CE-6DB70DBA9567}" type="datetimeFigureOut">
               <a:rPr lang="en-US" dirty="0"/>
               <a:pPr/>
-              <a:t>5/20/2019</a:t>
+              <a:t>5/22/2019</a:t>
             </a:fld>
             <a:endParaRPr lang="en-US" dirty="0"/>
           </a:p>
@@ -11022,7 +12087,7 @@
           <a:p>
             <a:fld id="{42A54C80-263E-416B-A8E0-580EDEADCBDC}" type="datetimeFigureOut">
               <a:rPr lang="en-US" dirty="0"/>
-              <a:t>5/20/2019</a:t>
+              <a:t>5/22/2019</a:t>
             </a:fld>
             <a:endParaRPr lang="en-US" dirty="0"/>
           </a:p>
@@ -11281,7 +12346,7 @@
             <a:fld id="{B61BEF0D-F0BB-DE4B-95CE-6DB70DBA9567}" type="datetimeFigureOut">
               <a:rPr lang="en-US" dirty="0"/>
               <a:pPr/>
-              <a:t>5/20/2019</a:t>
+              <a:t>5/22/2019</a:t>
             </a:fld>
             <a:endParaRPr lang="en-US" dirty="0"/>
           </a:p>
@@ -12021,7 +13086,7 @@
             <a:fld id="{B61BEF0D-F0BB-DE4B-95CE-6DB70DBA9567}" type="datetimeFigureOut">
               <a:rPr lang="en-US" dirty="0"/>
               <a:pPr/>
-              <a:t>5/20/2019</a:t>
+              <a:t>5/22/2019</a:t>
             </a:fld>
             <a:endParaRPr lang="en-US" dirty="0"/>
           </a:p>
@@ -13264,6 +14329,36 @@
           </a:p>
         </p:txBody>
       </p:sp>
+      <p:graphicFrame>
+        <p:nvGraphicFramePr>
+          <p:cNvPr id="4" name="Chart 3">
+            <a:extLst>
+              <a:ext uri="{FF2B5EF4-FFF2-40B4-BE49-F238E27FC236}">
+                <a16:creationId xmlns:a16="http://schemas.microsoft.com/office/drawing/2014/main" id="{F5817517-FD05-47CA-9F86-2D7D1544E87F}"/>
+              </a:ext>
+            </a:extLst>
+          </p:cNvPr>
+          <p:cNvGraphicFramePr>
+            <a:graphicFrameLocks/>
+          </p:cNvGraphicFramePr>
+          <p:nvPr>
+            <p:extLst>
+              <p:ext uri="{D42A27DB-BD31-4B8C-83A1-F6EECF244321}">
+                <p14:modId xmlns:p14="http://schemas.microsoft.com/office/powerpoint/2010/main" val="742039221"/>
+              </p:ext>
+            </p:extLst>
+          </p:nvPr>
+        </p:nvGraphicFramePr>
+        <p:xfrm>
+          <a:off x="939955" y="1269999"/>
+          <a:ext cx="7527538" cy="5286917"/>
+        </p:xfrm>
+        <a:graphic>
+          <a:graphicData uri="http://schemas.openxmlformats.org/drawingml/2006/chart">
+            <c:chart xmlns:c="http://schemas.openxmlformats.org/drawingml/2006/chart" xmlns:r="http://schemas.openxmlformats.org/officeDocument/2006/relationships" r:id="rId2"/>
+          </a:graphicData>
+        </a:graphic>
+      </p:graphicFrame>
     </p:spTree>
     <p:extLst>
       <p:ext uri="{BB962C8B-B14F-4D97-AF65-F5344CB8AC3E}">
@@ -13354,7 +14449,7 @@
             <p:ph idx="1"/>
             <p:extLst>
               <p:ext uri="{D42A27DB-BD31-4B8C-83A1-F6EECF244321}">
-                <p14:modId xmlns:p14="http://schemas.microsoft.com/office/powerpoint/2010/main" val="1681476027"/>
+                <p14:modId xmlns:p14="http://schemas.microsoft.com/office/powerpoint/2010/main" val="2528392184"/>
               </p:ext>
             </p:extLst>
           </p:nvPr>
